--- a/IT/Лабораторные работы/Тест.pptx
+++ b/IT/Лабораторные работы/Тест.pptx
@@ -107,6 +107,11 @@
       </a:defRPr>
     </a:lvl9pPr>
   </p:defaultTextStyle>
+  <p:extLst>
+    <p:ext uri="{EFAFB233-063F-42B5-8137-9DF3F51BA10A}">
+      <p15:sldGuideLst xmlns:p15="http://schemas.microsoft.com/office/powerpoint/2012/main"/>
+    </p:ext>
+  </p:extLst>
 </p:presentation>
 </file>
 
@@ -152,10 +157,9 @@
           </a:lstStyle>
           <a:p>
             <a:r>
-              <a:rPr lang="ru-RU" smtClean="0"/>
+              <a:rPr lang="ru-RU"/>
               <a:t>Образец заголовка</a:t>
             </a:r>
-            <a:endParaRPr lang="ru-RU"/>
           </a:p>
         </p:txBody>
       </p:sp>
@@ -217,10 +221,9 @@
           </a:lstStyle>
           <a:p>
             <a:r>
-              <a:rPr lang="ru-RU" smtClean="0"/>
+              <a:rPr lang="ru-RU"/>
               <a:t>Образец подзаголовка</a:t>
             </a:r>
-            <a:endParaRPr lang="ru-RU"/>
           </a:p>
         </p:txBody>
       </p:sp>
@@ -241,7 +244,7 @@
           <a:p>
             <a:fld id="{2F2D58F6-CB0F-4C9F-A071-EC897577AE17}" type="datetimeFigureOut">
               <a:rPr lang="ru-RU" smtClean="0"/>
-              <a:t>06.05.2022</a:t>
+              <a:t>12.05.2022</a:t>
             </a:fld>
             <a:endParaRPr lang="ru-RU"/>
           </a:p>
@@ -335,10 +338,9 @@
           <a:lstStyle/>
           <a:p>
             <a:r>
-              <a:rPr lang="ru-RU" smtClean="0"/>
+              <a:rPr lang="ru-RU"/>
               <a:t>Образец заголовка</a:t>
             </a:r>
-            <a:endParaRPr lang="ru-RU"/>
           </a:p>
         </p:txBody>
       </p:sp>
@@ -359,38 +361,37 @@
           <a:p>
             <a:pPr lvl="0"/>
             <a:r>
-              <a:rPr lang="ru-RU" smtClean="0"/>
+              <a:rPr lang="ru-RU"/>
               <a:t>Образец текста</a:t>
             </a:r>
           </a:p>
           <a:p>
             <a:pPr lvl="1"/>
             <a:r>
-              <a:rPr lang="ru-RU" smtClean="0"/>
+              <a:rPr lang="ru-RU"/>
               <a:t>Второй уровень</a:t>
             </a:r>
           </a:p>
           <a:p>
             <a:pPr lvl="2"/>
             <a:r>
-              <a:rPr lang="ru-RU" smtClean="0"/>
+              <a:rPr lang="ru-RU"/>
               <a:t>Третий уровень</a:t>
             </a:r>
           </a:p>
           <a:p>
             <a:pPr lvl="3"/>
             <a:r>
-              <a:rPr lang="ru-RU" smtClean="0"/>
+              <a:rPr lang="ru-RU"/>
               <a:t>Четвертый уровень</a:t>
             </a:r>
           </a:p>
           <a:p>
             <a:pPr lvl="4"/>
             <a:r>
-              <a:rPr lang="ru-RU" smtClean="0"/>
+              <a:rPr lang="ru-RU"/>
               <a:t>Пятый уровень</a:t>
             </a:r>
-            <a:endParaRPr lang="ru-RU"/>
           </a:p>
         </p:txBody>
       </p:sp>
@@ -411,7 +412,7 @@
           <a:p>
             <a:fld id="{2F2D58F6-CB0F-4C9F-A071-EC897577AE17}" type="datetimeFigureOut">
               <a:rPr lang="ru-RU" smtClean="0"/>
-              <a:t>06.05.2022</a:t>
+              <a:t>12.05.2022</a:t>
             </a:fld>
             <a:endParaRPr lang="ru-RU"/>
           </a:p>
@@ -510,10 +511,9 @@
           <a:lstStyle/>
           <a:p>
             <a:r>
-              <a:rPr lang="ru-RU" smtClean="0"/>
+              <a:rPr lang="ru-RU"/>
               <a:t>Образец заголовка</a:t>
             </a:r>
-            <a:endParaRPr lang="ru-RU"/>
           </a:p>
         </p:txBody>
       </p:sp>
@@ -539,38 +539,37 @@
           <a:p>
             <a:pPr lvl="0"/>
             <a:r>
-              <a:rPr lang="ru-RU" smtClean="0"/>
+              <a:rPr lang="ru-RU"/>
               <a:t>Образец текста</a:t>
             </a:r>
           </a:p>
           <a:p>
             <a:pPr lvl="1"/>
             <a:r>
-              <a:rPr lang="ru-RU" smtClean="0"/>
+              <a:rPr lang="ru-RU"/>
               <a:t>Второй уровень</a:t>
             </a:r>
           </a:p>
           <a:p>
             <a:pPr lvl="2"/>
             <a:r>
-              <a:rPr lang="ru-RU" smtClean="0"/>
+              <a:rPr lang="ru-RU"/>
               <a:t>Третий уровень</a:t>
             </a:r>
           </a:p>
           <a:p>
             <a:pPr lvl="3"/>
             <a:r>
-              <a:rPr lang="ru-RU" smtClean="0"/>
+              <a:rPr lang="ru-RU"/>
               <a:t>Четвертый уровень</a:t>
             </a:r>
           </a:p>
           <a:p>
             <a:pPr lvl="4"/>
             <a:r>
-              <a:rPr lang="ru-RU" smtClean="0"/>
+              <a:rPr lang="ru-RU"/>
               <a:t>Пятый уровень</a:t>
             </a:r>
-            <a:endParaRPr lang="ru-RU"/>
           </a:p>
         </p:txBody>
       </p:sp>
@@ -591,7 +590,7 @@
           <a:p>
             <a:fld id="{2F2D58F6-CB0F-4C9F-A071-EC897577AE17}" type="datetimeFigureOut">
               <a:rPr lang="ru-RU" smtClean="0"/>
-              <a:t>06.05.2022</a:t>
+              <a:t>12.05.2022</a:t>
             </a:fld>
             <a:endParaRPr lang="ru-RU"/>
           </a:p>
@@ -685,10 +684,9 @@
           <a:lstStyle/>
           <a:p>
             <a:r>
-              <a:rPr lang="ru-RU" smtClean="0"/>
+              <a:rPr lang="ru-RU"/>
               <a:t>Образец заголовка</a:t>
             </a:r>
-            <a:endParaRPr lang="ru-RU"/>
           </a:p>
         </p:txBody>
       </p:sp>
@@ -709,38 +707,37 @@
           <a:p>
             <a:pPr lvl="0"/>
             <a:r>
-              <a:rPr lang="ru-RU" smtClean="0"/>
+              <a:rPr lang="ru-RU"/>
               <a:t>Образец текста</a:t>
             </a:r>
           </a:p>
           <a:p>
             <a:pPr lvl="1"/>
             <a:r>
-              <a:rPr lang="ru-RU" smtClean="0"/>
+              <a:rPr lang="ru-RU"/>
               <a:t>Второй уровень</a:t>
             </a:r>
           </a:p>
           <a:p>
             <a:pPr lvl="2"/>
             <a:r>
-              <a:rPr lang="ru-RU" smtClean="0"/>
+              <a:rPr lang="ru-RU"/>
               <a:t>Третий уровень</a:t>
             </a:r>
           </a:p>
           <a:p>
             <a:pPr lvl="3"/>
             <a:r>
-              <a:rPr lang="ru-RU" smtClean="0"/>
+              <a:rPr lang="ru-RU"/>
               <a:t>Четвертый уровень</a:t>
             </a:r>
           </a:p>
           <a:p>
             <a:pPr lvl="4"/>
             <a:r>
-              <a:rPr lang="ru-RU" smtClean="0"/>
+              <a:rPr lang="ru-RU"/>
               <a:t>Пятый уровень</a:t>
             </a:r>
-            <a:endParaRPr lang="ru-RU"/>
           </a:p>
         </p:txBody>
       </p:sp>
@@ -761,7 +758,7 @@
           <a:p>
             <a:fld id="{2F2D58F6-CB0F-4C9F-A071-EC897577AE17}" type="datetimeFigureOut">
               <a:rPr lang="ru-RU" smtClean="0"/>
-              <a:t>06.05.2022</a:t>
+              <a:t>12.05.2022</a:t>
             </a:fld>
             <a:endParaRPr lang="ru-RU"/>
           </a:p>
@@ -864,10 +861,9 @@
           </a:lstStyle>
           <a:p>
             <a:r>
-              <a:rPr lang="ru-RU" smtClean="0"/>
+              <a:rPr lang="ru-RU"/>
               <a:t>Образец заголовка</a:t>
             </a:r>
-            <a:endParaRPr lang="ru-RU"/>
           </a:p>
         </p:txBody>
       </p:sp>
@@ -984,7 +980,7 @@
           <a:p>
             <a:pPr lvl="0"/>
             <a:r>
-              <a:rPr lang="ru-RU" smtClean="0"/>
+              <a:rPr lang="ru-RU"/>
               <a:t>Образец текста</a:t>
             </a:r>
           </a:p>
@@ -1007,7 +1003,7 @@
           <a:p>
             <a:fld id="{2F2D58F6-CB0F-4C9F-A071-EC897577AE17}" type="datetimeFigureOut">
               <a:rPr lang="ru-RU" smtClean="0"/>
-              <a:t>06.05.2022</a:t>
+              <a:t>12.05.2022</a:t>
             </a:fld>
             <a:endParaRPr lang="ru-RU"/>
           </a:p>
@@ -1101,10 +1097,9 @@
           <a:lstStyle/>
           <a:p>
             <a:r>
-              <a:rPr lang="ru-RU" smtClean="0"/>
+              <a:rPr lang="ru-RU"/>
               <a:t>Образец заголовка</a:t>
             </a:r>
-            <a:endParaRPr lang="ru-RU"/>
           </a:p>
         </p:txBody>
       </p:sp>
@@ -1130,38 +1125,37 @@
           <a:p>
             <a:pPr lvl="0"/>
             <a:r>
-              <a:rPr lang="ru-RU" smtClean="0"/>
+              <a:rPr lang="ru-RU"/>
               <a:t>Образец текста</a:t>
             </a:r>
           </a:p>
           <a:p>
             <a:pPr lvl="1"/>
             <a:r>
-              <a:rPr lang="ru-RU" smtClean="0"/>
+              <a:rPr lang="ru-RU"/>
               <a:t>Второй уровень</a:t>
             </a:r>
           </a:p>
           <a:p>
             <a:pPr lvl="2"/>
             <a:r>
-              <a:rPr lang="ru-RU" smtClean="0"/>
+              <a:rPr lang="ru-RU"/>
               <a:t>Третий уровень</a:t>
             </a:r>
           </a:p>
           <a:p>
             <a:pPr lvl="3"/>
             <a:r>
-              <a:rPr lang="ru-RU" smtClean="0"/>
+              <a:rPr lang="ru-RU"/>
               <a:t>Четвертый уровень</a:t>
             </a:r>
           </a:p>
           <a:p>
             <a:pPr lvl="4"/>
             <a:r>
-              <a:rPr lang="ru-RU" smtClean="0"/>
+              <a:rPr lang="ru-RU"/>
               <a:t>Пятый уровень</a:t>
             </a:r>
-            <a:endParaRPr lang="ru-RU"/>
           </a:p>
         </p:txBody>
       </p:sp>
@@ -1187,38 +1181,37 @@
           <a:p>
             <a:pPr lvl="0"/>
             <a:r>
-              <a:rPr lang="ru-RU" smtClean="0"/>
+              <a:rPr lang="ru-RU"/>
               <a:t>Образец текста</a:t>
             </a:r>
           </a:p>
           <a:p>
             <a:pPr lvl="1"/>
             <a:r>
-              <a:rPr lang="ru-RU" smtClean="0"/>
+              <a:rPr lang="ru-RU"/>
               <a:t>Второй уровень</a:t>
             </a:r>
           </a:p>
           <a:p>
             <a:pPr lvl="2"/>
             <a:r>
-              <a:rPr lang="ru-RU" smtClean="0"/>
+              <a:rPr lang="ru-RU"/>
               <a:t>Третий уровень</a:t>
             </a:r>
           </a:p>
           <a:p>
             <a:pPr lvl="3"/>
             <a:r>
-              <a:rPr lang="ru-RU" smtClean="0"/>
+              <a:rPr lang="ru-RU"/>
               <a:t>Четвертый уровень</a:t>
             </a:r>
           </a:p>
           <a:p>
             <a:pPr lvl="4"/>
             <a:r>
-              <a:rPr lang="ru-RU" smtClean="0"/>
+              <a:rPr lang="ru-RU"/>
               <a:t>Пятый уровень</a:t>
             </a:r>
-            <a:endParaRPr lang="ru-RU"/>
           </a:p>
         </p:txBody>
       </p:sp>
@@ -1239,7 +1232,7 @@
           <a:p>
             <a:fld id="{2F2D58F6-CB0F-4C9F-A071-EC897577AE17}" type="datetimeFigureOut">
               <a:rPr lang="ru-RU" smtClean="0"/>
-              <a:t>06.05.2022</a:t>
+              <a:t>12.05.2022</a:t>
             </a:fld>
             <a:endParaRPr lang="ru-RU"/>
           </a:p>
@@ -1338,10 +1331,9 @@
           <a:lstStyle/>
           <a:p>
             <a:r>
-              <a:rPr lang="ru-RU" smtClean="0"/>
+              <a:rPr lang="ru-RU"/>
               <a:t>Образец заголовка</a:t>
             </a:r>
-            <a:endParaRPr lang="ru-RU"/>
           </a:p>
         </p:txBody>
       </p:sp>
@@ -1404,7 +1396,7 @@
           <a:p>
             <a:pPr lvl="0"/>
             <a:r>
-              <a:rPr lang="ru-RU" smtClean="0"/>
+              <a:rPr lang="ru-RU"/>
               <a:t>Образец текста</a:t>
             </a:r>
           </a:p>
@@ -1432,38 +1424,37 @@
           <a:p>
             <a:pPr lvl="0"/>
             <a:r>
-              <a:rPr lang="ru-RU" smtClean="0"/>
+              <a:rPr lang="ru-RU"/>
               <a:t>Образец текста</a:t>
             </a:r>
           </a:p>
           <a:p>
             <a:pPr lvl="1"/>
             <a:r>
-              <a:rPr lang="ru-RU" smtClean="0"/>
+              <a:rPr lang="ru-RU"/>
               <a:t>Второй уровень</a:t>
             </a:r>
           </a:p>
           <a:p>
             <a:pPr lvl="2"/>
             <a:r>
-              <a:rPr lang="ru-RU" smtClean="0"/>
+              <a:rPr lang="ru-RU"/>
               <a:t>Третий уровень</a:t>
             </a:r>
           </a:p>
           <a:p>
             <a:pPr lvl="3"/>
             <a:r>
-              <a:rPr lang="ru-RU" smtClean="0"/>
+              <a:rPr lang="ru-RU"/>
               <a:t>Четвертый уровень</a:t>
             </a:r>
           </a:p>
           <a:p>
             <a:pPr lvl="4"/>
             <a:r>
-              <a:rPr lang="ru-RU" smtClean="0"/>
+              <a:rPr lang="ru-RU"/>
               <a:t>Пятый уровень</a:t>
             </a:r>
-            <a:endParaRPr lang="ru-RU"/>
           </a:p>
         </p:txBody>
       </p:sp>
@@ -1526,7 +1517,7 @@
           <a:p>
             <a:pPr lvl="0"/>
             <a:r>
-              <a:rPr lang="ru-RU" smtClean="0"/>
+              <a:rPr lang="ru-RU"/>
               <a:t>Образец текста</a:t>
             </a:r>
           </a:p>
@@ -1554,38 +1545,37 @@
           <a:p>
             <a:pPr lvl="0"/>
             <a:r>
-              <a:rPr lang="ru-RU" smtClean="0"/>
+              <a:rPr lang="ru-RU"/>
               <a:t>Образец текста</a:t>
             </a:r>
           </a:p>
           <a:p>
             <a:pPr lvl="1"/>
             <a:r>
-              <a:rPr lang="ru-RU" smtClean="0"/>
+              <a:rPr lang="ru-RU"/>
               <a:t>Второй уровень</a:t>
             </a:r>
           </a:p>
           <a:p>
             <a:pPr lvl="2"/>
             <a:r>
-              <a:rPr lang="ru-RU" smtClean="0"/>
+              <a:rPr lang="ru-RU"/>
               <a:t>Третий уровень</a:t>
             </a:r>
           </a:p>
           <a:p>
             <a:pPr lvl="3"/>
             <a:r>
-              <a:rPr lang="ru-RU" smtClean="0"/>
+              <a:rPr lang="ru-RU"/>
               <a:t>Четвертый уровень</a:t>
             </a:r>
           </a:p>
           <a:p>
             <a:pPr lvl="4"/>
             <a:r>
-              <a:rPr lang="ru-RU" smtClean="0"/>
+              <a:rPr lang="ru-RU"/>
               <a:t>Пятый уровень</a:t>
             </a:r>
-            <a:endParaRPr lang="ru-RU"/>
           </a:p>
         </p:txBody>
       </p:sp>
@@ -1606,7 +1596,7 @@
           <a:p>
             <a:fld id="{2F2D58F6-CB0F-4C9F-A071-EC897577AE17}" type="datetimeFigureOut">
               <a:rPr lang="ru-RU" smtClean="0"/>
-              <a:t>06.05.2022</a:t>
+              <a:t>12.05.2022</a:t>
             </a:fld>
             <a:endParaRPr lang="ru-RU"/>
           </a:p>
@@ -1700,10 +1690,9 @@
           <a:lstStyle/>
           <a:p>
             <a:r>
-              <a:rPr lang="ru-RU" smtClean="0"/>
+              <a:rPr lang="ru-RU"/>
               <a:t>Образец заголовка</a:t>
             </a:r>
-            <a:endParaRPr lang="ru-RU"/>
           </a:p>
         </p:txBody>
       </p:sp>
@@ -1724,7 +1713,7 @@
           <a:p>
             <a:fld id="{2F2D58F6-CB0F-4C9F-A071-EC897577AE17}" type="datetimeFigureOut">
               <a:rPr lang="ru-RU" smtClean="0"/>
-              <a:t>06.05.2022</a:t>
+              <a:t>12.05.2022</a:t>
             </a:fld>
             <a:endParaRPr lang="ru-RU"/>
           </a:p>
@@ -1819,7 +1808,7 @@
           <a:p>
             <a:fld id="{2F2D58F6-CB0F-4C9F-A071-EC897577AE17}" type="datetimeFigureOut">
               <a:rPr lang="ru-RU" smtClean="0"/>
-              <a:t>06.05.2022</a:t>
+              <a:t>12.05.2022</a:t>
             </a:fld>
             <a:endParaRPr lang="ru-RU"/>
           </a:p>
@@ -1922,10 +1911,9 @@
           </a:lstStyle>
           <a:p>
             <a:r>
-              <a:rPr lang="ru-RU" smtClean="0"/>
+              <a:rPr lang="ru-RU"/>
               <a:t>Образец заголовка</a:t>
             </a:r>
-            <a:endParaRPr lang="ru-RU"/>
           </a:p>
         </p:txBody>
       </p:sp>
@@ -1979,38 +1967,37 @@
           <a:p>
             <a:pPr lvl="0"/>
             <a:r>
-              <a:rPr lang="ru-RU" smtClean="0"/>
+              <a:rPr lang="ru-RU"/>
               <a:t>Образец текста</a:t>
             </a:r>
           </a:p>
           <a:p>
             <a:pPr lvl="1"/>
             <a:r>
-              <a:rPr lang="ru-RU" smtClean="0"/>
+              <a:rPr lang="ru-RU"/>
               <a:t>Второй уровень</a:t>
             </a:r>
           </a:p>
           <a:p>
             <a:pPr lvl="2"/>
             <a:r>
-              <a:rPr lang="ru-RU" smtClean="0"/>
+              <a:rPr lang="ru-RU"/>
               <a:t>Третий уровень</a:t>
             </a:r>
           </a:p>
           <a:p>
             <a:pPr lvl="3"/>
             <a:r>
-              <a:rPr lang="ru-RU" smtClean="0"/>
+              <a:rPr lang="ru-RU"/>
               <a:t>Четвертый уровень</a:t>
             </a:r>
           </a:p>
           <a:p>
             <a:pPr lvl="4"/>
             <a:r>
-              <a:rPr lang="ru-RU" smtClean="0"/>
+              <a:rPr lang="ru-RU"/>
               <a:t>Пятый уровень</a:t>
             </a:r>
-            <a:endParaRPr lang="ru-RU"/>
           </a:p>
         </p:txBody>
       </p:sp>
@@ -2073,7 +2060,7 @@
           <a:p>
             <a:pPr lvl="0"/>
             <a:r>
-              <a:rPr lang="ru-RU" smtClean="0"/>
+              <a:rPr lang="ru-RU"/>
               <a:t>Образец текста</a:t>
             </a:r>
           </a:p>
@@ -2096,7 +2083,7 @@
           <a:p>
             <a:fld id="{2F2D58F6-CB0F-4C9F-A071-EC897577AE17}" type="datetimeFigureOut">
               <a:rPr lang="ru-RU" smtClean="0"/>
-              <a:t>06.05.2022</a:t>
+              <a:t>12.05.2022</a:t>
             </a:fld>
             <a:endParaRPr lang="ru-RU"/>
           </a:p>
@@ -2199,10 +2186,9 @@
           </a:lstStyle>
           <a:p>
             <a:r>
-              <a:rPr lang="ru-RU" smtClean="0"/>
+              <a:rPr lang="ru-RU"/>
               <a:t>Образец заголовка</a:t>
             </a:r>
-            <a:endParaRPr lang="ru-RU"/>
           </a:p>
         </p:txBody>
       </p:sp>
@@ -2326,7 +2312,7 @@
           <a:p>
             <a:pPr lvl="0"/>
             <a:r>
-              <a:rPr lang="ru-RU" smtClean="0"/>
+              <a:rPr lang="ru-RU"/>
               <a:t>Образец текста</a:t>
             </a:r>
           </a:p>
@@ -2349,7 +2335,7 @@
           <a:p>
             <a:fld id="{2F2D58F6-CB0F-4C9F-A071-EC897577AE17}" type="datetimeFigureOut">
               <a:rPr lang="ru-RU" smtClean="0"/>
-              <a:t>06.05.2022</a:t>
+              <a:t>12.05.2022</a:t>
             </a:fld>
             <a:endParaRPr lang="ru-RU"/>
           </a:p>
@@ -2458,10 +2444,9 @@
           <a:lstStyle/>
           <a:p>
             <a:r>
-              <a:rPr lang="ru-RU" smtClean="0"/>
+              <a:rPr lang="ru-RU"/>
               <a:t>Образец заголовка</a:t>
             </a:r>
-            <a:endParaRPr lang="ru-RU"/>
           </a:p>
         </p:txBody>
       </p:sp>
@@ -2492,38 +2477,37 @@
           <a:p>
             <a:pPr lvl="0"/>
             <a:r>
-              <a:rPr lang="ru-RU" smtClean="0"/>
+              <a:rPr lang="ru-RU"/>
               <a:t>Образец текста</a:t>
             </a:r>
           </a:p>
           <a:p>
             <a:pPr lvl="1"/>
             <a:r>
-              <a:rPr lang="ru-RU" smtClean="0"/>
+              <a:rPr lang="ru-RU"/>
               <a:t>Второй уровень</a:t>
             </a:r>
           </a:p>
           <a:p>
             <a:pPr lvl="2"/>
             <a:r>
-              <a:rPr lang="ru-RU" smtClean="0"/>
+              <a:rPr lang="ru-RU"/>
               <a:t>Третий уровень</a:t>
             </a:r>
           </a:p>
           <a:p>
             <a:pPr lvl="3"/>
             <a:r>
-              <a:rPr lang="ru-RU" smtClean="0"/>
+              <a:rPr lang="ru-RU"/>
               <a:t>Четвертый уровень</a:t>
             </a:r>
           </a:p>
           <a:p>
             <a:pPr lvl="4"/>
             <a:r>
-              <a:rPr lang="ru-RU" smtClean="0"/>
+              <a:rPr lang="ru-RU"/>
               <a:t>Пятый уровень</a:t>
             </a:r>
-            <a:endParaRPr lang="ru-RU"/>
           </a:p>
         </p:txBody>
       </p:sp>
@@ -2562,7 +2546,7 @@
           <a:p>
             <a:fld id="{2F2D58F6-CB0F-4C9F-A071-EC897577AE17}" type="datetimeFigureOut">
               <a:rPr lang="ru-RU" smtClean="0"/>
-              <a:t>06.05.2022</a:t>
+              <a:t>12.05.2022</a:t>
             </a:fld>
             <a:endParaRPr lang="ru-RU"/>
           </a:p>
@@ -2990,13 +2974,13 @@
           <a:lstStyle/>
           <a:p>
             <a:r>
-              <a:rPr lang="ru-RU" dirty="0" smtClean="0">
+              <a:rPr lang="ru-RU" dirty="0">
                 <a:latin typeface="Montserrat" panose="00000500000000000000" pitchFamily="2" charset="-52"/>
               </a:rPr>
               <a:t>Основы программирования на </a:t>
             </a:r>
             <a:r>
-              <a:rPr lang="en-US" dirty="0" smtClean="0">
+              <a:rPr lang="en-US" dirty="0">
                 <a:latin typeface="Montserrat" panose="00000500000000000000" pitchFamily="2" charset="-52"/>
               </a:rPr>
               <a:t>C#</a:t>
@@ -3036,13 +3020,6 @@
   <p:clrMapOvr>
     <a:masterClrMapping/>
   </p:clrMapOvr>
-  <p:timing>
-    <p:tnLst>
-      <p:par>
-        <p:cTn id="1" dur="indefinite" restart="never" nodeType="tmRoot"/>
-      </p:par>
-    </p:tnLst>
-  </p:timing>
 </p:sld>
 </file>
 
@@ -3084,10 +3061,11 @@
           <a:lstStyle/>
           <a:p>
             <a:r>
-              <a:rPr lang="ru-RU" dirty="0" smtClean="0"/>
+              <a:rPr lang="ru-RU" dirty="0">
+                <a:latin typeface="Montserrat" panose="00000500000000000000" pitchFamily="2" charset="-52"/>
+              </a:rPr>
               <a:t>Немного истории</a:t>
             </a:r>
-            <a:endParaRPr lang="ru-RU" dirty="0"/>
           </a:p>
         </p:txBody>
       </p:sp>
@@ -3103,7 +3081,7 @@
         </p:nvSpPr>
         <p:spPr>
           <a:xfrm>
-            <a:off x="582168" y="2935224"/>
+            <a:off x="706120" y="1867491"/>
             <a:ext cx="5631180" cy="3392425"/>
           </a:xfrm>
         </p:spPr>
@@ -3117,55 +3095,81 @@
               <a:buNone/>
             </a:pPr>
             <a:r>
-              <a:rPr lang="ru-RU" sz="2400" dirty="0" smtClean="0"/>
+              <a:rPr lang="ru-RU" sz="2400" dirty="0">
+                <a:latin typeface="Montserrat" panose="00000500000000000000" pitchFamily="2" charset="-52"/>
+              </a:rPr>
               <a:t>C# — объектно-ориентированный язык программирования. Разработан в 1998—2001 годах группой инженеров компании </a:t>
             </a:r>
             <a:r>
-              <a:rPr lang="ru-RU" sz="2400" dirty="0" err="1" smtClean="0"/>
+              <a:rPr lang="ru-RU" sz="2400" dirty="0" err="1">
+                <a:latin typeface="Montserrat" panose="00000500000000000000" pitchFamily="2" charset="-52"/>
+              </a:rPr>
               <a:t>Microsoft</a:t>
             </a:r>
             <a:r>
-              <a:rPr lang="ru-RU" sz="2400" dirty="0" smtClean="0"/>
+              <a:rPr lang="ru-RU" sz="2400" dirty="0">
+                <a:latin typeface="Montserrat" panose="00000500000000000000" pitchFamily="2" charset="-52"/>
+              </a:rPr>
               <a:t> под руководством Андерса </a:t>
             </a:r>
             <a:r>
-              <a:rPr lang="ru-RU" sz="2400" dirty="0" err="1" smtClean="0"/>
+              <a:rPr lang="ru-RU" sz="2400" dirty="0" err="1">
+                <a:latin typeface="Montserrat" panose="00000500000000000000" pitchFamily="2" charset="-52"/>
+              </a:rPr>
               <a:t>Хейлсберга</a:t>
             </a:r>
             <a:r>
-              <a:rPr lang="ru-RU" sz="2400" dirty="0" smtClean="0"/>
+              <a:rPr lang="ru-RU" sz="2400" dirty="0">
+                <a:latin typeface="Montserrat" panose="00000500000000000000" pitchFamily="2" charset="-52"/>
+              </a:rPr>
               <a:t> и Скотта </a:t>
             </a:r>
             <a:r>
-              <a:rPr lang="ru-RU" sz="2400" dirty="0" err="1" smtClean="0"/>
+              <a:rPr lang="ru-RU" sz="2400" dirty="0" err="1">
+                <a:latin typeface="Montserrat" panose="00000500000000000000" pitchFamily="2" charset="-52"/>
+              </a:rPr>
               <a:t>Вильтаумота</a:t>
             </a:r>
             <a:r>
-              <a:rPr lang="ru-RU" sz="2400" dirty="0" smtClean="0"/>
+              <a:rPr lang="ru-RU" sz="2400" dirty="0">
+                <a:latin typeface="Montserrat" panose="00000500000000000000" pitchFamily="2" charset="-52"/>
+              </a:rPr>
               <a:t> как язык разработки приложений для платформы </a:t>
             </a:r>
             <a:r>
-              <a:rPr lang="ru-RU" sz="2400" dirty="0" err="1" smtClean="0"/>
+              <a:rPr lang="ru-RU" sz="2400" dirty="0" err="1">
+                <a:latin typeface="Montserrat" panose="00000500000000000000" pitchFamily="2" charset="-52"/>
+              </a:rPr>
               <a:t>Microsoft</a:t>
             </a:r>
             <a:r>
-              <a:rPr lang="ru-RU" sz="2400" dirty="0" smtClean="0"/>
+              <a:rPr lang="ru-RU" sz="2400" dirty="0">
+                <a:latin typeface="Montserrat" panose="00000500000000000000" pitchFamily="2" charset="-52"/>
+              </a:rPr>
               <a:t> .NET </a:t>
             </a:r>
             <a:r>
-              <a:rPr lang="ru-RU" sz="2400" dirty="0" err="1" smtClean="0"/>
+              <a:rPr lang="ru-RU" sz="2400" dirty="0" err="1">
+                <a:latin typeface="Montserrat" panose="00000500000000000000" pitchFamily="2" charset="-52"/>
+              </a:rPr>
               <a:t>Framework</a:t>
             </a:r>
             <a:r>
-              <a:rPr lang="ru-RU" sz="2400" dirty="0" smtClean="0"/>
+              <a:rPr lang="ru-RU" sz="2400" dirty="0">
+                <a:latin typeface="Montserrat" panose="00000500000000000000" pitchFamily="2" charset="-52"/>
+              </a:rPr>
               <a:t> и .NET </a:t>
             </a:r>
             <a:r>
-              <a:rPr lang="ru-RU" sz="2400" dirty="0" err="1" smtClean="0"/>
+              <a:rPr lang="ru-RU" sz="2400" dirty="0" err="1">
+                <a:latin typeface="Montserrat" panose="00000500000000000000" pitchFamily="2" charset="-52"/>
+              </a:rPr>
               <a:t>Core</a:t>
             </a:r>
             <a:r>
-              <a:rPr lang="ru-RU" sz="2400" dirty="0" smtClean="0"/>
+              <a:rPr lang="ru-RU" sz="2400" dirty="0">
+                <a:latin typeface="Montserrat" panose="00000500000000000000" pitchFamily="2" charset="-52"/>
+              </a:rPr>
               <a:t>. </a:t>
             </a:r>
           </a:p>
@@ -3192,7 +3196,7 @@
         </p:blipFill>
         <p:spPr bwMode="auto">
           <a:xfrm>
-            <a:off x="6286500" y="1243584"/>
+            <a:off x="6337300" y="2445850"/>
             <a:ext cx="5577841" cy="2235708"/>
           </a:xfrm>
           <a:prstGeom prst="rect">
@@ -3220,13 +3224,6 @@
   <p:clrMapOvr>
     <a:masterClrMapping/>
   </p:clrMapOvr>
-  <p:timing>
-    <p:tnLst>
-      <p:par>
-        <p:cTn id="1" dur="indefinite" restart="never" nodeType="tmRoot"/>
-      </p:par>
-    </p:tnLst>
-  </p:timing>
 </p:sld>
 </file>
 
@@ -3263,10 +3260,11 @@
           <a:lstStyle/>
           <a:p>
             <a:r>
-              <a:rPr lang="ru-RU" dirty="0" smtClean="0"/>
+              <a:rPr lang="ru-RU" dirty="0">
+                <a:latin typeface="Montserrat" panose="00000500000000000000" pitchFamily="2" charset="-52"/>
+              </a:rPr>
               <a:t>Возможности</a:t>
             </a:r>
-            <a:endParaRPr lang="ru-RU" dirty="0"/>
           </a:p>
         </p:txBody>
       </p:sp>
@@ -3278,8 +3276,8 @@
         </p:nvSpPr>
         <p:spPr>
           <a:xfrm>
-            <a:off x="838200" y="1690688"/>
-            <a:ext cx="5856732" cy="5262979"/>
+            <a:off x="252530" y="1549400"/>
+            <a:ext cx="6884870" cy="5632311"/>
           </a:xfrm>
           <a:prstGeom prst="rect">
             <a:avLst/>
@@ -3293,36 +3291,46 @@
           <a:lstStyle/>
           <a:p>
             <a:r>
-              <a:rPr lang="ru-RU" sz="2400" dirty="0" smtClean="0"/>
+              <a:rPr lang="ru-RU" sz="2400" dirty="0">
+                <a:latin typeface="Montserrat" panose="00000500000000000000" pitchFamily="2" charset="-52"/>
+              </a:rPr>
               <a:t>C# относится к семье языков с C-подобным синтаксисом, из них его синтаксис наиболее близок к </a:t>
             </a:r>
             <a:r>
-              <a:rPr lang="ru-RU" sz="2400" b="1" dirty="0" smtClean="0"/>
+              <a:rPr lang="ru-RU" sz="2400" b="1" dirty="0">
+                <a:latin typeface="Montserrat" panose="00000500000000000000" pitchFamily="2" charset="-52"/>
+              </a:rPr>
               <a:t>C++</a:t>
             </a:r>
             <a:r>
-              <a:rPr lang="ru-RU" sz="2400" dirty="0" smtClean="0"/>
+              <a:rPr lang="ru-RU" sz="2400" dirty="0">
+                <a:latin typeface="Montserrat" panose="00000500000000000000" pitchFamily="2" charset="-52"/>
+              </a:rPr>
               <a:t> и </a:t>
             </a:r>
             <a:r>
-              <a:rPr lang="ru-RU" sz="2400" b="1" dirty="0" err="1" smtClean="0"/>
+              <a:rPr lang="ru-RU" sz="2400" b="1" dirty="0" err="1">
+                <a:latin typeface="Montserrat" panose="00000500000000000000" pitchFamily="2" charset="-52"/>
+              </a:rPr>
               <a:t>Java</a:t>
             </a:r>
             <a:r>
-              <a:rPr lang="ru-RU" sz="2400" b="1" dirty="0" smtClean="0"/>
+              <a:rPr lang="ru-RU" sz="2400" b="1" dirty="0">
+                <a:latin typeface="Montserrat" panose="00000500000000000000" pitchFamily="2" charset="-52"/>
+              </a:rPr>
               <a:t> </a:t>
             </a:r>
             <a:r>
-              <a:rPr lang="ru-RU" sz="2400" dirty="0" smtClean="0"/>
-              <a:t>(фактически создавался под их влиянием)</a:t>
-            </a:r>
-            <a:r>
-              <a:rPr lang="ru-RU" sz="2400" dirty="0" smtClean="0"/>
-              <a:t>. Язык имеет статическую типизацию, поддерживает полиморфизм, перегрузку операторов (в том числе операторов явного и неявного приведения типа), делегаты, атрибуты, события, переменные, свойства, обобщённые типы и методы, итераторы, анонимные функции с поддержкой замыканий, LINQ, исключения, комментарии в формате XML.</a:t>
-            </a:r>
-          </a:p>
-          <a:p>
-            <a:endParaRPr lang="ru-RU" sz="2400" dirty="0"/>
+              <a:rPr lang="ru-RU" sz="2400" dirty="0">
+                <a:latin typeface="Montserrat" panose="00000500000000000000" pitchFamily="2" charset="-52"/>
+              </a:rPr>
+              <a:t>(фактически создавался под их влиянием). Язык имеет статическую типизацию, поддерживает полиморфизм, перегрузку операторов (в том числе операторов явного и неявного приведения типа), делегаты, атрибуты, события, переменные, свойства, обобщённые типы и методы, итераторы, анонимные функции с поддержкой замыканий, LINQ, исключения, комментарии в формате XML.</a:t>
+            </a:r>
+          </a:p>
+          <a:p>
+            <a:endParaRPr lang="ru-RU" sz="2400" dirty="0">
+              <a:latin typeface="Montserrat" panose="00000500000000000000" pitchFamily="2" charset="-52"/>
+            </a:endParaRPr>
           </a:p>
         </p:txBody>
       </p:sp>
@@ -3388,8 +3396,8 @@
         </p:blipFill>
         <p:spPr bwMode="auto">
           <a:xfrm>
-            <a:off x="6791809" y="2050330"/>
-            <a:ext cx="1817113" cy="3330782"/>
+            <a:off x="7049676" y="2115289"/>
+            <a:ext cx="1680055" cy="3079553"/>
           </a:xfrm>
           <a:prstGeom prst="rect">
             <a:avLst/>
@@ -3414,7 +3422,7 @@
         </p:nvSpPr>
         <p:spPr>
           <a:xfrm>
-            <a:off x="8728593" y="3115886"/>
+            <a:off x="8787860" y="3115885"/>
             <a:ext cx="1199668" cy="1199668"/>
           </a:xfrm>
           <a:prstGeom prst="mathPlus">
@@ -3471,7 +3479,7 @@
         </p:blipFill>
         <p:spPr bwMode="auto">
           <a:xfrm>
-            <a:off x="10047933" y="2652716"/>
+            <a:off x="10045657" y="2652714"/>
             <a:ext cx="1891537" cy="2126009"/>
           </a:xfrm>
           <a:prstGeom prst="rect">
@@ -3499,13 +3507,6 @@
   <p:clrMapOvr>
     <a:masterClrMapping/>
   </p:clrMapOvr>
-  <p:timing>
-    <p:tnLst>
-      <p:par>
-        <p:cTn id="1" dur="indefinite" restart="never" nodeType="tmRoot"/>
-      </p:par>
-    </p:tnLst>
-  </p:timing>
 </p:sld>
 </file>
 
@@ -3574,13 +3575,6 @@
   <p:clrMapOvr>
     <a:masterClrMapping/>
   </p:clrMapOvr>
-  <p:timing>
-    <p:tnLst>
-      <p:par>
-        <p:cTn id="1" dur="indefinite" restart="never" nodeType="tmRoot"/>
-      </p:par>
-    </p:tnLst>
-  </p:timing>
 </p:sld>
 </file>
 

--- a/IT/Лабораторные работы/Тест.pptx
+++ b/IT/Лабораторные работы/Тест.pptx
@@ -9,6 +9,9 @@
     <p:sldId id="257" r:id="rId3"/>
     <p:sldId id="258" r:id="rId4"/>
     <p:sldId id="259" r:id="rId5"/>
+    <p:sldId id="260" r:id="rId6"/>
+    <p:sldId id="261" r:id="rId7"/>
+    <p:sldId id="262" r:id="rId8"/>
   </p:sldIdLst>
   <p:sldSz cx="12192000" cy="6858000"/>
   <p:notesSz cx="6858000" cy="9144000"/>
@@ -244,7 +247,7 @@
           <a:p>
             <a:fld id="{2F2D58F6-CB0F-4C9F-A071-EC897577AE17}" type="datetimeFigureOut">
               <a:rPr lang="ru-RU" smtClean="0"/>
-              <a:t>12.05.2022</a:t>
+              <a:t>13.05.2022</a:t>
             </a:fld>
             <a:endParaRPr lang="ru-RU"/>
           </a:p>
@@ -412,7 +415,7 @@
           <a:p>
             <a:fld id="{2F2D58F6-CB0F-4C9F-A071-EC897577AE17}" type="datetimeFigureOut">
               <a:rPr lang="ru-RU" smtClean="0"/>
-              <a:t>12.05.2022</a:t>
+              <a:t>13.05.2022</a:t>
             </a:fld>
             <a:endParaRPr lang="ru-RU"/>
           </a:p>
@@ -590,7 +593,7 @@
           <a:p>
             <a:fld id="{2F2D58F6-CB0F-4C9F-A071-EC897577AE17}" type="datetimeFigureOut">
               <a:rPr lang="ru-RU" smtClean="0"/>
-              <a:t>12.05.2022</a:t>
+              <a:t>13.05.2022</a:t>
             </a:fld>
             <a:endParaRPr lang="ru-RU"/>
           </a:p>
@@ -758,7 +761,7 @@
           <a:p>
             <a:fld id="{2F2D58F6-CB0F-4C9F-A071-EC897577AE17}" type="datetimeFigureOut">
               <a:rPr lang="ru-RU" smtClean="0"/>
-              <a:t>12.05.2022</a:t>
+              <a:t>13.05.2022</a:t>
             </a:fld>
             <a:endParaRPr lang="ru-RU"/>
           </a:p>
@@ -1003,7 +1006,7 @@
           <a:p>
             <a:fld id="{2F2D58F6-CB0F-4C9F-A071-EC897577AE17}" type="datetimeFigureOut">
               <a:rPr lang="ru-RU" smtClean="0"/>
-              <a:t>12.05.2022</a:t>
+              <a:t>13.05.2022</a:t>
             </a:fld>
             <a:endParaRPr lang="ru-RU"/>
           </a:p>
@@ -1232,7 +1235,7 @@
           <a:p>
             <a:fld id="{2F2D58F6-CB0F-4C9F-A071-EC897577AE17}" type="datetimeFigureOut">
               <a:rPr lang="ru-RU" smtClean="0"/>
-              <a:t>12.05.2022</a:t>
+              <a:t>13.05.2022</a:t>
             </a:fld>
             <a:endParaRPr lang="ru-RU"/>
           </a:p>
@@ -1596,7 +1599,7 @@
           <a:p>
             <a:fld id="{2F2D58F6-CB0F-4C9F-A071-EC897577AE17}" type="datetimeFigureOut">
               <a:rPr lang="ru-RU" smtClean="0"/>
-              <a:t>12.05.2022</a:t>
+              <a:t>13.05.2022</a:t>
             </a:fld>
             <a:endParaRPr lang="ru-RU"/>
           </a:p>
@@ -1713,7 +1716,7 @@
           <a:p>
             <a:fld id="{2F2D58F6-CB0F-4C9F-A071-EC897577AE17}" type="datetimeFigureOut">
               <a:rPr lang="ru-RU" smtClean="0"/>
-              <a:t>12.05.2022</a:t>
+              <a:t>13.05.2022</a:t>
             </a:fld>
             <a:endParaRPr lang="ru-RU"/>
           </a:p>
@@ -1808,7 +1811,7 @@
           <a:p>
             <a:fld id="{2F2D58F6-CB0F-4C9F-A071-EC897577AE17}" type="datetimeFigureOut">
               <a:rPr lang="ru-RU" smtClean="0"/>
-              <a:t>12.05.2022</a:t>
+              <a:t>13.05.2022</a:t>
             </a:fld>
             <a:endParaRPr lang="ru-RU"/>
           </a:p>
@@ -2083,7 +2086,7 @@
           <a:p>
             <a:fld id="{2F2D58F6-CB0F-4C9F-A071-EC897577AE17}" type="datetimeFigureOut">
               <a:rPr lang="ru-RU" smtClean="0"/>
-              <a:t>12.05.2022</a:t>
+              <a:t>13.05.2022</a:t>
             </a:fld>
             <a:endParaRPr lang="ru-RU"/>
           </a:p>
@@ -2335,7 +2338,7 @@
           <a:p>
             <a:fld id="{2F2D58F6-CB0F-4C9F-A071-EC897577AE17}" type="datetimeFigureOut">
               <a:rPr lang="ru-RU" smtClean="0"/>
-              <a:t>12.05.2022</a:t>
+              <a:t>13.05.2022</a:t>
             </a:fld>
             <a:endParaRPr lang="ru-RU"/>
           </a:p>
@@ -2546,7 +2549,7 @@
           <a:p>
             <a:fld id="{2F2D58F6-CB0F-4C9F-A071-EC897577AE17}" type="datetimeFigureOut">
               <a:rPr lang="ru-RU" smtClean="0"/>
-              <a:t>12.05.2022</a:t>
+              <a:t>13.05.2022</a:t>
             </a:fld>
             <a:endParaRPr lang="ru-RU"/>
           </a:p>
@@ -2942,6 +2945,20 @@
 <file path=ppt/slides/slide1.xml><?xml version="1.0" encoding="utf-8"?>
 <p:sld xmlns:a="http://schemas.openxmlformats.org/drawingml/2006/main" xmlns:r="http://schemas.openxmlformats.org/officeDocument/2006/relationships" xmlns:p="http://schemas.openxmlformats.org/presentationml/2006/main">
   <p:cSld>
+    <p:bg>
+      <p:bgPr>
+        <a:blipFill dpi="0" rotWithShape="1">
+          <a:blip r:embed="rId2">
+            <a:lum/>
+          </a:blip>
+          <a:srcRect/>
+          <a:stretch>
+            <a:fillRect l="-4000" r="-4000"/>
+          </a:stretch>
+        </a:blipFill>
+        <a:effectLst/>
+      </p:bgPr>
+    </p:bg>
     <p:spTree>
       <p:nvGrpSpPr>
         <p:cNvPr id="1" name=""/>
@@ -3020,6 +3037,13 @@
   <p:clrMapOvr>
     <a:masterClrMapping/>
   </p:clrMapOvr>
+  <p:timing>
+    <p:tnLst>
+      <p:par>
+        <p:cTn id="1" dur="indefinite" restart="never" nodeType="tmRoot"/>
+      </p:par>
+    </p:tnLst>
+  </p:timing>
 </p:sld>
 </file>
 
@@ -3224,6 +3248,13 @@
   <p:clrMapOvr>
     <a:masterClrMapping/>
   </p:clrMapOvr>
+  <p:timing>
+    <p:tnLst>
+      <p:par>
+        <p:cTn id="1" dur="indefinite" restart="never" nodeType="tmRoot"/>
+      </p:par>
+    </p:tnLst>
+  </p:timing>
 </p:sld>
 </file>
 
@@ -3254,7 +3285,12 @@
             <p:ph type="title"/>
           </p:nvPr>
         </p:nvSpPr>
-        <p:spPr/>
+        <p:spPr>
+          <a:xfrm>
+            <a:off x="878233" y="286103"/>
+            <a:ext cx="10515600" cy="1325563"/>
+          </a:xfrm>
+        </p:spPr>
         <p:txBody>
           <a:bodyPr/>
           <a:lstStyle/>
@@ -3276,8 +3312,8 @@
         </p:nvSpPr>
         <p:spPr>
           <a:xfrm>
-            <a:off x="252530" y="1549400"/>
-            <a:ext cx="6884870" cy="5632311"/>
+            <a:off x="252530" y="1453445"/>
+            <a:ext cx="6882048" cy="5632311"/>
           </a:xfrm>
           <a:prstGeom prst="rect">
             <a:avLst/>
@@ -3427,7 +3463,7 @@
           </a:xfrm>
           <a:prstGeom prst="mathPlus">
             <a:avLst>
-              <a:gd name="adj1" fmla="val 5338"/>
+              <a:gd name="adj1" fmla="val 6279"/>
             </a:avLst>
           </a:prstGeom>
         </p:spPr>
@@ -3507,6 +3543,13 @@
   <p:clrMapOvr>
     <a:masterClrMapping/>
   </p:clrMapOvr>
+  <p:timing>
+    <p:tnLst>
+      <p:par>
+        <p:cTn id="1" dur="indefinite" restart="never" nodeType="tmRoot"/>
+      </p:par>
+    </p:tnLst>
+  </p:timing>
 </p:sld>
 </file>
 
@@ -3542,26 +3585,3738 @@
           <a:bodyPr/>
           <a:lstStyle/>
           <a:p>
-            <a:endParaRPr lang="ru-RU"/>
-          </a:p>
-        </p:txBody>
-      </p:sp>
-      <p:sp>
-        <p:nvSpPr>
-          <p:cNvPr id="3" name="Объект 2"/>
+            <a:r>
+              <a:rPr lang="ru-RU" dirty="0" smtClean="0">
+                <a:latin typeface="Montserrat" panose="00000500000000000000" pitchFamily="2" charset="-52"/>
+              </a:rPr>
+              <a:t>Примеры кода</a:t>
+            </a:r>
+            <a:endParaRPr lang="ru-RU" dirty="0">
+              <a:latin typeface="Montserrat" panose="00000500000000000000" pitchFamily="2" charset="-52"/>
+            </a:endParaRPr>
+          </a:p>
+        </p:txBody>
+      </p:sp>
+      <p:sp>
+        <p:nvSpPr>
+          <p:cNvPr id="4" name="Rectangle 1"/>
           <p:cNvSpPr>
-            <a:spLocks noGrp="1"/>
+            <a:spLocks noGrp="1" noChangeArrowheads="1"/>
           </p:cNvSpPr>
           <p:nvPr>
             <p:ph idx="1"/>
           </p:nvPr>
         </p:nvSpPr>
-        <p:spPr/>
-        <p:txBody>
-          <a:bodyPr/>
+        <p:spPr bwMode="auto">
+          <a:xfrm>
+            <a:off x="1010356" y="2076361"/>
+            <a:ext cx="3251200" cy="2123658"/>
+          </a:xfrm>
+          <a:prstGeom prst="rect">
+            <a:avLst/>
+          </a:prstGeom>
+          <a:solidFill>
+            <a:srgbClr val="181B1D"/>
+          </a:solidFill>
+          <a:ln>
+            <a:noFill/>
+          </a:ln>
+          <a:effectLst/>
+          <a:extLst>
+            <a:ext uri="{91240B29-F687-4F45-9708-019B960494DF}">
+              <a14:hiddenLine xmlns:a14="http://schemas.microsoft.com/office/drawing/2010/main" w="9525">
+                <a:solidFill>
+                  <a:schemeClr val="tx1"/>
+                </a:solidFill>
+                <a:miter lim="800000"/>
+                <a:headEnd/>
+                <a:tailEnd/>
+              </a14:hiddenLine>
+            </a:ext>
+            <a:ext uri="{AF507438-7753-43E0-B8FC-AC1667EBCBE1}">
+              <a14:hiddenEffects xmlns:a14="http://schemas.microsoft.com/office/drawing/2010/main">
+                <a:effectLst>
+                  <a:outerShdw dist="35921" dir="2700000" algn="ctr" rotWithShape="0">
+                    <a:schemeClr val="bg2"/>
+                  </a:outerShdw>
+                </a:effectLst>
+              </a14:hiddenEffects>
+            </a:ext>
+          </a:extLst>
+        </p:spPr>
+        <p:txBody>
+          <a:bodyPr vert="horz" wrap="square" lIns="91440" tIns="45720" rIns="91440" bIns="45720" numCol="1" anchor="ctr" anchorCtr="0" compatLnSpc="1">
+            <a:prstTxWarp prst="textNoShape">
+              <a:avLst/>
+            </a:prstTxWarp>
+            <a:spAutoFit/>
+          </a:bodyPr>
           <a:lstStyle/>
           <a:p>
-            <a:endParaRPr lang="ru-RU"/>
+            <a:pPr marL="0" marR="0" lvl="0" indent="0" algn="l" defTabSz="914400" rtl="0" eaLnBrk="0" fontAlgn="base" latinLnBrk="0" hangingPunct="0">
+              <a:lnSpc>
+                <a:spcPct val="100000"/>
+              </a:lnSpc>
+              <a:spcBef>
+                <a:spcPct val="0"/>
+              </a:spcBef>
+              <a:spcAft>
+                <a:spcPct val="0"/>
+              </a:spcAft>
+              <a:buClrTx/>
+              <a:buSzTx/>
+              <a:buFontTx/>
+              <a:buNone/>
+              <a:tabLst/>
+            </a:pPr>
+            <a:r>
+              <a:rPr kumimoji="0" lang="ru-RU" altLang="ru-RU" sz="1100" b="0" i="0" u="none" strike="noStrike" cap="none" normalizeH="0" baseline="0" dirty="0" err="1" smtClean="0">
+                <a:ln>
+                  <a:noFill/>
+                </a:ln>
+                <a:solidFill>
+                  <a:srgbClr val="9586CF"/>
+                </a:solidFill>
+                <a:effectLst/>
+                <a:latin typeface="Fira Code"/>
+              </a:rPr>
+              <a:t>using</a:t>
+            </a:r>
+            <a:r>
+              <a:rPr kumimoji="0" lang="ru-RU" altLang="ru-RU" sz="1100" b="0" i="0" u="none" strike="noStrike" cap="none" normalizeH="0" baseline="0" dirty="0" smtClean="0">
+                <a:ln>
+                  <a:noFill/>
+                </a:ln>
+                <a:solidFill>
+                  <a:srgbClr val="9586CF"/>
+                </a:solidFill>
+                <a:effectLst/>
+                <a:latin typeface="Fira Code"/>
+              </a:rPr>
+              <a:t> </a:t>
+            </a:r>
+            <a:r>
+              <a:rPr kumimoji="0" lang="ru-RU" altLang="ru-RU" sz="1100" b="0" i="0" u="none" strike="noStrike" cap="none" normalizeH="0" baseline="0" dirty="0" err="1" smtClean="0">
+                <a:ln>
+                  <a:noFill/>
+                </a:ln>
+                <a:solidFill>
+                  <a:srgbClr val="B1B7BE"/>
+                </a:solidFill>
+                <a:effectLst/>
+                <a:latin typeface="Fira Code"/>
+              </a:rPr>
+              <a:t>System</a:t>
+            </a:r>
+            <a:r>
+              <a:rPr kumimoji="0" lang="ru-RU" altLang="ru-RU" sz="1100" b="0" i="0" u="none" strike="noStrike" cap="none" normalizeH="0" baseline="0" dirty="0" smtClean="0">
+                <a:ln>
+                  <a:noFill/>
+                </a:ln>
+                <a:solidFill>
+                  <a:srgbClr val="B1B7BE"/>
+                </a:solidFill>
+                <a:effectLst/>
+                <a:latin typeface="Fira Code"/>
+              </a:rPr>
+              <a:t>;</a:t>
+            </a:r>
+            <a:br>
+              <a:rPr kumimoji="0" lang="ru-RU" altLang="ru-RU" sz="1100" b="0" i="0" u="none" strike="noStrike" cap="none" normalizeH="0" baseline="0" dirty="0" smtClean="0">
+                <a:ln>
+                  <a:noFill/>
+                </a:ln>
+                <a:solidFill>
+                  <a:srgbClr val="B1B7BE"/>
+                </a:solidFill>
+                <a:effectLst/>
+                <a:latin typeface="Fira Code"/>
+              </a:rPr>
+            </a:br>
+            <a:r>
+              <a:rPr kumimoji="0" lang="ru-RU" altLang="ru-RU" sz="1100" b="0" i="0" u="none" strike="noStrike" cap="none" normalizeH="0" baseline="0" dirty="0" smtClean="0">
+                <a:ln>
+                  <a:noFill/>
+                </a:ln>
+                <a:solidFill>
+                  <a:srgbClr val="B1B7BE"/>
+                </a:solidFill>
+                <a:effectLst/>
+                <a:latin typeface="Fira Code"/>
+              </a:rPr>
+              <a:t/>
+            </a:r>
+            <a:br>
+              <a:rPr kumimoji="0" lang="ru-RU" altLang="ru-RU" sz="1100" b="0" i="0" u="none" strike="noStrike" cap="none" normalizeH="0" baseline="0" dirty="0" smtClean="0">
+                <a:ln>
+                  <a:noFill/>
+                </a:ln>
+                <a:solidFill>
+                  <a:srgbClr val="B1B7BE"/>
+                </a:solidFill>
+                <a:effectLst/>
+                <a:latin typeface="Fira Code"/>
+              </a:rPr>
+            </a:br>
+            <a:r>
+              <a:rPr kumimoji="0" lang="ru-RU" altLang="ru-RU" sz="1100" b="0" i="0" u="none" strike="noStrike" cap="none" normalizeH="0" baseline="0" dirty="0" err="1" smtClean="0">
+                <a:ln>
+                  <a:noFill/>
+                </a:ln>
+                <a:solidFill>
+                  <a:srgbClr val="9586CF"/>
+                </a:solidFill>
+                <a:effectLst/>
+                <a:latin typeface="Fira Code"/>
+              </a:rPr>
+              <a:t>namespace</a:t>
+            </a:r>
+            <a:r>
+              <a:rPr kumimoji="0" lang="ru-RU" altLang="ru-RU" sz="1100" b="0" i="0" u="none" strike="noStrike" cap="none" normalizeH="0" baseline="0" dirty="0" smtClean="0">
+                <a:ln>
+                  <a:noFill/>
+                </a:ln>
+                <a:solidFill>
+                  <a:srgbClr val="9586CF"/>
+                </a:solidFill>
+                <a:effectLst/>
+                <a:latin typeface="Fira Code"/>
+              </a:rPr>
+              <a:t> </a:t>
+            </a:r>
+            <a:r>
+              <a:rPr kumimoji="0" lang="ru-RU" altLang="ru-RU" sz="1100" b="0" i="0" u="none" strike="noStrike" cap="none" normalizeH="0" baseline="0" dirty="0" smtClean="0">
+                <a:ln>
+                  <a:noFill/>
+                </a:ln>
+                <a:solidFill>
+                  <a:srgbClr val="B1B7BE"/>
+                </a:solidFill>
+                <a:effectLst/>
+                <a:latin typeface="Fira Code"/>
+              </a:rPr>
+              <a:t>ConsoleApp1</a:t>
+            </a:r>
+            <a:br>
+              <a:rPr kumimoji="0" lang="ru-RU" altLang="ru-RU" sz="1100" b="0" i="0" u="none" strike="noStrike" cap="none" normalizeH="0" baseline="0" dirty="0" smtClean="0">
+                <a:ln>
+                  <a:noFill/>
+                </a:ln>
+                <a:solidFill>
+                  <a:srgbClr val="B1B7BE"/>
+                </a:solidFill>
+                <a:effectLst/>
+                <a:latin typeface="Fira Code"/>
+              </a:rPr>
+            </a:br>
+            <a:r>
+              <a:rPr kumimoji="0" lang="ru-RU" altLang="ru-RU" sz="1100" b="0" i="0" u="none" strike="noStrike" cap="none" normalizeH="0" baseline="0" dirty="0" smtClean="0">
+                <a:ln>
+                  <a:noFill/>
+                </a:ln>
+                <a:solidFill>
+                  <a:srgbClr val="4A9BF2"/>
+                </a:solidFill>
+                <a:effectLst/>
+                <a:latin typeface="Fira Code"/>
+              </a:rPr>
+              <a:t>{</a:t>
+            </a:r>
+            <a:br>
+              <a:rPr kumimoji="0" lang="ru-RU" altLang="ru-RU" sz="1100" b="0" i="0" u="none" strike="noStrike" cap="none" normalizeH="0" baseline="0" dirty="0" smtClean="0">
+                <a:ln>
+                  <a:noFill/>
+                </a:ln>
+                <a:solidFill>
+                  <a:srgbClr val="4A9BF2"/>
+                </a:solidFill>
+                <a:effectLst/>
+                <a:latin typeface="Fira Code"/>
+              </a:rPr>
+            </a:br>
+            <a:r>
+              <a:rPr kumimoji="0" lang="ru-RU" altLang="ru-RU" sz="1100" b="0" i="0" u="none" strike="noStrike" cap="none" normalizeH="0" baseline="0" dirty="0" smtClean="0">
+                <a:ln>
+                  <a:noFill/>
+                </a:ln>
+                <a:solidFill>
+                  <a:srgbClr val="4A9BF2"/>
+                </a:solidFill>
+                <a:effectLst/>
+                <a:latin typeface="Fira Code"/>
+              </a:rPr>
+              <a:t>    </a:t>
+            </a:r>
+            <a:r>
+              <a:rPr kumimoji="0" lang="ru-RU" altLang="ru-RU" sz="1100" b="0" i="0" u="none" strike="noStrike" cap="none" normalizeH="0" baseline="0" dirty="0" err="1" smtClean="0">
+                <a:ln>
+                  <a:noFill/>
+                </a:ln>
+                <a:solidFill>
+                  <a:srgbClr val="9586CF"/>
+                </a:solidFill>
+                <a:effectLst/>
+                <a:latin typeface="Fira Code"/>
+              </a:rPr>
+              <a:t>class</a:t>
+            </a:r>
+            <a:r>
+              <a:rPr kumimoji="0" lang="ru-RU" altLang="ru-RU" sz="1100" b="0" i="0" u="none" strike="noStrike" cap="none" normalizeH="0" baseline="0" dirty="0" smtClean="0">
+                <a:ln>
+                  <a:noFill/>
+                </a:ln>
+                <a:solidFill>
+                  <a:srgbClr val="9586CF"/>
+                </a:solidFill>
+                <a:effectLst/>
+                <a:latin typeface="Fira Code"/>
+              </a:rPr>
+              <a:t> </a:t>
+            </a:r>
+            <a:r>
+              <a:rPr kumimoji="0" lang="ru-RU" altLang="ru-RU" sz="1100" b="0" i="0" u="none" strike="noStrike" cap="none" normalizeH="0" baseline="0" dirty="0" err="1" smtClean="0">
+                <a:ln>
+                  <a:noFill/>
+                </a:ln>
+                <a:solidFill>
+                  <a:srgbClr val="20B1D2"/>
+                </a:solidFill>
+                <a:effectLst/>
+                <a:latin typeface="Fira Code"/>
+              </a:rPr>
+              <a:t>Program</a:t>
+            </a:r>
+            <a:r>
+              <a:rPr kumimoji="0" lang="ru-RU" altLang="ru-RU" sz="1100" b="0" i="0" u="none" strike="noStrike" cap="none" normalizeH="0" baseline="0" dirty="0" smtClean="0">
+                <a:ln>
+                  <a:noFill/>
+                </a:ln>
+                <a:solidFill>
+                  <a:srgbClr val="20B1D2"/>
+                </a:solidFill>
+                <a:effectLst/>
+                <a:latin typeface="Fira Code"/>
+              </a:rPr>
+              <a:t/>
+            </a:r>
+            <a:br>
+              <a:rPr kumimoji="0" lang="ru-RU" altLang="ru-RU" sz="1100" b="0" i="0" u="none" strike="noStrike" cap="none" normalizeH="0" baseline="0" dirty="0" smtClean="0">
+                <a:ln>
+                  <a:noFill/>
+                </a:ln>
+                <a:solidFill>
+                  <a:srgbClr val="20B1D2"/>
+                </a:solidFill>
+                <a:effectLst/>
+                <a:latin typeface="Fira Code"/>
+              </a:rPr>
+            </a:br>
+            <a:r>
+              <a:rPr kumimoji="0" lang="ru-RU" altLang="ru-RU" sz="1100" b="0" i="0" u="none" strike="noStrike" cap="none" normalizeH="0" baseline="0" dirty="0" smtClean="0">
+                <a:ln>
+                  <a:noFill/>
+                </a:ln>
+                <a:solidFill>
+                  <a:srgbClr val="20B1D2"/>
+                </a:solidFill>
+                <a:effectLst/>
+                <a:latin typeface="Fira Code"/>
+              </a:rPr>
+              <a:t>    </a:t>
+            </a:r>
+            <a:r>
+              <a:rPr kumimoji="0" lang="ru-RU" altLang="ru-RU" sz="1100" b="0" i="0" u="none" strike="noStrike" cap="none" normalizeH="0" baseline="0" dirty="0" smtClean="0">
+                <a:ln>
+                  <a:noFill/>
+                </a:ln>
+                <a:solidFill>
+                  <a:srgbClr val="B1B7BE"/>
+                </a:solidFill>
+                <a:effectLst/>
+                <a:latin typeface="Fira Code"/>
+              </a:rPr>
+              <a:t>{</a:t>
+            </a:r>
+            <a:br>
+              <a:rPr kumimoji="0" lang="ru-RU" altLang="ru-RU" sz="1100" b="0" i="0" u="none" strike="noStrike" cap="none" normalizeH="0" baseline="0" dirty="0" smtClean="0">
+                <a:ln>
+                  <a:noFill/>
+                </a:ln>
+                <a:solidFill>
+                  <a:srgbClr val="B1B7BE"/>
+                </a:solidFill>
+                <a:effectLst/>
+                <a:latin typeface="Fira Code"/>
+              </a:rPr>
+            </a:br>
+            <a:r>
+              <a:rPr kumimoji="0" lang="ru-RU" altLang="ru-RU" sz="1100" b="0" i="0" u="none" strike="noStrike" cap="none" normalizeH="0" baseline="0" dirty="0" smtClean="0">
+                <a:ln>
+                  <a:noFill/>
+                </a:ln>
+                <a:solidFill>
+                  <a:srgbClr val="B1B7BE"/>
+                </a:solidFill>
+                <a:effectLst/>
+                <a:latin typeface="Fira Code"/>
+              </a:rPr>
+              <a:t>        </a:t>
+            </a:r>
+            <a:r>
+              <a:rPr kumimoji="0" lang="ru-RU" altLang="ru-RU" sz="1100" b="0" i="0" u="none" strike="noStrike" cap="none" normalizeH="0" baseline="0" dirty="0" err="1" smtClean="0">
+                <a:ln>
+                  <a:noFill/>
+                </a:ln>
+                <a:solidFill>
+                  <a:srgbClr val="9586CF"/>
+                </a:solidFill>
+                <a:effectLst/>
+                <a:latin typeface="Fira Code"/>
+              </a:rPr>
+              <a:t>static</a:t>
+            </a:r>
+            <a:r>
+              <a:rPr kumimoji="0" lang="ru-RU" altLang="ru-RU" sz="1100" b="0" i="0" u="none" strike="noStrike" cap="none" normalizeH="0" baseline="0" dirty="0" smtClean="0">
+                <a:ln>
+                  <a:noFill/>
+                </a:ln>
+                <a:solidFill>
+                  <a:srgbClr val="9586CF"/>
+                </a:solidFill>
+                <a:effectLst/>
+                <a:latin typeface="Fira Code"/>
+              </a:rPr>
+              <a:t> </a:t>
+            </a:r>
+            <a:r>
+              <a:rPr kumimoji="0" lang="ru-RU" altLang="ru-RU" sz="1100" b="0" i="0" u="none" strike="noStrike" cap="none" normalizeH="0" baseline="0" dirty="0" err="1" smtClean="0">
+                <a:ln>
+                  <a:noFill/>
+                </a:ln>
+                <a:solidFill>
+                  <a:srgbClr val="9586CF"/>
+                </a:solidFill>
+                <a:effectLst/>
+                <a:latin typeface="Fira Code"/>
+              </a:rPr>
+              <a:t>void</a:t>
+            </a:r>
+            <a:r>
+              <a:rPr kumimoji="0" lang="ru-RU" altLang="ru-RU" sz="1100" b="0" i="0" u="none" strike="noStrike" cap="none" normalizeH="0" baseline="0" dirty="0" smtClean="0">
+                <a:ln>
+                  <a:noFill/>
+                </a:ln>
+                <a:solidFill>
+                  <a:srgbClr val="9586CF"/>
+                </a:solidFill>
+                <a:effectLst/>
+                <a:latin typeface="Fira Code"/>
+              </a:rPr>
+              <a:t> </a:t>
+            </a:r>
+            <a:r>
+              <a:rPr kumimoji="0" lang="ru-RU" altLang="ru-RU" sz="1100" b="0" i="0" u="none" strike="noStrike" cap="none" normalizeH="0" baseline="0" dirty="0" err="1" smtClean="0">
+                <a:ln>
+                  <a:noFill/>
+                </a:ln>
+                <a:solidFill>
+                  <a:srgbClr val="20B1D2"/>
+                </a:solidFill>
+                <a:effectLst/>
+                <a:latin typeface="Fira Code"/>
+              </a:rPr>
+              <a:t>Main</a:t>
+            </a:r>
+            <a:r>
+              <a:rPr kumimoji="0" lang="ru-RU" altLang="ru-RU" sz="1100" b="0" i="0" u="none" strike="noStrike" cap="none" normalizeH="0" baseline="0" dirty="0" smtClean="0">
+                <a:ln>
+                  <a:noFill/>
+                </a:ln>
+                <a:solidFill>
+                  <a:srgbClr val="B1B7BE"/>
+                </a:solidFill>
+                <a:effectLst/>
+                <a:latin typeface="Fira Code"/>
+              </a:rPr>
+              <a:t>(</a:t>
+            </a:r>
+            <a:r>
+              <a:rPr kumimoji="0" lang="ru-RU" altLang="ru-RU" sz="1100" b="0" i="0" u="none" strike="noStrike" cap="none" normalizeH="0" baseline="0" dirty="0" err="1" smtClean="0">
+                <a:ln>
+                  <a:noFill/>
+                </a:ln>
+                <a:solidFill>
+                  <a:srgbClr val="9586CF"/>
+                </a:solidFill>
+                <a:effectLst/>
+                <a:latin typeface="Fira Code"/>
+              </a:rPr>
+              <a:t>string</a:t>
+            </a:r>
+            <a:r>
+              <a:rPr kumimoji="0" lang="ru-RU" altLang="ru-RU" sz="1100" b="0" i="0" u="none" strike="noStrike" cap="none" normalizeH="0" baseline="0" dirty="0" smtClean="0">
+                <a:ln>
+                  <a:noFill/>
+                </a:ln>
+                <a:solidFill>
+                  <a:srgbClr val="B1B7BE"/>
+                </a:solidFill>
+                <a:effectLst/>
+                <a:latin typeface="Fira Code"/>
+              </a:rPr>
+              <a:t>[] </a:t>
+            </a:r>
+            <a:r>
+              <a:rPr kumimoji="0" lang="ru-RU" altLang="ru-RU" sz="1100" b="0" i="0" u="none" strike="noStrike" cap="none" normalizeH="0" baseline="0" dirty="0" err="1" smtClean="0">
+                <a:ln>
+                  <a:noFill/>
+                </a:ln>
+                <a:solidFill>
+                  <a:srgbClr val="6A7175"/>
+                </a:solidFill>
+                <a:effectLst/>
+                <a:latin typeface="Fira Code"/>
+              </a:rPr>
+              <a:t>args</a:t>
+            </a:r>
+            <a:r>
+              <a:rPr kumimoji="0" lang="ru-RU" altLang="ru-RU" sz="1100" b="0" i="0" u="none" strike="noStrike" cap="none" normalizeH="0" baseline="0" dirty="0" smtClean="0">
+                <a:ln>
+                  <a:noFill/>
+                </a:ln>
+                <a:solidFill>
+                  <a:srgbClr val="B1B7BE"/>
+                </a:solidFill>
+                <a:effectLst/>
+                <a:latin typeface="Fira Code"/>
+              </a:rPr>
+              <a:t>)</a:t>
+            </a:r>
+            <a:br>
+              <a:rPr kumimoji="0" lang="ru-RU" altLang="ru-RU" sz="1100" b="0" i="0" u="none" strike="noStrike" cap="none" normalizeH="0" baseline="0" dirty="0" smtClean="0">
+                <a:ln>
+                  <a:noFill/>
+                </a:ln>
+                <a:solidFill>
+                  <a:srgbClr val="B1B7BE"/>
+                </a:solidFill>
+                <a:effectLst/>
+                <a:latin typeface="Fira Code"/>
+              </a:rPr>
+            </a:br>
+            <a:r>
+              <a:rPr kumimoji="0" lang="ru-RU" altLang="ru-RU" sz="1100" b="0" i="0" u="none" strike="noStrike" cap="none" normalizeH="0" baseline="0" dirty="0" smtClean="0">
+                <a:ln>
+                  <a:noFill/>
+                </a:ln>
+                <a:solidFill>
+                  <a:srgbClr val="B1B7BE"/>
+                </a:solidFill>
+                <a:effectLst/>
+                <a:latin typeface="Fira Code"/>
+              </a:rPr>
+              <a:t>        {</a:t>
+            </a:r>
+            <a:br>
+              <a:rPr kumimoji="0" lang="ru-RU" altLang="ru-RU" sz="1100" b="0" i="0" u="none" strike="noStrike" cap="none" normalizeH="0" baseline="0" dirty="0" smtClean="0">
+                <a:ln>
+                  <a:noFill/>
+                </a:ln>
+                <a:solidFill>
+                  <a:srgbClr val="B1B7BE"/>
+                </a:solidFill>
+                <a:effectLst/>
+                <a:latin typeface="Fira Code"/>
+              </a:rPr>
+            </a:br>
+            <a:r>
+              <a:rPr kumimoji="0" lang="ru-RU" altLang="ru-RU" sz="1100" b="0" i="0" u="none" strike="noStrike" cap="none" normalizeH="0" baseline="0" dirty="0" smtClean="0">
+                <a:ln>
+                  <a:noFill/>
+                </a:ln>
+                <a:solidFill>
+                  <a:srgbClr val="B1B7BE"/>
+                </a:solidFill>
+                <a:effectLst/>
+                <a:latin typeface="Fira Code"/>
+              </a:rPr>
+              <a:t>            </a:t>
+            </a:r>
+            <a:r>
+              <a:rPr kumimoji="0" lang="ru-RU" altLang="ru-RU" sz="1100" b="0" i="0" u="none" strike="noStrike" cap="none" normalizeH="0" baseline="0" dirty="0" err="1" smtClean="0">
+                <a:ln>
+                  <a:noFill/>
+                </a:ln>
+                <a:solidFill>
+                  <a:srgbClr val="20B1D2"/>
+                </a:solidFill>
+                <a:effectLst/>
+                <a:latin typeface="Fira Code"/>
+              </a:rPr>
+              <a:t>Console</a:t>
+            </a:r>
+            <a:r>
+              <a:rPr kumimoji="0" lang="ru-RU" altLang="ru-RU" sz="1100" b="0" i="0" u="none" strike="noStrike" cap="none" normalizeH="0" baseline="0" dirty="0" err="1" smtClean="0">
+                <a:ln>
+                  <a:noFill/>
+                </a:ln>
+                <a:solidFill>
+                  <a:srgbClr val="B1B7BE"/>
+                </a:solidFill>
+                <a:effectLst/>
+                <a:latin typeface="Fira Code"/>
+              </a:rPr>
+              <a:t>.</a:t>
+            </a:r>
+            <a:r>
+              <a:rPr kumimoji="0" lang="ru-RU" altLang="ru-RU" sz="1100" b="0" i="0" u="none" strike="noStrike" cap="none" normalizeH="0" baseline="0" dirty="0" err="1" smtClean="0">
+                <a:ln>
+                  <a:noFill/>
+                </a:ln>
+                <a:solidFill>
+                  <a:srgbClr val="20B1D2"/>
+                </a:solidFill>
+                <a:effectLst/>
+                <a:latin typeface="Fira Code"/>
+              </a:rPr>
+              <a:t>WriteLine</a:t>
+            </a:r>
+            <a:r>
+              <a:rPr kumimoji="0" lang="ru-RU" altLang="ru-RU" sz="1100" b="0" i="0" u="none" strike="noStrike" cap="none" normalizeH="0" baseline="0" dirty="0" smtClean="0">
+                <a:ln>
+                  <a:noFill/>
+                </a:ln>
+                <a:solidFill>
+                  <a:srgbClr val="B1B7BE"/>
+                </a:solidFill>
+                <a:effectLst/>
+                <a:latin typeface="Fira Code"/>
+              </a:rPr>
+              <a:t>(</a:t>
+            </a:r>
+            <a:r>
+              <a:rPr kumimoji="0" lang="ru-RU" altLang="ru-RU" sz="1100" b="0" i="0" u="none" strike="noStrike" cap="none" normalizeH="0" baseline="0" dirty="0" smtClean="0">
+                <a:ln>
+                  <a:noFill/>
+                </a:ln>
+                <a:solidFill>
+                  <a:srgbClr val="D8EBA1"/>
+                </a:solidFill>
+                <a:effectLst/>
+                <a:latin typeface="Fira Code"/>
+              </a:rPr>
+              <a:t>"</a:t>
+            </a:r>
+            <a:r>
+              <a:rPr kumimoji="0" lang="ru-RU" altLang="ru-RU" sz="1100" b="0" i="0" u="none" strike="noStrike" cap="none" normalizeH="0" baseline="0" dirty="0" err="1" smtClean="0">
+                <a:ln>
+                  <a:noFill/>
+                </a:ln>
+                <a:solidFill>
+                  <a:srgbClr val="D8EBA1"/>
+                </a:solidFill>
+                <a:effectLst/>
+                <a:latin typeface="Fira Code"/>
+              </a:rPr>
+              <a:t>Hello</a:t>
+            </a:r>
+            <a:r>
+              <a:rPr kumimoji="0" lang="ru-RU" altLang="ru-RU" sz="1100" b="0" i="0" u="none" strike="noStrike" cap="none" normalizeH="0" baseline="0" dirty="0" smtClean="0">
+                <a:ln>
+                  <a:noFill/>
+                </a:ln>
+                <a:solidFill>
+                  <a:srgbClr val="D8EBA1"/>
+                </a:solidFill>
+                <a:effectLst/>
+                <a:latin typeface="Fira Code"/>
+              </a:rPr>
+              <a:t> </a:t>
+            </a:r>
+            <a:r>
+              <a:rPr kumimoji="0" lang="ru-RU" altLang="ru-RU" sz="1100" b="0" i="0" u="none" strike="noStrike" cap="none" normalizeH="0" baseline="0" dirty="0" err="1" smtClean="0">
+                <a:ln>
+                  <a:noFill/>
+                </a:ln>
+                <a:solidFill>
+                  <a:srgbClr val="D8EBA1"/>
+                </a:solidFill>
+                <a:effectLst/>
+                <a:latin typeface="Fira Code"/>
+              </a:rPr>
+              <a:t>World</a:t>
+            </a:r>
+            <a:r>
+              <a:rPr kumimoji="0" lang="ru-RU" altLang="ru-RU" sz="1100" b="0" i="0" u="none" strike="noStrike" cap="none" normalizeH="0" baseline="0" dirty="0" smtClean="0">
+                <a:ln>
+                  <a:noFill/>
+                </a:ln>
+                <a:solidFill>
+                  <a:srgbClr val="D8EBA1"/>
+                </a:solidFill>
+                <a:effectLst/>
+                <a:latin typeface="Fira Code"/>
+              </a:rPr>
+              <a:t>"</a:t>
+            </a:r>
+            <a:r>
+              <a:rPr kumimoji="0" lang="ru-RU" altLang="ru-RU" sz="1100" b="0" i="0" u="none" strike="noStrike" cap="none" normalizeH="0" baseline="0" dirty="0" smtClean="0">
+                <a:ln>
+                  <a:noFill/>
+                </a:ln>
+                <a:solidFill>
+                  <a:srgbClr val="B1B7BE"/>
+                </a:solidFill>
+                <a:effectLst/>
+                <a:latin typeface="Fira Code"/>
+              </a:rPr>
+              <a:t>);</a:t>
+            </a:r>
+            <a:br>
+              <a:rPr kumimoji="0" lang="ru-RU" altLang="ru-RU" sz="1100" b="0" i="0" u="none" strike="noStrike" cap="none" normalizeH="0" baseline="0" dirty="0" smtClean="0">
+                <a:ln>
+                  <a:noFill/>
+                </a:ln>
+                <a:solidFill>
+                  <a:srgbClr val="B1B7BE"/>
+                </a:solidFill>
+                <a:effectLst/>
+                <a:latin typeface="Fira Code"/>
+              </a:rPr>
+            </a:br>
+            <a:r>
+              <a:rPr kumimoji="0" lang="ru-RU" altLang="ru-RU" sz="1100" b="0" i="0" u="none" strike="noStrike" cap="none" normalizeH="0" baseline="0" dirty="0" smtClean="0">
+                <a:ln>
+                  <a:noFill/>
+                </a:ln>
+                <a:solidFill>
+                  <a:srgbClr val="B1B7BE"/>
+                </a:solidFill>
+                <a:effectLst/>
+                <a:latin typeface="Fira Code"/>
+              </a:rPr>
+              <a:t>        }</a:t>
+            </a:r>
+            <a:br>
+              <a:rPr kumimoji="0" lang="ru-RU" altLang="ru-RU" sz="1100" b="0" i="0" u="none" strike="noStrike" cap="none" normalizeH="0" baseline="0" dirty="0" smtClean="0">
+                <a:ln>
+                  <a:noFill/>
+                </a:ln>
+                <a:solidFill>
+                  <a:srgbClr val="B1B7BE"/>
+                </a:solidFill>
+                <a:effectLst/>
+                <a:latin typeface="Fira Code"/>
+              </a:rPr>
+            </a:br>
+            <a:r>
+              <a:rPr kumimoji="0" lang="ru-RU" altLang="ru-RU" sz="1100" b="0" i="0" u="none" strike="noStrike" cap="none" normalizeH="0" baseline="0" dirty="0" smtClean="0">
+                <a:ln>
+                  <a:noFill/>
+                </a:ln>
+                <a:solidFill>
+                  <a:srgbClr val="B1B7BE"/>
+                </a:solidFill>
+                <a:effectLst/>
+                <a:latin typeface="Fira Code"/>
+              </a:rPr>
+              <a:t>    }</a:t>
+            </a:r>
+            <a:br>
+              <a:rPr kumimoji="0" lang="ru-RU" altLang="ru-RU" sz="1100" b="0" i="0" u="none" strike="noStrike" cap="none" normalizeH="0" baseline="0" dirty="0" smtClean="0">
+                <a:ln>
+                  <a:noFill/>
+                </a:ln>
+                <a:solidFill>
+                  <a:srgbClr val="B1B7BE"/>
+                </a:solidFill>
+                <a:effectLst/>
+                <a:latin typeface="Fira Code"/>
+              </a:rPr>
+            </a:br>
+            <a:r>
+              <a:rPr kumimoji="0" lang="ru-RU" altLang="ru-RU" sz="1100" b="0" i="0" u="none" strike="noStrike" cap="none" normalizeH="0" baseline="0" dirty="0" smtClean="0">
+                <a:ln>
+                  <a:noFill/>
+                </a:ln>
+                <a:solidFill>
+                  <a:srgbClr val="4A9BF2"/>
+                </a:solidFill>
+                <a:effectLst/>
+                <a:latin typeface="Fira Code"/>
+              </a:rPr>
+              <a:t>}</a:t>
+            </a:r>
+            <a:endParaRPr kumimoji="0" lang="ru-RU" altLang="ru-RU" sz="1100" b="0" i="0" u="none" strike="noStrike" cap="none" normalizeH="0" baseline="0" dirty="0" smtClean="0">
+              <a:ln>
+                <a:noFill/>
+              </a:ln>
+              <a:solidFill>
+                <a:schemeClr val="tx1"/>
+              </a:solidFill>
+              <a:effectLst/>
+              <a:latin typeface="Arial" panose="020B0604020202020204" pitchFamily="34" charset="0"/>
+            </a:endParaRPr>
+          </a:p>
+        </p:txBody>
+      </p:sp>
+      <p:sp>
+        <p:nvSpPr>
+          <p:cNvPr id="5" name="TextBox 4"/>
+          <p:cNvSpPr txBox="1"/>
+          <p:nvPr/>
+        </p:nvSpPr>
+        <p:spPr>
+          <a:xfrm>
+            <a:off x="1165578" y="4459110"/>
+            <a:ext cx="2940756" cy="923330"/>
+          </a:xfrm>
+          <a:prstGeom prst="rect">
+            <a:avLst/>
+          </a:prstGeom>
+          <a:noFill/>
+        </p:spPr>
+        <p:txBody>
+          <a:bodyPr wrap="square" rtlCol="0">
+            <a:spAutoFit/>
+          </a:bodyPr>
+          <a:lstStyle/>
+          <a:p>
+            <a:pPr algn="ctr"/>
+            <a:r>
+              <a:rPr lang="ru-RU" dirty="0" smtClean="0">
+                <a:latin typeface="Montserrat" panose="00000500000000000000" pitchFamily="2" charset="-52"/>
+              </a:rPr>
+              <a:t>Программа, выводящая</a:t>
+            </a:r>
+            <a:r>
+              <a:rPr lang="en-US" dirty="0" smtClean="0">
+                <a:latin typeface="Montserrat" panose="00000500000000000000" pitchFamily="2" charset="-52"/>
+              </a:rPr>
+              <a:t> </a:t>
+            </a:r>
+            <a:r>
+              <a:rPr lang="ru-RU" dirty="0" smtClean="0">
+                <a:latin typeface="Montserrat" panose="00000500000000000000" pitchFamily="2" charset="-52"/>
+              </a:rPr>
+              <a:t>в консоли </a:t>
+            </a:r>
+            <a:r>
+              <a:rPr lang="en-US" dirty="0" smtClean="0">
+                <a:latin typeface="Montserrat" panose="00000500000000000000" pitchFamily="2" charset="-52"/>
+              </a:rPr>
+              <a:t>“Hello World”</a:t>
+            </a:r>
+            <a:endParaRPr lang="ru-RU" dirty="0">
+              <a:latin typeface="Montserrat" panose="00000500000000000000" pitchFamily="2" charset="-52"/>
+            </a:endParaRPr>
+          </a:p>
+        </p:txBody>
+      </p:sp>
+      <p:sp>
+        <p:nvSpPr>
+          <p:cNvPr id="7" name="Rectangle 3"/>
+          <p:cNvSpPr>
+            <a:spLocks noChangeArrowheads="1"/>
+          </p:cNvSpPr>
+          <p:nvPr/>
+        </p:nvSpPr>
+        <p:spPr bwMode="auto">
+          <a:xfrm>
+            <a:off x="4907844" y="2076361"/>
+            <a:ext cx="2376311" cy="2123658"/>
+          </a:xfrm>
+          <a:prstGeom prst="rect">
+            <a:avLst/>
+          </a:prstGeom>
+          <a:solidFill>
+            <a:srgbClr val="181B1D"/>
+          </a:solidFill>
+          <a:ln>
+            <a:noFill/>
+          </a:ln>
+          <a:effectLst/>
+          <a:extLst>
+            <a:ext uri="{91240B29-F687-4F45-9708-019B960494DF}">
+              <a14:hiddenLine xmlns:a14="http://schemas.microsoft.com/office/drawing/2010/main" w="9525">
+                <a:solidFill>
+                  <a:schemeClr val="tx1"/>
+                </a:solidFill>
+                <a:miter lim="800000"/>
+                <a:headEnd/>
+                <a:tailEnd/>
+              </a14:hiddenLine>
+            </a:ext>
+            <a:ext uri="{AF507438-7753-43E0-B8FC-AC1667EBCBE1}">
+              <a14:hiddenEffects xmlns:a14="http://schemas.microsoft.com/office/drawing/2010/main">
+                <a:effectLst>
+                  <a:outerShdw dist="35921" dir="2700000" algn="ctr" rotWithShape="0">
+                    <a:schemeClr val="bg2"/>
+                  </a:outerShdw>
+                </a:effectLst>
+              </a14:hiddenEffects>
+            </a:ext>
+          </a:extLst>
+        </p:spPr>
+        <p:txBody>
+          <a:bodyPr vert="horz" wrap="square" lIns="91440" tIns="45720" rIns="91440" bIns="45720" numCol="1" anchor="ctr" anchorCtr="0" compatLnSpc="1">
+            <a:prstTxWarp prst="textNoShape">
+              <a:avLst/>
+            </a:prstTxWarp>
+            <a:spAutoFit/>
+          </a:bodyPr>
+          <a:lstStyle/>
+          <a:p>
+            <a:pPr marL="0" marR="0" lvl="0" indent="0" algn="l" defTabSz="914400" rtl="0" eaLnBrk="0" fontAlgn="base" latinLnBrk="0" hangingPunct="0">
+              <a:lnSpc>
+                <a:spcPct val="100000"/>
+              </a:lnSpc>
+              <a:spcBef>
+                <a:spcPct val="0"/>
+              </a:spcBef>
+              <a:spcAft>
+                <a:spcPct val="0"/>
+              </a:spcAft>
+              <a:buClrTx/>
+              <a:buSzTx/>
+              <a:buFontTx/>
+              <a:buNone/>
+              <a:tabLst/>
+            </a:pPr>
+            <a:r>
+              <a:rPr kumimoji="0" lang="ru-RU" altLang="ru-RU" sz="1100" b="0" i="0" u="none" strike="noStrike" cap="none" normalizeH="0" baseline="0" dirty="0" err="1" smtClean="0">
+                <a:ln>
+                  <a:noFill/>
+                </a:ln>
+                <a:solidFill>
+                  <a:srgbClr val="6A7175"/>
+                </a:solidFill>
+                <a:effectLst/>
+                <a:latin typeface="Fira Code"/>
+              </a:rPr>
+              <a:t>using</a:t>
+            </a:r>
+            <a:r>
+              <a:rPr kumimoji="0" lang="ru-RU" altLang="ru-RU" sz="1100" b="0" i="0" u="none" strike="noStrike" cap="none" normalizeH="0" baseline="0" dirty="0" smtClean="0">
+                <a:ln>
+                  <a:noFill/>
+                </a:ln>
+                <a:solidFill>
+                  <a:srgbClr val="6A7175"/>
+                </a:solidFill>
+                <a:effectLst/>
+                <a:latin typeface="Fira Code"/>
+              </a:rPr>
+              <a:t> </a:t>
+            </a:r>
+            <a:r>
+              <a:rPr kumimoji="0" lang="ru-RU" altLang="ru-RU" sz="1100" b="0" i="0" u="none" strike="noStrike" cap="none" normalizeH="0" baseline="0" dirty="0" err="1" smtClean="0">
+                <a:ln>
+                  <a:noFill/>
+                </a:ln>
+                <a:solidFill>
+                  <a:srgbClr val="6A7175"/>
+                </a:solidFill>
+                <a:effectLst/>
+                <a:latin typeface="Fira Code"/>
+              </a:rPr>
+              <a:t>System</a:t>
+            </a:r>
+            <a:r>
+              <a:rPr kumimoji="0" lang="ru-RU" altLang="ru-RU" sz="1100" b="0" i="0" u="none" strike="noStrike" cap="none" normalizeH="0" baseline="0" dirty="0" smtClean="0">
+                <a:ln>
+                  <a:noFill/>
+                </a:ln>
+                <a:solidFill>
+                  <a:srgbClr val="6A7175"/>
+                </a:solidFill>
+                <a:effectLst/>
+                <a:latin typeface="Fira Code"/>
+              </a:rPr>
+              <a:t>;</a:t>
+            </a:r>
+            <a:br>
+              <a:rPr kumimoji="0" lang="ru-RU" altLang="ru-RU" sz="1100" b="0" i="0" u="none" strike="noStrike" cap="none" normalizeH="0" baseline="0" dirty="0" smtClean="0">
+                <a:ln>
+                  <a:noFill/>
+                </a:ln>
+                <a:solidFill>
+                  <a:srgbClr val="6A7175"/>
+                </a:solidFill>
+                <a:effectLst/>
+                <a:latin typeface="Fira Code"/>
+              </a:rPr>
+            </a:br>
+            <a:r>
+              <a:rPr kumimoji="0" lang="ru-RU" altLang="ru-RU" sz="1100" b="0" i="0" u="none" strike="noStrike" cap="none" normalizeH="0" baseline="0" dirty="0" smtClean="0">
+                <a:ln>
+                  <a:noFill/>
+                </a:ln>
+                <a:solidFill>
+                  <a:srgbClr val="6A7175"/>
+                </a:solidFill>
+                <a:effectLst/>
+                <a:latin typeface="Fira Code"/>
+              </a:rPr>
+              <a:t/>
+            </a:r>
+            <a:br>
+              <a:rPr kumimoji="0" lang="ru-RU" altLang="ru-RU" sz="1100" b="0" i="0" u="none" strike="noStrike" cap="none" normalizeH="0" baseline="0" dirty="0" smtClean="0">
+                <a:ln>
+                  <a:noFill/>
+                </a:ln>
+                <a:solidFill>
+                  <a:srgbClr val="6A7175"/>
+                </a:solidFill>
+                <a:effectLst/>
+                <a:latin typeface="Fira Code"/>
+              </a:rPr>
+            </a:br>
+            <a:r>
+              <a:rPr kumimoji="0" lang="ru-RU" altLang="ru-RU" sz="1100" b="0" i="0" u="none" strike="noStrike" cap="none" normalizeH="0" baseline="0" dirty="0" err="1" smtClean="0">
+                <a:ln>
+                  <a:noFill/>
+                </a:ln>
+                <a:solidFill>
+                  <a:srgbClr val="9586CF"/>
+                </a:solidFill>
+                <a:effectLst/>
+                <a:latin typeface="Fira Code"/>
+              </a:rPr>
+              <a:t>namespace</a:t>
+            </a:r>
+            <a:r>
+              <a:rPr kumimoji="0" lang="ru-RU" altLang="ru-RU" sz="1100" b="0" i="0" u="none" strike="noStrike" cap="none" normalizeH="0" baseline="0" dirty="0" smtClean="0">
+                <a:ln>
+                  <a:noFill/>
+                </a:ln>
+                <a:solidFill>
+                  <a:srgbClr val="9586CF"/>
+                </a:solidFill>
+                <a:effectLst/>
+                <a:latin typeface="Fira Code"/>
+              </a:rPr>
+              <a:t> </a:t>
+            </a:r>
+            <a:r>
+              <a:rPr kumimoji="0" lang="ru-RU" altLang="ru-RU" sz="1100" b="0" i="0" u="none" strike="noStrike" cap="none" normalizeH="0" baseline="0" dirty="0" smtClean="0">
+                <a:ln>
+                  <a:noFill/>
+                </a:ln>
+                <a:solidFill>
+                  <a:srgbClr val="B1B7BE"/>
+                </a:solidFill>
+                <a:effectLst/>
+                <a:latin typeface="Fira Code"/>
+              </a:rPr>
+              <a:t>ConsoleApp1</a:t>
+            </a:r>
+            <a:br>
+              <a:rPr kumimoji="0" lang="ru-RU" altLang="ru-RU" sz="1100" b="0" i="0" u="none" strike="noStrike" cap="none" normalizeH="0" baseline="0" dirty="0" smtClean="0">
+                <a:ln>
+                  <a:noFill/>
+                </a:ln>
+                <a:solidFill>
+                  <a:srgbClr val="B1B7BE"/>
+                </a:solidFill>
+                <a:effectLst/>
+                <a:latin typeface="Fira Code"/>
+              </a:rPr>
+            </a:br>
+            <a:r>
+              <a:rPr kumimoji="0" lang="ru-RU" altLang="ru-RU" sz="1100" b="0" i="0" u="none" strike="noStrike" cap="none" normalizeH="0" baseline="0" dirty="0" smtClean="0">
+                <a:ln>
+                  <a:noFill/>
+                </a:ln>
+                <a:solidFill>
+                  <a:srgbClr val="4A9BF2"/>
+                </a:solidFill>
+                <a:effectLst/>
+                <a:latin typeface="Fira Code"/>
+              </a:rPr>
+              <a:t>{</a:t>
+            </a:r>
+            <a:br>
+              <a:rPr kumimoji="0" lang="ru-RU" altLang="ru-RU" sz="1100" b="0" i="0" u="none" strike="noStrike" cap="none" normalizeH="0" baseline="0" dirty="0" smtClean="0">
+                <a:ln>
+                  <a:noFill/>
+                </a:ln>
+                <a:solidFill>
+                  <a:srgbClr val="4A9BF2"/>
+                </a:solidFill>
+                <a:effectLst/>
+                <a:latin typeface="Fira Code"/>
+              </a:rPr>
+            </a:br>
+            <a:r>
+              <a:rPr kumimoji="0" lang="ru-RU" altLang="ru-RU" sz="1100" b="0" i="0" u="none" strike="noStrike" cap="none" normalizeH="0" baseline="0" dirty="0" smtClean="0">
+                <a:ln>
+                  <a:noFill/>
+                </a:ln>
+                <a:solidFill>
+                  <a:srgbClr val="4A9BF2"/>
+                </a:solidFill>
+                <a:effectLst/>
+                <a:latin typeface="Fira Code"/>
+              </a:rPr>
+              <a:t>    </a:t>
+            </a:r>
+            <a:r>
+              <a:rPr kumimoji="0" lang="ru-RU" altLang="ru-RU" sz="1100" b="0" i="0" u="none" strike="noStrike" cap="none" normalizeH="0" baseline="0" dirty="0" err="1" smtClean="0">
+                <a:ln>
+                  <a:noFill/>
+                </a:ln>
+                <a:solidFill>
+                  <a:srgbClr val="9586CF"/>
+                </a:solidFill>
+                <a:effectLst/>
+                <a:latin typeface="Fira Code"/>
+              </a:rPr>
+              <a:t>class</a:t>
+            </a:r>
+            <a:r>
+              <a:rPr kumimoji="0" lang="ru-RU" altLang="ru-RU" sz="1100" b="0" i="0" u="none" strike="noStrike" cap="none" normalizeH="0" baseline="0" dirty="0" smtClean="0">
+                <a:ln>
+                  <a:noFill/>
+                </a:ln>
+                <a:solidFill>
+                  <a:srgbClr val="9586CF"/>
+                </a:solidFill>
+                <a:effectLst/>
+                <a:latin typeface="Fira Code"/>
+              </a:rPr>
+              <a:t> </a:t>
+            </a:r>
+            <a:r>
+              <a:rPr kumimoji="0" lang="ru-RU" altLang="ru-RU" sz="1100" b="0" i="0" u="none" strike="noStrike" cap="none" normalizeH="0" baseline="0" dirty="0" err="1" smtClean="0">
+                <a:ln>
+                  <a:noFill/>
+                </a:ln>
+                <a:solidFill>
+                  <a:srgbClr val="20B1D2"/>
+                </a:solidFill>
+                <a:effectLst/>
+                <a:latin typeface="Fira Code"/>
+              </a:rPr>
+              <a:t>Program</a:t>
+            </a:r>
+            <a:r>
+              <a:rPr kumimoji="0" lang="ru-RU" altLang="ru-RU" sz="1100" b="0" i="0" u="none" strike="noStrike" cap="none" normalizeH="0" baseline="0" dirty="0" smtClean="0">
+                <a:ln>
+                  <a:noFill/>
+                </a:ln>
+                <a:solidFill>
+                  <a:srgbClr val="20B1D2"/>
+                </a:solidFill>
+                <a:effectLst/>
+                <a:latin typeface="Fira Code"/>
+              </a:rPr>
+              <a:t/>
+            </a:r>
+            <a:br>
+              <a:rPr kumimoji="0" lang="ru-RU" altLang="ru-RU" sz="1100" b="0" i="0" u="none" strike="noStrike" cap="none" normalizeH="0" baseline="0" dirty="0" smtClean="0">
+                <a:ln>
+                  <a:noFill/>
+                </a:ln>
+                <a:solidFill>
+                  <a:srgbClr val="20B1D2"/>
+                </a:solidFill>
+                <a:effectLst/>
+                <a:latin typeface="Fira Code"/>
+              </a:rPr>
+            </a:br>
+            <a:r>
+              <a:rPr kumimoji="0" lang="ru-RU" altLang="ru-RU" sz="1100" b="0" i="0" u="none" strike="noStrike" cap="none" normalizeH="0" baseline="0" dirty="0" smtClean="0">
+                <a:ln>
+                  <a:noFill/>
+                </a:ln>
+                <a:solidFill>
+                  <a:srgbClr val="20B1D2"/>
+                </a:solidFill>
+                <a:effectLst/>
+                <a:latin typeface="Fira Code"/>
+              </a:rPr>
+              <a:t>    </a:t>
+            </a:r>
+            <a:r>
+              <a:rPr kumimoji="0" lang="ru-RU" altLang="ru-RU" sz="1100" b="0" i="0" u="none" strike="noStrike" cap="none" normalizeH="0" baseline="0" dirty="0" smtClean="0">
+                <a:ln>
+                  <a:noFill/>
+                </a:ln>
+                <a:solidFill>
+                  <a:srgbClr val="B1B7BE"/>
+                </a:solidFill>
+                <a:effectLst/>
+                <a:latin typeface="Fira Code"/>
+              </a:rPr>
+              <a:t>{</a:t>
+            </a:r>
+            <a:br>
+              <a:rPr kumimoji="0" lang="ru-RU" altLang="ru-RU" sz="1100" b="0" i="0" u="none" strike="noStrike" cap="none" normalizeH="0" baseline="0" dirty="0" smtClean="0">
+                <a:ln>
+                  <a:noFill/>
+                </a:ln>
+                <a:solidFill>
+                  <a:srgbClr val="B1B7BE"/>
+                </a:solidFill>
+                <a:effectLst/>
+                <a:latin typeface="Fira Code"/>
+              </a:rPr>
+            </a:br>
+            <a:r>
+              <a:rPr kumimoji="0" lang="ru-RU" altLang="ru-RU" sz="1100" b="0" i="0" u="none" strike="noStrike" cap="none" normalizeH="0" baseline="0" dirty="0" smtClean="0">
+                <a:ln>
+                  <a:noFill/>
+                </a:ln>
+                <a:solidFill>
+                  <a:srgbClr val="B1B7BE"/>
+                </a:solidFill>
+                <a:effectLst/>
+                <a:latin typeface="Fira Code"/>
+              </a:rPr>
+              <a:t>        </a:t>
+            </a:r>
+            <a:r>
+              <a:rPr kumimoji="0" lang="ru-RU" altLang="ru-RU" sz="1100" b="0" i="0" u="none" strike="noStrike" cap="none" normalizeH="0" baseline="0" dirty="0" err="1" smtClean="0">
+                <a:ln>
+                  <a:noFill/>
+                </a:ln>
+                <a:solidFill>
+                  <a:srgbClr val="9586CF"/>
+                </a:solidFill>
+                <a:effectLst/>
+                <a:latin typeface="Fira Code"/>
+              </a:rPr>
+              <a:t>static</a:t>
+            </a:r>
+            <a:r>
+              <a:rPr kumimoji="0" lang="ru-RU" altLang="ru-RU" sz="1100" b="0" i="0" u="none" strike="noStrike" cap="none" normalizeH="0" baseline="0" dirty="0" smtClean="0">
+                <a:ln>
+                  <a:noFill/>
+                </a:ln>
+                <a:solidFill>
+                  <a:srgbClr val="9586CF"/>
+                </a:solidFill>
+                <a:effectLst/>
+                <a:latin typeface="Fira Code"/>
+              </a:rPr>
+              <a:t> </a:t>
+            </a:r>
+            <a:r>
+              <a:rPr kumimoji="0" lang="ru-RU" altLang="ru-RU" sz="1100" b="0" i="0" u="none" strike="noStrike" cap="none" normalizeH="0" baseline="0" dirty="0" err="1" smtClean="0">
+                <a:ln>
+                  <a:noFill/>
+                </a:ln>
+                <a:solidFill>
+                  <a:srgbClr val="9586CF"/>
+                </a:solidFill>
+                <a:effectLst/>
+                <a:latin typeface="Fira Code"/>
+              </a:rPr>
+              <a:t>void</a:t>
+            </a:r>
+            <a:r>
+              <a:rPr kumimoji="0" lang="ru-RU" altLang="ru-RU" sz="1100" b="0" i="0" u="none" strike="noStrike" cap="none" normalizeH="0" baseline="0" dirty="0" smtClean="0">
+                <a:ln>
+                  <a:noFill/>
+                </a:ln>
+                <a:solidFill>
+                  <a:srgbClr val="9586CF"/>
+                </a:solidFill>
+                <a:effectLst/>
+                <a:latin typeface="Fira Code"/>
+              </a:rPr>
+              <a:t> </a:t>
+            </a:r>
+            <a:r>
+              <a:rPr kumimoji="0" lang="ru-RU" altLang="ru-RU" sz="1100" b="0" i="0" u="none" strike="noStrike" cap="none" normalizeH="0" baseline="0" dirty="0" err="1" smtClean="0">
+                <a:ln>
+                  <a:noFill/>
+                </a:ln>
+                <a:solidFill>
+                  <a:srgbClr val="20B1D2"/>
+                </a:solidFill>
+                <a:effectLst/>
+                <a:latin typeface="Fira Code"/>
+              </a:rPr>
+              <a:t>Main</a:t>
+            </a:r>
+            <a:r>
+              <a:rPr kumimoji="0" lang="ru-RU" altLang="ru-RU" sz="1100" b="0" i="0" u="none" strike="noStrike" cap="none" normalizeH="0" baseline="0" dirty="0" smtClean="0">
+                <a:ln>
+                  <a:noFill/>
+                </a:ln>
+                <a:solidFill>
+                  <a:srgbClr val="B1B7BE"/>
+                </a:solidFill>
+                <a:effectLst/>
+                <a:latin typeface="Fira Code"/>
+              </a:rPr>
+              <a:t>(</a:t>
+            </a:r>
+            <a:r>
+              <a:rPr kumimoji="0" lang="ru-RU" altLang="ru-RU" sz="1100" b="0" i="0" u="none" strike="noStrike" cap="none" normalizeH="0" baseline="0" dirty="0" err="1" smtClean="0">
+                <a:ln>
+                  <a:noFill/>
+                </a:ln>
+                <a:solidFill>
+                  <a:srgbClr val="9586CF"/>
+                </a:solidFill>
+                <a:effectLst/>
+                <a:latin typeface="Fira Code"/>
+              </a:rPr>
+              <a:t>string</a:t>
+            </a:r>
+            <a:r>
+              <a:rPr kumimoji="0" lang="ru-RU" altLang="ru-RU" sz="1100" b="0" i="0" u="none" strike="noStrike" cap="none" normalizeH="0" baseline="0" dirty="0" smtClean="0">
+                <a:ln>
+                  <a:noFill/>
+                </a:ln>
+                <a:solidFill>
+                  <a:srgbClr val="B1B7BE"/>
+                </a:solidFill>
+                <a:effectLst/>
+                <a:latin typeface="Fira Code"/>
+              </a:rPr>
+              <a:t>[] </a:t>
+            </a:r>
+            <a:r>
+              <a:rPr kumimoji="0" lang="ru-RU" altLang="ru-RU" sz="1100" b="0" i="0" u="none" strike="noStrike" cap="none" normalizeH="0" baseline="0" dirty="0" err="1" smtClean="0">
+                <a:ln>
+                  <a:noFill/>
+                </a:ln>
+                <a:solidFill>
+                  <a:srgbClr val="6A7175"/>
+                </a:solidFill>
+                <a:effectLst/>
+                <a:latin typeface="Fira Code"/>
+              </a:rPr>
+              <a:t>args</a:t>
+            </a:r>
+            <a:r>
+              <a:rPr kumimoji="0" lang="ru-RU" altLang="ru-RU" sz="1100" b="0" i="0" u="none" strike="noStrike" cap="none" normalizeH="0" baseline="0" dirty="0" smtClean="0">
+                <a:ln>
+                  <a:noFill/>
+                </a:ln>
+                <a:solidFill>
+                  <a:srgbClr val="B1B7BE"/>
+                </a:solidFill>
+                <a:effectLst/>
+                <a:latin typeface="Fira Code"/>
+              </a:rPr>
+              <a:t>)</a:t>
+            </a:r>
+            <a:br>
+              <a:rPr kumimoji="0" lang="ru-RU" altLang="ru-RU" sz="1100" b="0" i="0" u="none" strike="noStrike" cap="none" normalizeH="0" baseline="0" dirty="0" smtClean="0">
+                <a:ln>
+                  <a:noFill/>
+                </a:ln>
+                <a:solidFill>
+                  <a:srgbClr val="B1B7BE"/>
+                </a:solidFill>
+                <a:effectLst/>
+                <a:latin typeface="Fira Code"/>
+              </a:rPr>
+            </a:br>
+            <a:r>
+              <a:rPr kumimoji="0" lang="ru-RU" altLang="ru-RU" sz="1100" b="0" i="0" u="none" strike="noStrike" cap="none" normalizeH="0" baseline="0" dirty="0" smtClean="0">
+                <a:ln>
+                  <a:noFill/>
+                </a:ln>
+                <a:solidFill>
+                  <a:srgbClr val="B1B7BE"/>
+                </a:solidFill>
+                <a:effectLst/>
+                <a:latin typeface="Fira Code"/>
+              </a:rPr>
+              <a:t>        {</a:t>
+            </a:r>
+            <a:br>
+              <a:rPr kumimoji="0" lang="ru-RU" altLang="ru-RU" sz="1100" b="0" i="0" u="none" strike="noStrike" cap="none" normalizeH="0" baseline="0" dirty="0" smtClean="0">
+                <a:ln>
+                  <a:noFill/>
+                </a:ln>
+                <a:solidFill>
+                  <a:srgbClr val="B1B7BE"/>
+                </a:solidFill>
+                <a:effectLst/>
+                <a:latin typeface="Fira Code"/>
+              </a:rPr>
+            </a:br>
+            <a:r>
+              <a:rPr kumimoji="0" lang="ru-RU" altLang="ru-RU" sz="1100" b="0" i="0" u="none" strike="noStrike" cap="none" normalizeH="0" baseline="0" dirty="0" smtClean="0">
+                <a:ln>
+                  <a:noFill/>
+                </a:ln>
+                <a:solidFill>
+                  <a:srgbClr val="B1B7BE"/>
+                </a:solidFill>
+                <a:effectLst/>
+                <a:latin typeface="Fira Code"/>
+              </a:rPr>
+              <a:t>            (</a:t>
+            </a:r>
+            <a:r>
+              <a:rPr kumimoji="0" lang="ru-RU" altLang="ru-RU" sz="1100" b="0" i="0" u="none" strike="noStrike" cap="none" normalizeH="0" baseline="0" dirty="0" err="1" smtClean="0">
+                <a:ln>
+                  <a:noFill/>
+                </a:ln>
+                <a:solidFill>
+                  <a:srgbClr val="9586CF"/>
+                </a:solidFill>
+                <a:effectLst/>
+                <a:latin typeface="Fira Code"/>
+              </a:rPr>
+              <a:t>int</a:t>
+            </a:r>
+            <a:r>
+              <a:rPr kumimoji="0" lang="ru-RU" altLang="ru-RU" sz="1100" b="0" i="0" u="none" strike="noStrike" cap="none" normalizeH="0" baseline="0" dirty="0" smtClean="0">
+                <a:ln>
+                  <a:noFill/>
+                </a:ln>
+                <a:solidFill>
+                  <a:srgbClr val="9586CF"/>
+                </a:solidFill>
+                <a:effectLst/>
+                <a:latin typeface="Fira Code"/>
+              </a:rPr>
+              <a:t> </a:t>
+            </a:r>
+            <a:r>
+              <a:rPr kumimoji="0" lang="ru-RU" altLang="ru-RU" sz="1100" b="0" i="0" u="none" strike="noStrike" cap="none" normalizeH="0" baseline="0" dirty="0" smtClean="0">
+                <a:ln>
+                  <a:noFill/>
+                </a:ln>
+                <a:solidFill>
+                  <a:srgbClr val="14B5A5"/>
+                </a:solidFill>
+                <a:effectLst/>
+                <a:latin typeface="Fira Code"/>
+              </a:rPr>
+              <a:t>x</a:t>
+            </a:r>
+            <a:r>
+              <a:rPr kumimoji="0" lang="ru-RU" altLang="ru-RU" sz="1100" b="0" i="0" u="none" strike="noStrike" cap="none" normalizeH="0" baseline="0" dirty="0" smtClean="0">
+                <a:ln>
+                  <a:noFill/>
+                </a:ln>
+                <a:solidFill>
+                  <a:srgbClr val="B1B7BE"/>
+                </a:solidFill>
+                <a:effectLst/>
+                <a:latin typeface="Fira Code"/>
+              </a:rPr>
+              <a:t>, </a:t>
+            </a:r>
+            <a:r>
+              <a:rPr kumimoji="0" lang="ru-RU" altLang="ru-RU" sz="1100" b="0" i="0" u="none" strike="noStrike" cap="none" normalizeH="0" baseline="0" dirty="0" err="1" smtClean="0">
+                <a:ln>
+                  <a:noFill/>
+                </a:ln>
+                <a:solidFill>
+                  <a:srgbClr val="9586CF"/>
+                </a:solidFill>
+                <a:effectLst/>
+                <a:latin typeface="Fira Code"/>
+              </a:rPr>
+              <a:t>int</a:t>
+            </a:r>
+            <a:r>
+              <a:rPr kumimoji="0" lang="ru-RU" altLang="ru-RU" sz="1100" b="0" i="0" u="none" strike="noStrike" cap="none" normalizeH="0" baseline="0" dirty="0" smtClean="0">
+                <a:ln>
+                  <a:noFill/>
+                </a:ln>
+                <a:solidFill>
+                  <a:srgbClr val="9586CF"/>
+                </a:solidFill>
+                <a:effectLst/>
+                <a:latin typeface="Fira Code"/>
+              </a:rPr>
+              <a:t> </a:t>
+            </a:r>
+            <a:r>
+              <a:rPr kumimoji="0" lang="ru-RU" altLang="ru-RU" sz="1100" b="0" i="0" u="none" strike="noStrike" cap="none" normalizeH="0" baseline="0" dirty="0" smtClean="0">
+                <a:ln>
+                  <a:noFill/>
+                </a:ln>
+                <a:solidFill>
+                  <a:srgbClr val="14B5A5"/>
+                </a:solidFill>
+                <a:effectLst/>
+                <a:latin typeface="Fira Code"/>
+              </a:rPr>
+              <a:t>y</a:t>
+            </a:r>
+            <a:r>
+              <a:rPr kumimoji="0" lang="ru-RU" altLang="ru-RU" sz="1100" b="0" i="0" u="none" strike="noStrike" cap="none" normalizeH="0" baseline="0" dirty="0" smtClean="0">
+                <a:ln>
+                  <a:noFill/>
+                </a:ln>
+                <a:solidFill>
+                  <a:srgbClr val="B1B7BE"/>
+                </a:solidFill>
+                <a:effectLst/>
+                <a:latin typeface="Fira Code"/>
+              </a:rPr>
+              <a:t>) </a:t>
+            </a:r>
+            <a:r>
+              <a:rPr kumimoji="0" lang="ru-RU" altLang="ru-RU" sz="1100" b="0" i="0" u="none" strike="noStrike" cap="none" normalizeH="0" baseline="0" dirty="0" err="1" smtClean="0">
+                <a:ln>
+                  <a:noFill/>
+                </a:ln>
+                <a:solidFill>
+                  <a:srgbClr val="6A7175"/>
+                </a:solidFill>
+                <a:effectLst/>
+                <a:latin typeface="Fira Code"/>
+              </a:rPr>
+              <a:t>position</a:t>
+            </a:r>
+            <a:r>
+              <a:rPr kumimoji="0" lang="ru-RU" altLang="ru-RU" sz="1100" b="0" i="0" u="none" strike="noStrike" cap="none" normalizeH="0" baseline="0" dirty="0" smtClean="0">
+                <a:ln>
+                  <a:noFill/>
+                </a:ln>
+                <a:solidFill>
+                  <a:srgbClr val="6A7175"/>
+                </a:solidFill>
+                <a:effectLst/>
+                <a:latin typeface="Fira Code"/>
+              </a:rPr>
+              <a:t> </a:t>
+            </a:r>
+            <a:r>
+              <a:rPr kumimoji="0" lang="ru-RU" altLang="ru-RU" sz="1100" b="0" i="0" u="none" strike="noStrike" cap="none" normalizeH="0" baseline="0" dirty="0" smtClean="0">
+                <a:ln>
+                  <a:noFill/>
+                </a:ln>
+                <a:solidFill>
+                  <a:srgbClr val="B1B7BE"/>
+                </a:solidFill>
+                <a:effectLst/>
+                <a:latin typeface="Fira Code"/>
+              </a:rPr>
+              <a:t>= (</a:t>
+            </a:r>
+            <a:r>
+              <a:rPr kumimoji="0" lang="ru-RU" altLang="ru-RU" sz="1100" b="0" i="0" u="none" strike="noStrike" cap="none" normalizeH="0" baseline="0" dirty="0" smtClean="0">
+                <a:ln>
+                  <a:noFill/>
+                </a:ln>
+                <a:solidFill>
+                  <a:srgbClr val="DEA6B6"/>
+                </a:solidFill>
+                <a:effectLst/>
+                <a:latin typeface="Fira Code"/>
+              </a:rPr>
+              <a:t>0</a:t>
+            </a:r>
+            <a:r>
+              <a:rPr kumimoji="0" lang="ru-RU" altLang="ru-RU" sz="1100" b="0" i="0" u="none" strike="noStrike" cap="none" normalizeH="0" baseline="0" dirty="0" smtClean="0">
+                <a:ln>
+                  <a:noFill/>
+                </a:ln>
+                <a:solidFill>
+                  <a:srgbClr val="B1B7BE"/>
+                </a:solidFill>
+                <a:effectLst/>
+                <a:latin typeface="Fira Code"/>
+              </a:rPr>
+              <a:t>, </a:t>
+            </a:r>
+            <a:r>
+              <a:rPr kumimoji="0" lang="ru-RU" altLang="ru-RU" sz="1100" b="0" i="0" u="none" strike="noStrike" cap="none" normalizeH="0" baseline="0" dirty="0" smtClean="0">
+                <a:ln>
+                  <a:noFill/>
+                </a:ln>
+                <a:solidFill>
+                  <a:srgbClr val="DEA6B6"/>
+                </a:solidFill>
+                <a:effectLst/>
+                <a:latin typeface="Fira Code"/>
+              </a:rPr>
+              <a:t>1</a:t>
+            </a:r>
+            <a:r>
+              <a:rPr kumimoji="0" lang="ru-RU" altLang="ru-RU" sz="1100" b="0" i="0" u="none" strike="noStrike" cap="none" normalizeH="0" baseline="0" dirty="0" smtClean="0">
+                <a:ln>
+                  <a:noFill/>
+                </a:ln>
+                <a:solidFill>
+                  <a:srgbClr val="B1B7BE"/>
+                </a:solidFill>
+                <a:effectLst/>
+                <a:latin typeface="Fira Code"/>
+              </a:rPr>
+              <a:t>);</a:t>
+            </a:r>
+            <a:br>
+              <a:rPr kumimoji="0" lang="ru-RU" altLang="ru-RU" sz="1100" b="0" i="0" u="none" strike="noStrike" cap="none" normalizeH="0" baseline="0" dirty="0" smtClean="0">
+                <a:ln>
+                  <a:noFill/>
+                </a:ln>
+                <a:solidFill>
+                  <a:srgbClr val="B1B7BE"/>
+                </a:solidFill>
+                <a:effectLst/>
+                <a:latin typeface="Fira Code"/>
+              </a:rPr>
+            </a:br>
+            <a:r>
+              <a:rPr kumimoji="0" lang="ru-RU" altLang="ru-RU" sz="1100" b="0" i="0" u="none" strike="noStrike" cap="none" normalizeH="0" baseline="0" dirty="0" smtClean="0">
+                <a:ln>
+                  <a:noFill/>
+                </a:ln>
+                <a:solidFill>
+                  <a:srgbClr val="B1B7BE"/>
+                </a:solidFill>
+                <a:effectLst/>
+                <a:latin typeface="Fira Code"/>
+              </a:rPr>
+              <a:t>        }</a:t>
+            </a:r>
+            <a:br>
+              <a:rPr kumimoji="0" lang="ru-RU" altLang="ru-RU" sz="1100" b="0" i="0" u="none" strike="noStrike" cap="none" normalizeH="0" baseline="0" dirty="0" smtClean="0">
+                <a:ln>
+                  <a:noFill/>
+                </a:ln>
+                <a:solidFill>
+                  <a:srgbClr val="B1B7BE"/>
+                </a:solidFill>
+                <a:effectLst/>
+                <a:latin typeface="Fira Code"/>
+              </a:rPr>
+            </a:br>
+            <a:r>
+              <a:rPr kumimoji="0" lang="ru-RU" altLang="ru-RU" sz="1100" b="0" i="0" u="none" strike="noStrike" cap="none" normalizeH="0" baseline="0" dirty="0" smtClean="0">
+                <a:ln>
+                  <a:noFill/>
+                </a:ln>
+                <a:solidFill>
+                  <a:srgbClr val="B1B7BE"/>
+                </a:solidFill>
+                <a:effectLst/>
+                <a:latin typeface="Fira Code"/>
+              </a:rPr>
+              <a:t>    }</a:t>
+            </a:r>
+            <a:br>
+              <a:rPr kumimoji="0" lang="ru-RU" altLang="ru-RU" sz="1100" b="0" i="0" u="none" strike="noStrike" cap="none" normalizeH="0" baseline="0" dirty="0" smtClean="0">
+                <a:ln>
+                  <a:noFill/>
+                </a:ln>
+                <a:solidFill>
+                  <a:srgbClr val="B1B7BE"/>
+                </a:solidFill>
+                <a:effectLst/>
+                <a:latin typeface="Fira Code"/>
+              </a:rPr>
+            </a:br>
+            <a:r>
+              <a:rPr kumimoji="0" lang="ru-RU" altLang="ru-RU" sz="1100" b="0" i="0" u="none" strike="noStrike" cap="none" normalizeH="0" baseline="0" dirty="0" smtClean="0">
+                <a:ln>
+                  <a:noFill/>
+                </a:ln>
+                <a:solidFill>
+                  <a:srgbClr val="4A9BF2"/>
+                </a:solidFill>
+                <a:effectLst/>
+                <a:latin typeface="Fira Code"/>
+              </a:rPr>
+              <a:t>}</a:t>
+            </a:r>
+            <a:endParaRPr kumimoji="0" lang="ru-RU" altLang="ru-RU" sz="1100" b="0" i="0" u="none" strike="noStrike" cap="none" normalizeH="0" baseline="0" dirty="0" smtClean="0">
+              <a:ln>
+                <a:noFill/>
+              </a:ln>
+              <a:solidFill>
+                <a:schemeClr val="tx1"/>
+              </a:solidFill>
+              <a:effectLst/>
+              <a:latin typeface="Arial" panose="020B0604020202020204" pitchFamily="34" charset="0"/>
+            </a:endParaRPr>
+          </a:p>
+        </p:txBody>
+      </p:sp>
+      <p:sp>
+        <p:nvSpPr>
+          <p:cNvPr id="8" name="TextBox 7"/>
+          <p:cNvSpPr txBox="1"/>
+          <p:nvPr/>
+        </p:nvSpPr>
+        <p:spPr>
+          <a:xfrm>
+            <a:off x="4625621" y="4459110"/>
+            <a:ext cx="2940756" cy="1200329"/>
+          </a:xfrm>
+          <a:prstGeom prst="rect">
+            <a:avLst/>
+          </a:prstGeom>
+          <a:noFill/>
+        </p:spPr>
+        <p:txBody>
+          <a:bodyPr wrap="square" rtlCol="0">
+            <a:spAutoFit/>
+          </a:bodyPr>
+          <a:lstStyle/>
+          <a:p>
+            <a:pPr algn="ctr"/>
+            <a:r>
+              <a:rPr lang="ru-RU" dirty="0" smtClean="0">
+                <a:latin typeface="Montserrat" panose="00000500000000000000" pitchFamily="2" charset="-52"/>
+              </a:rPr>
+              <a:t>Лёгкое создание кортежей, где можно обращаться к элементам, как </a:t>
+            </a:r>
+            <a:r>
+              <a:rPr lang="en-US" dirty="0" smtClean="0">
+                <a:latin typeface="Montserrat" panose="00000500000000000000" pitchFamily="2" charset="-52"/>
+              </a:rPr>
+              <a:t>x </a:t>
+            </a:r>
+            <a:r>
+              <a:rPr lang="ru-RU" dirty="0" smtClean="0">
+                <a:latin typeface="Montserrat" panose="00000500000000000000" pitchFamily="2" charset="-52"/>
+              </a:rPr>
+              <a:t>и </a:t>
+            </a:r>
+            <a:r>
+              <a:rPr lang="en-US" dirty="0" smtClean="0">
+                <a:latin typeface="Montserrat" panose="00000500000000000000" pitchFamily="2" charset="-52"/>
+              </a:rPr>
+              <a:t>y</a:t>
+            </a:r>
+            <a:endParaRPr lang="ru-RU" dirty="0">
+              <a:latin typeface="Montserrat" panose="00000500000000000000" pitchFamily="2" charset="-52"/>
+            </a:endParaRPr>
+          </a:p>
+        </p:txBody>
+      </p:sp>
+      <p:sp>
+        <p:nvSpPr>
+          <p:cNvPr id="9" name="Rectangle 4"/>
+          <p:cNvSpPr>
+            <a:spLocks noChangeArrowheads="1"/>
+          </p:cNvSpPr>
+          <p:nvPr/>
+        </p:nvSpPr>
+        <p:spPr bwMode="auto">
+          <a:xfrm>
+            <a:off x="8013699" y="955346"/>
+            <a:ext cx="3663245" cy="4832092"/>
+          </a:xfrm>
+          <a:prstGeom prst="rect">
+            <a:avLst/>
+          </a:prstGeom>
+          <a:solidFill>
+            <a:srgbClr val="181B1D"/>
+          </a:solidFill>
+          <a:ln>
+            <a:noFill/>
+          </a:ln>
+          <a:effectLst/>
+          <a:extLst>
+            <a:ext uri="{91240B29-F687-4F45-9708-019B960494DF}">
+              <a14:hiddenLine xmlns:a14="http://schemas.microsoft.com/office/drawing/2010/main" w="9525">
+                <a:solidFill>
+                  <a:schemeClr val="tx1"/>
+                </a:solidFill>
+                <a:miter lim="800000"/>
+                <a:headEnd/>
+                <a:tailEnd/>
+              </a14:hiddenLine>
+            </a:ext>
+            <a:ext uri="{AF507438-7753-43E0-B8FC-AC1667EBCBE1}">
+              <a14:hiddenEffects xmlns:a14="http://schemas.microsoft.com/office/drawing/2010/main">
+                <a:effectLst>
+                  <a:outerShdw dist="35921" dir="2700000" algn="ctr" rotWithShape="0">
+                    <a:schemeClr val="bg2"/>
+                  </a:outerShdw>
+                </a:effectLst>
+              </a14:hiddenEffects>
+            </a:ext>
+          </a:extLst>
+        </p:spPr>
+        <p:txBody>
+          <a:bodyPr vert="horz" wrap="square" lIns="91440" tIns="45720" rIns="91440" bIns="45720" numCol="1" anchor="ctr" anchorCtr="0" compatLnSpc="1">
+            <a:prstTxWarp prst="textNoShape">
+              <a:avLst/>
+            </a:prstTxWarp>
+            <a:spAutoFit/>
+          </a:bodyPr>
+          <a:lstStyle/>
+          <a:p>
+            <a:pPr marL="0" marR="0" lvl="0" indent="0" algn="l" defTabSz="914400" rtl="0" eaLnBrk="0" fontAlgn="base" latinLnBrk="0" hangingPunct="0">
+              <a:lnSpc>
+                <a:spcPct val="100000"/>
+              </a:lnSpc>
+              <a:spcBef>
+                <a:spcPct val="0"/>
+              </a:spcBef>
+              <a:spcAft>
+                <a:spcPct val="0"/>
+              </a:spcAft>
+              <a:buClrTx/>
+              <a:buSzTx/>
+              <a:buFontTx/>
+              <a:buNone/>
+              <a:tabLst/>
+            </a:pPr>
+            <a:r>
+              <a:rPr kumimoji="0" lang="ru-RU" altLang="ru-RU" sz="1100" b="0" i="0" u="none" strike="noStrike" cap="none" normalizeH="0" baseline="0" dirty="0" err="1" smtClean="0">
+                <a:ln>
+                  <a:noFill/>
+                </a:ln>
+                <a:solidFill>
+                  <a:srgbClr val="9586CF"/>
+                </a:solidFill>
+                <a:effectLst/>
+                <a:latin typeface="Fira Code"/>
+              </a:rPr>
+              <a:t>using</a:t>
+            </a:r>
+            <a:r>
+              <a:rPr kumimoji="0" lang="ru-RU" altLang="ru-RU" sz="1100" b="0" i="0" u="none" strike="noStrike" cap="none" normalizeH="0" baseline="0" dirty="0" smtClean="0">
+                <a:ln>
+                  <a:noFill/>
+                </a:ln>
+                <a:solidFill>
+                  <a:srgbClr val="9586CF"/>
+                </a:solidFill>
+                <a:effectLst/>
+                <a:latin typeface="Fira Code"/>
+              </a:rPr>
+              <a:t> </a:t>
+            </a:r>
+            <a:r>
+              <a:rPr kumimoji="0" lang="ru-RU" altLang="ru-RU" sz="1100" b="0" i="0" u="none" strike="noStrike" cap="none" normalizeH="0" baseline="0" dirty="0" err="1" smtClean="0">
+                <a:ln>
+                  <a:noFill/>
+                </a:ln>
+                <a:solidFill>
+                  <a:srgbClr val="B1B7BE"/>
+                </a:solidFill>
+                <a:effectLst/>
+                <a:latin typeface="Fira Code"/>
+              </a:rPr>
+              <a:t>System</a:t>
+            </a:r>
+            <a:r>
+              <a:rPr kumimoji="0" lang="ru-RU" altLang="ru-RU" sz="1100" b="0" i="0" u="none" strike="noStrike" cap="none" normalizeH="0" baseline="0" dirty="0" smtClean="0">
+                <a:ln>
+                  <a:noFill/>
+                </a:ln>
+                <a:solidFill>
+                  <a:srgbClr val="B1B7BE"/>
+                </a:solidFill>
+                <a:effectLst/>
+                <a:latin typeface="Fira Code"/>
+              </a:rPr>
+              <a:t>;</a:t>
+            </a:r>
+            <a:br>
+              <a:rPr kumimoji="0" lang="ru-RU" altLang="ru-RU" sz="1100" b="0" i="0" u="none" strike="noStrike" cap="none" normalizeH="0" baseline="0" dirty="0" smtClean="0">
+                <a:ln>
+                  <a:noFill/>
+                </a:ln>
+                <a:solidFill>
+                  <a:srgbClr val="B1B7BE"/>
+                </a:solidFill>
+                <a:effectLst/>
+                <a:latin typeface="Fira Code"/>
+              </a:rPr>
+            </a:br>
+            <a:r>
+              <a:rPr kumimoji="0" lang="ru-RU" altLang="ru-RU" sz="1100" b="0" i="0" u="none" strike="noStrike" cap="none" normalizeH="0" baseline="0" dirty="0" err="1" smtClean="0">
+                <a:ln>
+                  <a:noFill/>
+                </a:ln>
+                <a:solidFill>
+                  <a:srgbClr val="9586CF"/>
+                </a:solidFill>
+                <a:effectLst/>
+                <a:latin typeface="Fira Code"/>
+              </a:rPr>
+              <a:t>using</a:t>
+            </a:r>
+            <a:r>
+              <a:rPr kumimoji="0" lang="ru-RU" altLang="ru-RU" sz="1100" b="0" i="0" u="none" strike="noStrike" cap="none" normalizeH="0" baseline="0" dirty="0" smtClean="0">
+                <a:ln>
+                  <a:noFill/>
+                </a:ln>
+                <a:solidFill>
+                  <a:srgbClr val="9586CF"/>
+                </a:solidFill>
+                <a:effectLst/>
+                <a:latin typeface="Fira Code"/>
+              </a:rPr>
+              <a:t> </a:t>
+            </a:r>
+            <a:r>
+              <a:rPr kumimoji="0" lang="ru-RU" altLang="ru-RU" sz="1100" b="0" i="0" u="none" strike="noStrike" cap="none" normalizeH="0" baseline="0" dirty="0" err="1" smtClean="0">
+                <a:ln>
+                  <a:noFill/>
+                </a:ln>
+                <a:solidFill>
+                  <a:srgbClr val="B1B7BE"/>
+                </a:solidFill>
+                <a:effectLst/>
+                <a:latin typeface="Fira Code"/>
+              </a:rPr>
+              <a:t>System.Collections.Generic</a:t>
+            </a:r>
+            <a:r>
+              <a:rPr kumimoji="0" lang="ru-RU" altLang="ru-RU" sz="1100" b="0" i="0" u="none" strike="noStrike" cap="none" normalizeH="0" baseline="0" dirty="0" smtClean="0">
+                <a:ln>
+                  <a:noFill/>
+                </a:ln>
+                <a:solidFill>
+                  <a:srgbClr val="B1B7BE"/>
+                </a:solidFill>
+                <a:effectLst/>
+                <a:latin typeface="Fira Code"/>
+              </a:rPr>
+              <a:t>;</a:t>
+            </a:r>
+            <a:br>
+              <a:rPr kumimoji="0" lang="ru-RU" altLang="ru-RU" sz="1100" b="0" i="0" u="none" strike="noStrike" cap="none" normalizeH="0" baseline="0" dirty="0" smtClean="0">
+                <a:ln>
+                  <a:noFill/>
+                </a:ln>
+                <a:solidFill>
+                  <a:srgbClr val="B1B7BE"/>
+                </a:solidFill>
+                <a:effectLst/>
+                <a:latin typeface="Fira Code"/>
+              </a:rPr>
+            </a:br>
+            <a:r>
+              <a:rPr kumimoji="0" lang="ru-RU" altLang="ru-RU" sz="1100" b="0" i="0" u="none" strike="noStrike" cap="none" normalizeH="0" baseline="0" dirty="0" err="1" smtClean="0">
+                <a:ln>
+                  <a:noFill/>
+                </a:ln>
+                <a:solidFill>
+                  <a:srgbClr val="9586CF"/>
+                </a:solidFill>
+                <a:effectLst/>
+                <a:latin typeface="Fira Code"/>
+              </a:rPr>
+              <a:t>using</a:t>
+            </a:r>
+            <a:r>
+              <a:rPr kumimoji="0" lang="ru-RU" altLang="ru-RU" sz="1100" b="0" i="0" u="none" strike="noStrike" cap="none" normalizeH="0" baseline="0" dirty="0" smtClean="0">
+                <a:ln>
+                  <a:noFill/>
+                </a:ln>
+                <a:solidFill>
+                  <a:srgbClr val="9586CF"/>
+                </a:solidFill>
+                <a:effectLst/>
+                <a:latin typeface="Fira Code"/>
+              </a:rPr>
+              <a:t> </a:t>
+            </a:r>
+            <a:r>
+              <a:rPr kumimoji="0" lang="ru-RU" altLang="ru-RU" sz="1100" b="0" i="0" u="none" strike="noStrike" cap="none" normalizeH="0" baseline="0" dirty="0" err="1" smtClean="0">
+                <a:ln>
+                  <a:noFill/>
+                </a:ln>
+                <a:solidFill>
+                  <a:srgbClr val="B1B7BE"/>
+                </a:solidFill>
+                <a:effectLst/>
+                <a:latin typeface="Fira Code"/>
+              </a:rPr>
+              <a:t>System.Linq</a:t>
+            </a:r>
+            <a:r>
+              <a:rPr kumimoji="0" lang="ru-RU" altLang="ru-RU" sz="1100" b="0" i="0" u="none" strike="noStrike" cap="none" normalizeH="0" baseline="0" dirty="0" smtClean="0">
+                <a:ln>
+                  <a:noFill/>
+                </a:ln>
+                <a:solidFill>
+                  <a:srgbClr val="B1B7BE"/>
+                </a:solidFill>
+                <a:effectLst/>
+                <a:latin typeface="Fira Code"/>
+              </a:rPr>
+              <a:t>;</a:t>
+            </a:r>
+            <a:br>
+              <a:rPr kumimoji="0" lang="ru-RU" altLang="ru-RU" sz="1100" b="0" i="0" u="none" strike="noStrike" cap="none" normalizeH="0" baseline="0" dirty="0" smtClean="0">
+                <a:ln>
+                  <a:noFill/>
+                </a:ln>
+                <a:solidFill>
+                  <a:srgbClr val="B1B7BE"/>
+                </a:solidFill>
+                <a:effectLst/>
+                <a:latin typeface="Fira Code"/>
+              </a:rPr>
+            </a:br>
+            <a:r>
+              <a:rPr kumimoji="0" lang="ru-RU" altLang="ru-RU" sz="1100" b="0" i="0" u="none" strike="noStrike" cap="none" normalizeH="0" baseline="0" dirty="0" smtClean="0">
+                <a:ln>
+                  <a:noFill/>
+                </a:ln>
+                <a:solidFill>
+                  <a:srgbClr val="B1B7BE"/>
+                </a:solidFill>
+                <a:effectLst/>
+                <a:latin typeface="Fira Code"/>
+              </a:rPr>
+              <a:t/>
+            </a:r>
+            <a:br>
+              <a:rPr kumimoji="0" lang="ru-RU" altLang="ru-RU" sz="1100" b="0" i="0" u="none" strike="noStrike" cap="none" normalizeH="0" baseline="0" dirty="0" smtClean="0">
+                <a:ln>
+                  <a:noFill/>
+                </a:ln>
+                <a:solidFill>
+                  <a:srgbClr val="B1B7BE"/>
+                </a:solidFill>
+                <a:effectLst/>
+                <a:latin typeface="Fira Code"/>
+              </a:rPr>
+            </a:br>
+            <a:r>
+              <a:rPr kumimoji="0" lang="ru-RU" altLang="ru-RU" sz="1100" b="0" i="0" u="none" strike="noStrike" cap="none" normalizeH="0" baseline="0" dirty="0" err="1" smtClean="0">
+                <a:ln>
+                  <a:noFill/>
+                </a:ln>
+                <a:solidFill>
+                  <a:srgbClr val="9586CF"/>
+                </a:solidFill>
+                <a:effectLst/>
+                <a:latin typeface="Fira Code"/>
+              </a:rPr>
+              <a:t>namespace</a:t>
+            </a:r>
+            <a:r>
+              <a:rPr kumimoji="0" lang="ru-RU" altLang="ru-RU" sz="1100" b="0" i="0" u="none" strike="noStrike" cap="none" normalizeH="0" baseline="0" dirty="0" smtClean="0">
+                <a:ln>
+                  <a:noFill/>
+                </a:ln>
+                <a:solidFill>
+                  <a:srgbClr val="9586CF"/>
+                </a:solidFill>
+                <a:effectLst/>
+                <a:latin typeface="Fira Code"/>
+              </a:rPr>
+              <a:t> </a:t>
+            </a:r>
+            <a:r>
+              <a:rPr kumimoji="0" lang="ru-RU" altLang="ru-RU" sz="1100" b="0" i="0" u="none" strike="noStrike" cap="none" normalizeH="0" baseline="0" dirty="0" smtClean="0">
+                <a:ln>
+                  <a:noFill/>
+                </a:ln>
+                <a:solidFill>
+                  <a:srgbClr val="B1B7BE"/>
+                </a:solidFill>
+                <a:effectLst/>
+                <a:latin typeface="Fira Code"/>
+              </a:rPr>
+              <a:t>ConsoleApp1</a:t>
+            </a:r>
+            <a:br>
+              <a:rPr kumimoji="0" lang="ru-RU" altLang="ru-RU" sz="1100" b="0" i="0" u="none" strike="noStrike" cap="none" normalizeH="0" baseline="0" dirty="0" smtClean="0">
+                <a:ln>
+                  <a:noFill/>
+                </a:ln>
+                <a:solidFill>
+                  <a:srgbClr val="B1B7BE"/>
+                </a:solidFill>
+                <a:effectLst/>
+                <a:latin typeface="Fira Code"/>
+              </a:rPr>
+            </a:br>
+            <a:r>
+              <a:rPr kumimoji="0" lang="ru-RU" altLang="ru-RU" sz="1100" b="0" i="0" u="none" strike="noStrike" cap="none" normalizeH="0" baseline="0" dirty="0" smtClean="0">
+                <a:ln>
+                  <a:noFill/>
+                </a:ln>
+                <a:solidFill>
+                  <a:srgbClr val="4A9BF2"/>
+                </a:solidFill>
+                <a:effectLst/>
+                <a:latin typeface="Fira Code"/>
+              </a:rPr>
+              <a:t>{</a:t>
+            </a:r>
+            <a:br>
+              <a:rPr kumimoji="0" lang="ru-RU" altLang="ru-RU" sz="1100" b="0" i="0" u="none" strike="noStrike" cap="none" normalizeH="0" baseline="0" dirty="0" smtClean="0">
+                <a:ln>
+                  <a:noFill/>
+                </a:ln>
+                <a:solidFill>
+                  <a:srgbClr val="4A9BF2"/>
+                </a:solidFill>
+                <a:effectLst/>
+                <a:latin typeface="Fira Code"/>
+              </a:rPr>
+            </a:br>
+            <a:r>
+              <a:rPr kumimoji="0" lang="ru-RU" altLang="ru-RU" sz="1100" b="0" i="0" u="none" strike="noStrike" cap="none" normalizeH="0" baseline="0" dirty="0" smtClean="0">
+                <a:ln>
+                  <a:noFill/>
+                </a:ln>
+                <a:solidFill>
+                  <a:srgbClr val="4A9BF2"/>
+                </a:solidFill>
+                <a:effectLst/>
+                <a:latin typeface="Fira Code"/>
+              </a:rPr>
+              <a:t>    </a:t>
+            </a:r>
+            <a:r>
+              <a:rPr kumimoji="0" lang="ru-RU" altLang="ru-RU" sz="1100" b="0" i="0" u="none" strike="noStrike" cap="none" normalizeH="0" baseline="0" dirty="0" err="1" smtClean="0">
+                <a:ln>
+                  <a:noFill/>
+                </a:ln>
+                <a:solidFill>
+                  <a:srgbClr val="9586CF"/>
+                </a:solidFill>
+                <a:effectLst/>
+                <a:latin typeface="Fira Code"/>
+              </a:rPr>
+              <a:t>class</a:t>
+            </a:r>
+            <a:r>
+              <a:rPr kumimoji="0" lang="ru-RU" altLang="ru-RU" sz="1100" b="0" i="0" u="none" strike="noStrike" cap="none" normalizeH="0" baseline="0" dirty="0" smtClean="0">
+                <a:ln>
+                  <a:noFill/>
+                </a:ln>
+                <a:solidFill>
+                  <a:srgbClr val="9586CF"/>
+                </a:solidFill>
+                <a:effectLst/>
+                <a:latin typeface="Fira Code"/>
+              </a:rPr>
+              <a:t> </a:t>
+            </a:r>
+            <a:r>
+              <a:rPr kumimoji="0" lang="ru-RU" altLang="ru-RU" sz="1100" b="0" i="0" u="none" strike="noStrike" cap="none" normalizeH="0" baseline="0" dirty="0" err="1" smtClean="0">
+                <a:ln>
+                  <a:noFill/>
+                </a:ln>
+                <a:solidFill>
+                  <a:srgbClr val="20B1D2"/>
+                </a:solidFill>
+                <a:effectLst/>
+                <a:latin typeface="Fira Code"/>
+              </a:rPr>
+              <a:t>Program</a:t>
+            </a:r>
+            <a:r>
+              <a:rPr kumimoji="0" lang="ru-RU" altLang="ru-RU" sz="1100" b="0" i="0" u="none" strike="noStrike" cap="none" normalizeH="0" baseline="0" dirty="0" smtClean="0">
+                <a:ln>
+                  <a:noFill/>
+                </a:ln>
+                <a:solidFill>
+                  <a:srgbClr val="20B1D2"/>
+                </a:solidFill>
+                <a:effectLst/>
+                <a:latin typeface="Fira Code"/>
+              </a:rPr>
+              <a:t/>
+            </a:r>
+            <a:br>
+              <a:rPr kumimoji="0" lang="ru-RU" altLang="ru-RU" sz="1100" b="0" i="0" u="none" strike="noStrike" cap="none" normalizeH="0" baseline="0" dirty="0" smtClean="0">
+                <a:ln>
+                  <a:noFill/>
+                </a:ln>
+                <a:solidFill>
+                  <a:srgbClr val="20B1D2"/>
+                </a:solidFill>
+                <a:effectLst/>
+                <a:latin typeface="Fira Code"/>
+              </a:rPr>
+            </a:br>
+            <a:r>
+              <a:rPr kumimoji="0" lang="ru-RU" altLang="ru-RU" sz="1100" b="0" i="0" u="none" strike="noStrike" cap="none" normalizeH="0" baseline="0" dirty="0" smtClean="0">
+                <a:ln>
+                  <a:noFill/>
+                </a:ln>
+                <a:solidFill>
+                  <a:srgbClr val="20B1D2"/>
+                </a:solidFill>
+                <a:effectLst/>
+                <a:latin typeface="Fira Code"/>
+              </a:rPr>
+              <a:t>    </a:t>
+            </a:r>
+            <a:r>
+              <a:rPr kumimoji="0" lang="ru-RU" altLang="ru-RU" sz="1100" b="0" i="0" u="none" strike="noStrike" cap="none" normalizeH="0" baseline="0" dirty="0" smtClean="0">
+                <a:ln>
+                  <a:noFill/>
+                </a:ln>
+                <a:solidFill>
+                  <a:srgbClr val="B1B7BE"/>
+                </a:solidFill>
+                <a:effectLst/>
+                <a:latin typeface="Fira Code"/>
+              </a:rPr>
+              <a:t>{</a:t>
+            </a:r>
+            <a:br>
+              <a:rPr kumimoji="0" lang="ru-RU" altLang="ru-RU" sz="1100" b="0" i="0" u="none" strike="noStrike" cap="none" normalizeH="0" baseline="0" dirty="0" smtClean="0">
+                <a:ln>
+                  <a:noFill/>
+                </a:ln>
+                <a:solidFill>
+                  <a:srgbClr val="B1B7BE"/>
+                </a:solidFill>
+                <a:effectLst/>
+                <a:latin typeface="Fira Code"/>
+              </a:rPr>
+            </a:br>
+            <a:r>
+              <a:rPr kumimoji="0" lang="ru-RU" altLang="ru-RU" sz="1100" b="0" i="0" u="none" strike="noStrike" cap="none" normalizeH="0" baseline="0" dirty="0" smtClean="0">
+                <a:ln>
+                  <a:noFill/>
+                </a:ln>
+                <a:solidFill>
+                  <a:srgbClr val="B1B7BE"/>
+                </a:solidFill>
+                <a:effectLst/>
+                <a:latin typeface="Fira Code"/>
+              </a:rPr>
+              <a:t>        </a:t>
+            </a:r>
+            <a:r>
+              <a:rPr kumimoji="0" lang="ru-RU" altLang="ru-RU" sz="1100" b="0" i="0" u="none" strike="noStrike" cap="none" normalizeH="0" baseline="0" dirty="0" err="1" smtClean="0">
+                <a:ln>
+                  <a:noFill/>
+                </a:ln>
+                <a:solidFill>
+                  <a:srgbClr val="9586CF"/>
+                </a:solidFill>
+                <a:effectLst/>
+                <a:latin typeface="Fira Code"/>
+              </a:rPr>
+              <a:t>static</a:t>
+            </a:r>
+            <a:r>
+              <a:rPr kumimoji="0" lang="ru-RU" altLang="ru-RU" sz="1100" b="0" i="0" u="none" strike="noStrike" cap="none" normalizeH="0" baseline="0" dirty="0" smtClean="0">
+                <a:ln>
+                  <a:noFill/>
+                </a:ln>
+                <a:solidFill>
+                  <a:srgbClr val="9586CF"/>
+                </a:solidFill>
+                <a:effectLst/>
+                <a:latin typeface="Fira Code"/>
+              </a:rPr>
+              <a:t> </a:t>
+            </a:r>
+            <a:r>
+              <a:rPr kumimoji="0" lang="ru-RU" altLang="ru-RU" sz="1100" b="0" i="0" u="none" strike="noStrike" cap="none" normalizeH="0" baseline="0" dirty="0" err="1" smtClean="0">
+                <a:ln>
+                  <a:noFill/>
+                </a:ln>
+                <a:solidFill>
+                  <a:srgbClr val="9586CF"/>
+                </a:solidFill>
+                <a:effectLst/>
+                <a:latin typeface="Fira Code"/>
+              </a:rPr>
+              <a:t>void</a:t>
+            </a:r>
+            <a:r>
+              <a:rPr kumimoji="0" lang="ru-RU" altLang="ru-RU" sz="1100" b="0" i="0" u="none" strike="noStrike" cap="none" normalizeH="0" baseline="0" dirty="0" smtClean="0">
+                <a:ln>
+                  <a:noFill/>
+                </a:ln>
+                <a:solidFill>
+                  <a:srgbClr val="9586CF"/>
+                </a:solidFill>
+                <a:effectLst/>
+                <a:latin typeface="Fira Code"/>
+              </a:rPr>
+              <a:t> </a:t>
+            </a:r>
+            <a:r>
+              <a:rPr kumimoji="0" lang="ru-RU" altLang="ru-RU" sz="1100" b="0" i="0" u="none" strike="noStrike" cap="none" normalizeH="0" baseline="0" dirty="0" err="1" smtClean="0">
+                <a:ln>
+                  <a:noFill/>
+                </a:ln>
+                <a:solidFill>
+                  <a:srgbClr val="20B1D2"/>
+                </a:solidFill>
+                <a:effectLst/>
+                <a:latin typeface="Fira Code"/>
+              </a:rPr>
+              <a:t>Main</a:t>
+            </a:r>
+            <a:r>
+              <a:rPr kumimoji="0" lang="ru-RU" altLang="ru-RU" sz="1100" b="0" i="0" u="none" strike="noStrike" cap="none" normalizeH="0" baseline="0" dirty="0" smtClean="0">
+                <a:ln>
+                  <a:noFill/>
+                </a:ln>
+                <a:solidFill>
+                  <a:srgbClr val="B1B7BE"/>
+                </a:solidFill>
+                <a:effectLst/>
+                <a:latin typeface="Fira Code"/>
+              </a:rPr>
+              <a:t>(</a:t>
+            </a:r>
+            <a:r>
+              <a:rPr kumimoji="0" lang="ru-RU" altLang="ru-RU" sz="1100" b="0" i="0" u="none" strike="noStrike" cap="none" normalizeH="0" baseline="0" dirty="0" err="1" smtClean="0">
+                <a:ln>
+                  <a:noFill/>
+                </a:ln>
+                <a:solidFill>
+                  <a:srgbClr val="9586CF"/>
+                </a:solidFill>
+                <a:effectLst/>
+                <a:latin typeface="Fira Code"/>
+              </a:rPr>
+              <a:t>string</a:t>
+            </a:r>
+            <a:r>
+              <a:rPr kumimoji="0" lang="ru-RU" altLang="ru-RU" sz="1100" b="0" i="0" u="none" strike="noStrike" cap="none" normalizeH="0" baseline="0" dirty="0" smtClean="0">
+                <a:ln>
+                  <a:noFill/>
+                </a:ln>
+                <a:solidFill>
+                  <a:srgbClr val="B1B7BE"/>
+                </a:solidFill>
+                <a:effectLst/>
+                <a:latin typeface="Fira Code"/>
+              </a:rPr>
+              <a:t>[] </a:t>
+            </a:r>
+            <a:r>
+              <a:rPr kumimoji="0" lang="ru-RU" altLang="ru-RU" sz="1100" b="0" i="0" u="none" strike="noStrike" cap="none" normalizeH="0" baseline="0" dirty="0" err="1" smtClean="0">
+                <a:ln>
+                  <a:noFill/>
+                </a:ln>
+                <a:solidFill>
+                  <a:srgbClr val="6A7175"/>
+                </a:solidFill>
+                <a:effectLst/>
+                <a:latin typeface="Fira Code"/>
+              </a:rPr>
+              <a:t>args</a:t>
+            </a:r>
+            <a:r>
+              <a:rPr kumimoji="0" lang="ru-RU" altLang="ru-RU" sz="1100" b="0" i="0" u="none" strike="noStrike" cap="none" normalizeH="0" baseline="0" dirty="0" smtClean="0">
+                <a:ln>
+                  <a:noFill/>
+                </a:ln>
+                <a:solidFill>
+                  <a:srgbClr val="B1B7BE"/>
+                </a:solidFill>
+                <a:effectLst/>
+                <a:latin typeface="Fira Code"/>
+              </a:rPr>
+              <a:t>)</a:t>
+            </a:r>
+            <a:br>
+              <a:rPr kumimoji="0" lang="ru-RU" altLang="ru-RU" sz="1100" b="0" i="0" u="none" strike="noStrike" cap="none" normalizeH="0" baseline="0" dirty="0" smtClean="0">
+                <a:ln>
+                  <a:noFill/>
+                </a:ln>
+                <a:solidFill>
+                  <a:srgbClr val="B1B7BE"/>
+                </a:solidFill>
+                <a:effectLst/>
+                <a:latin typeface="Fira Code"/>
+              </a:rPr>
+            </a:br>
+            <a:r>
+              <a:rPr kumimoji="0" lang="ru-RU" altLang="ru-RU" sz="1100" b="0" i="0" u="none" strike="noStrike" cap="none" normalizeH="0" baseline="0" dirty="0" smtClean="0">
+                <a:ln>
+                  <a:noFill/>
+                </a:ln>
+                <a:solidFill>
+                  <a:srgbClr val="B1B7BE"/>
+                </a:solidFill>
+                <a:effectLst/>
+                <a:latin typeface="Fira Code"/>
+              </a:rPr>
+              <a:t>        {</a:t>
+            </a:r>
+            <a:br>
+              <a:rPr kumimoji="0" lang="ru-RU" altLang="ru-RU" sz="1100" b="0" i="0" u="none" strike="noStrike" cap="none" normalizeH="0" baseline="0" dirty="0" smtClean="0">
+                <a:ln>
+                  <a:noFill/>
+                </a:ln>
+                <a:solidFill>
+                  <a:srgbClr val="B1B7BE"/>
+                </a:solidFill>
+                <a:effectLst/>
+                <a:latin typeface="Fira Code"/>
+              </a:rPr>
+            </a:br>
+            <a:r>
+              <a:rPr kumimoji="0" lang="ru-RU" altLang="ru-RU" sz="1100" b="0" i="0" u="none" strike="noStrike" cap="none" normalizeH="0" baseline="0" dirty="0" smtClean="0">
+                <a:ln>
+                  <a:noFill/>
+                </a:ln>
+                <a:solidFill>
+                  <a:srgbClr val="B1B7BE"/>
+                </a:solidFill>
+                <a:effectLst/>
+                <a:latin typeface="Fira Code"/>
+              </a:rPr>
+              <a:t>            </a:t>
+            </a:r>
+            <a:r>
+              <a:rPr kumimoji="0" lang="ru-RU" altLang="ru-RU" sz="1100" b="0" i="0" u="none" strike="noStrike" cap="none" normalizeH="0" baseline="0" dirty="0" err="1" smtClean="0">
+                <a:ln>
+                  <a:noFill/>
+                </a:ln>
+                <a:solidFill>
+                  <a:srgbClr val="20B1D2"/>
+                </a:solidFill>
+                <a:effectLst/>
+                <a:latin typeface="Fira Code"/>
+              </a:rPr>
+              <a:t>List</a:t>
+            </a:r>
+            <a:r>
+              <a:rPr kumimoji="0" lang="ru-RU" altLang="ru-RU" sz="1100" b="0" i="0" u="none" strike="noStrike" cap="none" normalizeH="0" baseline="0" dirty="0" smtClean="0">
+                <a:ln>
+                  <a:noFill/>
+                </a:ln>
+                <a:solidFill>
+                  <a:srgbClr val="B1B7BE"/>
+                </a:solidFill>
+                <a:effectLst/>
+                <a:latin typeface="Fira Code"/>
+              </a:rPr>
+              <a:t>&lt;</a:t>
+            </a:r>
+            <a:r>
+              <a:rPr kumimoji="0" lang="ru-RU" altLang="ru-RU" sz="1100" b="0" i="0" u="none" strike="noStrike" cap="none" normalizeH="0" baseline="0" dirty="0" err="1" smtClean="0">
+                <a:ln>
+                  <a:noFill/>
+                </a:ln>
+                <a:solidFill>
+                  <a:srgbClr val="9586CF"/>
+                </a:solidFill>
+                <a:effectLst/>
+                <a:latin typeface="Fira Code"/>
+              </a:rPr>
+              <a:t>int</a:t>
+            </a:r>
+            <a:r>
+              <a:rPr kumimoji="0" lang="ru-RU" altLang="ru-RU" sz="1100" b="0" i="0" u="none" strike="noStrike" cap="none" normalizeH="0" baseline="0" dirty="0" smtClean="0">
+                <a:ln>
+                  <a:noFill/>
+                </a:ln>
+                <a:solidFill>
+                  <a:srgbClr val="B1B7BE"/>
+                </a:solidFill>
+                <a:effectLst/>
+                <a:latin typeface="Fira Code"/>
+              </a:rPr>
+              <a:t>&gt; </a:t>
+            </a:r>
+            <a:r>
+              <a:rPr kumimoji="0" lang="ru-RU" altLang="ru-RU" sz="1100" b="0" i="0" u="none" strike="noStrike" cap="none" normalizeH="0" baseline="0" dirty="0" err="1" smtClean="0">
+                <a:ln>
+                  <a:noFill/>
+                </a:ln>
+                <a:solidFill>
+                  <a:srgbClr val="B1B7BE"/>
+                </a:solidFill>
+                <a:effectLst/>
+                <a:latin typeface="Fira Code"/>
+              </a:rPr>
+              <a:t>list</a:t>
+            </a:r>
+            <a:r>
+              <a:rPr kumimoji="0" lang="ru-RU" altLang="ru-RU" sz="1100" b="0" i="0" u="none" strike="noStrike" cap="none" normalizeH="0" baseline="0" dirty="0" smtClean="0">
+                <a:ln>
+                  <a:noFill/>
+                </a:ln>
+                <a:solidFill>
+                  <a:srgbClr val="B1B7BE"/>
+                </a:solidFill>
+                <a:effectLst/>
+                <a:latin typeface="Fira Code"/>
+              </a:rPr>
+              <a:t> = </a:t>
+            </a:r>
+            <a:r>
+              <a:rPr kumimoji="0" lang="ru-RU" altLang="ru-RU" sz="1100" b="0" i="0" u="none" strike="noStrike" cap="none" normalizeH="0" baseline="0" dirty="0" err="1" smtClean="0">
+                <a:ln>
+                  <a:noFill/>
+                </a:ln>
+                <a:solidFill>
+                  <a:srgbClr val="9586CF"/>
+                </a:solidFill>
+                <a:effectLst/>
+                <a:latin typeface="Fira Code"/>
+              </a:rPr>
+              <a:t>new</a:t>
+            </a:r>
+            <a:r>
+              <a:rPr kumimoji="0" lang="ru-RU" altLang="ru-RU" sz="1100" b="0" i="0" u="none" strike="noStrike" cap="none" normalizeH="0" baseline="0" dirty="0" smtClean="0">
+                <a:ln>
+                  <a:noFill/>
+                </a:ln>
+                <a:solidFill>
+                  <a:srgbClr val="9586CF"/>
+                </a:solidFill>
+                <a:effectLst/>
+                <a:latin typeface="Fira Code"/>
+              </a:rPr>
+              <a:t> </a:t>
+            </a:r>
+            <a:r>
+              <a:rPr kumimoji="0" lang="ru-RU" altLang="ru-RU" sz="1100" b="0" i="0" u="none" strike="noStrike" cap="none" normalizeH="0" baseline="0" dirty="0" err="1" smtClean="0">
+                <a:ln>
+                  <a:noFill/>
+                </a:ln>
+                <a:solidFill>
+                  <a:srgbClr val="20B1D2"/>
+                </a:solidFill>
+                <a:effectLst/>
+                <a:latin typeface="Fira Code"/>
+              </a:rPr>
+              <a:t>List</a:t>
+            </a:r>
+            <a:r>
+              <a:rPr kumimoji="0" lang="ru-RU" altLang="ru-RU" sz="1100" b="0" i="0" u="none" strike="noStrike" cap="none" normalizeH="0" baseline="0" dirty="0" smtClean="0">
+                <a:ln>
+                  <a:noFill/>
+                </a:ln>
+                <a:solidFill>
+                  <a:srgbClr val="B1B7BE"/>
+                </a:solidFill>
+                <a:effectLst/>
+                <a:latin typeface="Fira Code"/>
+              </a:rPr>
+              <a:t>&lt;</a:t>
+            </a:r>
+            <a:r>
+              <a:rPr kumimoji="0" lang="ru-RU" altLang="ru-RU" sz="1100" b="0" i="0" u="none" strike="noStrike" cap="none" normalizeH="0" baseline="0" dirty="0" err="1" smtClean="0">
+                <a:ln>
+                  <a:noFill/>
+                </a:ln>
+                <a:solidFill>
+                  <a:srgbClr val="9586CF"/>
+                </a:solidFill>
+                <a:effectLst/>
+                <a:latin typeface="Fira Code"/>
+              </a:rPr>
+              <a:t>int</a:t>
+            </a:r>
+            <a:r>
+              <a:rPr kumimoji="0" lang="ru-RU" altLang="ru-RU" sz="1100" b="0" i="0" u="none" strike="noStrike" cap="none" normalizeH="0" baseline="0" dirty="0" smtClean="0">
+                <a:ln>
+                  <a:noFill/>
+                </a:ln>
+                <a:solidFill>
+                  <a:srgbClr val="B1B7BE"/>
+                </a:solidFill>
+                <a:effectLst/>
+                <a:latin typeface="Fira Code"/>
+              </a:rPr>
+              <a:t>&gt;();</a:t>
+            </a:r>
+            <a:br>
+              <a:rPr kumimoji="0" lang="ru-RU" altLang="ru-RU" sz="1100" b="0" i="0" u="none" strike="noStrike" cap="none" normalizeH="0" baseline="0" dirty="0" smtClean="0">
+                <a:ln>
+                  <a:noFill/>
+                </a:ln>
+                <a:solidFill>
+                  <a:srgbClr val="B1B7BE"/>
+                </a:solidFill>
+                <a:effectLst/>
+                <a:latin typeface="Fira Code"/>
+              </a:rPr>
+            </a:br>
+            <a:r>
+              <a:rPr kumimoji="0" lang="ru-RU" altLang="ru-RU" sz="1100" b="0" i="0" u="none" strike="noStrike" cap="none" normalizeH="0" baseline="0" dirty="0" smtClean="0">
+                <a:ln>
+                  <a:noFill/>
+                </a:ln>
+                <a:solidFill>
+                  <a:srgbClr val="B1B7BE"/>
+                </a:solidFill>
+                <a:effectLst/>
+                <a:latin typeface="Fira Code"/>
+              </a:rPr>
+              <a:t>            </a:t>
+            </a:r>
+            <a:r>
+              <a:rPr kumimoji="0" lang="ru-RU" altLang="ru-RU" sz="1100" b="0" i="0" u="none" strike="noStrike" cap="none" normalizeH="0" baseline="0" dirty="0" err="1" smtClean="0">
+                <a:ln>
+                  <a:noFill/>
+                </a:ln>
+                <a:solidFill>
+                  <a:srgbClr val="B1B7BE"/>
+                </a:solidFill>
+                <a:effectLst/>
+                <a:latin typeface="Fira Code"/>
+              </a:rPr>
+              <a:t>list.</a:t>
+            </a:r>
+            <a:r>
+              <a:rPr kumimoji="0" lang="ru-RU" altLang="ru-RU" sz="1100" b="0" i="0" u="none" strike="noStrike" cap="none" normalizeH="0" baseline="0" dirty="0" err="1" smtClean="0">
+                <a:ln>
+                  <a:noFill/>
+                </a:ln>
+                <a:solidFill>
+                  <a:srgbClr val="20B1D2"/>
+                </a:solidFill>
+                <a:effectLst/>
+                <a:latin typeface="Fira Code"/>
+              </a:rPr>
+              <a:t>Add</a:t>
+            </a:r>
+            <a:r>
+              <a:rPr kumimoji="0" lang="ru-RU" altLang="ru-RU" sz="1100" b="0" i="0" u="none" strike="noStrike" cap="none" normalizeH="0" baseline="0" dirty="0" smtClean="0">
+                <a:ln>
+                  <a:noFill/>
+                </a:ln>
+                <a:solidFill>
+                  <a:srgbClr val="B1B7BE"/>
+                </a:solidFill>
+                <a:effectLst/>
+                <a:latin typeface="Fira Code"/>
+              </a:rPr>
+              <a:t>(</a:t>
+            </a:r>
+            <a:r>
+              <a:rPr kumimoji="0" lang="ru-RU" altLang="ru-RU" sz="1100" b="0" i="0" u="none" strike="noStrike" cap="none" normalizeH="0" baseline="0" dirty="0" smtClean="0">
+                <a:ln>
+                  <a:noFill/>
+                </a:ln>
+                <a:solidFill>
+                  <a:srgbClr val="DEA6B6"/>
+                </a:solidFill>
+                <a:effectLst/>
+                <a:latin typeface="Fira Code"/>
+              </a:rPr>
+              <a:t>2</a:t>
+            </a:r>
+            <a:r>
+              <a:rPr kumimoji="0" lang="ru-RU" altLang="ru-RU" sz="1100" b="0" i="0" u="none" strike="noStrike" cap="none" normalizeH="0" baseline="0" dirty="0" smtClean="0">
+                <a:ln>
+                  <a:noFill/>
+                </a:ln>
+                <a:solidFill>
+                  <a:srgbClr val="B1B7BE"/>
+                </a:solidFill>
+                <a:effectLst/>
+                <a:latin typeface="Fira Code"/>
+              </a:rPr>
+              <a:t>);</a:t>
+            </a:r>
+            <a:br>
+              <a:rPr kumimoji="0" lang="ru-RU" altLang="ru-RU" sz="1100" b="0" i="0" u="none" strike="noStrike" cap="none" normalizeH="0" baseline="0" dirty="0" smtClean="0">
+                <a:ln>
+                  <a:noFill/>
+                </a:ln>
+                <a:solidFill>
+                  <a:srgbClr val="B1B7BE"/>
+                </a:solidFill>
+                <a:effectLst/>
+                <a:latin typeface="Fira Code"/>
+              </a:rPr>
+            </a:br>
+            <a:r>
+              <a:rPr kumimoji="0" lang="ru-RU" altLang="ru-RU" sz="1100" b="0" i="0" u="none" strike="noStrike" cap="none" normalizeH="0" baseline="0" dirty="0" smtClean="0">
+                <a:ln>
+                  <a:noFill/>
+                </a:ln>
+                <a:solidFill>
+                  <a:srgbClr val="B1B7BE"/>
+                </a:solidFill>
+                <a:effectLst/>
+                <a:latin typeface="Fira Code"/>
+              </a:rPr>
+              <a:t>            </a:t>
+            </a:r>
+            <a:r>
+              <a:rPr kumimoji="0" lang="ru-RU" altLang="ru-RU" sz="1100" b="0" i="0" u="none" strike="noStrike" cap="none" normalizeH="0" baseline="0" dirty="0" err="1" smtClean="0">
+                <a:ln>
+                  <a:noFill/>
+                </a:ln>
+                <a:solidFill>
+                  <a:srgbClr val="B1B7BE"/>
+                </a:solidFill>
+                <a:effectLst/>
+                <a:latin typeface="Fira Code"/>
+              </a:rPr>
+              <a:t>list.</a:t>
+            </a:r>
+            <a:r>
+              <a:rPr kumimoji="0" lang="ru-RU" altLang="ru-RU" sz="1100" b="0" i="0" u="none" strike="noStrike" cap="none" normalizeH="0" baseline="0" dirty="0" err="1" smtClean="0">
+                <a:ln>
+                  <a:noFill/>
+                </a:ln>
+                <a:solidFill>
+                  <a:srgbClr val="20B1D2"/>
+                </a:solidFill>
+                <a:effectLst/>
+                <a:latin typeface="Fira Code"/>
+              </a:rPr>
+              <a:t>Add</a:t>
+            </a:r>
+            <a:r>
+              <a:rPr kumimoji="0" lang="ru-RU" altLang="ru-RU" sz="1100" b="0" i="0" u="none" strike="noStrike" cap="none" normalizeH="0" baseline="0" dirty="0" smtClean="0">
+                <a:ln>
+                  <a:noFill/>
+                </a:ln>
+                <a:solidFill>
+                  <a:srgbClr val="B1B7BE"/>
+                </a:solidFill>
+                <a:effectLst/>
+                <a:latin typeface="Fira Code"/>
+              </a:rPr>
+              <a:t>(</a:t>
+            </a:r>
+            <a:r>
+              <a:rPr kumimoji="0" lang="ru-RU" altLang="ru-RU" sz="1100" b="0" i="0" u="none" strike="noStrike" cap="none" normalizeH="0" baseline="0" dirty="0" smtClean="0">
+                <a:ln>
+                  <a:noFill/>
+                </a:ln>
+                <a:solidFill>
+                  <a:srgbClr val="DEA6B6"/>
+                </a:solidFill>
+                <a:effectLst/>
+                <a:latin typeface="Fira Code"/>
+              </a:rPr>
+              <a:t>1</a:t>
+            </a:r>
+            <a:r>
+              <a:rPr kumimoji="0" lang="ru-RU" altLang="ru-RU" sz="1100" b="0" i="0" u="none" strike="noStrike" cap="none" normalizeH="0" baseline="0" dirty="0" smtClean="0">
+                <a:ln>
+                  <a:noFill/>
+                </a:ln>
+                <a:solidFill>
+                  <a:srgbClr val="B1B7BE"/>
+                </a:solidFill>
+                <a:effectLst/>
+                <a:latin typeface="Fira Code"/>
+              </a:rPr>
+              <a:t>);</a:t>
+            </a:r>
+            <a:br>
+              <a:rPr kumimoji="0" lang="ru-RU" altLang="ru-RU" sz="1100" b="0" i="0" u="none" strike="noStrike" cap="none" normalizeH="0" baseline="0" dirty="0" smtClean="0">
+                <a:ln>
+                  <a:noFill/>
+                </a:ln>
+                <a:solidFill>
+                  <a:srgbClr val="B1B7BE"/>
+                </a:solidFill>
+                <a:effectLst/>
+                <a:latin typeface="Fira Code"/>
+              </a:rPr>
+            </a:br>
+            <a:r>
+              <a:rPr kumimoji="0" lang="ru-RU" altLang="ru-RU" sz="1100" b="0" i="0" u="none" strike="noStrike" cap="none" normalizeH="0" baseline="0" dirty="0" smtClean="0">
+                <a:ln>
+                  <a:noFill/>
+                </a:ln>
+                <a:solidFill>
+                  <a:srgbClr val="B1B7BE"/>
+                </a:solidFill>
+                <a:effectLst/>
+                <a:latin typeface="Fira Code"/>
+              </a:rPr>
+              <a:t>            </a:t>
+            </a:r>
+            <a:r>
+              <a:rPr kumimoji="0" lang="ru-RU" altLang="ru-RU" sz="1100" b="0" i="0" u="none" strike="noStrike" cap="none" normalizeH="0" baseline="0" dirty="0" err="1" smtClean="0">
+                <a:ln>
+                  <a:noFill/>
+                </a:ln>
+                <a:solidFill>
+                  <a:srgbClr val="B1B7BE"/>
+                </a:solidFill>
+                <a:effectLst/>
+                <a:latin typeface="Fira Code"/>
+              </a:rPr>
+              <a:t>list.</a:t>
+            </a:r>
+            <a:r>
+              <a:rPr kumimoji="0" lang="ru-RU" altLang="ru-RU" sz="1100" b="0" i="0" u="none" strike="noStrike" cap="none" normalizeH="0" baseline="0" dirty="0" err="1" smtClean="0">
+                <a:ln>
+                  <a:noFill/>
+                </a:ln>
+                <a:solidFill>
+                  <a:srgbClr val="20B1D2"/>
+                </a:solidFill>
+                <a:effectLst/>
+                <a:latin typeface="Fira Code"/>
+              </a:rPr>
+              <a:t>Select</a:t>
+            </a:r>
+            <a:r>
+              <a:rPr kumimoji="0" lang="ru-RU" altLang="ru-RU" sz="1100" b="0" i="0" u="none" strike="noStrike" cap="none" normalizeH="0" baseline="0" dirty="0" smtClean="0">
+                <a:ln>
+                  <a:noFill/>
+                </a:ln>
+                <a:solidFill>
+                  <a:srgbClr val="B1B7BE"/>
+                </a:solidFill>
+                <a:effectLst/>
+                <a:latin typeface="Fira Code"/>
+              </a:rPr>
+              <a:t>(</a:t>
+            </a:r>
+            <a:r>
+              <a:rPr kumimoji="0" lang="ru-RU" altLang="ru-RU" sz="1100" b="0" i="0" u="none" strike="noStrike" cap="none" normalizeH="0" baseline="0" dirty="0" err="1" smtClean="0">
+                <a:ln>
+                  <a:noFill/>
+                </a:ln>
+                <a:solidFill>
+                  <a:srgbClr val="B1B7BE"/>
+                </a:solidFill>
+                <a:effectLst/>
+                <a:latin typeface="Fira Code"/>
+              </a:rPr>
+              <a:t>el</a:t>
+            </a:r>
+            <a:r>
+              <a:rPr kumimoji="0" lang="ru-RU" altLang="ru-RU" sz="1100" b="0" i="0" u="none" strike="noStrike" cap="none" normalizeH="0" baseline="0" dirty="0" smtClean="0">
+                <a:ln>
+                  <a:noFill/>
+                </a:ln>
+                <a:solidFill>
+                  <a:srgbClr val="B1B7BE"/>
+                </a:solidFill>
+                <a:effectLst/>
+                <a:latin typeface="Fira Code"/>
+              </a:rPr>
+              <a:t> =&gt;</a:t>
+            </a:r>
+            <a:br>
+              <a:rPr kumimoji="0" lang="ru-RU" altLang="ru-RU" sz="1100" b="0" i="0" u="none" strike="noStrike" cap="none" normalizeH="0" baseline="0" dirty="0" smtClean="0">
+                <a:ln>
+                  <a:noFill/>
+                </a:ln>
+                <a:solidFill>
+                  <a:srgbClr val="B1B7BE"/>
+                </a:solidFill>
+                <a:effectLst/>
+                <a:latin typeface="Fira Code"/>
+              </a:rPr>
+            </a:br>
+            <a:r>
+              <a:rPr kumimoji="0" lang="ru-RU" altLang="ru-RU" sz="1100" b="0" i="0" u="none" strike="noStrike" cap="none" normalizeH="0" baseline="0" dirty="0" smtClean="0">
+                <a:ln>
+                  <a:noFill/>
+                </a:ln>
+                <a:solidFill>
+                  <a:srgbClr val="B1B7BE"/>
+                </a:solidFill>
+                <a:effectLst/>
+                <a:latin typeface="Fira Code"/>
+              </a:rPr>
+              <a:t>            {</a:t>
+            </a:r>
+            <a:br>
+              <a:rPr kumimoji="0" lang="ru-RU" altLang="ru-RU" sz="1100" b="0" i="0" u="none" strike="noStrike" cap="none" normalizeH="0" baseline="0" dirty="0" smtClean="0">
+                <a:ln>
+                  <a:noFill/>
+                </a:ln>
+                <a:solidFill>
+                  <a:srgbClr val="B1B7BE"/>
+                </a:solidFill>
+                <a:effectLst/>
+                <a:latin typeface="Fira Code"/>
+              </a:rPr>
+            </a:br>
+            <a:r>
+              <a:rPr kumimoji="0" lang="ru-RU" altLang="ru-RU" sz="1100" b="0" i="0" u="none" strike="noStrike" cap="none" normalizeH="0" baseline="0" dirty="0" smtClean="0">
+                <a:ln>
+                  <a:noFill/>
+                </a:ln>
+                <a:solidFill>
+                  <a:srgbClr val="B1B7BE"/>
+                </a:solidFill>
+                <a:effectLst/>
+                <a:latin typeface="Fira Code"/>
+              </a:rPr>
+              <a:t>                </a:t>
+            </a:r>
+            <a:r>
+              <a:rPr kumimoji="0" lang="ru-RU" altLang="ru-RU" sz="1100" b="0" i="0" u="none" strike="noStrike" cap="none" normalizeH="0" baseline="0" dirty="0" err="1" smtClean="0">
+                <a:ln>
+                  <a:noFill/>
+                </a:ln>
+                <a:solidFill>
+                  <a:srgbClr val="20B1D2"/>
+                </a:solidFill>
+                <a:effectLst/>
+                <a:latin typeface="Fira Code"/>
+              </a:rPr>
+              <a:t>Console</a:t>
+            </a:r>
+            <a:r>
+              <a:rPr kumimoji="0" lang="ru-RU" altLang="ru-RU" sz="1100" b="0" i="0" u="none" strike="noStrike" cap="none" normalizeH="0" baseline="0" dirty="0" err="1" smtClean="0">
+                <a:ln>
+                  <a:noFill/>
+                </a:ln>
+                <a:solidFill>
+                  <a:srgbClr val="B1B7BE"/>
+                </a:solidFill>
+                <a:effectLst/>
+                <a:latin typeface="Fira Code"/>
+              </a:rPr>
+              <a:t>.</a:t>
+            </a:r>
+            <a:r>
+              <a:rPr kumimoji="0" lang="ru-RU" altLang="ru-RU" sz="1100" b="0" i="0" u="none" strike="noStrike" cap="none" normalizeH="0" baseline="0" dirty="0" err="1" smtClean="0">
+                <a:ln>
+                  <a:noFill/>
+                </a:ln>
+                <a:solidFill>
+                  <a:srgbClr val="20B1D2"/>
+                </a:solidFill>
+                <a:effectLst/>
+                <a:latin typeface="Fira Code"/>
+              </a:rPr>
+              <a:t>WriteLine</a:t>
+            </a:r>
+            <a:r>
+              <a:rPr kumimoji="0" lang="ru-RU" altLang="ru-RU" sz="1100" b="0" i="0" u="none" strike="noStrike" cap="none" normalizeH="0" baseline="0" dirty="0" smtClean="0">
+                <a:ln>
+                  <a:noFill/>
+                </a:ln>
+                <a:solidFill>
+                  <a:srgbClr val="B1B7BE"/>
+                </a:solidFill>
+                <a:effectLst/>
+                <a:latin typeface="Fira Code"/>
+              </a:rPr>
+              <a:t>(</a:t>
+            </a:r>
+            <a:r>
+              <a:rPr kumimoji="0" lang="ru-RU" altLang="ru-RU" sz="1100" b="0" i="0" u="none" strike="noStrike" cap="none" normalizeH="0" baseline="0" dirty="0" err="1" smtClean="0">
+                <a:ln>
+                  <a:noFill/>
+                </a:ln>
+                <a:solidFill>
+                  <a:srgbClr val="B1B7BE"/>
+                </a:solidFill>
+                <a:effectLst/>
+                <a:latin typeface="Fira Code"/>
+              </a:rPr>
+              <a:t>el</a:t>
+            </a:r>
+            <a:r>
+              <a:rPr kumimoji="0" lang="ru-RU" altLang="ru-RU" sz="1100" b="0" i="0" u="none" strike="noStrike" cap="none" normalizeH="0" baseline="0" dirty="0" smtClean="0">
+                <a:ln>
+                  <a:noFill/>
+                </a:ln>
+                <a:solidFill>
+                  <a:srgbClr val="B1B7BE"/>
+                </a:solidFill>
+                <a:effectLst/>
+                <a:latin typeface="Fira Code"/>
+              </a:rPr>
+              <a:t>);</a:t>
+            </a:r>
+            <a:br>
+              <a:rPr kumimoji="0" lang="ru-RU" altLang="ru-RU" sz="1100" b="0" i="0" u="none" strike="noStrike" cap="none" normalizeH="0" baseline="0" dirty="0" smtClean="0">
+                <a:ln>
+                  <a:noFill/>
+                </a:ln>
+                <a:solidFill>
+                  <a:srgbClr val="B1B7BE"/>
+                </a:solidFill>
+                <a:effectLst/>
+                <a:latin typeface="Fira Code"/>
+              </a:rPr>
+            </a:br>
+            <a:r>
+              <a:rPr kumimoji="0" lang="ru-RU" altLang="ru-RU" sz="1100" b="0" i="0" u="none" strike="noStrike" cap="none" normalizeH="0" baseline="0" dirty="0" smtClean="0">
+                <a:ln>
+                  <a:noFill/>
+                </a:ln>
+                <a:solidFill>
+                  <a:srgbClr val="B1B7BE"/>
+                </a:solidFill>
+                <a:effectLst/>
+                <a:latin typeface="Fira Code"/>
+              </a:rPr>
+              <a:t>                </a:t>
+            </a:r>
+            <a:r>
+              <a:rPr kumimoji="0" lang="ru-RU" altLang="ru-RU" sz="1100" b="0" i="0" u="none" strike="noStrike" cap="none" normalizeH="0" baseline="0" dirty="0" err="1" smtClean="0">
+                <a:ln>
+                  <a:noFill/>
+                </a:ln>
+                <a:solidFill>
+                  <a:srgbClr val="9586CF"/>
+                </a:solidFill>
+                <a:effectLst/>
+                <a:latin typeface="Fira Code"/>
+              </a:rPr>
+              <a:t>return</a:t>
+            </a:r>
+            <a:r>
+              <a:rPr kumimoji="0" lang="ru-RU" altLang="ru-RU" sz="1100" b="0" i="0" u="none" strike="noStrike" cap="none" normalizeH="0" baseline="0" dirty="0" smtClean="0">
+                <a:ln>
+                  <a:noFill/>
+                </a:ln>
+                <a:solidFill>
+                  <a:srgbClr val="9586CF"/>
+                </a:solidFill>
+                <a:effectLst/>
+                <a:latin typeface="Fira Code"/>
+              </a:rPr>
+              <a:t> </a:t>
+            </a:r>
+            <a:r>
+              <a:rPr kumimoji="0" lang="ru-RU" altLang="ru-RU" sz="1100" b="0" i="0" u="none" strike="noStrike" cap="none" normalizeH="0" baseline="0" dirty="0" err="1" smtClean="0">
+                <a:ln>
+                  <a:noFill/>
+                </a:ln>
+                <a:solidFill>
+                  <a:srgbClr val="B1B7BE"/>
+                </a:solidFill>
+                <a:effectLst/>
+                <a:latin typeface="Fira Code"/>
+              </a:rPr>
+              <a:t>el</a:t>
+            </a:r>
+            <a:r>
+              <a:rPr kumimoji="0" lang="ru-RU" altLang="ru-RU" sz="1100" b="0" i="0" u="none" strike="noStrike" cap="none" normalizeH="0" baseline="0" dirty="0" smtClean="0">
+                <a:ln>
+                  <a:noFill/>
+                </a:ln>
+                <a:solidFill>
+                  <a:srgbClr val="B1B7BE"/>
+                </a:solidFill>
+                <a:effectLst/>
+                <a:latin typeface="Fira Code"/>
+              </a:rPr>
+              <a:t>;</a:t>
+            </a:r>
+            <a:br>
+              <a:rPr kumimoji="0" lang="ru-RU" altLang="ru-RU" sz="1100" b="0" i="0" u="none" strike="noStrike" cap="none" normalizeH="0" baseline="0" dirty="0" smtClean="0">
+                <a:ln>
+                  <a:noFill/>
+                </a:ln>
+                <a:solidFill>
+                  <a:srgbClr val="B1B7BE"/>
+                </a:solidFill>
+                <a:effectLst/>
+                <a:latin typeface="Fira Code"/>
+              </a:rPr>
+            </a:br>
+            <a:r>
+              <a:rPr kumimoji="0" lang="ru-RU" altLang="ru-RU" sz="1100" b="0" i="0" u="none" strike="noStrike" cap="none" normalizeH="0" baseline="0" dirty="0" smtClean="0">
+                <a:ln>
+                  <a:noFill/>
+                </a:ln>
+                <a:solidFill>
+                  <a:srgbClr val="B1B7BE"/>
+                </a:solidFill>
+                <a:effectLst/>
+                <a:latin typeface="Fira Code"/>
+              </a:rPr>
+              <a:t>            }).</a:t>
+            </a:r>
+            <a:r>
+              <a:rPr kumimoji="0" lang="ru-RU" altLang="ru-RU" sz="1100" b="0" i="0" u="none" strike="noStrike" cap="none" normalizeH="0" baseline="0" dirty="0" err="1" smtClean="0">
+                <a:ln>
+                  <a:noFill/>
+                </a:ln>
+                <a:solidFill>
+                  <a:srgbClr val="20B1D2"/>
+                </a:solidFill>
+                <a:effectLst/>
+                <a:latin typeface="Fira Code"/>
+              </a:rPr>
+              <a:t>ToArray</a:t>
+            </a:r>
+            <a:r>
+              <a:rPr kumimoji="0" lang="ru-RU" altLang="ru-RU" sz="1100" b="0" i="0" u="none" strike="noStrike" cap="none" normalizeH="0" baseline="0" dirty="0" smtClean="0">
+                <a:ln>
+                  <a:noFill/>
+                </a:ln>
+                <a:solidFill>
+                  <a:srgbClr val="B1B7BE"/>
+                </a:solidFill>
+                <a:effectLst/>
+                <a:latin typeface="Fira Code"/>
+              </a:rPr>
+              <a:t>();</a:t>
+            </a:r>
+            <a:br>
+              <a:rPr kumimoji="0" lang="ru-RU" altLang="ru-RU" sz="1100" b="0" i="0" u="none" strike="noStrike" cap="none" normalizeH="0" baseline="0" dirty="0" smtClean="0">
+                <a:ln>
+                  <a:noFill/>
+                </a:ln>
+                <a:solidFill>
+                  <a:srgbClr val="B1B7BE"/>
+                </a:solidFill>
+                <a:effectLst/>
+                <a:latin typeface="Fira Code"/>
+              </a:rPr>
+            </a:br>
+            <a:r>
+              <a:rPr kumimoji="0" lang="ru-RU" altLang="ru-RU" sz="1100" b="0" i="0" u="none" strike="noStrike" cap="none" normalizeH="0" baseline="0" dirty="0" smtClean="0">
+                <a:ln>
+                  <a:noFill/>
+                </a:ln>
+                <a:solidFill>
+                  <a:srgbClr val="B1B7BE"/>
+                </a:solidFill>
+                <a:effectLst/>
+                <a:latin typeface="Fira Code"/>
+              </a:rPr>
+              <a:t>            </a:t>
+            </a:r>
+            <a:r>
+              <a:rPr kumimoji="0" lang="ru-RU" altLang="ru-RU" sz="1100" b="0" i="0" u="none" strike="noStrike" cap="none" normalizeH="0" baseline="0" dirty="0" err="1" smtClean="0">
+                <a:ln>
+                  <a:noFill/>
+                </a:ln>
+                <a:solidFill>
+                  <a:srgbClr val="B1B7BE"/>
+                </a:solidFill>
+                <a:effectLst/>
+                <a:latin typeface="Fira Code"/>
+              </a:rPr>
+              <a:t>list.</a:t>
+            </a:r>
+            <a:r>
+              <a:rPr kumimoji="0" lang="ru-RU" altLang="ru-RU" sz="1100" b="0" i="0" u="none" strike="noStrike" cap="none" normalizeH="0" baseline="0" dirty="0" err="1" smtClean="0">
+                <a:ln>
+                  <a:noFill/>
+                </a:ln>
+                <a:solidFill>
+                  <a:srgbClr val="20B1D2"/>
+                </a:solidFill>
+                <a:effectLst/>
+                <a:latin typeface="Fira Code"/>
+              </a:rPr>
+              <a:t>Sort</a:t>
+            </a:r>
+            <a:r>
+              <a:rPr kumimoji="0" lang="ru-RU" altLang="ru-RU" sz="1100" b="0" i="0" u="none" strike="noStrike" cap="none" normalizeH="0" baseline="0" dirty="0" smtClean="0">
+                <a:ln>
+                  <a:noFill/>
+                </a:ln>
+                <a:solidFill>
+                  <a:srgbClr val="B1B7BE"/>
+                </a:solidFill>
+                <a:effectLst/>
+                <a:latin typeface="Fira Code"/>
+              </a:rPr>
+              <a:t>();</a:t>
+            </a:r>
+            <a:br>
+              <a:rPr kumimoji="0" lang="ru-RU" altLang="ru-RU" sz="1100" b="0" i="0" u="none" strike="noStrike" cap="none" normalizeH="0" baseline="0" dirty="0" smtClean="0">
+                <a:ln>
+                  <a:noFill/>
+                </a:ln>
+                <a:solidFill>
+                  <a:srgbClr val="B1B7BE"/>
+                </a:solidFill>
+                <a:effectLst/>
+                <a:latin typeface="Fira Code"/>
+              </a:rPr>
+            </a:br>
+            <a:r>
+              <a:rPr kumimoji="0" lang="ru-RU" altLang="ru-RU" sz="1100" b="0" i="0" u="none" strike="noStrike" cap="none" normalizeH="0" baseline="0" dirty="0" smtClean="0">
+                <a:ln>
+                  <a:noFill/>
+                </a:ln>
+                <a:solidFill>
+                  <a:srgbClr val="B1B7BE"/>
+                </a:solidFill>
+                <a:effectLst/>
+                <a:latin typeface="Fira Code"/>
+              </a:rPr>
+              <a:t>            </a:t>
+            </a:r>
+            <a:r>
+              <a:rPr kumimoji="0" lang="ru-RU" altLang="ru-RU" sz="1100" b="0" i="0" u="none" strike="noStrike" cap="none" normalizeH="0" baseline="0" dirty="0" err="1" smtClean="0">
+                <a:ln>
+                  <a:noFill/>
+                </a:ln>
+                <a:solidFill>
+                  <a:srgbClr val="B1B7BE"/>
+                </a:solidFill>
+                <a:effectLst/>
+                <a:latin typeface="Fira Code"/>
+              </a:rPr>
+              <a:t>list.</a:t>
+            </a:r>
+            <a:r>
+              <a:rPr kumimoji="0" lang="ru-RU" altLang="ru-RU" sz="1100" b="0" i="0" u="none" strike="noStrike" cap="none" normalizeH="0" baseline="0" dirty="0" err="1" smtClean="0">
+                <a:ln>
+                  <a:noFill/>
+                </a:ln>
+                <a:solidFill>
+                  <a:srgbClr val="20B1D2"/>
+                </a:solidFill>
+                <a:effectLst/>
+                <a:latin typeface="Fira Code"/>
+              </a:rPr>
+              <a:t>Select</a:t>
+            </a:r>
+            <a:r>
+              <a:rPr kumimoji="0" lang="ru-RU" altLang="ru-RU" sz="1100" b="0" i="0" u="none" strike="noStrike" cap="none" normalizeH="0" baseline="0" dirty="0" smtClean="0">
+                <a:ln>
+                  <a:noFill/>
+                </a:ln>
+                <a:solidFill>
+                  <a:srgbClr val="B1B7BE"/>
+                </a:solidFill>
+                <a:effectLst/>
+                <a:latin typeface="Fira Code"/>
+              </a:rPr>
+              <a:t>(</a:t>
+            </a:r>
+            <a:r>
+              <a:rPr kumimoji="0" lang="ru-RU" altLang="ru-RU" sz="1100" b="0" i="0" u="none" strike="noStrike" cap="none" normalizeH="0" baseline="0" dirty="0" err="1" smtClean="0">
+                <a:ln>
+                  <a:noFill/>
+                </a:ln>
+                <a:solidFill>
+                  <a:srgbClr val="B1B7BE"/>
+                </a:solidFill>
+                <a:effectLst/>
+                <a:latin typeface="Fira Code"/>
+              </a:rPr>
+              <a:t>el</a:t>
+            </a:r>
+            <a:r>
+              <a:rPr kumimoji="0" lang="ru-RU" altLang="ru-RU" sz="1100" b="0" i="0" u="none" strike="noStrike" cap="none" normalizeH="0" baseline="0" dirty="0" smtClean="0">
+                <a:ln>
+                  <a:noFill/>
+                </a:ln>
+                <a:solidFill>
+                  <a:srgbClr val="B1B7BE"/>
+                </a:solidFill>
+                <a:effectLst/>
+                <a:latin typeface="Fira Code"/>
+              </a:rPr>
+              <a:t> =&gt;</a:t>
+            </a:r>
+            <a:br>
+              <a:rPr kumimoji="0" lang="ru-RU" altLang="ru-RU" sz="1100" b="0" i="0" u="none" strike="noStrike" cap="none" normalizeH="0" baseline="0" dirty="0" smtClean="0">
+                <a:ln>
+                  <a:noFill/>
+                </a:ln>
+                <a:solidFill>
+                  <a:srgbClr val="B1B7BE"/>
+                </a:solidFill>
+                <a:effectLst/>
+                <a:latin typeface="Fira Code"/>
+              </a:rPr>
+            </a:br>
+            <a:r>
+              <a:rPr kumimoji="0" lang="ru-RU" altLang="ru-RU" sz="1100" b="0" i="0" u="none" strike="noStrike" cap="none" normalizeH="0" baseline="0" dirty="0" smtClean="0">
+                <a:ln>
+                  <a:noFill/>
+                </a:ln>
+                <a:solidFill>
+                  <a:srgbClr val="B1B7BE"/>
+                </a:solidFill>
+                <a:effectLst/>
+                <a:latin typeface="Fira Code"/>
+              </a:rPr>
+              <a:t>            {</a:t>
+            </a:r>
+            <a:br>
+              <a:rPr kumimoji="0" lang="ru-RU" altLang="ru-RU" sz="1100" b="0" i="0" u="none" strike="noStrike" cap="none" normalizeH="0" baseline="0" dirty="0" smtClean="0">
+                <a:ln>
+                  <a:noFill/>
+                </a:ln>
+                <a:solidFill>
+                  <a:srgbClr val="B1B7BE"/>
+                </a:solidFill>
+                <a:effectLst/>
+                <a:latin typeface="Fira Code"/>
+              </a:rPr>
+            </a:br>
+            <a:r>
+              <a:rPr kumimoji="0" lang="ru-RU" altLang="ru-RU" sz="1100" b="0" i="0" u="none" strike="noStrike" cap="none" normalizeH="0" baseline="0" dirty="0" smtClean="0">
+                <a:ln>
+                  <a:noFill/>
+                </a:ln>
+                <a:solidFill>
+                  <a:srgbClr val="B1B7BE"/>
+                </a:solidFill>
+                <a:effectLst/>
+                <a:latin typeface="Fira Code"/>
+              </a:rPr>
+              <a:t>                </a:t>
+            </a:r>
+            <a:r>
+              <a:rPr kumimoji="0" lang="ru-RU" altLang="ru-RU" sz="1100" b="0" i="0" u="none" strike="noStrike" cap="none" normalizeH="0" baseline="0" dirty="0" err="1" smtClean="0">
+                <a:ln>
+                  <a:noFill/>
+                </a:ln>
+                <a:solidFill>
+                  <a:srgbClr val="20B1D2"/>
+                </a:solidFill>
+                <a:effectLst/>
+                <a:latin typeface="Fira Code"/>
+              </a:rPr>
+              <a:t>Console</a:t>
+            </a:r>
+            <a:r>
+              <a:rPr kumimoji="0" lang="ru-RU" altLang="ru-RU" sz="1100" b="0" i="0" u="none" strike="noStrike" cap="none" normalizeH="0" baseline="0" dirty="0" err="1" smtClean="0">
+                <a:ln>
+                  <a:noFill/>
+                </a:ln>
+                <a:solidFill>
+                  <a:srgbClr val="B1B7BE"/>
+                </a:solidFill>
+                <a:effectLst/>
+                <a:latin typeface="Fira Code"/>
+              </a:rPr>
+              <a:t>.</a:t>
+            </a:r>
+            <a:r>
+              <a:rPr kumimoji="0" lang="ru-RU" altLang="ru-RU" sz="1100" b="0" i="0" u="none" strike="noStrike" cap="none" normalizeH="0" baseline="0" dirty="0" err="1" smtClean="0">
+                <a:ln>
+                  <a:noFill/>
+                </a:ln>
+                <a:solidFill>
+                  <a:srgbClr val="20B1D2"/>
+                </a:solidFill>
+                <a:effectLst/>
+                <a:latin typeface="Fira Code"/>
+              </a:rPr>
+              <a:t>WriteLine</a:t>
+            </a:r>
+            <a:r>
+              <a:rPr kumimoji="0" lang="ru-RU" altLang="ru-RU" sz="1100" b="0" i="0" u="none" strike="noStrike" cap="none" normalizeH="0" baseline="0" dirty="0" smtClean="0">
+                <a:ln>
+                  <a:noFill/>
+                </a:ln>
+                <a:solidFill>
+                  <a:srgbClr val="B1B7BE"/>
+                </a:solidFill>
+                <a:effectLst/>
+                <a:latin typeface="Fira Code"/>
+              </a:rPr>
+              <a:t>(</a:t>
+            </a:r>
+            <a:r>
+              <a:rPr kumimoji="0" lang="ru-RU" altLang="ru-RU" sz="1100" b="0" i="0" u="none" strike="noStrike" cap="none" normalizeH="0" baseline="0" dirty="0" err="1" smtClean="0">
+                <a:ln>
+                  <a:noFill/>
+                </a:ln>
+                <a:solidFill>
+                  <a:srgbClr val="B1B7BE"/>
+                </a:solidFill>
+                <a:effectLst/>
+                <a:latin typeface="Fira Code"/>
+              </a:rPr>
+              <a:t>el</a:t>
+            </a:r>
+            <a:r>
+              <a:rPr kumimoji="0" lang="ru-RU" altLang="ru-RU" sz="1100" b="0" i="0" u="none" strike="noStrike" cap="none" normalizeH="0" baseline="0" dirty="0" smtClean="0">
+                <a:ln>
+                  <a:noFill/>
+                </a:ln>
+                <a:solidFill>
+                  <a:srgbClr val="B1B7BE"/>
+                </a:solidFill>
+                <a:effectLst/>
+                <a:latin typeface="Fira Code"/>
+              </a:rPr>
+              <a:t>);</a:t>
+            </a:r>
+            <a:br>
+              <a:rPr kumimoji="0" lang="ru-RU" altLang="ru-RU" sz="1100" b="0" i="0" u="none" strike="noStrike" cap="none" normalizeH="0" baseline="0" dirty="0" smtClean="0">
+                <a:ln>
+                  <a:noFill/>
+                </a:ln>
+                <a:solidFill>
+                  <a:srgbClr val="B1B7BE"/>
+                </a:solidFill>
+                <a:effectLst/>
+                <a:latin typeface="Fira Code"/>
+              </a:rPr>
+            </a:br>
+            <a:r>
+              <a:rPr kumimoji="0" lang="ru-RU" altLang="ru-RU" sz="1100" b="0" i="0" u="none" strike="noStrike" cap="none" normalizeH="0" baseline="0" dirty="0" smtClean="0">
+                <a:ln>
+                  <a:noFill/>
+                </a:ln>
+                <a:solidFill>
+                  <a:srgbClr val="B1B7BE"/>
+                </a:solidFill>
+                <a:effectLst/>
+                <a:latin typeface="Fira Code"/>
+              </a:rPr>
+              <a:t>                </a:t>
+            </a:r>
+            <a:r>
+              <a:rPr kumimoji="0" lang="ru-RU" altLang="ru-RU" sz="1100" b="0" i="0" u="none" strike="noStrike" cap="none" normalizeH="0" baseline="0" dirty="0" err="1" smtClean="0">
+                <a:ln>
+                  <a:noFill/>
+                </a:ln>
+                <a:solidFill>
+                  <a:srgbClr val="9586CF"/>
+                </a:solidFill>
+                <a:effectLst/>
+                <a:latin typeface="Fira Code"/>
+              </a:rPr>
+              <a:t>return</a:t>
+            </a:r>
+            <a:r>
+              <a:rPr kumimoji="0" lang="ru-RU" altLang="ru-RU" sz="1100" b="0" i="0" u="none" strike="noStrike" cap="none" normalizeH="0" baseline="0" dirty="0" smtClean="0">
+                <a:ln>
+                  <a:noFill/>
+                </a:ln>
+                <a:solidFill>
+                  <a:srgbClr val="9586CF"/>
+                </a:solidFill>
+                <a:effectLst/>
+                <a:latin typeface="Fira Code"/>
+              </a:rPr>
+              <a:t> </a:t>
+            </a:r>
+            <a:r>
+              <a:rPr kumimoji="0" lang="ru-RU" altLang="ru-RU" sz="1100" b="0" i="0" u="none" strike="noStrike" cap="none" normalizeH="0" baseline="0" dirty="0" err="1" smtClean="0">
+                <a:ln>
+                  <a:noFill/>
+                </a:ln>
+                <a:solidFill>
+                  <a:srgbClr val="B1B7BE"/>
+                </a:solidFill>
+                <a:effectLst/>
+                <a:latin typeface="Fira Code"/>
+              </a:rPr>
+              <a:t>el</a:t>
+            </a:r>
+            <a:r>
+              <a:rPr kumimoji="0" lang="ru-RU" altLang="ru-RU" sz="1100" b="0" i="0" u="none" strike="noStrike" cap="none" normalizeH="0" baseline="0" dirty="0" smtClean="0">
+                <a:ln>
+                  <a:noFill/>
+                </a:ln>
+                <a:solidFill>
+                  <a:srgbClr val="B1B7BE"/>
+                </a:solidFill>
+                <a:effectLst/>
+                <a:latin typeface="Fira Code"/>
+              </a:rPr>
+              <a:t>;</a:t>
+            </a:r>
+            <a:br>
+              <a:rPr kumimoji="0" lang="ru-RU" altLang="ru-RU" sz="1100" b="0" i="0" u="none" strike="noStrike" cap="none" normalizeH="0" baseline="0" dirty="0" smtClean="0">
+                <a:ln>
+                  <a:noFill/>
+                </a:ln>
+                <a:solidFill>
+                  <a:srgbClr val="B1B7BE"/>
+                </a:solidFill>
+                <a:effectLst/>
+                <a:latin typeface="Fira Code"/>
+              </a:rPr>
+            </a:br>
+            <a:r>
+              <a:rPr kumimoji="0" lang="ru-RU" altLang="ru-RU" sz="1100" b="0" i="0" u="none" strike="noStrike" cap="none" normalizeH="0" baseline="0" dirty="0" smtClean="0">
+                <a:ln>
+                  <a:noFill/>
+                </a:ln>
+                <a:solidFill>
+                  <a:srgbClr val="B1B7BE"/>
+                </a:solidFill>
+                <a:effectLst/>
+                <a:latin typeface="Fira Code"/>
+              </a:rPr>
+              <a:t>            }).</a:t>
+            </a:r>
+            <a:r>
+              <a:rPr kumimoji="0" lang="ru-RU" altLang="ru-RU" sz="1100" b="0" i="0" u="none" strike="noStrike" cap="none" normalizeH="0" baseline="0" dirty="0" err="1" smtClean="0">
+                <a:ln>
+                  <a:noFill/>
+                </a:ln>
+                <a:solidFill>
+                  <a:srgbClr val="20B1D2"/>
+                </a:solidFill>
+                <a:effectLst/>
+                <a:latin typeface="Fira Code"/>
+              </a:rPr>
+              <a:t>ToArray</a:t>
+            </a:r>
+            <a:r>
+              <a:rPr kumimoji="0" lang="ru-RU" altLang="ru-RU" sz="1100" b="0" i="0" u="none" strike="noStrike" cap="none" normalizeH="0" baseline="0" dirty="0" smtClean="0">
+                <a:ln>
+                  <a:noFill/>
+                </a:ln>
+                <a:solidFill>
+                  <a:srgbClr val="B1B7BE"/>
+                </a:solidFill>
+                <a:effectLst/>
+                <a:latin typeface="Fira Code"/>
+              </a:rPr>
+              <a:t>();</a:t>
+            </a:r>
+            <a:br>
+              <a:rPr kumimoji="0" lang="ru-RU" altLang="ru-RU" sz="1100" b="0" i="0" u="none" strike="noStrike" cap="none" normalizeH="0" baseline="0" dirty="0" smtClean="0">
+                <a:ln>
+                  <a:noFill/>
+                </a:ln>
+                <a:solidFill>
+                  <a:srgbClr val="B1B7BE"/>
+                </a:solidFill>
+                <a:effectLst/>
+                <a:latin typeface="Fira Code"/>
+              </a:rPr>
+            </a:br>
+            <a:r>
+              <a:rPr kumimoji="0" lang="ru-RU" altLang="ru-RU" sz="1100" b="0" i="0" u="none" strike="noStrike" cap="none" normalizeH="0" baseline="0" dirty="0" smtClean="0">
+                <a:ln>
+                  <a:noFill/>
+                </a:ln>
+                <a:solidFill>
+                  <a:srgbClr val="B1B7BE"/>
+                </a:solidFill>
+                <a:effectLst/>
+                <a:latin typeface="Fira Code"/>
+              </a:rPr>
+              <a:t>            </a:t>
+            </a:r>
+            <a:r>
+              <a:rPr kumimoji="0" lang="ru-RU" altLang="ru-RU" sz="1100" b="0" i="0" u="none" strike="noStrike" cap="none" normalizeH="0" baseline="0" dirty="0" err="1" smtClean="0">
+                <a:ln>
+                  <a:noFill/>
+                </a:ln>
+                <a:solidFill>
+                  <a:srgbClr val="20B1D2"/>
+                </a:solidFill>
+                <a:effectLst/>
+                <a:latin typeface="Fira Code"/>
+              </a:rPr>
+              <a:t>Console</a:t>
+            </a:r>
+            <a:r>
+              <a:rPr kumimoji="0" lang="ru-RU" altLang="ru-RU" sz="1100" b="0" i="0" u="none" strike="noStrike" cap="none" normalizeH="0" baseline="0" dirty="0" err="1" smtClean="0">
+                <a:ln>
+                  <a:noFill/>
+                </a:ln>
+                <a:solidFill>
+                  <a:srgbClr val="B1B7BE"/>
+                </a:solidFill>
+                <a:effectLst/>
+                <a:latin typeface="Fira Code"/>
+              </a:rPr>
+              <a:t>.</a:t>
+            </a:r>
+            <a:r>
+              <a:rPr kumimoji="0" lang="ru-RU" altLang="ru-RU" sz="1100" b="0" i="0" u="none" strike="noStrike" cap="none" normalizeH="0" baseline="0" dirty="0" err="1" smtClean="0">
+                <a:ln>
+                  <a:noFill/>
+                </a:ln>
+                <a:solidFill>
+                  <a:srgbClr val="20B1D2"/>
+                </a:solidFill>
+                <a:effectLst/>
+                <a:latin typeface="Fira Code"/>
+              </a:rPr>
+              <a:t>WriteLine</a:t>
+            </a:r>
+            <a:r>
+              <a:rPr kumimoji="0" lang="ru-RU" altLang="ru-RU" sz="1100" b="0" i="0" u="none" strike="noStrike" cap="none" normalizeH="0" baseline="0" dirty="0" smtClean="0">
+                <a:ln>
+                  <a:noFill/>
+                </a:ln>
+                <a:solidFill>
+                  <a:srgbClr val="B1B7BE"/>
+                </a:solidFill>
+                <a:effectLst/>
+                <a:latin typeface="Fira Code"/>
+              </a:rPr>
+              <a:t>(</a:t>
+            </a:r>
+            <a:r>
+              <a:rPr kumimoji="0" lang="ru-RU" altLang="ru-RU" sz="1100" b="0" i="0" u="none" strike="noStrike" cap="none" normalizeH="0" baseline="0" dirty="0" err="1" smtClean="0">
+                <a:ln>
+                  <a:noFill/>
+                </a:ln>
+                <a:solidFill>
+                  <a:srgbClr val="B1B7BE"/>
+                </a:solidFill>
+                <a:effectLst/>
+                <a:latin typeface="Fira Code"/>
+              </a:rPr>
+              <a:t>list.</a:t>
+            </a:r>
+            <a:r>
+              <a:rPr kumimoji="0" lang="ru-RU" altLang="ru-RU" sz="1100" b="0" i="0" u="none" strike="noStrike" cap="none" normalizeH="0" baseline="0" dirty="0" err="1" smtClean="0">
+                <a:ln>
+                  <a:noFill/>
+                </a:ln>
+                <a:solidFill>
+                  <a:srgbClr val="20B1D2"/>
+                </a:solidFill>
+                <a:effectLst/>
+                <a:latin typeface="Fira Code"/>
+              </a:rPr>
+              <a:t>IndexOf</a:t>
+            </a:r>
+            <a:r>
+              <a:rPr kumimoji="0" lang="ru-RU" altLang="ru-RU" sz="1100" b="0" i="0" u="none" strike="noStrike" cap="none" normalizeH="0" baseline="0" dirty="0" smtClean="0">
+                <a:ln>
+                  <a:noFill/>
+                </a:ln>
+                <a:solidFill>
+                  <a:srgbClr val="B1B7BE"/>
+                </a:solidFill>
+                <a:effectLst/>
+                <a:latin typeface="Fira Code"/>
+              </a:rPr>
+              <a:t>(</a:t>
+            </a:r>
+            <a:r>
+              <a:rPr kumimoji="0" lang="ru-RU" altLang="ru-RU" sz="1100" b="0" i="0" u="none" strike="noStrike" cap="none" normalizeH="0" baseline="0" dirty="0" smtClean="0">
+                <a:ln>
+                  <a:noFill/>
+                </a:ln>
+                <a:solidFill>
+                  <a:srgbClr val="DEA6B6"/>
+                </a:solidFill>
+                <a:effectLst/>
+                <a:latin typeface="Fira Code"/>
+              </a:rPr>
+              <a:t>1</a:t>
+            </a:r>
+            <a:r>
+              <a:rPr kumimoji="0" lang="ru-RU" altLang="ru-RU" sz="1100" b="0" i="0" u="none" strike="noStrike" cap="none" normalizeH="0" baseline="0" dirty="0" smtClean="0">
+                <a:ln>
+                  <a:noFill/>
+                </a:ln>
+                <a:solidFill>
+                  <a:srgbClr val="B1B7BE"/>
+                </a:solidFill>
+                <a:effectLst/>
+                <a:latin typeface="Fira Code"/>
+              </a:rPr>
+              <a:t>));</a:t>
+            </a:r>
+            <a:br>
+              <a:rPr kumimoji="0" lang="ru-RU" altLang="ru-RU" sz="1100" b="0" i="0" u="none" strike="noStrike" cap="none" normalizeH="0" baseline="0" dirty="0" smtClean="0">
+                <a:ln>
+                  <a:noFill/>
+                </a:ln>
+                <a:solidFill>
+                  <a:srgbClr val="B1B7BE"/>
+                </a:solidFill>
+                <a:effectLst/>
+                <a:latin typeface="Fira Code"/>
+              </a:rPr>
+            </a:br>
+            <a:r>
+              <a:rPr kumimoji="0" lang="ru-RU" altLang="ru-RU" sz="1100" b="0" i="0" u="none" strike="noStrike" cap="none" normalizeH="0" baseline="0" dirty="0" smtClean="0">
+                <a:ln>
+                  <a:noFill/>
+                </a:ln>
+                <a:solidFill>
+                  <a:srgbClr val="B1B7BE"/>
+                </a:solidFill>
+                <a:effectLst/>
+                <a:latin typeface="Fira Code"/>
+              </a:rPr>
+              <a:t>        }</a:t>
+            </a:r>
+            <a:br>
+              <a:rPr kumimoji="0" lang="ru-RU" altLang="ru-RU" sz="1100" b="0" i="0" u="none" strike="noStrike" cap="none" normalizeH="0" baseline="0" dirty="0" smtClean="0">
+                <a:ln>
+                  <a:noFill/>
+                </a:ln>
+                <a:solidFill>
+                  <a:srgbClr val="B1B7BE"/>
+                </a:solidFill>
+                <a:effectLst/>
+                <a:latin typeface="Fira Code"/>
+              </a:rPr>
+            </a:br>
+            <a:r>
+              <a:rPr kumimoji="0" lang="ru-RU" altLang="ru-RU" sz="1100" b="0" i="0" u="none" strike="noStrike" cap="none" normalizeH="0" baseline="0" dirty="0" smtClean="0">
+                <a:ln>
+                  <a:noFill/>
+                </a:ln>
+                <a:solidFill>
+                  <a:srgbClr val="B1B7BE"/>
+                </a:solidFill>
+                <a:effectLst/>
+                <a:latin typeface="Fira Code"/>
+              </a:rPr>
+              <a:t>    }</a:t>
+            </a:r>
+            <a:br>
+              <a:rPr kumimoji="0" lang="ru-RU" altLang="ru-RU" sz="1100" b="0" i="0" u="none" strike="noStrike" cap="none" normalizeH="0" baseline="0" dirty="0" smtClean="0">
+                <a:ln>
+                  <a:noFill/>
+                </a:ln>
+                <a:solidFill>
+                  <a:srgbClr val="B1B7BE"/>
+                </a:solidFill>
+                <a:effectLst/>
+                <a:latin typeface="Fira Code"/>
+              </a:rPr>
+            </a:br>
+            <a:r>
+              <a:rPr kumimoji="0" lang="ru-RU" altLang="ru-RU" sz="1100" b="0" i="0" u="none" strike="noStrike" cap="none" normalizeH="0" baseline="0" dirty="0" smtClean="0">
+                <a:ln>
+                  <a:noFill/>
+                </a:ln>
+                <a:solidFill>
+                  <a:srgbClr val="4A9BF2"/>
+                </a:solidFill>
+                <a:effectLst/>
+                <a:latin typeface="Fira Code"/>
+              </a:rPr>
+              <a:t>}</a:t>
+            </a:r>
+            <a:endParaRPr kumimoji="0" lang="ru-RU" altLang="ru-RU" sz="1100" b="0" i="0" u="none" strike="noStrike" cap="none" normalizeH="0" baseline="0" dirty="0" smtClean="0">
+              <a:ln>
+                <a:noFill/>
+              </a:ln>
+              <a:solidFill>
+                <a:schemeClr val="tx1"/>
+              </a:solidFill>
+              <a:effectLst/>
+              <a:latin typeface="Arial" panose="020B0604020202020204" pitchFamily="34" charset="0"/>
+            </a:endParaRPr>
+          </a:p>
+        </p:txBody>
+      </p:sp>
+      <p:sp>
+        <p:nvSpPr>
+          <p:cNvPr id="10" name="TextBox 9"/>
+          <p:cNvSpPr txBox="1"/>
+          <p:nvPr/>
+        </p:nvSpPr>
+        <p:spPr>
+          <a:xfrm>
+            <a:off x="8374943" y="5787438"/>
+            <a:ext cx="2940756" cy="646331"/>
+          </a:xfrm>
+          <a:prstGeom prst="rect">
+            <a:avLst/>
+          </a:prstGeom>
+          <a:noFill/>
+        </p:spPr>
+        <p:txBody>
+          <a:bodyPr wrap="square" rtlCol="0">
+            <a:spAutoFit/>
+          </a:bodyPr>
+          <a:lstStyle/>
+          <a:p>
+            <a:pPr algn="ctr"/>
+            <a:r>
+              <a:rPr lang="ru-RU" dirty="0" smtClean="0">
+                <a:latin typeface="Montserrat" panose="00000500000000000000" pitchFamily="2" charset="-52"/>
+              </a:rPr>
+              <a:t>Демонстрация работы с массивами</a:t>
+            </a:r>
+            <a:endParaRPr lang="ru-RU" dirty="0">
+              <a:latin typeface="Montserrat" panose="00000500000000000000" pitchFamily="2" charset="-52"/>
+            </a:endParaRPr>
           </a:p>
         </p:txBody>
       </p:sp>
@@ -3575,6 +7330,336 @@
   <p:clrMapOvr>
     <a:masterClrMapping/>
   </p:clrMapOvr>
+  <p:timing>
+    <p:tnLst>
+      <p:par>
+        <p:cTn id="1" dur="indefinite" restart="never" nodeType="tmRoot"/>
+      </p:par>
+    </p:tnLst>
+  </p:timing>
+</p:sld>
+</file>
+
+<file path=ppt/slides/slide5.xml><?xml version="1.0" encoding="utf-8"?>
+<p:sld xmlns:a="http://schemas.openxmlformats.org/drawingml/2006/main" xmlns:r="http://schemas.openxmlformats.org/officeDocument/2006/relationships" xmlns:p="http://schemas.openxmlformats.org/presentationml/2006/main">
+  <p:cSld>
+    <p:spTree>
+      <p:nvGrpSpPr>
+        <p:cNvPr id="1" name=""/>
+        <p:cNvGrpSpPr/>
+        <p:nvPr/>
+      </p:nvGrpSpPr>
+      <p:grpSpPr>
+        <a:xfrm>
+          <a:off x="0" y="0"/>
+          <a:ext cx="0" cy="0"/>
+          <a:chOff x="0" y="0"/>
+          <a:chExt cx="0" cy="0"/>
+        </a:xfrm>
+      </p:grpSpPr>
+      <p:sp>
+        <p:nvSpPr>
+          <p:cNvPr id="2" name="Заголовок 1"/>
+          <p:cNvSpPr>
+            <a:spLocks noGrp="1"/>
+          </p:cNvSpPr>
+          <p:nvPr>
+            <p:ph type="title"/>
+          </p:nvPr>
+        </p:nvSpPr>
+        <p:spPr/>
+        <p:txBody>
+          <a:bodyPr/>
+          <a:lstStyle/>
+          <a:p>
+            <a:r>
+              <a:rPr lang="ru-RU" dirty="0" smtClean="0">
+                <a:latin typeface="Montserrat" panose="00000500000000000000" pitchFamily="2" charset="-52"/>
+              </a:rPr>
+              <a:t>Пояснение по примерам</a:t>
+            </a:r>
+            <a:endParaRPr lang="ru-RU" dirty="0">
+              <a:latin typeface="Montserrat" panose="00000500000000000000" pitchFamily="2" charset="-52"/>
+            </a:endParaRPr>
+          </a:p>
+        </p:txBody>
+      </p:sp>
+      <p:sp>
+        <p:nvSpPr>
+          <p:cNvPr id="3" name="Объект 2"/>
+          <p:cNvSpPr>
+            <a:spLocks noGrp="1"/>
+          </p:cNvSpPr>
+          <p:nvPr>
+            <p:ph idx="1"/>
+          </p:nvPr>
+        </p:nvSpPr>
+        <p:spPr>
+          <a:xfrm>
+            <a:off x="838200" y="1825625"/>
+            <a:ext cx="4817533" cy="4351338"/>
+          </a:xfrm>
+        </p:spPr>
+        <p:txBody>
+          <a:bodyPr/>
+          <a:lstStyle/>
+          <a:p>
+            <a:pPr marL="0" indent="0">
+              <a:buNone/>
+            </a:pPr>
+            <a:r>
+              <a:rPr lang="ru-RU" dirty="0" smtClean="0"/>
+              <a:t>Как вы можете заметить в последнем примере мы использовали, какие-то  </a:t>
+            </a:r>
+            <a:r>
+              <a:rPr lang="en-US" dirty="0" smtClean="0"/>
+              <a:t>.Select() </a:t>
+            </a:r>
+            <a:r>
+              <a:rPr lang="ru-RU" dirty="0" smtClean="0"/>
+              <a:t>для работы со списками. Этот </a:t>
+            </a:r>
+            <a:r>
+              <a:rPr lang="en-US" dirty="0" smtClean="0"/>
+              <a:t>Select </a:t>
+            </a:r>
+            <a:r>
+              <a:rPr lang="ru-RU" dirty="0" smtClean="0"/>
+              <a:t>из стандартной библиотеки </a:t>
+            </a:r>
+            <a:r>
+              <a:rPr lang="en-US" dirty="0" smtClean="0"/>
+              <a:t>LINQ, </a:t>
+            </a:r>
+            <a:r>
+              <a:rPr lang="ru-RU" dirty="0" smtClean="0"/>
+              <a:t>которая даёт на работать с любыми коллекциями как с базами данных.</a:t>
+            </a:r>
+            <a:endParaRPr lang="ru-RU" dirty="0"/>
+          </a:p>
+        </p:txBody>
+      </p:sp>
+      <p:pic>
+        <p:nvPicPr>
+          <p:cNvPr id="2050" name="Picture 2" descr="Understanding LINQ (C#) - CodeProject"/>
+          <p:cNvPicPr>
+            <a:picLocks noChangeAspect="1" noChangeArrowheads="1"/>
+          </p:cNvPicPr>
+          <p:nvPr/>
+        </p:nvPicPr>
+        <p:blipFill>
+          <a:blip r:embed="rId2">
+            <a:extLst>
+              <a:ext uri="{28A0092B-C50C-407E-A947-70E740481C1C}">
+                <a14:useLocalDpi xmlns:a14="http://schemas.microsoft.com/office/drawing/2010/main" val="0"/>
+              </a:ext>
+            </a:extLst>
+          </a:blip>
+          <a:srcRect/>
+          <a:stretch>
+            <a:fillRect/>
+          </a:stretch>
+        </p:blipFill>
+        <p:spPr bwMode="auto">
+          <a:xfrm>
+            <a:off x="6251575" y="2781123"/>
+            <a:ext cx="4905375" cy="1704976"/>
+          </a:xfrm>
+          <a:prstGeom prst="rect">
+            <a:avLst/>
+          </a:prstGeom>
+          <a:noFill/>
+          <a:extLst>
+            <a:ext uri="{909E8E84-426E-40DD-AFC4-6F175D3DCCD1}">
+              <a14:hiddenFill xmlns:a14="http://schemas.microsoft.com/office/drawing/2010/main">
+                <a:solidFill>
+                  <a:srgbClr val="FFFFFF"/>
+                </a:solidFill>
+              </a14:hiddenFill>
+            </a:ext>
+          </a:extLst>
+        </p:spPr>
+      </p:pic>
+    </p:spTree>
+    <p:extLst>
+      <p:ext uri="{BB962C8B-B14F-4D97-AF65-F5344CB8AC3E}">
+        <p14:creationId xmlns:p14="http://schemas.microsoft.com/office/powerpoint/2010/main" val="1697940997"/>
+      </p:ext>
+    </p:extLst>
+  </p:cSld>
+  <p:clrMapOvr>
+    <a:masterClrMapping/>
+  </p:clrMapOvr>
+  <p:timing>
+    <p:tnLst>
+      <p:par>
+        <p:cTn id="1" dur="indefinite" restart="never" nodeType="tmRoot"/>
+      </p:par>
+    </p:tnLst>
+  </p:timing>
+</p:sld>
+</file>
+
+<file path=ppt/slides/slide6.xml><?xml version="1.0" encoding="utf-8"?>
+<p:sld xmlns:a="http://schemas.openxmlformats.org/drawingml/2006/main" xmlns:r="http://schemas.openxmlformats.org/officeDocument/2006/relationships" xmlns:p="http://schemas.openxmlformats.org/presentationml/2006/main">
+  <p:cSld>
+    <p:spTree>
+      <p:nvGrpSpPr>
+        <p:cNvPr id="1" name=""/>
+        <p:cNvGrpSpPr/>
+        <p:nvPr/>
+      </p:nvGrpSpPr>
+      <p:grpSpPr>
+        <a:xfrm>
+          <a:off x="0" y="0"/>
+          <a:ext cx="0" cy="0"/>
+          <a:chOff x="0" y="0"/>
+          <a:chExt cx="0" cy="0"/>
+        </a:xfrm>
+      </p:grpSpPr>
+      <p:sp>
+        <p:nvSpPr>
+          <p:cNvPr id="2" name="Заголовок 1"/>
+          <p:cNvSpPr>
+            <a:spLocks noGrp="1"/>
+          </p:cNvSpPr>
+          <p:nvPr>
+            <p:ph type="title"/>
+          </p:nvPr>
+        </p:nvSpPr>
+        <p:spPr/>
+        <p:txBody>
+          <a:bodyPr/>
+          <a:lstStyle/>
+          <a:p>
+            <a:r>
+              <a:rPr lang="ru-RU" dirty="0" smtClean="0">
+                <a:latin typeface="Montserrat" panose="00000500000000000000" pitchFamily="2" charset="-52"/>
+              </a:rPr>
+              <a:t>Тест</a:t>
+            </a:r>
+            <a:endParaRPr lang="ru-RU" dirty="0">
+              <a:latin typeface="Montserrat" panose="00000500000000000000" pitchFamily="2" charset="-52"/>
+            </a:endParaRPr>
+          </a:p>
+        </p:txBody>
+      </p:sp>
+      <p:sp>
+        <p:nvSpPr>
+          <p:cNvPr id="3" name="Объект 2"/>
+          <p:cNvSpPr>
+            <a:spLocks noGrp="1"/>
+          </p:cNvSpPr>
+          <p:nvPr>
+            <p:ph idx="1"/>
+          </p:nvPr>
+        </p:nvSpPr>
+        <p:spPr>
+          <a:xfrm>
+            <a:off x="838200" y="1825625"/>
+            <a:ext cx="10515600" cy="4383264"/>
+          </a:xfrm>
+        </p:spPr>
+        <p:txBody>
+          <a:bodyPr/>
+          <a:lstStyle/>
+          <a:p>
+            <a:endParaRPr lang="ru-RU" dirty="0"/>
+          </a:p>
+        </p:txBody>
+      </p:sp>
+    </p:spTree>
+    <p:extLst>
+      <p:ext uri="{BB962C8B-B14F-4D97-AF65-F5344CB8AC3E}">
+        <p14:creationId xmlns:p14="http://schemas.microsoft.com/office/powerpoint/2010/main" val="1703775669"/>
+      </p:ext>
+    </p:extLst>
+  </p:cSld>
+  <p:clrMapOvr>
+    <a:masterClrMapping/>
+  </p:clrMapOvr>
+  <p:timing>
+    <p:tnLst>
+      <p:par>
+        <p:cTn id="1" dur="indefinite" restart="never" nodeType="tmRoot"/>
+      </p:par>
+    </p:tnLst>
+  </p:timing>
+</p:sld>
+</file>
+
+<file path=ppt/slides/slide7.xml><?xml version="1.0" encoding="utf-8"?>
+<p:sld xmlns:a="http://schemas.openxmlformats.org/drawingml/2006/main" xmlns:r="http://schemas.openxmlformats.org/officeDocument/2006/relationships" xmlns:p="http://schemas.openxmlformats.org/presentationml/2006/main">
+  <p:cSld>
+    <p:spTree>
+      <p:nvGrpSpPr>
+        <p:cNvPr id="1" name=""/>
+        <p:cNvGrpSpPr/>
+        <p:nvPr/>
+      </p:nvGrpSpPr>
+      <p:grpSpPr>
+        <a:xfrm>
+          <a:off x="0" y="0"/>
+          <a:ext cx="0" cy="0"/>
+          <a:chOff x="0" y="0"/>
+          <a:chExt cx="0" cy="0"/>
+        </a:xfrm>
+      </p:grpSpPr>
+      <p:sp>
+        <p:nvSpPr>
+          <p:cNvPr id="2" name="Заголовок 1"/>
+          <p:cNvSpPr>
+            <a:spLocks noGrp="1"/>
+          </p:cNvSpPr>
+          <p:nvPr>
+            <p:ph type="title"/>
+          </p:nvPr>
+        </p:nvSpPr>
+        <p:spPr/>
+        <p:txBody>
+          <a:bodyPr/>
+          <a:lstStyle/>
+          <a:p>
+            <a:endParaRPr lang="ru-RU" dirty="0"/>
+          </a:p>
+        </p:txBody>
+      </p:sp>
+      <p:sp>
+        <p:nvSpPr>
+          <p:cNvPr id="3" name="Объект 2"/>
+          <p:cNvSpPr>
+            <a:spLocks noGrp="1"/>
+          </p:cNvSpPr>
+          <p:nvPr>
+            <p:ph idx="1"/>
+          </p:nvPr>
+        </p:nvSpPr>
+        <p:spPr/>
+        <p:txBody>
+          <a:bodyPr/>
+          <a:lstStyle/>
+          <a:p>
+            <a:endParaRPr lang="ru-RU"/>
+          </a:p>
+        </p:txBody>
+      </p:sp>
+    </p:spTree>
+    <p:extLst>
+      <p:ext uri="{BB962C8B-B14F-4D97-AF65-F5344CB8AC3E}">
+        <p14:creationId xmlns:p14="http://schemas.microsoft.com/office/powerpoint/2010/main" val="539992337"/>
+      </p:ext>
+    </p:extLst>
+  </p:cSld>
+  <p:clrMapOvr>
+    <a:masterClrMapping/>
+  </p:clrMapOvr>
+  <p:timing>
+    <p:tnLst>
+      <p:par>
+        <p:cTn id="1" dur="indefinite" restart="never" nodeType="tmRoot"/>
+      </p:par>
+    </p:tnLst>
+  </p:timing>
 </p:sld>
 </file>
 

--- a/IT/Лабораторные работы/Тест.pptx
+++ b/IT/Лабораторные работы/Тест.pptx
@@ -247,7 +247,7 @@
           <a:p>
             <a:fld id="{2F2D58F6-CB0F-4C9F-A071-EC897577AE17}" type="datetimeFigureOut">
               <a:rPr lang="ru-RU" smtClean="0"/>
-              <a:t>13.05.2022</a:t>
+              <a:t>19.05.2022</a:t>
             </a:fld>
             <a:endParaRPr lang="ru-RU"/>
           </a:p>
@@ -415,7 +415,7 @@
           <a:p>
             <a:fld id="{2F2D58F6-CB0F-4C9F-A071-EC897577AE17}" type="datetimeFigureOut">
               <a:rPr lang="ru-RU" smtClean="0"/>
-              <a:t>13.05.2022</a:t>
+              <a:t>19.05.2022</a:t>
             </a:fld>
             <a:endParaRPr lang="ru-RU"/>
           </a:p>
@@ -593,7 +593,7 @@
           <a:p>
             <a:fld id="{2F2D58F6-CB0F-4C9F-A071-EC897577AE17}" type="datetimeFigureOut">
               <a:rPr lang="ru-RU" smtClean="0"/>
-              <a:t>13.05.2022</a:t>
+              <a:t>19.05.2022</a:t>
             </a:fld>
             <a:endParaRPr lang="ru-RU"/>
           </a:p>
@@ -761,7 +761,7 @@
           <a:p>
             <a:fld id="{2F2D58F6-CB0F-4C9F-A071-EC897577AE17}" type="datetimeFigureOut">
               <a:rPr lang="ru-RU" smtClean="0"/>
-              <a:t>13.05.2022</a:t>
+              <a:t>19.05.2022</a:t>
             </a:fld>
             <a:endParaRPr lang="ru-RU"/>
           </a:p>
@@ -1006,7 +1006,7 @@
           <a:p>
             <a:fld id="{2F2D58F6-CB0F-4C9F-A071-EC897577AE17}" type="datetimeFigureOut">
               <a:rPr lang="ru-RU" smtClean="0"/>
-              <a:t>13.05.2022</a:t>
+              <a:t>19.05.2022</a:t>
             </a:fld>
             <a:endParaRPr lang="ru-RU"/>
           </a:p>
@@ -1235,7 +1235,7 @@
           <a:p>
             <a:fld id="{2F2D58F6-CB0F-4C9F-A071-EC897577AE17}" type="datetimeFigureOut">
               <a:rPr lang="ru-RU" smtClean="0"/>
-              <a:t>13.05.2022</a:t>
+              <a:t>19.05.2022</a:t>
             </a:fld>
             <a:endParaRPr lang="ru-RU"/>
           </a:p>
@@ -1599,7 +1599,7 @@
           <a:p>
             <a:fld id="{2F2D58F6-CB0F-4C9F-A071-EC897577AE17}" type="datetimeFigureOut">
               <a:rPr lang="ru-RU" smtClean="0"/>
-              <a:t>13.05.2022</a:t>
+              <a:t>19.05.2022</a:t>
             </a:fld>
             <a:endParaRPr lang="ru-RU"/>
           </a:p>
@@ -1716,7 +1716,7 @@
           <a:p>
             <a:fld id="{2F2D58F6-CB0F-4C9F-A071-EC897577AE17}" type="datetimeFigureOut">
               <a:rPr lang="ru-RU" smtClean="0"/>
-              <a:t>13.05.2022</a:t>
+              <a:t>19.05.2022</a:t>
             </a:fld>
             <a:endParaRPr lang="ru-RU"/>
           </a:p>
@@ -1811,7 +1811,7 @@
           <a:p>
             <a:fld id="{2F2D58F6-CB0F-4C9F-A071-EC897577AE17}" type="datetimeFigureOut">
               <a:rPr lang="ru-RU" smtClean="0"/>
-              <a:t>13.05.2022</a:t>
+              <a:t>19.05.2022</a:t>
             </a:fld>
             <a:endParaRPr lang="ru-RU"/>
           </a:p>
@@ -2086,7 +2086,7 @@
           <a:p>
             <a:fld id="{2F2D58F6-CB0F-4C9F-A071-EC897577AE17}" type="datetimeFigureOut">
               <a:rPr lang="ru-RU" smtClean="0"/>
-              <a:t>13.05.2022</a:t>
+              <a:t>19.05.2022</a:t>
             </a:fld>
             <a:endParaRPr lang="ru-RU"/>
           </a:p>
@@ -2338,7 +2338,7 @@
           <a:p>
             <a:fld id="{2F2D58F6-CB0F-4C9F-A071-EC897577AE17}" type="datetimeFigureOut">
               <a:rPr lang="ru-RU" smtClean="0"/>
-              <a:t>13.05.2022</a:t>
+              <a:t>19.05.2022</a:t>
             </a:fld>
             <a:endParaRPr lang="ru-RU"/>
           </a:p>
@@ -2549,7 +2549,7 @@
           <a:p>
             <a:fld id="{2F2D58F6-CB0F-4C9F-A071-EC897577AE17}" type="datetimeFigureOut">
               <a:rPr lang="ru-RU" smtClean="0"/>
-              <a:t>13.05.2022</a:t>
+              <a:t>19.05.2022</a:t>
             </a:fld>
             <a:endParaRPr lang="ru-RU"/>
           </a:p>
@@ -3037,13 +3037,6 @@
   <p:clrMapOvr>
     <a:masterClrMapping/>
   </p:clrMapOvr>
-  <p:timing>
-    <p:tnLst>
-      <p:par>
-        <p:cTn id="1" dur="indefinite" restart="never" nodeType="tmRoot"/>
-      </p:par>
-    </p:tnLst>
-  </p:timing>
 </p:sld>
 </file>
 
@@ -3248,13 +3241,6 @@
   <p:clrMapOvr>
     <a:masterClrMapping/>
   </p:clrMapOvr>
-  <p:timing>
-    <p:tnLst>
-      <p:par>
-        <p:cTn id="1" dur="indefinite" restart="never" nodeType="tmRoot"/>
-      </p:par>
-    </p:tnLst>
-  </p:timing>
 </p:sld>
 </file>
 
@@ -3543,13 +3529,6 @@
   <p:clrMapOvr>
     <a:masterClrMapping/>
   </p:clrMapOvr>
-  <p:timing>
-    <p:tnLst>
-      <p:par>
-        <p:cTn id="1" dur="indefinite" restart="never" nodeType="tmRoot"/>
-      </p:par>
-    </p:tnLst>
-  </p:timing>
 </p:sld>
 </file>
 
@@ -3586,14 +3565,11 @@
           <a:lstStyle/>
           <a:p>
             <a:r>
-              <a:rPr lang="ru-RU" dirty="0" smtClean="0">
+              <a:rPr lang="ru-RU" dirty="0">
                 <a:latin typeface="Montserrat" panose="00000500000000000000" pitchFamily="2" charset="-52"/>
               </a:rPr>
               <a:t>Примеры кода</a:t>
             </a:r>
-            <a:endParaRPr lang="ru-RU" dirty="0">
-              <a:latin typeface="Montserrat" panose="00000500000000000000" pitchFamily="2" charset="-52"/>
-            </a:endParaRPr>
           </a:p>
         </p:txBody>
       </p:sp>
@@ -3670,7 +3646,7 @@
               <a:tabLst/>
             </a:pPr>
             <a:r>
-              <a:rPr kumimoji="0" lang="ru-RU" altLang="ru-RU" sz="1100" b="0" i="0" u="none" strike="noStrike" cap="none" normalizeH="0" baseline="0" dirty="0" err="1" smtClean="0">
+              <a:rPr kumimoji="0" lang="ru-RU" altLang="ru-RU" sz="1100" b="0" i="0" u="none" strike="noStrike" cap="none" normalizeH="0" baseline="0" dirty="0" err="1">
                 <a:ln>
                   <a:noFill/>
                 </a:ln>
@@ -3683,7 +3659,7 @@
               <a:t>using</a:t>
             </a:r>
             <a:r>
-              <a:rPr kumimoji="0" lang="ru-RU" altLang="ru-RU" sz="1100" b="0" i="0" u="none" strike="noStrike" cap="none" normalizeH="0" baseline="0" dirty="0" smtClean="0">
+              <a:rPr kumimoji="0" lang="ru-RU" altLang="ru-RU" sz="1100" b="0" i="0" u="none" strike="noStrike" cap="none" normalizeH="0" baseline="0" dirty="0">
                 <a:ln>
                   <a:noFill/>
                 </a:ln>
@@ -3696,7 +3672,7 @@
               <a:t> </a:t>
             </a:r>
             <a:r>
-              <a:rPr kumimoji="0" lang="ru-RU" altLang="ru-RU" sz="1100" b="0" i="0" u="none" strike="noStrike" cap="none" normalizeH="0" baseline="0" dirty="0" err="1" smtClean="0">
+              <a:rPr kumimoji="0" lang="ru-RU" altLang="ru-RU" sz="1100" b="0" i="0" u="none" strike="noStrike" cap="none" normalizeH="0" baseline="0" dirty="0" err="1">
                 <a:ln>
                   <a:noFill/>
                 </a:ln>
@@ -3709,7 +3685,7 @@
               <a:t>System</a:t>
             </a:r>
             <a:r>
-              <a:rPr kumimoji="0" lang="ru-RU" altLang="ru-RU" sz="1100" b="0" i="0" u="none" strike="noStrike" cap="none" normalizeH="0" baseline="0" dirty="0" smtClean="0">
+              <a:rPr kumimoji="0" lang="ru-RU" altLang="ru-RU" sz="1100" b="0" i="0" u="none" strike="noStrike" cap="none" normalizeH="0" baseline="0" dirty="0">
                 <a:ln>
                   <a:noFill/>
                 </a:ln>
@@ -3722,7 +3698,7 @@
               <a:t>;</a:t>
             </a:r>
             <a:br>
-              <a:rPr kumimoji="0" lang="ru-RU" altLang="ru-RU" sz="1100" b="0" i="0" u="none" strike="noStrike" cap="none" normalizeH="0" baseline="0" dirty="0" smtClean="0">
+              <a:rPr kumimoji="0" lang="ru-RU" altLang="ru-RU" sz="1100" b="0" i="0" u="none" strike="noStrike" cap="none" normalizeH="0" baseline="0" dirty="0">
                 <a:ln>
                   <a:noFill/>
                 </a:ln>
@@ -3733,21 +3709,8 @@
                 <a:latin typeface="Fira Code"/>
               </a:rPr>
             </a:br>
-            <a:r>
-              <a:rPr kumimoji="0" lang="ru-RU" altLang="ru-RU" sz="1100" b="0" i="0" u="none" strike="noStrike" cap="none" normalizeH="0" baseline="0" dirty="0" smtClean="0">
-                <a:ln>
-                  <a:noFill/>
-                </a:ln>
-                <a:solidFill>
-                  <a:srgbClr val="B1B7BE"/>
-                </a:solidFill>
-                <a:effectLst/>
-                <a:latin typeface="Fira Code"/>
-              </a:rPr>
-              <a:t/>
-            </a:r>
             <a:br>
-              <a:rPr kumimoji="0" lang="ru-RU" altLang="ru-RU" sz="1100" b="0" i="0" u="none" strike="noStrike" cap="none" normalizeH="0" baseline="0" dirty="0" smtClean="0">
+              <a:rPr kumimoji="0" lang="ru-RU" altLang="ru-RU" sz="1100" b="0" i="0" u="none" strike="noStrike" cap="none" normalizeH="0" baseline="0" dirty="0">
                 <a:ln>
                   <a:noFill/>
                 </a:ln>
@@ -3759,7 +3722,7 @@
               </a:rPr>
             </a:br>
             <a:r>
-              <a:rPr kumimoji="0" lang="ru-RU" altLang="ru-RU" sz="1100" b="0" i="0" u="none" strike="noStrike" cap="none" normalizeH="0" baseline="0" dirty="0" err="1" smtClean="0">
+              <a:rPr kumimoji="0" lang="ru-RU" altLang="ru-RU" sz="1100" b="0" i="0" u="none" strike="noStrike" cap="none" normalizeH="0" baseline="0" dirty="0" err="1">
                 <a:ln>
                   <a:noFill/>
                 </a:ln>
@@ -3772,7 +3735,7 @@
               <a:t>namespace</a:t>
             </a:r>
             <a:r>
-              <a:rPr kumimoji="0" lang="ru-RU" altLang="ru-RU" sz="1100" b="0" i="0" u="none" strike="noStrike" cap="none" normalizeH="0" baseline="0" dirty="0" smtClean="0">
+              <a:rPr kumimoji="0" lang="ru-RU" altLang="ru-RU" sz="1100" b="0" i="0" u="none" strike="noStrike" cap="none" normalizeH="0" baseline="0" dirty="0">
                 <a:ln>
                   <a:noFill/>
                 </a:ln>
@@ -3785,7 +3748,7 @@
               <a:t> </a:t>
             </a:r>
             <a:r>
-              <a:rPr kumimoji="0" lang="ru-RU" altLang="ru-RU" sz="1100" b="0" i="0" u="none" strike="noStrike" cap="none" normalizeH="0" baseline="0" dirty="0" smtClean="0">
+              <a:rPr kumimoji="0" lang="ru-RU" altLang="ru-RU" sz="1100" b="0" i="0" u="none" strike="noStrike" cap="none" normalizeH="0" baseline="0" dirty="0">
                 <a:ln>
                   <a:noFill/>
                 </a:ln>
@@ -3798,7 +3761,7 @@
               <a:t>ConsoleApp1</a:t>
             </a:r>
             <a:br>
-              <a:rPr kumimoji="0" lang="ru-RU" altLang="ru-RU" sz="1100" b="0" i="0" u="none" strike="noStrike" cap="none" normalizeH="0" baseline="0" dirty="0" smtClean="0">
+              <a:rPr kumimoji="0" lang="ru-RU" altLang="ru-RU" sz="1100" b="0" i="0" u="none" strike="noStrike" cap="none" normalizeH="0" baseline="0" dirty="0">
                 <a:ln>
                   <a:noFill/>
                 </a:ln>
@@ -3810,7 +3773,7 @@
               </a:rPr>
             </a:br>
             <a:r>
-              <a:rPr kumimoji="0" lang="ru-RU" altLang="ru-RU" sz="1100" b="0" i="0" u="none" strike="noStrike" cap="none" normalizeH="0" baseline="0" dirty="0" smtClean="0">
+              <a:rPr kumimoji="0" lang="ru-RU" altLang="ru-RU" sz="1100" b="0" i="0" u="none" strike="noStrike" cap="none" normalizeH="0" baseline="0" dirty="0">
                 <a:ln>
                   <a:noFill/>
                 </a:ln>
@@ -3823,7 +3786,7 @@
               <a:t>{</a:t>
             </a:r>
             <a:br>
-              <a:rPr kumimoji="0" lang="ru-RU" altLang="ru-RU" sz="1100" b="0" i="0" u="none" strike="noStrike" cap="none" normalizeH="0" baseline="0" dirty="0" smtClean="0">
+              <a:rPr kumimoji="0" lang="ru-RU" altLang="ru-RU" sz="1100" b="0" i="0" u="none" strike="noStrike" cap="none" normalizeH="0" baseline="0" dirty="0">
                 <a:ln>
                   <a:noFill/>
                 </a:ln>
@@ -3835,7 +3798,7 @@
               </a:rPr>
             </a:br>
             <a:r>
-              <a:rPr kumimoji="0" lang="ru-RU" altLang="ru-RU" sz="1100" b="0" i="0" u="none" strike="noStrike" cap="none" normalizeH="0" baseline="0" dirty="0" smtClean="0">
+              <a:rPr kumimoji="0" lang="ru-RU" altLang="ru-RU" sz="1100" b="0" i="0" u="none" strike="noStrike" cap="none" normalizeH="0" baseline="0" dirty="0">
                 <a:ln>
                   <a:noFill/>
                 </a:ln>
@@ -3848,7 +3811,7 @@
               <a:t>    </a:t>
             </a:r>
             <a:r>
-              <a:rPr kumimoji="0" lang="ru-RU" altLang="ru-RU" sz="1100" b="0" i="0" u="none" strike="noStrike" cap="none" normalizeH="0" baseline="0" dirty="0" err="1" smtClean="0">
+              <a:rPr kumimoji="0" lang="ru-RU" altLang="ru-RU" sz="1100" b="0" i="0" u="none" strike="noStrike" cap="none" normalizeH="0" baseline="0" dirty="0" err="1">
                 <a:ln>
                   <a:noFill/>
                 </a:ln>
@@ -3861,7 +3824,7 @@
               <a:t>class</a:t>
             </a:r>
             <a:r>
-              <a:rPr kumimoji="0" lang="ru-RU" altLang="ru-RU" sz="1100" b="0" i="0" u="none" strike="noStrike" cap="none" normalizeH="0" baseline="0" dirty="0" smtClean="0">
+              <a:rPr kumimoji="0" lang="ru-RU" altLang="ru-RU" sz="1100" b="0" i="0" u="none" strike="noStrike" cap="none" normalizeH="0" baseline="0" dirty="0">
                 <a:ln>
                   <a:noFill/>
                 </a:ln>
@@ -3874,7 +3837,7 @@
               <a:t> </a:t>
             </a:r>
             <a:r>
-              <a:rPr kumimoji="0" lang="ru-RU" altLang="ru-RU" sz="1100" b="0" i="0" u="none" strike="noStrike" cap="none" normalizeH="0" baseline="0" dirty="0" err="1" smtClean="0">
+              <a:rPr kumimoji="0" lang="ru-RU" altLang="ru-RU" sz="1100" b="0" i="0" u="none" strike="noStrike" cap="none" normalizeH="0" baseline="0" dirty="0" err="1">
                 <a:ln>
                   <a:noFill/>
                 </a:ln>
@@ -3886,8 +3849,8 @@
               </a:rPr>
               <a:t>Program</a:t>
             </a:r>
-            <a:r>
-              <a:rPr kumimoji="0" lang="ru-RU" altLang="ru-RU" sz="1100" b="0" i="0" u="none" strike="noStrike" cap="none" normalizeH="0" baseline="0" dirty="0" smtClean="0">
+            <a:br>
+              <a:rPr kumimoji="0" lang="ru-RU" altLang="ru-RU" sz="1100" b="0" i="0" u="none" strike="noStrike" cap="none" normalizeH="0" baseline="0" dirty="0">
                 <a:ln>
                   <a:noFill/>
                 </a:ln>
@@ -3897,10 +3860,112 @@
                 <a:effectLst/>
                 <a:latin typeface="Fira Code"/>
               </a:rPr>
-              <a:t/>
+            </a:br>
+            <a:r>
+              <a:rPr kumimoji="0" lang="ru-RU" altLang="ru-RU" sz="1100" b="0" i="0" u="none" strike="noStrike" cap="none" normalizeH="0" baseline="0" dirty="0">
+                <a:ln>
+                  <a:noFill/>
+                </a:ln>
+                <a:solidFill>
+                  <a:srgbClr val="20B1D2"/>
+                </a:solidFill>
+                <a:effectLst/>
+                <a:latin typeface="Fira Code"/>
+              </a:rPr>
+              <a:t>    </a:t>
+            </a:r>
+            <a:r>
+              <a:rPr kumimoji="0" lang="ru-RU" altLang="ru-RU" sz="1100" b="0" i="0" u="none" strike="noStrike" cap="none" normalizeH="0" baseline="0" dirty="0">
+                <a:ln>
+                  <a:noFill/>
+                </a:ln>
+                <a:solidFill>
+                  <a:srgbClr val="B1B7BE"/>
+                </a:solidFill>
+                <a:effectLst/>
+                <a:latin typeface="Fira Code"/>
+              </a:rPr>
+              <a:t>{</a:t>
             </a:r>
             <a:br>
-              <a:rPr kumimoji="0" lang="ru-RU" altLang="ru-RU" sz="1100" b="0" i="0" u="none" strike="noStrike" cap="none" normalizeH="0" baseline="0" dirty="0" smtClean="0">
+              <a:rPr kumimoji="0" lang="ru-RU" altLang="ru-RU" sz="1100" b="0" i="0" u="none" strike="noStrike" cap="none" normalizeH="0" baseline="0" dirty="0">
+                <a:ln>
+                  <a:noFill/>
+                </a:ln>
+                <a:solidFill>
+                  <a:srgbClr val="B1B7BE"/>
+                </a:solidFill>
+                <a:effectLst/>
+                <a:latin typeface="Fira Code"/>
+              </a:rPr>
+            </a:br>
+            <a:r>
+              <a:rPr kumimoji="0" lang="ru-RU" altLang="ru-RU" sz="1100" b="0" i="0" u="none" strike="noStrike" cap="none" normalizeH="0" baseline="0" dirty="0">
+                <a:ln>
+                  <a:noFill/>
+                </a:ln>
+                <a:solidFill>
+                  <a:srgbClr val="B1B7BE"/>
+                </a:solidFill>
+                <a:effectLst/>
+                <a:latin typeface="Fira Code"/>
+              </a:rPr>
+              <a:t>        </a:t>
+            </a:r>
+            <a:r>
+              <a:rPr kumimoji="0" lang="ru-RU" altLang="ru-RU" sz="1100" b="0" i="0" u="none" strike="noStrike" cap="none" normalizeH="0" baseline="0" dirty="0" err="1">
+                <a:ln>
+                  <a:noFill/>
+                </a:ln>
+                <a:solidFill>
+                  <a:srgbClr val="9586CF"/>
+                </a:solidFill>
+                <a:effectLst/>
+                <a:latin typeface="Fira Code"/>
+              </a:rPr>
+              <a:t>static</a:t>
+            </a:r>
+            <a:r>
+              <a:rPr kumimoji="0" lang="ru-RU" altLang="ru-RU" sz="1100" b="0" i="0" u="none" strike="noStrike" cap="none" normalizeH="0" baseline="0" dirty="0">
+                <a:ln>
+                  <a:noFill/>
+                </a:ln>
+                <a:solidFill>
+                  <a:srgbClr val="9586CF"/>
+                </a:solidFill>
+                <a:effectLst/>
+                <a:latin typeface="Fira Code"/>
+              </a:rPr>
+              <a:t> </a:t>
+            </a:r>
+            <a:r>
+              <a:rPr kumimoji="0" lang="ru-RU" altLang="ru-RU" sz="1100" b="0" i="0" u="none" strike="noStrike" cap="none" normalizeH="0" baseline="0" dirty="0" err="1">
+                <a:ln>
+                  <a:noFill/>
+                </a:ln>
+                <a:solidFill>
+                  <a:srgbClr val="9586CF"/>
+                </a:solidFill>
+                <a:effectLst/>
+                <a:latin typeface="Fira Code"/>
+              </a:rPr>
+              <a:t>void</a:t>
+            </a:r>
+            <a:r>
+              <a:rPr kumimoji="0" lang="ru-RU" altLang="ru-RU" sz="1100" b="0" i="0" u="none" strike="noStrike" cap="none" normalizeH="0" baseline="0" dirty="0">
+                <a:ln>
+                  <a:noFill/>
+                </a:ln>
+                <a:solidFill>
+                  <a:srgbClr val="9586CF"/>
+                </a:solidFill>
+                <a:effectLst/>
+                <a:latin typeface="Fira Code"/>
+              </a:rPr>
+              <a:t> </a:t>
+            </a:r>
+            <a:r>
+              <a:rPr kumimoji="0" lang="ru-RU" altLang="ru-RU" sz="1100" b="0" i="0" u="none" strike="noStrike" cap="none" normalizeH="0" baseline="0" dirty="0" err="1">
                 <a:ln>
                   <a:noFill/>
                 </a:ln>
@@ -3910,9 +3975,125 @@
                 <a:effectLst/>
                 <a:latin typeface="Fira Code"/>
               </a:rPr>
+              <a:t>Main</a:t>
+            </a:r>
+            <a:r>
+              <a:rPr kumimoji="0" lang="ru-RU" altLang="ru-RU" sz="1100" b="0" i="0" u="none" strike="noStrike" cap="none" normalizeH="0" baseline="0" dirty="0">
+                <a:ln>
+                  <a:noFill/>
+                </a:ln>
+                <a:solidFill>
+                  <a:srgbClr val="B1B7BE"/>
+                </a:solidFill>
+                <a:effectLst/>
+                <a:latin typeface="Fira Code"/>
+              </a:rPr>
+              <a:t>(</a:t>
+            </a:r>
+            <a:r>
+              <a:rPr kumimoji="0" lang="ru-RU" altLang="ru-RU" sz="1100" b="0" i="0" u="none" strike="noStrike" cap="none" normalizeH="0" baseline="0" dirty="0" err="1">
+                <a:ln>
+                  <a:noFill/>
+                </a:ln>
+                <a:solidFill>
+                  <a:srgbClr val="9586CF"/>
+                </a:solidFill>
+                <a:effectLst/>
+                <a:latin typeface="Fira Code"/>
+              </a:rPr>
+              <a:t>string</a:t>
+            </a:r>
+            <a:r>
+              <a:rPr kumimoji="0" lang="ru-RU" altLang="ru-RU" sz="1100" b="0" i="0" u="none" strike="noStrike" cap="none" normalizeH="0" baseline="0" dirty="0">
+                <a:ln>
+                  <a:noFill/>
+                </a:ln>
+                <a:solidFill>
+                  <a:srgbClr val="B1B7BE"/>
+                </a:solidFill>
+                <a:effectLst/>
+                <a:latin typeface="Fira Code"/>
+              </a:rPr>
+              <a:t>[] </a:t>
+            </a:r>
+            <a:r>
+              <a:rPr kumimoji="0" lang="ru-RU" altLang="ru-RU" sz="1100" b="0" i="0" u="none" strike="noStrike" cap="none" normalizeH="0" baseline="0" dirty="0" err="1">
+                <a:ln>
+                  <a:noFill/>
+                </a:ln>
+                <a:solidFill>
+                  <a:srgbClr val="6A7175"/>
+                </a:solidFill>
+                <a:effectLst/>
+                <a:latin typeface="Fira Code"/>
+              </a:rPr>
+              <a:t>args</a:t>
+            </a:r>
+            <a:r>
+              <a:rPr kumimoji="0" lang="ru-RU" altLang="ru-RU" sz="1100" b="0" i="0" u="none" strike="noStrike" cap="none" normalizeH="0" baseline="0" dirty="0">
+                <a:ln>
+                  <a:noFill/>
+                </a:ln>
+                <a:solidFill>
+                  <a:srgbClr val="B1B7BE"/>
+                </a:solidFill>
+                <a:effectLst/>
+                <a:latin typeface="Fira Code"/>
+              </a:rPr>
+              <a:t>)</a:t>
+            </a:r>
+            <a:br>
+              <a:rPr kumimoji="0" lang="ru-RU" altLang="ru-RU" sz="1100" b="0" i="0" u="none" strike="noStrike" cap="none" normalizeH="0" baseline="0" dirty="0">
+                <a:ln>
+                  <a:noFill/>
+                </a:ln>
+                <a:solidFill>
+                  <a:srgbClr val="B1B7BE"/>
+                </a:solidFill>
+                <a:effectLst/>
+                <a:latin typeface="Fira Code"/>
+              </a:rPr>
             </a:br>
             <a:r>
-              <a:rPr kumimoji="0" lang="ru-RU" altLang="ru-RU" sz="1100" b="0" i="0" u="none" strike="noStrike" cap="none" normalizeH="0" baseline="0" dirty="0" smtClean="0">
+              <a:rPr kumimoji="0" lang="ru-RU" altLang="ru-RU" sz="1100" b="0" i="0" u="none" strike="noStrike" cap="none" normalizeH="0" baseline="0" dirty="0">
+                <a:ln>
+                  <a:noFill/>
+                </a:ln>
+                <a:solidFill>
+                  <a:srgbClr val="B1B7BE"/>
+                </a:solidFill>
+                <a:effectLst/>
+                <a:latin typeface="Fira Code"/>
+              </a:rPr>
+              <a:t>        {</a:t>
+            </a:r>
+            <a:br>
+              <a:rPr kumimoji="0" lang="ru-RU" altLang="ru-RU" sz="1100" b="0" i="0" u="none" strike="noStrike" cap="none" normalizeH="0" baseline="0" dirty="0">
+                <a:ln>
+                  <a:noFill/>
+                </a:ln>
+                <a:solidFill>
+                  <a:srgbClr val="B1B7BE"/>
+                </a:solidFill>
+                <a:effectLst/>
+                <a:latin typeface="Fira Code"/>
+              </a:rPr>
+            </a:br>
+            <a:r>
+              <a:rPr kumimoji="0" lang="ru-RU" altLang="ru-RU" sz="1100" b="0" i="0" u="none" strike="noStrike" cap="none" normalizeH="0" baseline="0" dirty="0">
+                <a:ln>
+                  <a:noFill/>
+                </a:ln>
+                <a:solidFill>
+                  <a:srgbClr val="B1B7BE"/>
+                </a:solidFill>
+                <a:effectLst/>
+                <a:latin typeface="Fira Code"/>
+              </a:rPr>
+              <a:t>            </a:t>
+            </a:r>
+            <a:r>
+              <a:rPr kumimoji="0" lang="ru-RU" altLang="ru-RU" sz="1100" b="0" i="0" u="none" strike="noStrike" cap="none" normalizeH="0" baseline="0" dirty="0" err="1">
                 <a:ln>
                   <a:noFill/>
                 </a:ln>
@@ -3922,23 +4103,127 @@
                 <a:effectLst/>
                 <a:latin typeface="Fira Code"/>
               </a:rPr>
-              <a:t>    </a:t>
-            </a:r>
-            <a:r>
-              <a:rPr kumimoji="0" lang="ru-RU" altLang="ru-RU" sz="1100" b="0" i="0" u="none" strike="noStrike" cap="none" normalizeH="0" baseline="0" dirty="0" smtClean="0">
-                <a:ln>
-                  <a:noFill/>
-                </a:ln>
-                <a:solidFill>
-                  <a:srgbClr val="B1B7BE"/>
-                </a:solidFill>
-                <a:effectLst/>
-                <a:latin typeface="Fira Code"/>
-              </a:rPr>
-              <a:t>{</a:t>
+              <a:t>Console</a:t>
+            </a:r>
+            <a:r>
+              <a:rPr kumimoji="0" lang="ru-RU" altLang="ru-RU" sz="1100" b="0" i="0" u="none" strike="noStrike" cap="none" normalizeH="0" baseline="0" dirty="0" err="1">
+                <a:ln>
+                  <a:noFill/>
+                </a:ln>
+                <a:solidFill>
+                  <a:srgbClr val="B1B7BE"/>
+                </a:solidFill>
+                <a:effectLst/>
+                <a:latin typeface="Fira Code"/>
+              </a:rPr>
+              <a:t>.</a:t>
+            </a:r>
+            <a:r>
+              <a:rPr kumimoji="0" lang="ru-RU" altLang="ru-RU" sz="1100" b="0" i="0" u="none" strike="noStrike" cap="none" normalizeH="0" baseline="0" dirty="0" err="1">
+                <a:ln>
+                  <a:noFill/>
+                </a:ln>
+                <a:solidFill>
+                  <a:srgbClr val="20B1D2"/>
+                </a:solidFill>
+                <a:effectLst/>
+                <a:latin typeface="Fira Code"/>
+              </a:rPr>
+              <a:t>WriteLine</a:t>
+            </a:r>
+            <a:r>
+              <a:rPr kumimoji="0" lang="ru-RU" altLang="ru-RU" sz="1100" b="0" i="0" u="none" strike="noStrike" cap="none" normalizeH="0" baseline="0" dirty="0">
+                <a:ln>
+                  <a:noFill/>
+                </a:ln>
+                <a:solidFill>
+                  <a:srgbClr val="B1B7BE"/>
+                </a:solidFill>
+                <a:effectLst/>
+                <a:latin typeface="Fira Code"/>
+              </a:rPr>
+              <a:t>(</a:t>
+            </a:r>
+            <a:r>
+              <a:rPr kumimoji="0" lang="ru-RU" altLang="ru-RU" sz="1100" b="0" i="0" u="none" strike="noStrike" cap="none" normalizeH="0" baseline="0" dirty="0">
+                <a:ln>
+                  <a:noFill/>
+                </a:ln>
+                <a:solidFill>
+                  <a:srgbClr val="D8EBA1"/>
+                </a:solidFill>
+                <a:effectLst/>
+                <a:latin typeface="Fira Code"/>
+              </a:rPr>
+              <a:t>"</a:t>
+            </a:r>
+            <a:r>
+              <a:rPr kumimoji="0" lang="ru-RU" altLang="ru-RU" sz="1100" b="0" i="0" u="none" strike="noStrike" cap="none" normalizeH="0" baseline="0" dirty="0" err="1">
+                <a:ln>
+                  <a:noFill/>
+                </a:ln>
+                <a:solidFill>
+                  <a:srgbClr val="D8EBA1"/>
+                </a:solidFill>
+                <a:effectLst/>
+                <a:latin typeface="Fira Code"/>
+              </a:rPr>
+              <a:t>Hello</a:t>
+            </a:r>
+            <a:r>
+              <a:rPr kumimoji="0" lang="ru-RU" altLang="ru-RU" sz="1100" b="0" i="0" u="none" strike="noStrike" cap="none" normalizeH="0" baseline="0" dirty="0">
+                <a:ln>
+                  <a:noFill/>
+                </a:ln>
+                <a:solidFill>
+                  <a:srgbClr val="D8EBA1"/>
+                </a:solidFill>
+                <a:effectLst/>
+                <a:latin typeface="Fira Code"/>
+              </a:rPr>
+              <a:t> </a:t>
+            </a:r>
+            <a:r>
+              <a:rPr kumimoji="0" lang="ru-RU" altLang="ru-RU" sz="1100" b="0" i="0" u="none" strike="noStrike" cap="none" normalizeH="0" baseline="0" dirty="0" err="1">
+                <a:ln>
+                  <a:noFill/>
+                </a:ln>
+                <a:solidFill>
+                  <a:srgbClr val="D8EBA1"/>
+                </a:solidFill>
+                <a:effectLst/>
+                <a:latin typeface="Fira Code"/>
+              </a:rPr>
+              <a:t>World</a:t>
+            </a:r>
+            <a:r>
+              <a:rPr kumimoji="0" lang="ru-RU" altLang="ru-RU" sz="1100" b="0" i="0" u="none" strike="noStrike" cap="none" normalizeH="0" baseline="0" dirty="0">
+                <a:ln>
+                  <a:noFill/>
+                </a:ln>
+                <a:solidFill>
+                  <a:srgbClr val="D8EBA1"/>
+                </a:solidFill>
+                <a:effectLst/>
+                <a:latin typeface="Fira Code"/>
+              </a:rPr>
+              <a:t>"</a:t>
+            </a:r>
+            <a:r>
+              <a:rPr kumimoji="0" lang="ru-RU" altLang="ru-RU" sz="1100" b="0" i="0" u="none" strike="noStrike" cap="none" normalizeH="0" baseline="0" dirty="0">
+                <a:ln>
+                  <a:noFill/>
+                </a:ln>
+                <a:solidFill>
+                  <a:srgbClr val="B1B7BE"/>
+                </a:solidFill>
+                <a:effectLst/>
+                <a:latin typeface="Fira Code"/>
+              </a:rPr>
+              <a:t>);</a:t>
             </a:r>
             <a:br>
-              <a:rPr kumimoji="0" lang="ru-RU" altLang="ru-RU" sz="1100" b="0" i="0" u="none" strike="noStrike" cap="none" normalizeH="0" baseline="0" dirty="0" smtClean="0">
+              <a:rPr kumimoji="0" lang="ru-RU" altLang="ru-RU" sz="1100" b="0" i="0" u="none" strike="noStrike" cap="none" normalizeH="0" baseline="0" dirty="0">
                 <a:ln>
                   <a:noFill/>
                 </a:ln>
@@ -3950,150 +4235,20 @@
               </a:rPr>
             </a:br>
             <a:r>
-              <a:rPr kumimoji="0" lang="ru-RU" altLang="ru-RU" sz="1100" b="0" i="0" u="none" strike="noStrike" cap="none" normalizeH="0" baseline="0" dirty="0" smtClean="0">
-                <a:ln>
-                  <a:noFill/>
-                </a:ln>
-                <a:solidFill>
-                  <a:srgbClr val="B1B7BE"/>
-                </a:solidFill>
-                <a:effectLst/>
-                <a:latin typeface="Fira Code"/>
-              </a:rPr>
-              <a:t>        </a:t>
-            </a:r>
-            <a:r>
-              <a:rPr kumimoji="0" lang="ru-RU" altLang="ru-RU" sz="1100" b="0" i="0" u="none" strike="noStrike" cap="none" normalizeH="0" baseline="0" dirty="0" err="1" smtClean="0">
-                <a:ln>
-                  <a:noFill/>
-                </a:ln>
-                <a:solidFill>
-                  <a:srgbClr val="9586CF"/>
-                </a:solidFill>
-                <a:effectLst/>
-                <a:latin typeface="Fira Code"/>
-              </a:rPr>
-              <a:t>static</a:t>
-            </a:r>
-            <a:r>
-              <a:rPr kumimoji="0" lang="ru-RU" altLang="ru-RU" sz="1100" b="0" i="0" u="none" strike="noStrike" cap="none" normalizeH="0" baseline="0" dirty="0" smtClean="0">
-                <a:ln>
-                  <a:noFill/>
-                </a:ln>
-                <a:solidFill>
-                  <a:srgbClr val="9586CF"/>
-                </a:solidFill>
-                <a:effectLst/>
-                <a:latin typeface="Fira Code"/>
-              </a:rPr>
-              <a:t> </a:t>
-            </a:r>
-            <a:r>
-              <a:rPr kumimoji="0" lang="ru-RU" altLang="ru-RU" sz="1100" b="0" i="0" u="none" strike="noStrike" cap="none" normalizeH="0" baseline="0" dirty="0" err="1" smtClean="0">
-                <a:ln>
-                  <a:noFill/>
-                </a:ln>
-                <a:solidFill>
-                  <a:srgbClr val="9586CF"/>
-                </a:solidFill>
-                <a:effectLst/>
-                <a:latin typeface="Fira Code"/>
-              </a:rPr>
-              <a:t>void</a:t>
-            </a:r>
-            <a:r>
-              <a:rPr kumimoji="0" lang="ru-RU" altLang="ru-RU" sz="1100" b="0" i="0" u="none" strike="noStrike" cap="none" normalizeH="0" baseline="0" dirty="0" smtClean="0">
-                <a:ln>
-                  <a:noFill/>
-                </a:ln>
-                <a:solidFill>
-                  <a:srgbClr val="9586CF"/>
-                </a:solidFill>
-                <a:effectLst/>
-                <a:latin typeface="Fira Code"/>
-              </a:rPr>
-              <a:t> </a:t>
-            </a:r>
-            <a:r>
-              <a:rPr kumimoji="0" lang="ru-RU" altLang="ru-RU" sz="1100" b="0" i="0" u="none" strike="noStrike" cap="none" normalizeH="0" baseline="0" dirty="0" err="1" smtClean="0">
-                <a:ln>
-                  <a:noFill/>
-                </a:ln>
-                <a:solidFill>
-                  <a:srgbClr val="20B1D2"/>
-                </a:solidFill>
-                <a:effectLst/>
-                <a:latin typeface="Fira Code"/>
-              </a:rPr>
-              <a:t>Main</a:t>
-            </a:r>
-            <a:r>
-              <a:rPr kumimoji="0" lang="ru-RU" altLang="ru-RU" sz="1100" b="0" i="0" u="none" strike="noStrike" cap="none" normalizeH="0" baseline="0" dirty="0" smtClean="0">
-                <a:ln>
-                  <a:noFill/>
-                </a:ln>
-                <a:solidFill>
-                  <a:srgbClr val="B1B7BE"/>
-                </a:solidFill>
-                <a:effectLst/>
-                <a:latin typeface="Fira Code"/>
-              </a:rPr>
-              <a:t>(</a:t>
-            </a:r>
-            <a:r>
-              <a:rPr kumimoji="0" lang="ru-RU" altLang="ru-RU" sz="1100" b="0" i="0" u="none" strike="noStrike" cap="none" normalizeH="0" baseline="0" dirty="0" err="1" smtClean="0">
-                <a:ln>
-                  <a:noFill/>
-                </a:ln>
-                <a:solidFill>
-                  <a:srgbClr val="9586CF"/>
-                </a:solidFill>
-                <a:effectLst/>
-                <a:latin typeface="Fira Code"/>
-              </a:rPr>
-              <a:t>string</a:t>
-            </a:r>
-            <a:r>
-              <a:rPr kumimoji="0" lang="ru-RU" altLang="ru-RU" sz="1100" b="0" i="0" u="none" strike="noStrike" cap="none" normalizeH="0" baseline="0" dirty="0" smtClean="0">
-                <a:ln>
-                  <a:noFill/>
-                </a:ln>
-                <a:solidFill>
-                  <a:srgbClr val="B1B7BE"/>
-                </a:solidFill>
-                <a:effectLst/>
-                <a:latin typeface="Fira Code"/>
-              </a:rPr>
-              <a:t>[] </a:t>
-            </a:r>
-            <a:r>
-              <a:rPr kumimoji="0" lang="ru-RU" altLang="ru-RU" sz="1100" b="0" i="0" u="none" strike="noStrike" cap="none" normalizeH="0" baseline="0" dirty="0" err="1" smtClean="0">
-                <a:ln>
-                  <a:noFill/>
-                </a:ln>
-                <a:solidFill>
-                  <a:srgbClr val="6A7175"/>
-                </a:solidFill>
-                <a:effectLst/>
-                <a:latin typeface="Fira Code"/>
-              </a:rPr>
-              <a:t>args</a:t>
-            </a:r>
-            <a:r>
-              <a:rPr kumimoji="0" lang="ru-RU" altLang="ru-RU" sz="1100" b="0" i="0" u="none" strike="noStrike" cap="none" normalizeH="0" baseline="0" dirty="0" smtClean="0">
-                <a:ln>
-                  <a:noFill/>
-                </a:ln>
-                <a:solidFill>
-                  <a:srgbClr val="B1B7BE"/>
-                </a:solidFill>
-                <a:effectLst/>
-                <a:latin typeface="Fira Code"/>
-              </a:rPr>
-              <a:t>)</a:t>
+              <a:rPr kumimoji="0" lang="ru-RU" altLang="ru-RU" sz="1100" b="0" i="0" u="none" strike="noStrike" cap="none" normalizeH="0" baseline="0" dirty="0">
+                <a:ln>
+                  <a:noFill/>
+                </a:ln>
+                <a:solidFill>
+                  <a:srgbClr val="B1B7BE"/>
+                </a:solidFill>
+                <a:effectLst/>
+                <a:latin typeface="Fira Code"/>
+              </a:rPr>
+              <a:t>        }</a:t>
             </a:r>
             <a:br>
-              <a:rPr kumimoji="0" lang="ru-RU" altLang="ru-RU" sz="1100" b="0" i="0" u="none" strike="noStrike" cap="none" normalizeH="0" baseline="0" dirty="0" smtClean="0">
+              <a:rPr kumimoji="0" lang="ru-RU" altLang="ru-RU" sz="1100" b="0" i="0" u="none" strike="noStrike" cap="none" normalizeH="0" baseline="0" dirty="0">
                 <a:ln>
                   <a:noFill/>
                 </a:ln>
@@ -4105,20 +4260,20 @@
               </a:rPr>
             </a:br>
             <a:r>
-              <a:rPr kumimoji="0" lang="ru-RU" altLang="ru-RU" sz="1100" b="0" i="0" u="none" strike="noStrike" cap="none" normalizeH="0" baseline="0" dirty="0" smtClean="0">
-                <a:ln>
-                  <a:noFill/>
-                </a:ln>
-                <a:solidFill>
-                  <a:srgbClr val="B1B7BE"/>
-                </a:solidFill>
-                <a:effectLst/>
-                <a:latin typeface="Fira Code"/>
-              </a:rPr>
-              <a:t>        {</a:t>
+              <a:rPr kumimoji="0" lang="ru-RU" altLang="ru-RU" sz="1100" b="0" i="0" u="none" strike="noStrike" cap="none" normalizeH="0" baseline="0" dirty="0">
+                <a:ln>
+                  <a:noFill/>
+                </a:ln>
+                <a:solidFill>
+                  <a:srgbClr val="B1B7BE"/>
+                </a:solidFill>
+                <a:effectLst/>
+                <a:latin typeface="Fira Code"/>
+              </a:rPr>
+              <a:t>    }</a:t>
             </a:r>
             <a:br>
-              <a:rPr kumimoji="0" lang="ru-RU" altLang="ru-RU" sz="1100" b="0" i="0" u="none" strike="noStrike" cap="none" normalizeH="0" baseline="0" dirty="0" smtClean="0">
+              <a:rPr kumimoji="0" lang="ru-RU" altLang="ru-RU" sz="1100" b="0" i="0" u="none" strike="noStrike" cap="none" normalizeH="0" baseline="0" dirty="0">
                 <a:ln>
                   <a:noFill/>
                 </a:ln>
@@ -4130,212 +4285,7 @@
               </a:rPr>
             </a:br>
             <a:r>
-              <a:rPr kumimoji="0" lang="ru-RU" altLang="ru-RU" sz="1100" b="0" i="0" u="none" strike="noStrike" cap="none" normalizeH="0" baseline="0" dirty="0" smtClean="0">
-                <a:ln>
-                  <a:noFill/>
-                </a:ln>
-                <a:solidFill>
-                  <a:srgbClr val="B1B7BE"/>
-                </a:solidFill>
-                <a:effectLst/>
-                <a:latin typeface="Fira Code"/>
-              </a:rPr>
-              <a:t>            </a:t>
-            </a:r>
-            <a:r>
-              <a:rPr kumimoji="0" lang="ru-RU" altLang="ru-RU" sz="1100" b="0" i="0" u="none" strike="noStrike" cap="none" normalizeH="0" baseline="0" dirty="0" err="1" smtClean="0">
-                <a:ln>
-                  <a:noFill/>
-                </a:ln>
-                <a:solidFill>
-                  <a:srgbClr val="20B1D2"/>
-                </a:solidFill>
-                <a:effectLst/>
-                <a:latin typeface="Fira Code"/>
-              </a:rPr>
-              <a:t>Console</a:t>
-            </a:r>
-            <a:r>
-              <a:rPr kumimoji="0" lang="ru-RU" altLang="ru-RU" sz="1100" b="0" i="0" u="none" strike="noStrike" cap="none" normalizeH="0" baseline="0" dirty="0" err="1" smtClean="0">
-                <a:ln>
-                  <a:noFill/>
-                </a:ln>
-                <a:solidFill>
-                  <a:srgbClr val="B1B7BE"/>
-                </a:solidFill>
-                <a:effectLst/>
-                <a:latin typeface="Fira Code"/>
-              </a:rPr>
-              <a:t>.</a:t>
-            </a:r>
-            <a:r>
-              <a:rPr kumimoji="0" lang="ru-RU" altLang="ru-RU" sz="1100" b="0" i="0" u="none" strike="noStrike" cap="none" normalizeH="0" baseline="0" dirty="0" err="1" smtClean="0">
-                <a:ln>
-                  <a:noFill/>
-                </a:ln>
-                <a:solidFill>
-                  <a:srgbClr val="20B1D2"/>
-                </a:solidFill>
-                <a:effectLst/>
-                <a:latin typeface="Fira Code"/>
-              </a:rPr>
-              <a:t>WriteLine</a:t>
-            </a:r>
-            <a:r>
-              <a:rPr kumimoji="0" lang="ru-RU" altLang="ru-RU" sz="1100" b="0" i="0" u="none" strike="noStrike" cap="none" normalizeH="0" baseline="0" dirty="0" smtClean="0">
-                <a:ln>
-                  <a:noFill/>
-                </a:ln>
-                <a:solidFill>
-                  <a:srgbClr val="B1B7BE"/>
-                </a:solidFill>
-                <a:effectLst/>
-                <a:latin typeface="Fira Code"/>
-              </a:rPr>
-              <a:t>(</a:t>
-            </a:r>
-            <a:r>
-              <a:rPr kumimoji="0" lang="ru-RU" altLang="ru-RU" sz="1100" b="0" i="0" u="none" strike="noStrike" cap="none" normalizeH="0" baseline="0" dirty="0" smtClean="0">
-                <a:ln>
-                  <a:noFill/>
-                </a:ln>
-                <a:solidFill>
-                  <a:srgbClr val="D8EBA1"/>
-                </a:solidFill>
-                <a:effectLst/>
-                <a:latin typeface="Fira Code"/>
-              </a:rPr>
-              <a:t>"</a:t>
-            </a:r>
-            <a:r>
-              <a:rPr kumimoji="0" lang="ru-RU" altLang="ru-RU" sz="1100" b="0" i="0" u="none" strike="noStrike" cap="none" normalizeH="0" baseline="0" dirty="0" err="1" smtClean="0">
-                <a:ln>
-                  <a:noFill/>
-                </a:ln>
-                <a:solidFill>
-                  <a:srgbClr val="D8EBA1"/>
-                </a:solidFill>
-                <a:effectLst/>
-                <a:latin typeface="Fira Code"/>
-              </a:rPr>
-              <a:t>Hello</a:t>
-            </a:r>
-            <a:r>
-              <a:rPr kumimoji="0" lang="ru-RU" altLang="ru-RU" sz="1100" b="0" i="0" u="none" strike="noStrike" cap="none" normalizeH="0" baseline="0" dirty="0" smtClean="0">
-                <a:ln>
-                  <a:noFill/>
-                </a:ln>
-                <a:solidFill>
-                  <a:srgbClr val="D8EBA1"/>
-                </a:solidFill>
-                <a:effectLst/>
-                <a:latin typeface="Fira Code"/>
-              </a:rPr>
-              <a:t> </a:t>
-            </a:r>
-            <a:r>
-              <a:rPr kumimoji="0" lang="ru-RU" altLang="ru-RU" sz="1100" b="0" i="0" u="none" strike="noStrike" cap="none" normalizeH="0" baseline="0" dirty="0" err="1" smtClean="0">
-                <a:ln>
-                  <a:noFill/>
-                </a:ln>
-                <a:solidFill>
-                  <a:srgbClr val="D8EBA1"/>
-                </a:solidFill>
-                <a:effectLst/>
-                <a:latin typeface="Fira Code"/>
-              </a:rPr>
-              <a:t>World</a:t>
-            </a:r>
-            <a:r>
-              <a:rPr kumimoji="0" lang="ru-RU" altLang="ru-RU" sz="1100" b="0" i="0" u="none" strike="noStrike" cap="none" normalizeH="0" baseline="0" dirty="0" smtClean="0">
-                <a:ln>
-                  <a:noFill/>
-                </a:ln>
-                <a:solidFill>
-                  <a:srgbClr val="D8EBA1"/>
-                </a:solidFill>
-                <a:effectLst/>
-                <a:latin typeface="Fira Code"/>
-              </a:rPr>
-              <a:t>"</a:t>
-            </a:r>
-            <a:r>
-              <a:rPr kumimoji="0" lang="ru-RU" altLang="ru-RU" sz="1100" b="0" i="0" u="none" strike="noStrike" cap="none" normalizeH="0" baseline="0" dirty="0" smtClean="0">
-                <a:ln>
-                  <a:noFill/>
-                </a:ln>
-                <a:solidFill>
-                  <a:srgbClr val="B1B7BE"/>
-                </a:solidFill>
-                <a:effectLst/>
-                <a:latin typeface="Fira Code"/>
-              </a:rPr>
-              <a:t>);</a:t>
-            </a:r>
-            <a:br>
-              <a:rPr kumimoji="0" lang="ru-RU" altLang="ru-RU" sz="1100" b="0" i="0" u="none" strike="noStrike" cap="none" normalizeH="0" baseline="0" dirty="0" smtClean="0">
-                <a:ln>
-                  <a:noFill/>
-                </a:ln>
-                <a:solidFill>
-                  <a:srgbClr val="B1B7BE"/>
-                </a:solidFill>
-                <a:effectLst/>
-                <a:latin typeface="Fira Code"/>
-              </a:rPr>
-            </a:br>
-            <a:r>
-              <a:rPr kumimoji="0" lang="ru-RU" altLang="ru-RU" sz="1100" b="0" i="0" u="none" strike="noStrike" cap="none" normalizeH="0" baseline="0" dirty="0" smtClean="0">
-                <a:ln>
-                  <a:noFill/>
-                </a:ln>
-                <a:solidFill>
-                  <a:srgbClr val="B1B7BE"/>
-                </a:solidFill>
-                <a:effectLst/>
-                <a:latin typeface="Fira Code"/>
-              </a:rPr>
-              <a:t>        }</a:t>
-            </a:r>
-            <a:br>
-              <a:rPr kumimoji="0" lang="ru-RU" altLang="ru-RU" sz="1100" b="0" i="0" u="none" strike="noStrike" cap="none" normalizeH="0" baseline="0" dirty="0" smtClean="0">
-                <a:ln>
-                  <a:noFill/>
-                </a:ln>
-                <a:solidFill>
-                  <a:srgbClr val="B1B7BE"/>
-                </a:solidFill>
-                <a:effectLst/>
-                <a:latin typeface="Fira Code"/>
-              </a:rPr>
-            </a:br>
-            <a:r>
-              <a:rPr kumimoji="0" lang="ru-RU" altLang="ru-RU" sz="1100" b="0" i="0" u="none" strike="noStrike" cap="none" normalizeH="0" baseline="0" dirty="0" smtClean="0">
-                <a:ln>
-                  <a:noFill/>
-                </a:ln>
-                <a:solidFill>
-                  <a:srgbClr val="B1B7BE"/>
-                </a:solidFill>
-                <a:effectLst/>
-                <a:latin typeface="Fira Code"/>
-              </a:rPr>
-              <a:t>    }</a:t>
-            </a:r>
-            <a:br>
-              <a:rPr kumimoji="0" lang="ru-RU" altLang="ru-RU" sz="1100" b="0" i="0" u="none" strike="noStrike" cap="none" normalizeH="0" baseline="0" dirty="0" smtClean="0">
-                <a:ln>
-                  <a:noFill/>
-                </a:ln>
-                <a:solidFill>
-                  <a:srgbClr val="B1B7BE"/>
-                </a:solidFill>
-                <a:effectLst/>
-                <a:latin typeface="Fira Code"/>
-              </a:rPr>
-            </a:br>
-            <a:r>
-              <a:rPr kumimoji="0" lang="ru-RU" altLang="ru-RU" sz="1100" b="0" i="0" u="none" strike="noStrike" cap="none" normalizeH="0" baseline="0" dirty="0" smtClean="0">
+              <a:rPr kumimoji="0" lang="ru-RU" altLang="ru-RU" sz="1100" b="0" i="0" u="none" strike="noStrike" cap="none" normalizeH="0" baseline="0" dirty="0">
                 <a:ln>
                   <a:noFill/>
                 </a:ln>
@@ -4347,7 +4297,7 @@
               </a:rPr>
               <a:t>}</a:t>
             </a:r>
-            <a:endParaRPr kumimoji="0" lang="ru-RU" altLang="ru-RU" sz="1100" b="0" i="0" u="none" strike="noStrike" cap="none" normalizeH="0" baseline="0" dirty="0" smtClean="0">
+            <a:endParaRPr kumimoji="0" lang="ru-RU" altLang="ru-RU" sz="1100" b="0" i="0" u="none" strike="noStrike" cap="none" normalizeH="0" baseline="0" dirty="0">
               <a:ln>
                 <a:noFill/>
               </a:ln>
@@ -4384,25 +4334,25 @@
           <a:p>
             <a:pPr algn="ctr"/>
             <a:r>
-              <a:rPr lang="ru-RU" dirty="0" smtClean="0">
+              <a:rPr lang="ru-RU" dirty="0">
                 <a:latin typeface="Montserrat" panose="00000500000000000000" pitchFamily="2" charset="-52"/>
               </a:rPr>
               <a:t>Программа, выводящая</a:t>
             </a:r>
             <a:r>
-              <a:rPr lang="en-US" dirty="0" smtClean="0">
+              <a:rPr lang="en-US" dirty="0">
                 <a:latin typeface="Montserrat" panose="00000500000000000000" pitchFamily="2" charset="-52"/>
               </a:rPr>
               <a:t> </a:t>
             </a:r>
             <a:r>
-              <a:rPr lang="ru-RU" dirty="0" smtClean="0">
+              <a:rPr lang="ru-RU" dirty="0">
                 <a:latin typeface="Montserrat" panose="00000500000000000000" pitchFamily="2" charset="-52"/>
               </a:rPr>
               <a:t>в консоли </a:t>
             </a:r>
             <a:r>
-              <a:rPr lang="en-US" dirty="0" smtClean="0">
+              <a:rPr lang="en-US" dirty="0">
                 <a:latin typeface="Montserrat" panose="00000500000000000000" pitchFamily="2" charset="-52"/>
               </a:rPr>
               <a:t>“Hello World”</a:t>
@@ -4484,7 +4434,7 @@
               <a:tabLst/>
             </a:pPr>
             <a:r>
-              <a:rPr kumimoji="0" lang="ru-RU" altLang="ru-RU" sz="1100" b="0" i="0" u="none" strike="noStrike" cap="none" normalizeH="0" baseline="0" dirty="0" err="1" smtClean="0">
+              <a:rPr kumimoji="0" lang="ru-RU" altLang="ru-RU" sz="1100" b="0" i="0" u="none" strike="noStrike" cap="none" normalizeH="0" baseline="0" dirty="0" err="1">
                 <a:ln>
                   <a:noFill/>
                 </a:ln>
@@ -4497,7 +4447,7 @@
               <a:t>using</a:t>
             </a:r>
             <a:r>
-              <a:rPr kumimoji="0" lang="ru-RU" altLang="ru-RU" sz="1100" b="0" i="0" u="none" strike="noStrike" cap="none" normalizeH="0" baseline="0" dirty="0" smtClean="0">
+              <a:rPr kumimoji="0" lang="ru-RU" altLang="ru-RU" sz="1100" b="0" i="0" u="none" strike="noStrike" cap="none" normalizeH="0" baseline="0" dirty="0">
                 <a:ln>
                   <a:noFill/>
                 </a:ln>
@@ -4510,7 +4460,7 @@
               <a:t> </a:t>
             </a:r>
             <a:r>
-              <a:rPr kumimoji="0" lang="ru-RU" altLang="ru-RU" sz="1100" b="0" i="0" u="none" strike="noStrike" cap="none" normalizeH="0" baseline="0" dirty="0" err="1" smtClean="0">
+              <a:rPr kumimoji="0" lang="ru-RU" altLang="ru-RU" sz="1100" b="0" i="0" u="none" strike="noStrike" cap="none" normalizeH="0" baseline="0" dirty="0" err="1">
                 <a:ln>
                   <a:noFill/>
                 </a:ln>
@@ -4523,7 +4473,7 @@
               <a:t>System</a:t>
             </a:r>
             <a:r>
-              <a:rPr kumimoji="0" lang="ru-RU" altLang="ru-RU" sz="1100" b="0" i="0" u="none" strike="noStrike" cap="none" normalizeH="0" baseline="0" dirty="0" smtClean="0">
+              <a:rPr kumimoji="0" lang="ru-RU" altLang="ru-RU" sz="1100" b="0" i="0" u="none" strike="noStrike" cap="none" normalizeH="0" baseline="0" dirty="0">
                 <a:ln>
                   <a:noFill/>
                 </a:ln>
@@ -4536,7 +4486,7 @@
               <a:t>;</a:t>
             </a:r>
             <a:br>
-              <a:rPr kumimoji="0" lang="ru-RU" altLang="ru-RU" sz="1100" b="0" i="0" u="none" strike="noStrike" cap="none" normalizeH="0" baseline="0" dirty="0" smtClean="0">
+              <a:rPr kumimoji="0" lang="ru-RU" altLang="ru-RU" sz="1100" b="0" i="0" u="none" strike="noStrike" cap="none" normalizeH="0" baseline="0" dirty="0">
                 <a:ln>
                   <a:noFill/>
                 </a:ln>
@@ -4547,8 +4497,8 @@
                 <a:latin typeface="Fira Code"/>
               </a:rPr>
             </a:br>
-            <a:r>
-              <a:rPr kumimoji="0" lang="ru-RU" altLang="ru-RU" sz="1100" b="0" i="0" u="none" strike="noStrike" cap="none" normalizeH="0" baseline="0" dirty="0" smtClean="0">
+            <a:br>
+              <a:rPr kumimoji="0" lang="ru-RU" altLang="ru-RU" sz="1100" b="0" i="0" u="none" strike="noStrike" cap="none" normalizeH="0" baseline="0" dirty="0">
                 <a:ln>
                   <a:noFill/>
                 </a:ln>
@@ -4558,10 +4508,304 @@
                 <a:effectLst/>
                 <a:latin typeface="Fira Code"/>
               </a:rPr>
-              <a:t/>
+            </a:br>
+            <a:r>
+              <a:rPr kumimoji="0" lang="ru-RU" altLang="ru-RU" sz="1100" b="0" i="0" u="none" strike="noStrike" cap="none" normalizeH="0" baseline="0" dirty="0" err="1">
+                <a:ln>
+                  <a:noFill/>
+                </a:ln>
+                <a:solidFill>
+                  <a:srgbClr val="9586CF"/>
+                </a:solidFill>
+                <a:effectLst/>
+                <a:latin typeface="Fira Code"/>
+              </a:rPr>
+              <a:t>namespace</a:t>
+            </a:r>
+            <a:r>
+              <a:rPr kumimoji="0" lang="ru-RU" altLang="ru-RU" sz="1100" b="0" i="0" u="none" strike="noStrike" cap="none" normalizeH="0" baseline="0" dirty="0">
+                <a:ln>
+                  <a:noFill/>
+                </a:ln>
+                <a:solidFill>
+                  <a:srgbClr val="9586CF"/>
+                </a:solidFill>
+                <a:effectLst/>
+                <a:latin typeface="Fira Code"/>
+              </a:rPr>
+              <a:t> </a:t>
+            </a:r>
+            <a:r>
+              <a:rPr kumimoji="0" lang="ru-RU" altLang="ru-RU" sz="1100" b="0" i="0" u="none" strike="noStrike" cap="none" normalizeH="0" baseline="0" dirty="0">
+                <a:ln>
+                  <a:noFill/>
+                </a:ln>
+                <a:solidFill>
+                  <a:srgbClr val="B1B7BE"/>
+                </a:solidFill>
+                <a:effectLst/>
+                <a:latin typeface="Fira Code"/>
+              </a:rPr>
+              <a:t>ConsoleApp1</a:t>
             </a:r>
             <a:br>
-              <a:rPr kumimoji="0" lang="ru-RU" altLang="ru-RU" sz="1100" b="0" i="0" u="none" strike="noStrike" cap="none" normalizeH="0" baseline="0" dirty="0" smtClean="0">
+              <a:rPr kumimoji="0" lang="ru-RU" altLang="ru-RU" sz="1100" b="0" i="0" u="none" strike="noStrike" cap="none" normalizeH="0" baseline="0" dirty="0">
+                <a:ln>
+                  <a:noFill/>
+                </a:ln>
+                <a:solidFill>
+                  <a:srgbClr val="B1B7BE"/>
+                </a:solidFill>
+                <a:effectLst/>
+                <a:latin typeface="Fira Code"/>
+              </a:rPr>
+            </a:br>
+            <a:r>
+              <a:rPr kumimoji="0" lang="ru-RU" altLang="ru-RU" sz="1100" b="0" i="0" u="none" strike="noStrike" cap="none" normalizeH="0" baseline="0" dirty="0">
+                <a:ln>
+                  <a:noFill/>
+                </a:ln>
+                <a:solidFill>
+                  <a:srgbClr val="4A9BF2"/>
+                </a:solidFill>
+                <a:effectLst/>
+                <a:latin typeface="Fira Code"/>
+              </a:rPr>
+              <a:t>{</a:t>
+            </a:r>
+            <a:br>
+              <a:rPr kumimoji="0" lang="ru-RU" altLang="ru-RU" sz="1100" b="0" i="0" u="none" strike="noStrike" cap="none" normalizeH="0" baseline="0" dirty="0">
+                <a:ln>
+                  <a:noFill/>
+                </a:ln>
+                <a:solidFill>
+                  <a:srgbClr val="4A9BF2"/>
+                </a:solidFill>
+                <a:effectLst/>
+                <a:latin typeface="Fira Code"/>
+              </a:rPr>
+            </a:br>
+            <a:r>
+              <a:rPr kumimoji="0" lang="ru-RU" altLang="ru-RU" sz="1100" b="0" i="0" u="none" strike="noStrike" cap="none" normalizeH="0" baseline="0" dirty="0">
+                <a:ln>
+                  <a:noFill/>
+                </a:ln>
+                <a:solidFill>
+                  <a:srgbClr val="4A9BF2"/>
+                </a:solidFill>
+                <a:effectLst/>
+                <a:latin typeface="Fira Code"/>
+              </a:rPr>
+              <a:t>    </a:t>
+            </a:r>
+            <a:r>
+              <a:rPr kumimoji="0" lang="ru-RU" altLang="ru-RU" sz="1100" b="0" i="0" u="none" strike="noStrike" cap="none" normalizeH="0" baseline="0" dirty="0" err="1">
+                <a:ln>
+                  <a:noFill/>
+                </a:ln>
+                <a:solidFill>
+                  <a:srgbClr val="9586CF"/>
+                </a:solidFill>
+                <a:effectLst/>
+                <a:latin typeface="Fira Code"/>
+              </a:rPr>
+              <a:t>class</a:t>
+            </a:r>
+            <a:r>
+              <a:rPr kumimoji="0" lang="ru-RU" altLang="ru-RU" sz="1100" b="0" i="0" u="none" strike="noStrike" cap="none" normalizeH="0" baseline="0" dirty="0">
+                <a:ln>
+                  <a:noFill/>
+                </a:ln>
+                <a:solidFill>
+                  <a:srgbClr val="9586CF"/>
+                </a:solidFill>
+                <a:effectLst/>
+                <a:latin typeface="Fira Code"/>
+              </a:rPr>
+              <a:t> </a:t>
+            </a:r>
+            <a:r>
+              <a:rPr kumimoji="0" lang="ru-RU" altLang="ru-RU" sz="1100" b="0" i="0" u="none" strike="noStrike" cap="none" normalizeH="0" baseline="0" dirty="0" err="1">
+                <a:ln>
+                  <a:noFill/>
+                </a:ln>
+                <a:solidFill>
+                  <a:srgbClr val="20B1D2"/>
+                </a:solidFill>
+                <a:effectLst/>
+                <a:latin typeface="Fira Code"/>
+              </a:rPr>
+              <a:t>Program</a:t>
+            </a:r>
+            <a:br>
+              <a:rPr kumimoji="0" lang="ru-RU" altLang="ru-RU" sz="1100" b="0" i="0" u="none" strike="noStrike" cap="none" normalizeH="0" baseline="0" dirty="0">
+                <a:ln>
+                  <a:noFill/>
+                </a:ln>
+                <a:solidFill>
+                  <a:srgbClr val="20B1D2"/>
+                </a:solidFill>
+                <a:effectLst/>
+                <a:latin typeface="Fira Code"/>
+              </a:rPr>
+            </a:br>
+            <a:r>
+              <a:rPr kumimoji="0" lang="ru-RU" altLang="ru-RU" sz="1100" b="0" i="0" u="none" strike="noStrike" cap="none" normalizeH="0" baseline="0" dirty="0">
+                <a:ln>
+                  <a:noFill/>
+                </a:ln>
+                <a:solidFill>
+                  <a:srgbClr val="20B1D2"/>
+                </a:solidFill>
+                <a:effectLst/>
+                <a:latin typeface="Fira Code"/>
+              </a:rPr>
+              <a:t>    </a:t>
+            </a:r>
+            <a:r>
+              <a:rPr kumimoji="0" lang="ru-RU" altLang="ru-RU" sz="1100" b="0" i="0" u="none" strike="noStrike" cap="none" normalizeH="0" baseline="0" dirty="0">
+                <a:ln>
+                  <a:noFill/>
+                </a:ln>
+                <a:solidFill>
+                  <a:srgbClr val="B1B7BE"/>
+                </a:solidFill>
+                <a:effectLst/>
+                <a:latin typeface="Fira Code"/>
+              </a:rPr>
+              <a:t>{</a:t>
+            </a:r>
+            <a:br>
+              <a:rPr kumimoji="0" lang="ru-RU" altLang="ru-RU" sz="1100" b="0" i="0" u="none" strike="noStrike" cap="none" normalizeH="0" baseline="0" dirty="0">
+                <a:ln>
+                  <a:noFill/>
+                </a:ln>
+                <a:solidFill>
+                  <a:srgbClr val="B1B7BE"/>
+                </a:solidFill>
+                <a:effectLst/>
+                <a:latin typeface="Fira Code"/>
+              </a:rPr>
+            </a:br>
+            <a:r>
+              <a:rPr kumimoji="0" lang="ru-RU" altLang="ru-RU" sz="1100" b="0" i="0" u="none" strike="noStrike" cap="none" normalizeH="0" baseline="0" dirty="0">
+                <a:ln>
+                  <a:noFill/>
+                </a:ln>
+                <a:solidFill>
+                  <a:srgbClr val="B1B7BE"/>
+                </a:solidFill>
+                <a:effectLst/>
+                <a:latin typeface="Fira Code"/>
+              </a:rPr>
+              <a:t>        </a:t>
+            </a:r>
+            <a:r>
+              <a:rPr kumimoji="0" lang="ru-RU" altLang="ru-RU" sz="1100" b="0" i="0" u="none" strike="noStrike" cap="none" normalizeH="0" baseline="0" dirty="0" err="1">
+                <a:ln>
+                  <a:noFill/>
+                </a:ln>
+                <a:solidFill>
+                  <a:srgbClr val="9586CF"/>
+                </a:solidFill>
+                <a:effectLst/>
+                <a:latin typeface="Fira Code"/>
+              </a:rPr>
+              <a:t>static</a:t>
+            </a:r>
+            <a:r>
+              <a:rPr kumimoji="0" lang="ru-RU" altLang="ru-RU" sz="1100" b="0" i="0" u="none" strike="noStrike" cap="none" normalizeH="0" baseline="0" dirty="0">
+                <a:ln>
+                  <a:noFill/>
+                </a:ln>
+                <a:solidFill>
+                  <a:srgbClr val="9586CF"/>
+                </a:solidFill>
+                <a:effectLst/>
+                <a:latin typeface="Fira Code"/>
+              </a:rPr>
+              <a:t> </a:t>
+            </a:r>
+            <a:r>
+              <a:rPr kumimoji="0" lang="ru-RU" altLang="ru-RU" sz="1100" b="0" i="0" u="none" strike="noStrike" cap="none" normalizeH="0" baseline="0" dirty="0" err="1">
+                <a:ln>
+                  <a:noFill/>
+                </a:ln>
+                <a:solidFill>
+                  <a:srgbClr val="9586CF"/>
+                </a:solidFill>
+                <a:effectLst/>
+                <a:latin typeface="Fira Code"/>
+              </a:rPr>
+              <a:t>void</a:t>
+            </a:r>
+            <a:r>
+              <a:rPr kumimoji="0" lang="ru-RU" altLang="ru-RU" sz="1100" b="0" i="0" u="none" strike="noStrike" cap="none" normalizeH="0" baseline="0" dirty="0">
+                <a:ln>
+                  <a:noFill/>
+                </a:ln>
+                <a:solidFill>
+                  <a:srgbClr val="9586CF"/>
+                </a:solidFill>
+                <a:effectLst/>
+                <a:latin typeface="Fira Code"/>
+              </a:rPr>
+              <a:t> </a:t>
+            </a:r>
+            <a:r>
+              <a:rPr kumimoji="0" lang="ru-RU" altLang="ru-RU" sz="1100" b="0" i="0" u="none" strike="noStrike" cap="none" normalizeH="0" baseline="0" dirty="0" err="1">
+                <a:ln>
+                  <a:noFill/>
+                </a:ln>
+                <a:solidFill>
+                  <a:srgbClr val="20B1D2"/>
+                </a:solidFill>
+                <a:effectLst/>
+                <a:latin typeface="Fira Code"/>
+              </a:rPr>
+              <a:t>Main</a:t>
+            </a:r>
+            <a:r>
+              <a:rPr kumimoji="0" lang="ru-RU" altLang="ru-RU" sz="1100" b="0" i="0" u="none" strike="noStrike" cap="none" normalizeH="0" baseline="0" dirty="0">
+                <a:ln>
+                  <a:noFill/>
+                </a:ln>
+                <a:solidFill>
+                  <a:srgbClr val="B1B7BE"/>
+                </a:solidFill>
+                <a:effectLst/>
+                <a:latin typeface="Fira Code"/>
+              </a:rPr>
+              <a:t>(</a:t>
+            </a:r>
+            <a:r>
+              <a:rPr kumimoji="0" lang="ru-RU" altLang="ru-RU" sz="1100" b="0" i="0" u="none" strike="noStrike" cap="none" normalizeH="0" baseline="0" dirty="0" err="1">
+                <a:ln>
+                  <a:noFill/>
+                </a:ln>
+                <a:solidFill>
+                  <a:srgbClr val="9586CF"/>
+                </a:solidFill>
+                <a:effectLst/>
+                <a:latin typeface="Fira Code"/>
+              </a:rPr>
+              <a:t>string</a:t>
+            </a:r>
+            <a:r>
+              <a:rPr kumimoji="0" lang="ru-RU" altLang="ru-RU" sz="1100" b="0" i="0" u="none" strike="noStrike" cap="none" normalizeH="0" baseline="0" dirty="0">
+                <a:ln>
+                  <a:noFill/>
+                </a:ln>
+                <a:solidFill>
+                  <a:srgbClr val="B1B7BE"/>
+                </a:solidFill>
+                <a:effectLst/>
+                <a:latin typeface="Fira Code"/>
+              </a:rPr>
+              <a:t>[] </a:t>
+            </a:r>
+            <a:r>
+              <a:rPr kumimoji="0" lang="ru-RU" altLang="ru-RU" sz="1100" b="0" i="0" u="none" strike="noStrike" cap="none" normalizeH="0" baseline="0" dirty="0" err="1">
                 <a:ln>
                   <a:noFill/>
                 </a:ln>
@@ -4571,9 +4815,73 @@
                 <a:effectLst/>
                 <a:latin typeface="Fira Code"/>
               </a:rPr>
+              <a:t>args</a:t>
+            </a:r>
+            <a:r>
+              <a:rPr kumimoji="0" lang="ru-RU" altLang="ru-RU" sz="1100" b="0" i="0" u="none" strike="noStrike" cap="none" normalizeH="0" baseline="0" dirty="0">
+                <a:ln>
+                  <a:noFill/>
+                </a:ln>
+                <a:solidFill>
+                  <a:srgbClr val="B1B7BE"/>
+                </a:solidFill>
+                <a:effectLst/>
+                <a:latin typeface="Fira Code"/>
+              </a:rPr>
+              <a:t>)</a:t>
+            </a:r>
+            <a:br>
+              <a:rPr kumimoji="0" lang="ru-RU" altLang="ru-RU" sz="1100" b="0" i="0" u="none" strike="noStrike" cap="none" normalizeH="0" baseline="0" dirty="0">
+                <a:ln>
+                  <a:noFill/>
+                </a:ln>
+                <a:solidFill>
+                  <a:srgbClr val="B1B7BE"/>
+                </a:solidFill>
+                <a:effectLst/>
+                <a:latin typeface="Fira Code"/>
+              </a:rPr>
             </a:br>
             <a:r>
-              <a:rPr kumimoji="0" lang="ru-RU" altLang="ru-RU" sz="1100" b="0" i="0" u="none" strike="noStrike" cap="none" normalizeH="0" baseline="0" dirty="0" err="1" smtClean="0">
+              <a:rPr kumimoji="0" lang="ru-RU" altLang="ru-RU" sz="1100" b="0" i="0" u="none" strike="noStrike" cap="none" normalizeH="0" baseline="0" dirty="0">
+                <a:ln>
+                  <a:noFill/>
+                </a:ln>
+                <a:solidFill>
+                  <a:srgbClr val="B1B7BE"/>
+                </a:solidFill>
+                <a:effectLst/>
+                <a:latin typeface="Fira Code"/>
+              </a:rPr>
+              <a:t>        {</a:t>
+            </a:r>
+            <a:br>
+              <a:rPr kumimoji="0" lang="ru-RU" altLang="ru-RU" sz="1100" b="0" i="0" u="none" strike="noStrike" cap="none" normalizeH="0" baseline="0" dirty="0">
+                <a:ln>
+                  <a:noFill/>
+                </a:ln>
+                <a:solidFill>
+                  <a:srgbClr val="B1B7BE"/>
+                </a:solidFill>
+                <a:effectLst/>
+                <a:latin typeface="Fira Code"/>
+              </a:rPr>
+            </a:br>
+            <a:r>
+              <a:rPr kumimoji="0" lang="ru-RU" altLang="ru-RU" sz="1100" b="0" i="0" u="none" strike="noStrike" cap="none" normalizeH="0" baseline="0" dirty="0">
+                <a:ln>
+                  <a:noFill/>
+                </a:ln>
+                <a:solidFill>
+                  <a:srgbClr val="B1B7BE"/>
+                </a:solidFill>
+                <a:effectLst/>
+                <a:latin typeface="Fira Code"/>
+              </a:rPr>
+              <a:t>            (</a:t>
+            </a:r>
+            <a:r>
+              <a:rPr kumimoji="0" lang="ru-RU" altLang="ru-RU" sz="1100" b="0" i="0" u="none" strike="noStrike" cap="none" normalizeH="0" baseline="0" dirty="0" err="1">
                 <a:ln>
                   <a:noFill/>
                 </a:ln>
@@ -4583,10 +4891,10 @@
                 <a:effectLst/>
                 <a:latin typeface="Fira Code"/>
               </a:rPr>
-              <a:t>namespace</a:t>
-            </a:r>
-            <a:r>
-              <a:rPr kumimoji="0" lang="ru-RU" altLang="ru-RU" sz="1100" b="0" i="0" u="none" strike="noStrike" cap="none" normalizeH="0" baseline="0" dirty="0" smtClean="0">
+              <a:t>int</a:t>
+            </a:r>
+            <a:r>
+              <a:rPr kumimoji="0" lang="ru-RU" altLang="ru-RU" sz="1100" b="0" i="0" u="none" strike="noStrike" cap="none" normalizeH="0" baseline="0" dirty="0">
                 <a:ln>
                   <a:noFill/>
                 </a:ln>
@@ -4599,20 +4907,176 @@
               <a:t> </a:t>
             </a:r>
             <a:r>
-              <a:rPr kumimoji="0" lang="ru-RU" altLang="ru-RU" sz="1100" b="0" i="0" u="none" strike="noStrike" cap="none" normalizeH="0" baseline="0" dirty="0" smtClean="0">
-                <a:ln>
-                  <a:noFill/>
-                </a:ln>
-                <a:solidFill>
-                  <a:srgbClr val="B1B7BE"/>
-                </a:solidFill>
-                <a:effectLst/>
-                <a:latin typeface="Fira Code"/>
-              </a:rPr>
-              <a:t>ConsoleApp1</a:t>
+              <a:rPr kumimoji="0" lang="ru-RU" altLang="ru-RU" sz="1100" b="0" i="0" u="none" strike="noStrike" cap="none" normalizeH="0" baseline="0" dirty="0">
+                <a:ln>
+                  <a:noFill/>
+                </a:ln>
+                <a:solidFill>
+                  <a:srgbClr val="14B5A5"/>
+                </a:solidFill>
+                <a:effectLst/>
+                <a:latin typeface="Fira Code"/>
+              </a:rPr>
+              <a:t>x</a:t>
+            </a:r>
+            <a:r>
+              <a:rPr kumimoji="0" lang="ru-RU" altLang="ru-RU" sz="1100" b="0" i="0" u="none" strike="noStrike" cap="none" normalizeH="0" baseline="0" dirty="0">
+                <a:ln>
+                  <a:noFill/>
+                </a:ln>
+                <a:solidFill>
+                  <a:srgbClr val="B1B7BE"/>
+                </a:solidFill>
+                <a:effectLst/>
+                <a:latin typeface="Fira Code"/>
+              </a:rPr>
+              <a:t>, </a:t>
+            </a:r>
+            <a:r>
+              <a:rPr kumimoji="0" lang="ru-RU" altLang="ru-RU" sz="1100" b="0" i="0" u="none" strike="noStrike" cap="none" normalizeH="0" baseline="0" dirty="0" err="1">
+                <a:ln>
+                  <a:noFill/>
+                </a:ln>
+                <a:solidFill>
+                  <a:srgbClr val="9586CF"/>
+                </a:solidFill>
+                <a:effectLst/>
+                <a:latin typeface="Fira Code"/>
+              </a:rPr>
+              <a:t>int</a:t>
+            </a:r>
+            <a:r>
+              <a:rPr kumimoji="0" lang="ru-RU" altLang="ru-RU" sz="1100" b="0" i="0" u="none" strike="noStrike" cap="none" normalizeH="0" baseline="0" dirty="0">
+                <a:ln>
+                  <a:noFill/>
+                </a:ln>
+                <a:solidFill>
+                  <a:srgbClr val="9586CF"/>
+                </a:solidFill>
+                <a:effectLst/>
+                <a:latin typeface="Fira Code"/>
+              </a:rPr>
+              <a:t> </a:t>
+            </a:r>
+            <a:r>
+              <a:rPr kumimoji="0" lang="ru-RU" altLang="ru-RU" sz="1100" b="0" i="0" u="none" strike="noStrike" cap="none" normalizeH="0" baseline="0" dirty="0">
+                <a:ln>
+                  <a:noFill/>
+                </a:ln>
+                <a:solidFill>
+                  <a:srgbClr val="14B5A5"/>
+                </a:solidFill>
+                <a:effectLst/>
+                <a:latin typeface="Fira Code"/>
+              </a:rPr>
+              <a:t>y</a:t>
+            </a:r>
+            <a:r>
+              <a:rPr kumimoji="0" lang="ru-RU" altLang="ru-RU" sz="1100" b="0" i="0" u="none" strike="noStrike" cap="none" normalizeH="0" baseline="0" dirty="0">
+                <a:ln>
+                  <a:noFill/>
+                </a:ln>
+                <a:solidFill>
+                  <a:srgbClr val="B1B7BE"/>
+                </a:solidFill>
+                <a:effectLst/>
+                <a:latin typeface="Fira Code"/>
+              </a:rPr>
+              <a:t>) </a:t>
+            </a:r>
+            <a:r>
+              <a:rPr kumimoji="0" lang="ru-RU" altLang="ru-RU" sz="1100" b="0" i="0" u="none" strike="noStrike" cap="none" normalizeH="0" baseline="0" dirty="0" err="1">
+                <a:ln>
+                  <a:noFill/>
+                </a:ln>
+                <a:solidFill>
+                  <a:srgbClr val="6A7175"/>
+                </a:solidFill>
+                <a:effectLst/>
+                <a:latin typeface="Fira Code"/>
+              </a:rPr>
+              <a:t>position</a:t>
+            </a:r>
+            <a:r>
+              <a:rPr kumimoji="0" lang="ru-RU" altLang="ru-RU" sz="1100" b="0" i="0" u="none" strike="noStrike" cap="none" normalizeH="0" baseline="0" dirty="0">
+                <a:ln>
+                  <a:noFill/>
+                </a:ln>
+                <a:solidFill>
+                  <a:srgbClr val="6A7175"/>
+                </a:solidFill>
+                <a:effectLst/>
+                <a:latin typeface="Fira Code"/>
+              </a:rPr>
+              <a:t> </a:t>
+            </a:r>
+            <a:r>
+              <a:rPr kumimoji="0" lang="ru-RU" altLang="ru-RU" sz="1100" b="0" i="0" u="none" strike="noStrike" cap="none" normalizeH="0" baseline="0" dirty="0">
+                <a:ln>
+                  <a:noFill/>
+                </a:ln>
+                <a:solidFill>
+                  <a:srgbClr val="B1B7BE"/>
+                </a:solidFill>
+                <a:effectLst/>
+                <a:latin typeface="Fira Code"/>
+              </a:rPr>
+              <a:t>= (</a:t>
+            </a:r>
+            <a:r>
+              <a:rPr kumimoji="0" lang="ru-RU" altLang="ru-RU" sz="1100" b="0" i="0" u="none" strike="noStrike" cap="none" normalizeH="0" baseline="0" dirty="0">
+                <a:ln>
+                  <a:noFill/>
+                </a:ln>
+                <a:solidFill>
+                  <a:srgbClr val="DEA6B6"/>
+                </a:solidFill>
+                <a:effectLst/>
+                <a:latin typeface="Fira Code"/>
+              </a:rPr>
+              <a:t>0</a:t>
+            </a:r>
+            <a:r>
+              <a:rPr kumimoji="0" lang="ru-RU" altLang="ru-RU" sz="1100" b="0" i="0" u="none" strike="noStrike" cap="none" normalizeH="0" baseline="0" dirty="0">
+                <a:ln>
+                  <a:noFill/>
+                </a:ln>
+                <a:solidFill>
+                  <a:srgbClr val="B1B7BE"/>
+                </a:solidFill>
+                <a:effectLst/>
+                <a:latin typeface="Fira Code"/>
+              </a:rPr>
+              <a:t>, </a:t>
+            </a:r>
+            <a:r>
+              <a:rPr kumimoji="0" lang="ru-RU" altLang="ru-RU" sz="1100" b="0" i="0" u="none" strike="noStrike" cap="none" normalizeH="0" baseline="0" dirty="0">
+                <a:ln>
+                  <a:noFill/>
+                </a:ln>
+                <a:solidFill>
+                  <a:srgbClr val="DEA6B6"/>
+                </a:solidFill>
+                <a:effectLst/>
+                <a:latin typeface="Fira Code"/>
+              </a:rPr>
+              <a:t>1</a:t>
+            </a:r>
+            <a:r>
+              <a:rPr kumimoji="0" lang="ru-RU" altLang="ru-RU" sz="1100" b="0" i="0" u="none" strike="noStrike" cap="none" normalizeH="0" baseline="0" dirty="0">
+                <a:ln>
+                  <a:noFill/>
+                </a:ln>
+                <a:solidFill>
+                  <a:srgbClr val="B1B7BE"/>
+                </a:solidFill>
+                <a:effectLst/>
+                <a:latin typeface="Fira Code"/>
+              </a:rPr>
+              <a:t>);</a:t>
             </a:r>
             <a:br>
-              <a:rPr kumimoji="0" lang="ru-RU" altLang="ru-RU" sz="1100" b="0" i="0" u="none" strike="noStrike" cap="none" normalizeH="0" baseline="0" dirty="0" smtClean="0">
+              <a:rPr kumimoji="0" lang="ru-RU" altLang="ru-RU" sz="1100" b="0" i="0" u="none" strike="noStrike" cap="none" normalizeH="0" baseline="0" dirty="0">
                 <a:ln>
                   <a:noFill/>
                 </a:ln>
@@ -4624,7 +5088,57 @@
               </a:rPr>
             </a:br>
             <a:r>
-              <a:rPr kumimoji="0" lang="ru-RU" altLang="ru-RU" sz="1100" b="0" i="0" u="none" strike="noStrike" cap="none" normalizeH="0" baseline="0" dirty="0" smtClean="0">
+              <a:rPr kumimoji="0" lang="ru-RU" altLang="ru-RU" sz="1100" b="0" i="0" u="none" strike="noStrike" cap="none" normalizeH="0" baseline="0" dirty="0">
+                <a:ln>
+                  <a:noFill/>
+                </a:ln>
+                <a:solidFill>
+                  <a:srgbClr val="B1B7BE"/>
+                </a:solidFill>
+                <a:effectLst/>
+                <a:latin typeface="Fira Code"/>
+              </a:rPr>
+              <a:t>        }</a:t>
+            </a:r>
+            <a:br>
+              <a:rPr kumimoji="0" lang="ru-RU" altLang="ru-RU" sz="1100" b="0" i="0" u="none" strike="noStrike" cap="none" normalizeH="0" baseline="0" dirty="0">
+                <a:ln>
+                  <a:noFill/>
+                </a:ln>
+                <a:solidFill>
+                  <a:srgbClr val="B1B7BE"/>
+                </a:solidFill>
+                <a:effectLst/>
+                <a:latin typeface="Fira Code"/>
+              </a:rPr>
+            </a:br>
+            <a:r>
+              <a:rPr kumimoji="0" lang="ru-RU" altLang="ru-RU" sz="1100" b="0" i="0" u="none" strike="noStrike" cap="none" normalizeH="0" baseline="0" dirty="0">
+                <a:ln>
+                  <a:noFill/>
+                </a:ln>
+                <a:solidFill>
+                  <a:srgbClr val="B1B7BE"/>
+                </a:solidFill>
+                <a:effectLst/>
+                <a:latin typeface="Fira Code"/>
+              </a:rPr>
+              <a:t>    }</a:t>
+            </a:r>
+            <a:br>
+              <a:rPr kumimoji="0" lang="ru-RU" altLang="ru-RU" sz="1100" b="0" i="0" u="none" strike="noStrike" cap="none" normalizeH="0" baseline="0" dirty="0">
+                <a:ln>
+                  <a:noFill/>
+                </a:ln>
+                <a:solidFill>
+                  <a:srgbClr val="B1B7BE"/>
+                </a:solidFill>
+                <a:effectLst/>
+                <a:latin typeface="Fira Code"/>
+              </a:rPr>
+            </a:br>
+            <a:r>
+              <a:rPr kumimoji="0" lang="ru-RU" altLang="ru-RU" sz="1100" b="0" i="0" u="none" strike="noStrike" cap="none" normalizeH="0" baseline="0" dirty="0">
                 <a:ln>
                   <a:noFill/>
                 </a:ln>
@@ -4634,599 +5148,9 @@
                 <a:effectLst/>
                 <a:latin typeface="Fira Code"/>
               </a:rPr>
-              <a:t>{</a:t>
-            </a:r>
-            <a:br>
-              <a:rPr kumimoji="0" lang="ru-RU" altLang="ru-RU" sz="1100" b="0" i="0" u="none" strike="noStrike" cap="none" normalizeH="0" baseline="0" dirty="0" smtClean="0">
-                <a:ln>
-                  <a:noFill/>
-                </a:ln>
-                <a:solidFill>
-                  <a:srgbClr val="4A9BF2"/>
-                </a:solidFill>
-                <a:effectLst/>
-                <a:latin typeface="Fira Code"/>
-              </a:rPr>
-            </a:br>
-            <a:r>
-              <a:rPr kumimoji="0" lang="ru-RU" altLang="ru-RU" sz="1100" b="0" i="0" u="none" strike="noStrike" cap="none" normalizeH="0" baseline="0" dirty="0" smtClean="0">
-                <a:ln>
-                  <a:noFill/>
-                </a:ln>
-                <a:solidFill>
-                  <a:srgbClr val="4A9BF2"/>
-                </a:solidFill>
-                <a:effectLst/>
-                <a:latin typeface="Fira Code"/>
-              </a:rPr>
-              <a:t>    </a:t>
-            </a:r>
-            <a:r>
-              <a:rPr kumimoji="0" lang="ru-RU" altLang="ru-RU" sz="1100" b="0" i="0" u="none" strike="noStrike" cap="none" normalizeH="0" baseline="0" dirty="0" err="1" smtClean="0">
-                <a:ln>
-                  <a:noFill/>
-                </a:ln>
-                <a:solidFill>
-                  <a:srgbClr val="9586CF"/>
-                </a:solidFill>
-                <a:effectLst/>
-                <a:latin typeface="Fira Code"/>
-              </a:rPr>
-              <a:t>class</a:t>
-            </a:r>
-            <a:r>
-              <a:rPr kumimoji="0" lang="ru-RU" altLang="ru-RU" sz="1100" b="0" i="0" u="none" strike="noStrike" cap="none" normalizeH="0" baseline="0" dirty="0" smtClean="0">
-                <a:ln>
-                  <a:noFill/>
-                </a:ln>
-                <a:solidFill>
-                  <a:srgbClr val="9586CF"/>
-                </a:solidFill>
-                <a:effectLst/>
-                <a:latin typeface="Fira Code"/>
-              </a:rPr>
-              <a:t> </a:t>
-            </a:r>
-            <a:r>
-              <a:rPr kumimoji="0" lang="ru-RU" altLang="ru-RU" sz="1100" b="0" i="0" u="none" strike="noStrike" cap="none" normalizeH="0" baseline="0" dirty="0" err="1" smtClean="0">
-                <a:ln>
-                  <a:noFill/>
-                </a:ln>
-                <a:solidFill>
-                  <a:srgbClr val="20B1D2"/>
-                </a:solidFill>
-                <a:effectLst/>
-                <a:latin typeface="Fira Code"/>
-              </a:rPr>
-              <a:t>Program</a:t>
-            </a:r>
-            <a:r>
-              <a:rPr kumimoji="0" lang="ru-RU" altLang="ru-RU" sz="1100" b="0" i="0" u="none" strike="noStrike" cap="none" normalizeH="0" baseline="0" dirty="0" smtClean="0">
-                <a:ln>
-                  <a:noFill/>
-                </a:ln>
-                <a:solidFill>
-                  <a:srgbClr val="20B1D2"/>
-                </a:solidFill>
-                <a:effectLst/>
-                <a:latin typeface="Fira Code"/>
-              </a:rPr>
-              <a:t/>
-            </a:r>
-            <a:br>
-              <a:rPr kumimoji="0" lang="ru-RU" altLang="ru-RU" sz="1100" b="0" i="0" u="none" strike="noStrike" cap="none" normalizeH="0" baseline="0" dirty="0" smtClean="0">
-                <a:ln>
-                  <a:noFill/>
-                </a:ln>
-                <a:solidFill>
-                  <a:srgbClr val="20B1D2"/>
-                </a:solidFill>
-                <a:effectLst/>
-                <a:latin typeface="Fira Code"/>
-              </a:rPr>
-            </a:br>
-            <a:r>
-              <a:rPr kumimoji="0" lang="ru-RU" altLang="ru-RU" sz="1100" b="0" i="0" u="none" strike="noStrike" cap="none" normalizeH="0" baseline="0" dirty="0" smtClean="0">
-                <a:ln>
-                  <a:noFill/>
-                </a:ln>
-                <a:solidFill>
-                  <a:srgbClr val="20B1D2"/>
-                </a:solidFill>
-                <a:effectLst/>
-                <a:latin typeface="Fira Code"/>
-              </a:rPr>
-              <a:t>    </a:t>
-            </a:r>
-            <a:r>
-              <a:rPr kumimoji="0" lang="ru-RU" altLang="ru-RU" sz="1100" b="0" i="0" u="none" strike="noStrike" cap="none" normalizeH="0" baseline="0" dirty="0" smtClean="0">
-                <a:ln>
-                  <a:noFill/>
-                </a:ln>
-                <a:solidFill>
-                  <a:srgbClr val="B1B7BE"/>
-                </a:solidFill>
-                <a:effectLst/>
-                <a:latin typeface="Fira Code"/>
-              </a:rPr>
-              <a:t>{</a:t>
-            </a:r>
-            <a:br>
-              <a:rPr kumimoji="0" lang="ru-RU" altLang="ru-RU" sz="1100" b="0" i="0" u="none" strike="noStrike" cap="none" normalizeH="0" baseline="0" dirty="0" smtClean="0">
-                <a:ln>
-                  <a:noFill/>
-                </a:ln>
-                <a:solidFill>
-                  <a:srgbClr val="B1B7BE"/>
-                </a:solidFill>
-                <a:effectLst/>
-                <a:latin typeface="Fira Code"/>
-              </a:rPr>
-            </a:br>
-            <a:r>
-              <a:rPr kumimoji="0" lang="ru-RU" altLang="ru-RU" sz="1100" b="0" i="0" u="none" strike="noStrike" cap="none" normalizeH="0" baseline="0" dirty="0" smtClean="0">
-                <a:ln>
-                  <a:noFill/>
-                </a:ln>
-                <a:solidFill>
-                  <a:srgbClr val="B1B7BE"/>
-                </a:solidFill>
-                <a:effectLst/>
-                <a:latin typeface="Fira Code"/>
-              </a:rPr>
-              <a:t>        </a:t>
-            </a:r>
-            <a:r>
-              <a:rPr kumimoji="0" lang="ru-RU" altLang="ru-RU" sz="1100" b="0" i="0" u="none" strike="noStrike" cap="none" normalizeH="0" baseline="0" dirty="0" err="1" smtClean="0">
-                <a:ln>
-                  <a:noFill/>
-                </a:ln>
-                <a:solidFill>
-                  <a:srgbClr val="9586CF"/>
-                </a:solidFill>
-                <a:effectLst/>
-                <a:latin typeface="Fira Code"/>
-              </a:rPr>
-              <a:t>static</a:t>
-            </a:r>
-            <a:r>
-              <a:rPr kumimoji="0" lang="ru-RU" altLang="ru-RU" sz="1100" b="0" i="0" u="none" strike="noStrike" cap="none" normalizeH="0" baseline="0" dirty="0" smtClean="0">
-                <a:ln>
-                  <a:noFill/>
-                </a:ln>
-                <a:solidFill>
-                  <a:srgbClr val="9586CF"/>
-                </a:solidFill>
-                <a:effectLst/>
-                <a:latin typeface="Fira Code"/>
-              </a:rPr>
-              <a:t> </a:t>
-            </a:r>
-            <a:r>
-              <a:rPr kumimoji="0" lang="ru-RU" altLang="ru-RU" sz="1100" b="0" i="0" u="none" strike="noStrike" cap="none" normalizeH="0" baseline="0" dirty="0" err="1" smtClean="0">
-                <a:ln>
-                  <a:noFill/>
-                </a:ln>
-                <a:solidFill>
-                  <a:srgbClr val="9586CF"/>
-                </a:solidFill>
-                <a:effectLst/>
-                <a:latin typeface="Fira Code"/>
-              </a:rPr>
-              <a:t>void</a:t>
-            </a:r>
-            <a:r>
-              <a:rPr kumimoji="0" lang="ru-RU" altLang="ru-RU" sz="1100" b="0" i="0" u="none" strike="noStrike" cap="none" normalizeH="0" baseline="0" dirty="0" smtClean="0">
-                <a:ln>
-                  <a:noFill/>
-                </a:ln>
-                <a:solidFill>
-                  <a:srgbClr val="9586CF"/>
-                </a:solidFill>
-                <a:effectLst/>
-                <a:latin typeface="Fira Code"/>
-              </a:rPr>
-              <a:t> </a:t>
-            </a:r>
-            <a:r>
-              <a:rPr kumimoji="0" lang="ru-RU" altLang="ru-RU" sz="1100" b="0" i="0" u="none" strike="noStrike" cap="none" normalizeH="0" baseline="0" dirty="0" err="1" smtClean="0">
-                <a:ln>
-                  <a:noFill/>
-                </a:ln>
-                <a:solidFill>
-                  <a:srgbClr val="20B1D2"/>
-                </a:solidFill>
-                <a:effectLst/>
-                <a:latin typeface="Fira Code"/>
-              </a:rPr>
-              <a:t>Main</a:t>
-            </a:r>
-            <a:r>
-              <a:rPr kumimoji="0" lang="ru-RU" altLang="ru-RU" sz="1100" b="0" i="0" u="none" strike="noStrike" cap="none" normalizeH="0" baseline="0" dirty="0" smtClean="0">
-                <a:ln>
-                  <a:noFill/>
-                </a:ln>
-                <a:solidFill>
-                  <a:srgbClr val="B1B7BE"/>
-                </a:solidFill>
-                <a:effectLst/>
-                <a:latin typeface="Fira Code"/>
-              </a:rPr>
-              <a:t>(</a:t>
-            </a:r>
-            <a:r>
-              <a:rPr kumimoji="0" lang="ru-RU" altLang="ru-RU" sz="1100" b="0" i="0" u="none" strike="noStrike" cap="none" normalizeH="0" baseline="0" dirty="0" err="1" smtClean="0">
-                <a:ln>
-                  <a:noFill/>
-                </a:ln>
-                <a:solidFill>
-                  <a:srgbClr val="9586CF"/>
-                </a:solidFill>
-                <a:effectLst/>
-                <a:latin typeface="Fira Code"/>
-              </a:rPr>
-              <a:t>string</a:t>
-            </a:r>
-            <a:r>
-              <a:rPr kumimoji="0" lang="ru-RU" altLang="ru-RU" sz="1100" b="0" i="0" u="none" strike="noStrike" cap="none" normalizeH="0" baseline="0" dirty="0" smtClean="0">
-                <a:ln>
-                  <a:noFill/>
-                </a:ln>
-                <a:solidFill>
-                  <a:srgbClr val="B1B7BE"/>
-                </a:solidFill>
-                <a:effectLst/>
-                <a:latin typeface="Fira Code"/>
-              </a:rPr>
-              <a:t>[] </a:t>
-            </a:r>
-            <a:r>
-              <a:rPr kumimoji="0" lang="ru-RU" altLang="ru-RU" sz="1100" b="0" i="0" u="none" strike="noStrike" cap="none" normalizeH="0" baseline="0" dirty="0" err="1" smtClean="0">
-                <a:ln>
-                  <a:noFill/>
-                </a:ln>
-                <a:solidFill>
-                  <a:srgbClr val="6A7175"/>
-                </a:solidFill>
-                <a:effectLst/>
-                <a:latin typeface="Fira Code"/>
-              </a:rPr>
-              <a:t>args</a:t>
-            </a:r>
-            <a:r>
-              <a:rPr kumimoji="0" lang="ru-RU" altLang="ru-RU" sz="1100" b="0" i="0" u="none" strike="noStrike" cap="none" normalizeH="0" baseline="0" dirty="0" smtClean="0">
-                <a:ln>
-                  <a:noFill/>
-                </a:ln>
-                <a:solidFill>
-                  <a:srgbClr val="B1B7BE"/>
-                </a:solidFill>
-                <a:effectLst/>
-                <a:latin typeface="Fira Code"/>
-              </a:rPr>
-              <a:t>)</a:t>
-            </a:r>
-            <a:br>
-              <a:rPr kumimoji="0" lang="ru-RU" altLang="ru-RU" sz="1100" b="0" i="0" u="none" strike="noStrike" cap="none" normalizeH="0" baseline="0" dirty="0" smtClean="0">
-                <a:ln>
-                  <a:noFill/>
-                </a:ln>
-                <a:solidFill>
-                  <a:srgbClr val="B1B7BE"/>
-                </a:solidFill>
-                <a:effectLst/>
-                <a:latin typeface="Fira Code"/>
-              </a:rPr>
-            </a:br>
-            <a:r>
-              <a:rPr kumimoji="0" lang="ru-RU" altLang="ru-RU" sz="1100" b="0" i="0" u="none" strike="noStrike" cap="none" normalizeH="0" baseline="0" dirty="0" smtClean="0">
-                <a:ln>
-                  <a:noFill/>
-                </a:ln>
-                <a:solidFill>
-                  <a:srgbClr val="B1B7BE"/>
-                </a:solidFill>
-                <a:effectLst/>
-                <a:latin typeface="Fira Code"/>
-              </a:rPr>
-              <a:t>        {</a:t>
-            </a:r>
-            <a:br>
-              <a:rPr kumimoji="0" lang="ru-RU" altLang="ru-RU" sz="1100" b="0" i="0" u="none" strike="noStrike" cap="none" normalizeH="0" baseline="0" dirty="0" smtClean="0">
-                <a:ln>
-                  <a:noFill/>
-                </a:ln>
-                <a:solidFill>
-                  <a:srgbClr val="B1B7BE"/>
-                </a:solidFill>
-                <a:effectLst/>
-                <a:latin typeface="Fira Code"/>
-              </a:rPr>
-            </a:br>
-            <a:r>
-              <a:rPr kumimoji="0" lang="ru-RU" altLang="ru-RU" sz="1100" b="0" i="0" u="none" strike="noStrike" cap="none" normalizeH="0" baseline="0" dirty="0" smtClean="0">
-                <a:ln>
-                  <a:noFill/>
-                </a:ln>
-                <a:solidFill>
-                  <a:srgbClr val="B1B7BE"/>
-                </a:solidFill>
-                <a:effectLst/>
-                <a:latin typeface="Fira Code"/>
-              </a:rPr>
-              <a:t>            (</a:t>
-            </a:r>
-            <a:r>
-              <a:rPr kumimoji="0" lang="ru-RU" altLang="ru-RU" sz="1100" b="0" i="0" u="none" strike="noStrike" cap="none" normalizeH="0" baseline="0" dirty="0" err="1" smtClean="0">
-                <a:ln>
-                  <a:noFill/>
-                </a:ln>
-                <a:solidFill>
-                  <a:srgbClr val="9586CF"/>
-                </a:solidFill>
-                <a:effectLst/>
-                <a:latin typeface="Fira Code"/>
-              </a:rPr>
-              <a:t>int</a:t>
-            </a:r>
-            <a:r>
-              <a:rPr kumimoji="0" lang="ru-RU" altLang="ru-RU" sz="1100" b="0" i="0" u="none" strike="noStrike" cap="none" normalizeH="0" baseline="0" dirty="0" smtClean="0">
-                <a:ln>
-                  <a:noFill/>
-                </a:ln>
-                <a:solidFill>
-                  <a:srgbClr val="9586CF"/>
-                </a:solidFill>
-                <a:effectLst/>
-                <a:latin typeface="Fira Code"/>
-              </a:rPr>
-              <a:t> </a:t>
-            </a:r>
-            <a:r>
-              <a:rPr kumimoji="0" lang="ru-RU" altLang="ru-RU" sz="1100" b="0" i="0" u="none" strike="noStrike" cap="none" normalizeH="0" baseline="0" dirty="0" smtClean="0">
-                <a:ln>
-                  <a:noFill/>
-                </a:ln>
-                <a:solidFill>
-                  <a:srgbClr val="14B5A5"/>
-                </a:solidFill>
-                <a:effectLst/>
-                <a:latin typeface="Fira Code"/>
-              </a:rPr>
-              <a:t>x</a:t>
-            </a:r>
-            <a:r>
-              <a:rPr kumimoji="0" lang="ru-RU" altLang="ru-RU" sz="1100" b="0" i="0" u="none" strike="noStrike" cap="none" normalizeH="0" baseline="0" dirty="0" smtClean="0">
-                <a:ln>
-                  <a:noFill/>
-                </a:ln>
-                <a:solidFill>
-                  <a:srgbClr val="B1B7BE"/>
-                </a:solidFill>
-                <a:effectLst/>
-                <a:latin typeface="Fira Code"/>
-              </a:rPr>
-              <a:t>, </a:t>
-            </a:r>
-            <a:r>
-              <a:rPr kumimoji="0" lang="ru-RU" altLang="ru-RU" sz="1100" b="0" i="0" u="none" strike="noStrike" cap="none" normalizeH="0" baseline="0" dirty="0" err="1" smtClean="0">
-                <a:ln>
-                  <a:noFill/>
-                </a:ln>
-                <a:solidFill>
-                  <a:srgbClr val="9586CF"/>
-                </a:solidFill>
-                <a:effectLst/>
-                <a:latin typeface="Fira Code"/>
-              </a:rPr>
-              <a:t>int</a:t>
-            </a:r>
-            <a:r>
-              <a:rPr kumimoji="0" lang="ru-RU" altLang="ru-RU" sz="1100" b="0" i="0" u="none" strike="noStrike" cap="none" normalizeH="0" baseline="0" dirty="0" smtClean="0">
-                <a:ln>
-                  <a:noFill/>
-                </a:ln>
-                <a:solidFill>
-                  <a:srgbClr val="9586CF"/>
-                </a:solidFill>
-                <a:effectLst/>
-                <a:latin typeface="Fira Code"/>
-              </a:rPr>
-              <a:t> </a:t>
-            </a:r>
-            <a:r>
-              <a:rPr kumimoji="0" lang="ru-RU" altLang="ru-RU" sz="1100" b="0" i="0" u="none" strike="noStrike" cap="none" normalizeH="0" baseline="0" dirty="0" smtClean="0">
-                <a:ln>
-                  <a:noFill/>
-                </a:ln>
-                <a:solidFill>
-                  <a:srgbClr val="14B5A5"/>
-                </a:solidFill>
-                <a:effectLst/>
-                <a:latin typeface="Fira Code"/>
-              </a:rPr>
-              <a:t>y</a:t>
-            </a:r>
-            <a:r>
-              <a:rPr kumimoji="0" lang="ru-RU" altLang="ru-RU" sz="1100" b="0" i="0" u="none" strike="noStrike" cap="none" normalizeH="0" baseline="0" dirty="0" smtClean="0">
-                <a:ln>
-                  <a:noFill/>
-                </a:ln>
-                <a:solidFill>
-                  <a:srgbClr val="B1B7BE"/>
-                </a:solidFill>
-                <a:effectLst/>
-                <a:latin typeface="Fira Code"/>
-              </a:rPr>
-              <a:t>) </a:t>
-            </a:r>
-            <a:r>
-              <a:rPr kumimoji="0" lang="ru-RU" altLang="ru-RU" sz="1100" b="0" i="0" u="none" strike="noStrike" cap="none" normalizeH="0" baseline="0" dirty="0" err="1" smtClean="0">
-                <a:ln>
-                  <a:noFill/>
-                </a:ln>
-                <a:solidFill>
-                  <a:srgbClr val="6A7175"/>
-                </a:solidFill>
-                <a:effectLst/>
-                <a:latin typeface="Fira Code"/>
-              </a:rPr>
-              <a:t>position</a:t>
-            </a:r>
-            <a:r>
-              <a:rPr kumimoji="0" lang="ru-RU" altLang="ru-RU" sz="1100" b="0" i="0" u="none" strike="noStrike" cap="none" normalizeH="0" baseline="0" dirty="0" smtClean="0">
-                <a:ln>
-                  <a:noFill/>
-                </a:ln>
-                <a:solidFill>
-                  <a:srgbClr val="6A7175"/>
-                </a:solidFill>
-                <a:effectLst/>
-                <a:latin typeface="Fira Code"/>
-              </a:rPr>
-              <a:t> </a:t>
-            </a:r>
-            <a:r>
-              <a:rPr kumimoji="0" lang="ru-RU" altLang="ru-RU" sz="1100" b="0" i="0" u="none" strike="noStrike" cap="none" normalizeH="0" baseline="0" dirty="0" smtClean="0">
-                <a:ln>
-                  <a:noFill/>
-                </a:ln>
-                <a:solidFill>
-                  <a:srgbClr val="B1B7BE"/>
-                </a:solidFill>
-                <a:effectLst/>
-                <a:latin typeface="Fira Code"/>
-              </a:rPr>
-              <a:t>= (</a:t>
-            </a:r>
-            <a:r>
-              <a:rPr kumimoji="0" lang="ru-RU" altLang="ru-RU" sz="1100" b="0" i="0" u="none" strike="noStrike" cap="none" normalizeH="0" baseline="0" dirty="0" smtClean="0">
-                <a:ln>
-                  <a:noFill/>
-                </a:ln>
-                <a:solidFill>
-                  <a:srgbClr val="DEA6B6"/>
-                </a:solidFill>
-                <a:effectLst/>
-                <a:latin typeface="Fira Code"/>
-              </a:rPr>
-              <a:t>0</a:t>
-            </a:r>
-            <a:r>
-              <a:rPr kumimoji="0" lang="ru-RU" altLang="ru-RU" sz="1100" b="0" i="0" u="none" strike="noStrike" cap="none" normalizeH="0" baseline="0" dirty="0" smtClean="0">
-                <a:ln>
-                  <a:noFill/>
-                </a:ln>
-                <a:solidFill>
-                  <a:srgbClr val="B1B7BE"/>
-                </a:solidFill>
-                <a:effectLst/>
-                <a:latin typeface="Fira Code"/>
-              </a:rPr>
-              <a:t>, </a:t>
-            </a:r>
-            <a:r>
-              <a:rPr kumimoji="0" lang="ru-RU" altLang="ru-RU" sz="1100" b="0" i="0" u="none" strike="noStrike" cap="none" normalizeH="0" baseline="0" dirty="0" smtClean="0">
-                <a:ln>
-                  <a:noFill/>
-                </a:ln>
-                <a:solidFill>
-                  <a:srgbClr val="DEA6B6"/>
-                </a:solidFill>
-                <a:effectLst/>
-                <a:latin typeface="Fira Code"/>
-              </a:rPr>
-              <a:t>1</a:t>
-            </a:r>
-            <a:r>
-              <a:rPr kumimoji="0" lang="ru-RU" altLang="ru-RU" sz="1100" b="0" i="0" u="none" strike="noStrike" cap="none" normalizeH="0" baseline="0" dirty="0" smtClean="0">
-                <a:ln>
-                  <a:noFill/>
-                </a:ln>
-                <a:solidFill>
-                  <a:srgbClr val="B1B7BE"/>
-                </a:solidFill>
-                <a:effectLst/>
-                <a:latin typeface="Fira Code"/>
-              </a:rPr>
-              <a:t>);</a:t>
-            </a:r>
-            <a:br>
-              <a:rPr kumimoji="0" lang="ru-RU" altLang="ru-RU" sz="1100" b="0" i="0" u="none" strike="noStrike" cap="none" normalizeH="0" baseline="0" dirty="0" smtClean="0">
-                <a:ln>
-                  <a:noFill/>
-                </a:ln>
-                <a:solidFill>
-                  <a:srgbClr val="B1B7BE"/>
-                </a:solidFill>
-                <a:effectLst/>
-                <a:latin typeface="Fira Code"/>
-              </a:rPr>
-            </a:br>
-            <a:r>
-              <a:rPr kumimoji="0" lang="ru-RU" altLang="ru-RU" sz="1100" b="0" i="0" u="none" strike="noStrike" cap="none" normalizeH="0" baseline="0" dirty="0" smtClean="0">
-                <a:ln>
-                  <a:noFill/>
-                </a:ln>
-                <a:solidFill>
-                  <a:srgbClr val="B1B7BE"/>
-                </a:solidFill>
-                <a:effectLst/>
-                <a:latin typeface="Fira Code"/>
-              </a:rPr>
-              <a:t>        }</a:t>
-            </a:r>
-            <a:br>
-              <a:rPr kumimoji="0" lang="ru-RU" altLang="ru-RU" sz="1100" b="0" i="0" u="none" strike="noStrike" cap="none" normalizeH="0" baseline="0" dirty="0" smtClean="0">
-                <a:ln>
-                  <a:noFill/>
-                </a:ln>
-                <a:solidFill>
-                  <a:srgbClr val="B1B7BE"/>
-                </a:solidFill>
-                <a:effectLst/>
-                <a:latin typeface="Fira Code"/>
-              </a:rPr>
-            </a:br>
-            <a:r>
-              <a:rPr kumimoji="0" lang="ru-RU" altLang="ru-RU" sz="1100" b="0" i="0" u="none" strike="noStrike" cap="none" normalizeH="0" baseline="0" dirty="0" smtClean="0">
-                <a:ln>
-                  <a:noFill/>
-                </a:ln>
-                <a:solidFill>
-                  <a:srgbClr val="B1B7BE"/>
-                </a:solidFill>
-                <a:effectLst/>
-                <a:latin typeface="Fira Code"/>
-              </a:rPr>
-              <a:t>    }</a:t>
-            </a:r>
-            <a:br>
-              <a:rPr kumimoji="0" lang="ru-RU" altLang="ru-RU" sz="1100" b="0" i="0" u="none" strike="noStrike" cap="none" normalizeH="0" baseline="0" dirty="0" smtClean="0">
-                <a:ln>
-                  <a:noFill/>
-                </a:ln>
-                <a:solidFill>
-                  <a:srgbClr val="B1B7BE"/>
-                </a:solidFill>
-                <a:effectLst/>
-                <a:latin typeface="Fira Code"/>
-              </a:rPr>
-            </a:br>
-            <a:r>
-              <a:rPr kumimoji="0" lang="ru-RU" altLang="ru-RU" sz="1100" b="0" i="0" u="none" strike="noStrike" cap="none" normalizeH="0" baseline="0" dirty="0" smtClean="0">
-                <a:ln>
-                  <a:noFill/>
-                </a:ln>
-                <a:solidFill>
-                  <a:srgbClr val="4A9BF2"/>
-                </a:solidFill>
-                <a:effectLst/>
-                <a:latin typeface="Fira Code"/>
-              </a:rPr>
               <a:t>}</a:t>
             </a:r>
-            <a:endParaRPr kumimoji="0" lang="ru-RU" altLang="ru-RU" sz="1100" b="0" i="0" u="none" strike="noStrike" cap="none" normalizeH="0" baseline="0" dirty="0" smtClean="0">
+            <a:endParaRPr kumimoji="0" lang="ru-RU" altLang="ru-RU" sz="1100" b="0" i="0" u="none" strike="noStrike" cap="none" normalizeH="0" baseline="0" dirty="0">
               <a:ln>
                 <a:noFill/>
               </a:ln>
@@ -5263,25 +5187,25 @@
           <a:p>
             <a:pPr algn="ctr"/>
             <a:r>
-              <a:rPr lang="ru-RU" dirty="0" smtClean="0">
+              <a:rPr lang="ru-RU" dirty="0">
                 <a:latin typeface="Montserrat" panose="00000500000000000000" pitchFamily="2" charset="-52"/>
               </a:rPr>
               <a:t>Лёгкое создание кортежей, где можно обращаться к элементам, как </a:t>
             </a:r>
             <a:r>
-              <a:rPr lang="en-US" dirty="0" smtClean="0">
+              <a:rPr lang="en-US" dirty="0">
                 <a:latin typeface="Montserrat" panose="00000500000000000000" pitchFamily="2" charset="-52"/>
               </a:rPr>
               <a:t>x </a:t>
             </a:r>
             <a:r>
-              <a:rPr lang="ru-RU" dirty="0" smtClean="0">
+              <a:rPr lang="ru-RU" dirty="0">
                 <a:latin typeface="Montserrat" panose="00000500000000000000" pitchFamily="2" charset="-52"/>
               </a:rPr>
               <a:t>и </a:t>
             </a:r>
             <a:r>
-              <a:rPr lang="en-US" dirty="0" smtClean="0">
+              <a:rPr lang="en-US" dirty="0">
                 <a:latin typeface="Montserrat" panose="00000500000000000000" pitchFamily="2" charset="-52"/>
               </a:rPr>
               <a:t>y</a:t>
@@ -5363,7 +5287,7 @@
               <a:tabLst/>
             </a:pPr>
             <a:r>
-              <a:rPr kumimoji="0" lang="ru-RU" altLang="ru-RU" sz="1100" b="0" i="0" u="none" strike="noStrike" cap="none" normalizeH="0" baseline="0" dirty="0" err="1" smtClean="0">
+              <a:rPr kumimoji="0" lang="ru-RU" altLang="ru-RU" sz="1100" b="0" i="0" u="none" strike="noStrike" cap="none" normalizeH="0" baseline="0" dirty="0" err="1">
                 <a:ln>
                   <a:noFill/>
                 </a:ln>
@@ -5376,7 +5300,7 @@
               <a:t>using</a:t>
             </a:r>
             <a:r>
-              <a:rPr kumimoji="0" lang="ru-RU" altLang="ru-RU" sz="1100" b="0" i="0" u="none" strike="noStrike" cap="none" normalizeH="0" baseline="0" dirty="0" smtClean="0">
+              <a:rPr kumimoji="0" lang="ru-RU" altLang="ru-RU" sz="1100" b="0" i="0" u="none" strike="noStrike" cap="none" normalizeH="0" baseline="0" dirty="0">
                 <a:ln>
                   <a:noFill/>
                 </a:ln>
@@ -5389,7 +5313,7 @@
               <a:t> </a:t>
             </a:r>
             <a:r>
-              <a:rPr kumimoji="0" lang="ru-RU" altLang="ru-RU" sz="1100" b="0" i="0" u="none" strike="noStrike" cap="none" normalizeH="0" baseline="0" dirty="0" err="1" smtClean="0">
+              <a:rPr kumimoji="0" lang="ru-RU" altLang="ru-RU" sz="1100" b="0" i="0" u="none" strike="noStrike" cap="none" normalizeH="0" baseline="0" dirty="0" err="1">
                 <a:ln>
                   <a:noFill/>
                 </a:ln>
@@ -5402,7 +5326,7 @@
               <a:t>System</a:t>
             </a:r>
             <a:r>
-              <a:rPr kumimoji="0" lang="ru-RU" altLang="ru-RU" sz="1100" b="0" i="0" u="none" strike="noStrike" cap="none" normalizeH="0" baseline="0" dirty="0" smtClean="0">
+              <a:rPr kumimoji="0" lang="ru-RU" altLang="ru-RU" sz="1100" b="0" i="0" u="none" strike="noStrike" cap="none" normalizeH="0" baseline="0" dirty="0">
                 <a:ln>
                   <a:noFill/>
                 </a:ln>
@@ -5415,7 +5339,7 @@
               <a:t>;</a:t>
             </a:r>
             <a:br>
-              <a:rPr kumimoji="0" lang="ru-RU" altLang="ru-RU" sz="1100" b="0" i="0" u="none" strike="noStrike" cap="none" normalizeH="0" baseline="0" dirty="0" smtClean="0">
+              <a:rPr kumimoji="0" lang="ru-RU" altLang="ru-RU" sz="1100" b="0" i="0" u="none" strike="noStrike" cap="none" normalizeH="0" baseline="0" dirty="0">
                 <a:ln>
                   <a:noFill/>
                 </a:ln>
@@ -5427,7 +5351,7 @@
               </a:rPr>
             </a:br>
             <a:r>
-              <a:rPr kumimoji="0" lang="ru-RU" altLang="ru-RU" sz="1100" b="0" i="0" u="none" strike="noStrike" cap="none" normalizeH="0" baseline="0" dirty="0" err="1" smtClean="0">
+              <a:rPr kumimoji="0" lang="ru-RU" altLang="ru-RU" sz="1100" b="0" i="0" u="none" strike="noStrike" cap="none" normalizeH="0" baseline="0" dirty="0" err="1">
                 <a:ln>
                   <a:noFill/>
                 </a:ln>
@@ -5440,7 +5364,7 @@
               <a:t>using</a:t>
             </a:r>
             <a:r>
-              <a:rPr kumimoji="0" lang="ru-RU" altLang="ru-RU" sz="1100" b="0" i="0" u="none" strike="noStrike" cap="none" normalizeH="0" baseline="0" dirty="0" smtClean="0">
+              <a:rPr kumimoji="0" lang="ru-RU" altLang="ru-RU" sz="1100" b="0" i="0" u="none" strike="noStrike" cap="none" normalizeH="0" baseline="0" dirty="0">
                 <a:ln>
                   <a:noFill/>
                 </a:ln>
@@ -5453,7 +5377,7 @@
               <a:t> </a:t>
             </a:r>
             <a:r>
-              <a:rPr kumimoji="0" lang="ru-RU" altLang="ru-RU" sz="1100" b="0" i="0" u="none" strike="noStrike" cap="none" normalizeH="0" baseline="0" dirty="0" err="1" smtClean="0">
+              <a:rPr kumimoji="0" lang="ru-RU" altLang="ru-RU" sz="1100" b="0" i="0" u="none" strike="noStrike" cap="none" normalizeH="0" baseline="0" dirty="0" err="1">
                 <a:ln>
                   <a:noFill/>
                 </a:ln>
@@ -5466,7 +5390,7 @@
               <a:t>System.Collections.Generic</a:t>
             </a:r>
             <a:r>
-              <a:rPr kumimoji="0" lang="ru-RU" altLang="ru-RU" sz="1100" b="0" i="0" u="none" strike="noStrike" cap="none" normalizeH="0" baseline="0" dirty="0" smtClean="0">
+              <a:rPr kumimoji="0" lang="ru-RU" altLang="ru-RU" sz="1100" b="0" i="0" u="none" strike="noStrike" cap="none" normalizeH="0" baseline="0" dirty="0">
                 <a:ln>
                   <a:noFill/>
                 </a:ln>
@@ -5479,7 +5403,7 @@
               <a:t>;</a:t>
             </a:r>
             <a:br>
-              <a:rPr kumimoji="0" lang="ru-RU" altLang="ru-RU" sz="1100" b="0" i="0" u="none" strike="noStrike" cap="none" normalizeH="0" baseline="0" dirty="0" smtClean="0">
+              <a:rPr kumimoji="0" lang="ru-RU" altLang="ru-RU" sz="1100" b="0" i="0" u="none" strike="noStrike" cap="none" normalizeH="0" baseline="0" dirty="0">
                 <a:ln>
                   <a:noFill/>
                 </a:ln>
@@ -5491,7 +5415,7 @@
               </a:rPr>
             </a:br>
             <a:r>
-              <a:rPr kumimoji="0" lang="ru-RU" altLang="ru-RU" sz="1100" b="0" i="0" u="none" strike="noStrike" cap="none" normalizeH="0" baseline="0" dirty="0" err="1" smtClean="0">
+              <a:rPr kumimoji="0" lang="ru-RU" altLang="ru-RU" sz="1100" b="0" i="0" u="none" strike="noStrike" cap="none" normalizeH="0" baseline="0" dirty="0" err="1">
                 <a:ln>
                   <a:noFill/>
                 </a:ln>
@@ -5504,7 +5428,7 @@
               <a:t>using</a:t>
             </a:r>
             <a:r>
-              <a:rPr kumimoji="0" lang="ru-RU" altLang="ru-RU" sz="1100" b="0" i="0" u="none" strike="noStrike" cap="none" normalizeH="0" baseline="0" dirty="0" smtClean="0">
+              <a:rPr kumimoji="0" lang="ru-RU" altLang="ru-RU" sz="1100" b="0" i="0" u="none" strike="noStrike" cap="none" normalizeH="0" baseline="0" dirty="0">
                 <a:ln>
                   <a:noFill/>
                 </a:ln>
@@ -5517,7 +5441,7 @@
               <a:t> </a:t>
             </a:r>
             <a:r>
-              <a:rPr kumimoji="0" lang="ru-RU" altLang="ru-RU" sz="1100" b="0" i="0" u="none" strike="noStrike" cap="none" normalizeH="0" baseline="0" dirty="0" err="1" smtClean="0">
+              <a:rPr kumimoji="0" lang="ru-RU" altLang="ru-RU" sz="1100" b="0" i="0" u="none" strike="noStrike" cap="none" normalizeH="0" baseline="0" dirty="0" err="1">
                 <a:ln>
                   <a:noFill/>
                 </a:ln>
@@ -5530,7 +5454,7 @@
               <a:t>System.Linq</a:t>
             </a:r>
             <a:r>
-              <a:rPr kumimoji="0" lang="ru-RU" altLang="ru-RU" sz="1100" b="0" i="0" u="none" strike="noStrike" cap="none" normalizeH="0" baseline="0" dirty="0" smtClean="0">
+              <a:rPr kumimoji="0" lang="ru-RU" altLang="ru-RU" sz="1100" b="0" i="0" u="none" strike="noStrike" cap="none" normalizeH="0" baseline="0" dirty="0">
                 <a:ln>
                   <a:noFill/>
                 </a:ln>
@@ -5543,7 +5467,7 @@
               <a:t>;</a:t>
             </a:r>
             <a:br>
-              <a:rPr kumimoji="0" lang="ru-RU" altLang="ru-RU" sz="1100" b="0" i="0" u="none" strike="noStrike" cap="none" normalizeH="0" baseline="0" dirty="0" smtClean="0">
+              <a:rPr kumimoji="0" lang="ru-RU" altLang="ru-RU" sz="1100" b="0" i="0" u="none" strike="noStrike" cap="none" normalizeH="0" baseline="0" dirty="0">
                 <a:ln>
                   <a:noFill/>
                 </a:ln>
@@ -5554,21 +5478,8 @@
                 <a:latin typeface="Fira Code"/>
               </a:rPr>
             </a:br>
-            <a:r>
-              <a:rPr kumimoji="0" lang="ru-RU" altLang="ru-RU" sz="1100" b="0" i="0" u="none" strike="noStrike" cap="none" normalizeH="0" baseline="0" dirty="0" smtClean="0">
-                <a:ln>
-                  <a:noFill/>
-                </a:ln>
-                <a:solidFill>
-                  <a:srgbClr val="B1B7BE"/>
-                </a:solidFill>
-                <a:effectLst/>
-                <a:latin typeface="Fira Code"/>
-              </a:rPr>
-              <a:t/>
-            </a:r>
             <a:br>
-              <a:rPr kumimoji="0" lang="ru-RU" altLang="ru-RU" sz="1100" b="0" i="0" u="none" strike="noStrike" cap="none" normalizeH="0" baseline="0" dirty="0" smtClean="0">
+              <a:rPr kumimoji="0" lang="ru-RU" altLang="ru-RU" sz="1100" b="0" i="0" u="none" strike="noStrike" cap="none" normalizeH="0" baseline="0" dirty="0">
                 <a:ln>
                   <a:noFill/>
                 </a:ln>
@@ -5580,7 +5491,7 @@
               </a:rPr>
             </a:br>
             <a:r>
-              <a:rPr kumimoji="0" lang="ru-RU" altLang="ru-RU" sz="1100" b="0" i="0" u="none" strike="noStrike" cap="none" normalizeH="0" baseline="0" dirty="0" err="1" smtClean="0">
+              <a:rPr kumimoji="0" lang="ru-RU" altLang="ru-RU" sz="1100" b="0" i="0" u="none" strike="noStrike" cap="none" normalizeH="0" baseline="0" dirty="0" err="1">
                 <a:ln>
                   <a:noFill/>
                 </a:ln>
@@ -5593,7 +5504,7 @@
               <a:t>namespace</a:t>
             </a:r>
             <a:r>
-              <a:rPr kumimoji="0" lang="ru-RU" altLang="ru-RU" sz="1100" b="0" i="0" u="none" strike="noStrike" cap="none" normalizeH="0" baseline="0" dirty="0" smtClean="0">
+              <a:rPr kumimoji="0" lang="ru-RU" altLang="ru-RU" sz="1100" b="0" i="0" u="none" strike="noStrike" cap="none" normalizeH="0" baseline="0" dirty="0">
                 <a:ln>
                   <a:noFill/>
                 </a:ln>
@@ -5606,7 +5517,7 @@
               <a:t> </a:t>
             </a:r>
             <a:r>
-              <a:rPr kumimoji="0" lang="ru-RU" altLang="ru-RU" sz="1100" b="0" i="0" u="none" strike="noStrike" cap="none" normalizeH="0" baseline="0" dirty="0" smtClean="0">
+              <a:rPr kumimoji="0" lang="ru-RU" altLang="ru-RU" sz="1100" b="0" i="0" u="none" strike="noStrike" cap="none" normalizeH="0" baseline="0" dirty="0">
                 <a:ln>
                   <a:noFill/>
                 </a:ln>
@@ -5619,7 +5530,7 @@
               <a:t>ConsoleApp1</a:t>
             </a:r>
             <a:br>
-              <a:rPr kumimoji="0" lang="ru-RU" altLang="ru-RU" sz="1100" b="0" i="0" u="none" strike="noStrike" cap="none" normalizeH="0" baseline="0" dirty="0" smtClean="0">
+              <a:rPr kumimoji="0" lang="ru-RU" altLang="ru-RU" sz="1100" b="0" i="0" u="none" strike="noStrike" cap="none" normalizeH="0" baseline="0" dirty="0">
                 <a:ln>
                   <a:noFill/>
                 </a:ln>
@@ -5631,7 +5542,7 @@
               </a:rPr>
             </a:br>
             <a:r>
-              <a:rPr kumimoji="0" lang="ru-RU" altLang="ru-RU" sz="1100" b="0" i="0" u="none" strike="noStrike" cap="none" normalizeH="0" baseline="0" dirty="0" smtClean="0">
+              <a:rPr kumimoji="0" lang="ru-RU" altLang="ru-RU" sz="1100" b="0" i="0" u="none" strike="noStrike" cap="none" normalizeH="0" baseline="0" dirty="0">
                 <a:ln>
                   <a:noFill/>
                 </a:ln>
@@ -5644,7 +5555,7 @@
               <a:t>{</a:t>
             </a:r>
             <a:br>
-              <a:rPr kumimoji="0" lang="ru-RU" altLang="ru-RU" sz="1100" b="0" i="0" u="none" strike="noStrike" cap="none" normalizeH="0" baseline="0" dirty="0" smtClean="0">
+              <a:rPr kumimoji="0" lang="ru-RU" altLang="ru-RU" sz="1100" b="0" i="0" u="none" strike="noStrike" cap="none" normalizeH="0" baseline="0" dirty="0">
                 <a:ln>
                   <a:noFill/>
                 </a:ln>
@@ -5656,7 +5567,7 @@
               </a:rPr>
             </a:br>
             <a:r>
-              <a:rPr kumimoji="0" lang="ru-RU" altLang="ru-RU" sz="1100" b="0" i="0" u="none" strike="noStrike" cap="none" normalizeH="0" baseline="0" dirty="0" smtClean="0">
+              <a:rPr kumimoji="0" lang="ru-RU" altLang="ru-RU" sz="1100" b="0" i="0" u="none" strike="noStrike" cap="none" normalizeH="0" baseline="0" dirty="0">
                 <a:ln>
                   <a:noFill/>
                 </a:ln>
@@ -5669,7 +5580,7 @@
               <a:t>    </a:t>
             </a:r>
             <a:r>
-              <a:rPr kumimoji="0" lang="ru-RU" altLang="ru-RU" sz="1100" b="0" i="0" u="none" strike="noStrike" cap="none" normalizeH="0" baseline="0" dirty="0" err="1" smtClean="0">
+              <a:rPr kumimoji="0" lang="ru-RU" altLang="ru-RU" sz="1100" b="0" i="0" u="none" strike="noStrike" cap="none" normalizeH="0" baseline="0" dirty="0" err="1">
                 <a:ln>
                   <a:noFill/>
                 </a:ln>
@@ -5682,7 +5593,7 @@
               <a:t>class</a:t>
             </a:r>
             <a:r>
-              <a:rPr kumimoji="0" lang="ru-RU" altLang="ru-RU" sz="1100" b="0" i="0" u="none" strike="noStrike" cap="none" normalizeH="0" baseline="0" dirty="0" smtClean="0">
+              <a:rPr kumimoji="0" lang="ru-RU" altLang="ru-RU" sz="1100" b="0" i="0" u="none" strike="noStrike" cap="none" normalizeH="0" baseline="0" dirty="0">
                 <a:ln>
                   <a:noFill/>
                 </a:ln>
@@ -5695,7 +5606,7 @@
               <a:t> </a:t>
             </a:r>
             <a:r>
-              <a:rPr kumimoji="0" lang="ru-RU" altLang="ru-RU" sz="1100" b="0" i="0" u="none" strike="noStrike" cap="none" normalizeH="0" baseline="0" dirty="0" err="1" smtClean="0">
+              <a:rPr kumimoji="0" lang="ru-RU" altLang="ru-RU" sz="1100" b="0" i="0" u="none" strike="noStrike" cap="none" normalizeH="0" baseline="0" dirty="0" err="1">
                 <a:ln>
                   <a:noFill/>
                 </a:ln>
@@ -5707,8 +5618,8 @@
               </a:rPr>
               <a:t>Program</a:t>
             </a:r>
-            <a:r>
-              <a:rPr kumimoji="0" lang="ru-RU" altLang="ru-RU" sz="1100" b="0" i="0" u="none" strike="noStrike" cap="none" normalizeH="0" baseline="0" dirty="0" smtClean="0">
+            <a:br>
+              <a:rPr kumimoji="0" lang="ru-RU" altLang="ru-RU" sz="1100" b="0" i="0" u="none" strike="noStrike" cap="none" normalizeH="0" baseline="0" dirty="0">
                 <a:ln>
                   <a:noFill/>
                 </a:ln>
@@ -5718,10 +5629,112 @@
                 <a:effectLst/>
                 <a:latin typeface="Fira Code"/>
               </a:rPr>
-              <a:t/>
+            </a:br>
+            <a:r>
+              <a:rPr kumimoji="0" lang="ru-RU" altLang="ru-RU" sz="1100" b="0" i="0" u="none" strike="noStrike" cap="none" normalizeH="0" baseline="0" dirty="0">
+                <a:ln>
+                  <a:noFill/>
+                </a:ln>
+                <a:solidFill>
+                  <a:srgbClr val="20B1D2"/>
+                </a:solidFill>
+                <a:effectLst/>
+                <a:latin typeface="Fira Code"/>
+              </a:rPr>
+              <a:t>    </a:t>
+            </a:r>
+            <a:r>
+              <a:rPr kumimoji="0" lang="ru-RU" altLang="ru-RU" sz="1100" b="0" i="0" u="none" strike="noStrike" cap="none" normalizeH="0" baseline="0" dirty="0">
+                <a:ln>
+                  <a:noFill/>
+                </a:ln>
+                <a:solidFill>
+                  <a:srgbClr val="B1B7BE"/>
+                </a:solidFill>
+                <a:effectLst/>
+                <a:latin typeface="Fira Code"/>
+              </a:rPr>
+              <a:t>{</a:t>
             </a:r>
             <a:br>
-              <a:rPr kumimoji="0" lang="ru-RU" altLang="ru-RU" sz="1100" b="0" i="0" u="none" strike="noStrike" cap="none" normalizeH="0" baseline="0" dirty="0" smtClean="0">
+              <a:rPr kumimoji="0" lang="ru-RU" altLang="ru-RU" sz="1100" b="0" i="0" u="none" strike="noStrike" cap="none" normalizeH="0" baseline="0" dirty="0">
+                <a:ln>
+                  <a:noFill/>
+                </a:ln>
+                <a:solidFill>
+                  <a:srgbClr val="B1B7BE"/>
+                </a:solidFill>
+                <a:effectLst/>
+                <a:latin typeface="Fira Code"/>
+              </a:rPr>
+            </a:br>
+            <a:r>
+              <a:rPr kumimoji="0" lang="ru-RU" altLang="ru-RU" sz="1100" b="0" i="0" u="none" strike="noStrike" cap="none" normalizeH="0" baseline="0" dirty="0">
+                <a:ln>
+                  <a:noFill/>
+                </a:ln>
+                <a:solidFill>
+                  <a:srgbClr val="B1B7BE"/>
+                </a:solidFill>
+                <a:effectLst/>
+                <a:latin typeface="Fira Code"/>
+              </a:rPr>
+              <a:t>        </a:t>
+            </a:r>
+            <a:r>
+              <a:rPr kumimoji="0" lang="ru-RU" altLang="ru-RU" sz="1100" b="0" i="0" u="none" strike="noStrike" cap="none" normalizeH="0" baseline="0" dirty="0" err="1">
+                <a:ln>
+                  <a:noFill/>
+                </a:ln>
+                <a:solidFill>
+                  <a:srgbClr val="9586CF"/>
+                </a:solidFill>
+                <a:effectLst/>
+                <a:latin typeface="Fira Code"/>
+              </a:rPr>
+              <a:t>static</a:t>
+            </a:r>
+            <a:r>
+              <a:rPr kumimoji="0" lang="ru-RU" altLang="ru-RU" sz="1100" b="0" i="0" u="none" strike="noStrike" cap="none" normalizeH="0" baseline="0" dirty="0">
+                <a:ln>
+                  <a:noFill/>
+                </a:ln>
+                <a:solidFill>
+                  <a:srgbClr val="9586CF"/>
+                </a:solidFill>
+                <a:effectLst/>
+                <a:latin typeface="Fira Code"/>
+              </a:rPr>
+              <a:t> </a:t>
+            </a:r>
+            <a:r>
+              <a:rPr kumimoji="0" lang="ru-RU" altLang="ru-RU" sz="1100" b="0" i="0" u="none" strike="noStrike" cap="none" normalizeH="0" baseline="0" dirty="0" err="1">
+                <a:ln>
+                  <a:noFill/>
+                </a:ln>
+                <a:solidFill>
+                  <a:srgbClr val="9586CF"/>
+                </a:solidFill>
+                <a:effectLst/>
+                <a:latin typeface="Fira Code"/>
+              </a:rPr>
+              <a:t>void</a:t>
+            </a:r>
+            <a:r>
+              <a:rPr kumimoji="0" lang="ru-RU" altLang="ru-RU" sz="1100" b="0" i="0" u="none" strike="noStrike" cap="none" normalizeH="0" baseline="0" dirty="0">
+                <a:ln>
+                  <a:noFill/>
+                </a:ln>
+                <a:solidFill>
+                  <a:srgbClr val="9586CF"/>
+                </a:solidFill>
+                <a:effectLst/>
+                <a:latin typeface="Fira Code"/>
+              </a:rPr>
+              <a:t> </a:t>
+            </a:r>
+            <a:r>
+              <a:rPr kumimoji="0" lang="ru-RU" altLang="ru-RU" sz="1100" b="0" i="0" u="none" strike="noStrike" cap="none" normalizeH="0" baseline="0" dirty="0" err="1">
                 <a:ln>
                   <a:noFill/>
                 </a:ln>
@@ -5731,9 +5744,125 @@
                 <a:effectLst/>
                 <a:latin typeface="Fira Code"/>
               </a:rPr>
+              <a:t>Main</a:t>
+            </a:r>
+            <a:r>
+              <a:rPr kumimoji="0" lang="ru-RU" altLang="ru-RU" sz="1100" b="0" i="0" u="none" strike="noStrike" cap="none" normalizeH="0" baseline="0" dirty="0">
+                <a:ln>
+                  <a:noFill/>
+                </a:ln>
+                <a:solidFill>
+                  <a:srgbClr val="B1B7BE"/>
+                </a:solidFill>
+                <a:effectLst/>
+                <a:latin typeface="Fira Code"/>
+              </a:rPr>
+              <a:t>(</a:t>
+            </a:r>
+            <a:r>
+              <a:rPr kumimoji="0" lang="ru-RU" altLang="ru-RU" sz="1100" b="0" i="0" u="none" strike="noStrike" cap="none" normalizeH="0" baseline="0" dirty="0" err="1">
+                <a:ln>
+                  <a:noFill/>
+                </a:ln>
+                <a:solidFill>
+                  <a:srgbClr val="9586CF"/>
+                </a:solidFill>
+                <a:effectLst/>
+                <a:latin typeface="Fira Code"/>
+              </a:rPr>
+              <a:t>string</a:t>
+            </a:r>
+            <a:r>
+              <a:rPr kumimoji="0" lang="ru-RU" altLang="ru-RU" sz="1100" b="0" i="0" u="none" strike="noStrike" cap="none" normalizeH="0" baseline="0" dirty="0">
+                <a:ln>
+                  <a:noFill/>
+                </a:ln>
+                <a:solidFill>
+                  <a:srgbClr val="B1B7BE"/>
+                </a:solidFill>
+                <a:effectLst/>
+                <a:latin typeface="Fira Code"/>
+              </a:rPr>
+              <a:t>[] </a:t>
+            </a:r>
+            <a:r>
+              <a:rPr kumimoji="0" lang="ru-RU" altLang="ru-RU" sz="1100" b="0" i="0" u="none" strike="noStrike" cap="none" normalizeH="0" baseline="0" dirty="0" err="1">
+                <a:ln>
+                  <a:noFill/>
+                </a:ln>
+                <a:solidFill>
+                  <a:srgbClr val="6A7175"/>
+                </a:solidFill>
+                <a:effectLst/>
+                <a:latin typeface="Fira Code"/>
+              </a:rPr>
+              <a:t>args</a:t>
+            </a:r>
+            <a:r>
+              <a:rPr kumimoji="0" lang="ru-RU" altLang="ru-RU" sz="1100" b="0" i="0" u="none" strike="noStrike" cap="none" normalizeH="0" baseline="0" dirty="0">
+                <a:ln>
+                  <a:noFill/>
+                </a:ln>
+                <a:solidFill>
+                  <a:srgbClr val="B1B7BE"/>
+                </a:solidFill>
+                <a:effectLst/>
+                <a:latin typeface="Fira Code"/>
+              </a:rPr>
+              <a:t>)</a:t>
+            </a:r>
+            <a:br>
+              <a:rPr kumimoji="0" lang="ru-RU" altLang="ru-RU" sz="1100" b="0" i="0" u="none" strike="noStrike" cap="none" normalizeH="0" baseline="0" dirty="0">
+                <a:ln>
+                  <a:noFill/>
+                </a:ln>
+                <a:solidFill>
+                  <a:srgbClr val="B1B7BE"/>
+                </a:solidFill>
+                <a:effectLst/>
+                <a:latin typeface="Fira Code"/>
+              </a:rPr>
             </a:br>
             <a:r>
-              <a:rPr kumimoji="0" lang="ru-RU" altLang="ru-RU" sz="1100" b="0" i="0" u="none" strike="noStrike" cap="none" normalizeH="0" baseline="0" dirty="0" smtClean="0">
+              <a:rPr kumimoji="0" lang="ru-RU" altLang="ru-RU" sz="1100" b="0" i="0" u="none" strike="noStrike" cap="none" normalizeH="0" baseline="0" dirty="0">
+                <a:ln>
+                  <a:noFill/>
+                </a:ln>
+                <a:solidFill>
+                  <a:srgbClr val="B1B7BE"/>
+                </a:solidFill>
+                <a:effectLst/>
+                <a:latin typeface="Fira Code"/>
+              </a:rPr>
+              <a:t>        {</a:t>
+            </a:r>
+            <a:br>
+              <a:rPr kumimoji="0" lang="ru-RU" altLang="ru-RU" sz="1100" b="0" i="0" u="none" strike="noStrike" cap="none" normalizeH="0" baseline="0" dirty="0">
+                <a:ln>
+                  <a:noFill/>
+                </a:ln>
+                <a:solidFill>
+                  <a:srgbClr val="B1B7BE"/>
+                </a:solidFill>
+                <a:effectLst/>
+                <a:latin typeface="Fira Code"/>
+              </a:rPr>
+            </a:br>
+            <a:r>
+              <a:rPr kumimoji="0" lang="ru-RU" altLang="ru-RU" sz="1100" b="0" i="0" u="none" strike="noStrike" cap="none" normalizeH="0" baseline="0" dirty="0">
+                <a:ln>
+                  <a:noFill/>
+                </a:ln>
+                <a:solidFill>
+                  <a:srgbClr val="B1B7BE"/>
+                </a:solidFill>
+                <a:effectLst/>
+                <a:latin typeface="Fira Code"/>
+              </a:rPr>
+              <a:t>            </a:t>
+            </a:r>
+            <a:r>
+              <a:rPr kumimoji="0" lang="ru-RU" altLang="ru-RU" sz="1100" b="0" i="0" u="none" strike="noStrike" cap="none" normalizeH="0" baseline="0" dirty="0" err="1">
                 <a:ln>
                   <a:noFill/>
                 </a:ln>
@@ -5743,23 +5872,153 @@
                 <a:effectLst/>
                 <a:latin typeface="Fira Code"/>
               </a:rPr>
-              <a:t>    </a:t>
-            </a:r>
-            <a:r>
-              <a:rPr kumimoji="0" lang="ru-RU" altLang="ru-RU" sz="1100" b="0" i="0" u="none" strike="noStrike" cap="none" normalizeH="0" baseline="0" dirty="0" smtClean="0">
-                <a:ln>
-                  <a:noFill/>
-                </a:ln>
-                <a:solidFill>
-                  <a:srgbClr val="B1B7BE"/>
-                </a:solidFill>
-                <a:effectLst/>
-                <a:latin typeface="Fira Code"/>
-              </a:rPr>
-              <a:t>{</a:t>
+              <a:t>List</a:t>
+            </a:r>
+            <a:r>
+              <a:rPr kumimoji="0" lang="ru-RU" altLang="ru-RU" sz="1100" b="0" i="0" u="none" strike="noStrike" cap="none" normalizeH="0" baseline="0" dirty="0">
+                <a:ln>
+                  <a:noFill/>
+                </a:ln>
+                <a:solidFill>
+                  <a:srgbClr val="B1B7BE"/>
+                </a:solidFill>
+                <a:effectLst/>
+                <a:latin typeface="Fira Code"/>
+              </a:rPr>
+              <a:t>&lt;</a:t>
+            </a:r>
+            <a:r>
+              <a:rPr kumimoji="0" lang="ru-RU" altLang="ru-RU" sz="1100" b="0" i="0" u="none" strike="noStrike" cap="none" normalizeH="0" baseline="0" dirty="0" err="1">
+                <a:ln>
+                  <a:noFill/>
+                </a:ln>
+                <a:solidFill>
+                  <a:srgbClr val="9586CF"/>
+                </a:solidFill>
+                <a:effectLst/>
+                <a:latin typeface="Fira Code"/>
+              </a:rPr>
+              <a:t>int</a:t>
+            </a:r>
+            <a:r>
+              <a:rPr kumimoji="0" lang="ru-RU" altLang="ru-RU" sz="1100" b="0" i="0" u="none" strike="noStrike" cap="none" normalizeH="0" baseline="0" dirty="0">
+                <a:ln>
+                  <a:noFill/>
+                </a:ln>
+                <a:solidFill>
+                  <a:srgbClr val="B1B7BE"/>
+                </a:solidFill>
+                <a:effectLst/>
+                <a:latin typeface="Fira Code"/>
+              </a:rPr>
+              <a:t>&gt; </a:t>
+            </a:r>
+            <a:r>
+              <a:rPr kumimoji="0" lang="ru-RU" altLang="ru-RU" sz="1100" b="0" i="0" u="none" strike="noStrike" cap="none" normalizeH="0" baseline="0" dirty="0" err="1">
+                <a:ln>
+                  <a:noFill/>
+                </a:ln>
+                <a:solidFill>
+                  <a:srgbClr val="B1B7BE"/>
+                </a:solidFill>
+                <a:effectLst/>
+                <a:latin typeface="Fira Code"/>
+              </a:rPr>
+              <a:t>list</a:t>
+            </a:r>
+            <a:r>
+              <a:rPr kumimoji="0" lang="ru-RU" altLang="ru-RU" sz="1100" b="0" i="0" u="none" strike="noStrike" cap="none" normalizeH="0" baseline="0" dirty="0">
+                <a:ln>
+                  <a:noFill/>
+                </a:ln>
+                <a:solidFill>
+                  <a:srgbClr val="B1B7BE"/>
+                </a:solidFill>
+                <a:effectLst/>
+                <a:latin typeface="Fira Code"/>
+              </a:rPr>
+              <a:t> = </a:t>
+            </a:r>
+            <a:r>
+              <a:rPr kumimoji="0" lang="ru-RU" altLang="ru-RU" sz="1100" b="0" i="0" u="none" strike="noStrike" cap="none" normalizeH="0" baseline="0" dirty="0" err="1">
+                <a:ln>
+                  <a:noFill/>
+                </a:ln>
+                <a:solidFill>
+                  <a:srgbClr val="9586CF"/>
+                </a:solidFill>
+                <a:effectLst/>
+                <a:latin typeface="Fira Code"/>
+              </a:rPr>
+              <a:t>new</a:t>
+            </a:r>
+            <a:r>
+              <a:rPr kumimoji="0" lang="ru-RU" altLang="ru-RU" sz="1100" b="0" i="0" u="none" strike="noStrike" cap="none" normalizeH="0" baseline="0" dirty="0">
+                <a:ln>
+                  <a:noFill/>
+                </a:ln>
+                <a:solidFill>
+                  <a:srgbClr val="9586CF"/>
+                </a:solidFill>
+                <a:effectLst/>
+                <a:latin typeface="Fira Code"/>
+              </a:rPr>
+              <a:t> </a:t>
+            </a:r>
+            <a:r>
+              <a:rPr kumimoji="0" lang="ru-RU" altLang="ru-RU" sz="1100" b="0" i="0" u="none" strike="noStrike" cap="none" normalizeH="0" baseline="0" dirty="0" err="1">
+                <a:ln>
+                  <a:noFill/>
+                </a:ln>
+                <a:solidFill>
+                  <a:srgbClr val="20B1D2"/>
+                </a:solidFill>
+                <a:effectLst/>
+                <a:latin typeface="Fira Code"/>
+              </a:rPr>
+              <a:t>List</a:t>
+            </a:r>
+            <a:r>
+              <a:rPr kumimoji="0" lang="ru-RU" altLang="ru-RU" sz="1100" b="0" i="0" u="none" strike="noStrike" cap="none" normalizeH="0" baseline="0" dirty="0">
+                <a:ln>
+                  <a:noFill/>
+                </a:ln>
+                <a:solidFill>
+                  <a:srgbClr val="B1B7BE"/>
+                </a:solidFill>
+                <a:effectLst/>
+                <a:latin typeface="Fira Code"/>
+              </a:rPr>
+              <a:t>&lt;</a:t>
+            </a:r>
+            <a:r>
+              <a:rPr kumimoji="0" lang="ru-RU" altLang="ru-RU" sz="1100" b="0" i="0" u="none" strike="noStrike" cap="none" normalizeH="0" baseline="0" dirty="0" err="1">
+                <a:ln>
+                  <a:noFill/>
+                </a:ln>
+                <a:solidFill>
+                  <a:srgbClr val="9586CF"/>
+                </a:solidFill>
+                <a:effectLst/>
+                <a:latin typeface="Fira Code"/>
+              </a:rPr>
+              <a:t>int</a:t>
+            </a:r>
+            <a:r>
+              <a:rPr kumimoji="0" lang="ru-RU" altLang="ru-RU" sz="1100" b="0" i="0" u="none" strike="noStrike" cap="none" normalizeH="0" baseline="0" dirty="0">
+                <a:ln>
+                  <a:noFill/>
+                </a:ln>
+                <a:solidFill>
+                  <a:srgbClr val="B1B7BE"/>
+                </a:solidFill>
+                <a:effectLst/>
+                <a:latin typeface="Fira Code"/>
+              </a:rPr>
+              <a:t>&gt;();</a:t>
             </a:r>
             <a:br>
-              <a:rPr kumimoji="0" lang="ru-RU" altLang="ru-RU" sz="1100" b="0" i="0" u="none" strike="noStrike" cap="none" normalizeH="0" baseline="0" dirty="0" smtClean="0">
+              <a:rPr kumimoji="0" lang="ru-RU" altLang="ru-RU" sz="1100" b="0" i="0" u="none" strike="noStrike" cap="none" normalizeH="0" baseline="0" dirty="0">
                 <a:ln>
                   <a:noFill/>
                 </a:ln>
@@ -5771,20 +6030,418 @@
               </a:rPr>
             </a:br>
             <a:r>
-              <a:rPr kumimoji="0" lang="ru-RU" altLang="ru-RU" sz="1100" b="0" i="0" u="none" strike="noStrike" cap="none" normalizeH="0" baseline="0" dirty="0" smtClean="0">
-                <a:ln>
-                  <a:noFill/>
-                </a:ln>
-                <a:solidFill>
-                  <a:srgbClr val="B1B7BE"/>
-                </a:solidFill>
-                <a:effectLst/>
-                <a:latin typeface="Fira Code"/>
-              </a:rPr>
-              <a:t>        </a:t>
-            </a:r>
-            <a:r>
-              <a:rPr kumimoji="0" lang="ru-RU" altLang="ru-RU" sz="1100" b="0" i="0" u="none" strike="noStrike" cap="none" normalizeH="0" baseline="0" dirty="0" err="1" smtClean="0">
+              <a:rPr kumimoji="0" lang="ru-RU" altLang="ru-RU" sz="1100" b="0" i="0" u="none" strike="noStrike" cap="none" normalizeH="0" baseline="0" dirty="0">
+                <a:ln>
+                  <a:noFill/>
+                </a:ln>
+                <a:solidFill>
+                  <a:srgbClr val="B1B7BE"/>
+                </a:solidFill>
+                <a:effectLst/>
+                <a:latin typeface="Fira Code"/>
+              </a:rPr>
+              <a:t>            </a:t>
+            </a:r>
+            <a:r>
+              <a:rPr kumimoji="0" lang="ru-RU" altLang="ru-RU" sz="1100" b="0" i="0" u="none" strike="noStrike" cap="none" normalizeH="0" baseline="0" dirty="0" err="1">
+                <a:ln>
+                  <a:noFill/>
+                </a:ln>
+                <a:solidFill>
+                  <a:srgbClr val="B1B7BE"/>
+                </a:solidFill>
+                <a:effectLst/>
+                <a:latin typeface="Fira Code"/>
+              </a:rPr>
+              <a:t>list.</a:t>
+            </a:r>
+            <a:r>
+              <a:rPr kumimoji="0" lang="ru-RU" altLang="ru-RU" sz="1100" b="0" i="0" u="none" strike="noStrike" cap="none" normalizeH="0" baseline="0" dirty="0" err="1">
+                <a:ln>
+                  <a:noFill/>
+                </a:ln>
+                <a:solidFill>
+                  <a:srgbClr val="20B1D2"/>
+                </a:solidFill>
+                <a:effectLst/>
+                <a:latin typeface="Fira Code"/>
+              </a:rPr>
+              <a:t>Add</a:t>
+            </a:r>
+            <a:r>
+              <a:rPr kumimoji="0" lang="ru-RU" altLang="ru-RU" sz="1100" b="0" i="0" u="none" strike="noStrike" cap="none" normalizeH="0" baseline="0" dirty="0">
+                <a:ln>
+                  <a:noFill/>
+                </a:ln>
+                <a:solidFill>
+                  <a:srgbClr val="B1B7BE"/>
+                </a:solidFill>
+                <a:effectLst/>
+                <a:latin typeface="Fira Code"/>
+              </a:rPr>
+              <a:t>(</a:t>
+            </a:r>
+            <a:r>
+              <a:rPr kumimoji="0" lang="ru-RU" altLang="ru-RU" sz="1100" b="0" i="0" u="none" strike="noStrike" cap="none" normalizeH="0" baseline="0" dirty="0">
+                <a:ln>
+                  <a:noFill/>
+                </a:ln>
+                <a:solidFill>
+                  <a:srgbClr val="DEA6B6"/>
+                </a:solidFill>
+                <a:effectLst/>
+                <a:latin typeface="Fira Code"/>
+              </a:rPr>
+              <a:t>2</a:t>
+            </a:r>
+            <a:r>
+              <a:rPr kumimoji="0" lang="ru-RU" altLang="ru-RU" sz="1100" b="0" i="0" u="none" strike="noStrike" cap="none" normalizeH="0" baseline="0" dirty="0">
+                <a:ln>
+                  <a:noFill/>
+                </a:ln>
+                <a:solidFill>
+                  <a:srgbClr val="B1B7BE"/>
+                </a:solidFill>
+                <a:effectLst/>
+                <a:latin typeface="Fira Code"/>
+              </a:rPr>
+              <a:t>);</a:t>
+            </a:r>
+            <a:br>
+              <a:rPr kumimoji="0" lang="ru-RU" altLang="ru-RU" sz="1100" b="0" i="0" u="none" strike="noStrike" cap="none" normalizeH="0" baseline="0" dirty="0">
+                <a:ln>
+                  <a:noFill/>
+                </a:ln>
+                <a:solidFill>
+                  <a:srgbClr val="B1B7BE"/>
+                </a:solidFill>
+                <a:effectLst/>
+                <a:latin typeface="Fira Code"/>
+              </a:rPr>
+            </a:br>
+            <a:r>
+              <a:rPr kumimoji="0" lang="ru-RU" altLang="ru-RU" sz="1100" b="0" i="0" u="none" strike="noStrike" cap="none" normalizeH="0" baseline="0" dirty="0">
+                <a:ln>
+                  <a:noFill/>
+                </a:ln>
+                <a:solidFill>
+                  <a:srgbClr val="B1B7BE"/>
+                </a:solidFill>
+                <a:effectLst/>
+                <a:latin typeface="Fira Code"/>
+              </a:rPr>
+              <a:t>            </a:t>
+            </a:r>
+            <a:r>
+              <a:rPr kumimoji="0" lang="ru-RU" altLang="ru-RU" sz="1100" b="0" i="0" u="none" strike="noStrike" cap="none" normalizeH="0" baseline="0" dirty="0" err="1">
+                <a:ln>
+                  <a:noFill/>
+                </a:ln>
+                <a:solidFill>
+                  <a:srgbClr val="B1B7BE"/>
+                </a:solidFill>
+                <a:effectLst/>
+                <a:latin typeface="Fira Code"/>
+              </a:rPr>
+              <a:t>list.</a:t>
+            </a:r>
+            <a:r>
+              <a:rPr kumimoji="0" lang="ru-RU" altLang="ru-RU" sz="1100" b="0" i="0" u="none" strike="noStrike" cap="none" normalizeH="0" baseline="0" dirty="0" err="1">
+                <a:ln>
+                  <a:noFill/>
+                </a:ln>
+                <a:solidFill>
+                  <a:srgbClr val="20B1D2"/>
+                </a:solidFill>
+                <a:effectLst/>
+                <a:latin typeface="Fira Code"/>
+              </a:rPr>
+              <a:t>Add</a:t>
+            </a:r>
+            <a:r>
+              <a:rPr kumimoji="0" lang="ru-RU" altLang="ru-RU" sz="1100" b="0" i="0" u="none" strike="noStrike" cap="none" normalizeH="0" baseline="0" dirty="0">
+                <a:ln>
+                  <a:noFill/>
+                </a:ln>
+                <a:solidFill>
+                  <a:srgbClr val="B1B7BE"/>
+                </a:solidFill>
+                <a:effectLst/>
+                <a:latin typeface="Fira Code"/>
+              </a:rPr>
+              <a:t>(</a:t>
+            </a:r>
+            <a:r>
+              <a:rPr kumimoji="0" lang="ru-RU" altLang="ru-RU" sz="1100" b="0" i="0" u="none" strike="noStrike" cap="none" normalizeH="0" baseline="0" dirty="0">
+                <a:ln>
+                  <a:noFill/>
+                </a:ln>
+                <a:solidFill>
+                  <a:srgbClr val="DEA6B6"/>
+                </a:solidFill>
+                <a:effectLst/>
+                <a:latin typeface="Fira Code"/>
+              </a:rPr>
+              <a:t>1</a:t>
+            </a:r>
+            <a:r>
+              <a:rPr kumimoji="0" lang="ru-RU" altLang="ru-RU" sz="1100" b="0" i="0" u="none" strike="noStrike" cap="none" normalizeH="0" baseline="0" dirty="0">
+                <a:ln>
+                  <a:noFill/>
+                </a:ln>
+                <a:solidFill>
+                  <a:srgbClr val="B1B7BE"/>
+                </a:solidFill>
+                <a:effectLst/>
+                <a:latin typeface="Fira Code"/>
+              </a:rPr>
+              <a:t>);</a:t>
+            </a:r>
+            <a:br>
+              <a:rPr kumimoji="0" lang="ru-RU" altLang="ru-RU" sz="1100" b="0" i="0" u="none" strike="noStrike" cap="none" normalizeH="0" baseline="0" dirty="0">
+                <a:ln>
+                  <a:noFill/>
+                </a:ln>
+                <a:solidFill>
+                  <a:srgbClr val="B1B7BE"/>
+                </a:solidFill>
+                <a:effectLst/>
+                <a:latin typeface="Fira Code"/>
+              </a:rPr>
+            </a:br>
+            <a:r>
+              <a:rPr kumimoji="0" lang="ru-RU" altLang="ru-RU" sz="1100" b="0" i="0" u="none" strike="noStrike" cap="none" normalizeH="0" baseline="0" dirty="0">
+                <a:ln>
+                  <a:noFill/>
+                </a:ln>
+                <a:solidFill>
+                  <a:srgbClr val="B1B7BE"/>
+                </a:solidFill>
+                <a:effectLst/>
+                <a:latin typeface="Fira Code"/>
+              </a:rPr>
+              <a:t>            </a:t>
+            </a:r>
+            <a:r>
+              <a:rPr kumimoji="0" lang="ru-RU" altLang="ru-RU" sz="1100" b="0" i="0" u="none" strike="noStrike" cap="none" normalizeH="0" baseline="0" dirty="0" err="1">
+                <a:ln>
+                  <a:noFill/>
+                </a:ln>
+                <a:solidFill>
+                  <a:srgbClr val="B1B7BE"/>
+                </a:solidFill>
+                <a:effectLst/>
+                <a:latin typeface="Fira Code"/>
+              </a:rPr>
+              <a:t>list.</a:t>
+            </a:r>
+            <a:r>
+              <a:rPr kumimoji="0" lang="ru-RU" altLang="ru-RU" sz="1100" b="0" i="0" u="none" strike="noStrike" cap="none" normalizeH="0" baseline="0" dirty="0" err="1">
+                <a:ln>
+                  <a:noFill/>
+                </a:ln>
+                <a:solidFill>
+                  <a:srgbClr val="20B1D2"/>
+                </a:solidFill>
+                <a:effectLst/>
+                <a:latin typeface="Fira Code"/>
+              </a:rPr>
+              <a:t>Select</a:t>
+            </a:r>
+            <a:r>
+              <a:rPr kumimoji="0" lang="ru-RU" altLang="ru-RU" sz="1100" b="0" i="0" u="none" strike="noStrike" cap="none" normalizeH="0" baseline="0" dirty="0">
+                <a:ln>
+                  <a:noFill/>
+                </a:ln>
+                <a:solidFill>
+                  <a:srgbClr val="B1B7BE"/>
+                </a:solidFill>
+                <a:effectLst/>
+                <a:latin typeface="Fira Code"/>
+              </a:rPr>
+              <a:t>(</a:t>
+            </a:r>
+            <a:r>
+              <a:rPr kumimoji="0" lang="ru-RU" altLang="ru-RU" sz="1100" b="0" i="0" u="none" strike="noStrike" cap="none" normalizeH="0" baseline="0" dirty="0" err="1">
+                <a:ln>
+                  <a:noFill/>
+                </a:ln>
+                <a:solidFill>
+                  <a:srgbClr val="B1B7BE"/>
+                </a:solidFill>
+                <a:effectLst/>
+                <a:latin typeface="Fira Code"/>
+              </a:rPr>
+              <a:t>el</a:t>
+            </a:r>
+            <a:r>
+              <a:rPr kumimoji="0" lang="ru-RU" altLang="ru-RU" sz="1100" b="0" i="0" u="none" strike="noStrike" cap="none" normalizeH="0" baseline="0" dirty="0">
+                <a:ln>
+                  <a:noFill/>
+                </a:ln>
+                <a:solidFill>
+                  <a:srgbClr val="B1B7BE"/>
+                </a:solidFill>
+                <a:effectLst/>
+                <a:latin typeface="Fira Code"/>
+              </a:rPr>
+              <a:t> =&gt;</a:t>
+            </a:r>
+            <a:br>
+              <a:rPr kumimoji="0" lang="ru-RU" altLang="ru-RU" sz="1100" b="0" i="0" u="none" strike="noStrike" cap="none" normalizeH="0" baseline="0" dirty="0">
+                <a:ln>
+                  <a:noFill/>
+                </a:ln>
+                <a:solidFill>
+                  <a:srgbClr val="B1B7BE"/>
+                </a:solidFill>
+                <a:effectLst/>
+                <a:latin typeface="Fira Code"/>
+              </a:rPr>
+            </a:br>
+            <a:r>
+              <a:rPr kumimoji="0" lang="ru-RU" altLang="ru-RU" sz="1100" b="0" i="0" u="none" strike="noStrike" cap="none" normalizeH="0" baseline="0" dirty="0">
+                <a:ln>
+                  <a:noFill/>
+                </a:ln>
+                <a:solidFill>
+                  <a:srgbClr val="B1B7BE"/>
+                </a:solidFill>
+                <a:effectLst/>
+                <a:latin typeface="Fira Code"/>
+              </a:rPr>
+              <a:t>            {</a:t>
+            </a:r>
+            <a:br>
+              <a:rPr kumimoji="0" lang="ru-RU" altLang="ru-RU" sz="1100" b="0" i="0" u="none" strike="noStrike" cap="none" normalizeH="0" baseline="0" dirty="0">
+                <a:ln>
+                  <a:noFill/>
+                </a:ln>
+                <a:solidFill>
+                  <a:srgbClr val="B1B7BE"/>
+                </a:solidFill>
+                <a:effectLst/>
+                <a:latin typeface="Fira Code"/>
+              </a:rPr>
+            </a:br>
+            <a:r>
+              <a:rPr kumimoji="0" lang="ru-RU" altLang="ru-RU" sz="1100" b="0" i="0" u="none" strike="noStrike" cap="none" normalizeH="0" baseline="0" dirty="0">
+                <a:ln>
+                  <a:noFill/>
+                </a:ln>
+                <a:solidFill>
+                  <a:srgbClr val="B1B7BE"/>
+                </a:solidFill>
+                <a:effectLst/>
+                <a:latin typeface="Fira Code"/>
+              </a:rPr>
+              <a:t>                </a:t>
+            </a:r>
+            <a:r>
+              <a:rPr kumimoji="0" lang="ru-RU" altLang="ru-RU" sz="1100" b="0" i="0" u="none" strike="noStrike" cap="none" normalizeH="0" baseline="0" dirty="0" err="1">
+                <a:ln>
+                  <a:noFill/>
+                </a:ln>
+                <a:solidFill>
+                  <a:srgbClr val="20B1D2"/>
+                </a:solidFill>
+                <a:effectLst/>
+                <a:latin typeface="Fira Code"/>
+              </a:rPr>
+              <a:t>Console</a:t>
+            </a:r>
+            <a:r>
+              <a:rPr kumimoji="0" lang="ru-RU" altLang="ru-RU" sz="1100" b="0" i="0" u="none" strike="noStrike" cap="none" normalizeH="0" baseline="0" dirty="0" err="1">
+                <a:ln>
+                  <a:noFill/>
+                </a:ln>
+                <a:solidFill>
+                  <a:srgbClr val="B1B7BE"/>
+                </a:solidFill>
+                <a:effectLst/>
+                <a:latin typeface="Fira Code"/>
+              </a:rPr>
+              <a:t>.</a:t>
+            </a:r>
+            <a:r>
+              <a:rPr kumimoji="0" lang="ru-RU" altLang="ru-RU" sz="1100" b="0" i="0" u="none" strike="noStrike" cap="none" normalizeH="0" baseline="0" dirty="0" err="1">
+                <a:ln>
+                  <a:noFill/>
+                </a:ln>
+                <a:solidFill>
+                  <a:srgbClr val="20B1D2"/>
+                </a:solidFill>
+                <a:effectLst/>
+                <a:latin typeface="Fira Code"/>
+              </a:rPr>
+              <a:t>WriteLine</a:t>
+            </a:r>
+            <a:r>
+              <a:rPr kumimoji="0" lang="ru-RU" altLang="ru-RU" sz="1100" b="0" i="0" u="none" strike="noStrike" cap="none" normalizeH="0" baseline="0" dirty="0">
+                <a:ln>
+                  <a:noFill/>
+                </a:ln>
+                <a:solidFill>
+                  <a:srgbClr val="B1B7BE"/>
+                </a:solidFill>
+                <a:effectLst/>
+                <a:latin typeface="Fira Code"/>
+              </a:rPr>
+              <a:t>(</a:t>
+            </a:r>
+            <a:r>
+              <a:rPr kumimoji="0" lang="ru-RU" altLang="ru-RU" sz="1100" b="0" i="0" u="none" strike="noStrike" cap="none" normalizeH="0" baseline="0" dirty="0" err="1">
+                <a:ln>
+                  <a:noFill/>
+                </a:ln>
+                <a:solidFill>
+                  <a:srgbClr val="B1B7BE"/>
+                </a:solidFill>
+                <a:effectLst/>
+                <a:latin typeface="Fira Code"/>
+              </a:rPr>
+              <a:t>el</a:t>
+            </a:r>
+            <a:r>
+              <a:rPr kumimoji="0" lang="ru-RU" altLang="ru-RU" sz="1100" b="0" i="0" u="none" strike="noStrike" cap="none" normalizeH="0" baseline="0" dirty="0">
+                <a:ln>
+                  <a:noFill/>
+                </a:ln>
+                <a:solidFill>
+                  <a:srgbClr val="B1B7BE"/>
+                </a:solidFill>
+                <a:effectLst/>
+                <a:latin typeface="Fira Code"/>
+              </a:rPr>
+              <a:t>);</a:t>
+            </a:r>
+            <a:br>
+              <a:rPr kumimoji="0" lang="ru-RU" altLang="ru-RU" sz="1100" b="0" i="0" u="none" strike="noStrike" cap="none" normalizeH="0" baseline="0" dirty="0">
+                <a:ln>
+                  <a:noFill/>
+                </a:ln>
+                <a:solidFill>
+                  <a:srgbClr val="B1B7BE"/>
+                </a:solidFill>
+                <a:effectLst/>
+                <a:latin typeface="Fira Code"/>
+              </a:rPr>
+            </a:br>
+            <a:r>
+              <a:rPr kumimoji="0" lang="ru-RU" altLang="ru-RU" sz="1100" b="0" i="0" u="none" strike="noStrike" cap="none" normalizeH="0" baseline="0" dirty="0">
+                <a:ln>
+                  <a:noFill/>
+                </a:ln>
+                <a:solidFill>
+                  <a:srgbClr val="B1B7BE"/>
+                </a:solidFill>
+                <a:effectLst/>
+                <a:latin typeface="Fira Code"/>
+              </a:rPr>
+              <a:t>                </a:t>
+            </a:r>
+            <a:r>
+              <a:rPr kumimoji="0" lang="ru-RU" altLang="ru-RU" sz="1100" b="0" i="0" u="none" strike="noStrike" cap="none" normalizeH="0" baseline="0" dirty="0" err="1">
                 <a:ln>
                   <a:noFill/>
                 </a:ln>
@@ -5794,10 +6451,10 @@
                 <a:effectLst/>
                 <a:latin typeface="Fira Code"/>
               </a:rPr>
-              <a:t>static</a:t>
-            </a:r>
-            <a:r>
-              <a:rPr kumimoji="0" lang="ru-RU" altLang="ru-RU" sz="1100" b="0" i="0" u="none" strike="noStrike" cap="none" normalizeH="0" baseline="0" dirty="0" smtClean="0">
+              <a:t>return</a:t>
+            </a:r>
+            <a:r>
+              <a:rPr kumimoji="0" lang="ru-RU" altLang="ru-RU" sz="1100" b="0" i="0" u="none" strike="noStrike" cap="none" normalizeH="0" baseline="0" dirty="0">
                 <a:ln>
                   <a:noFill/>
                 </a:ln>
@@ -5810,7 +6467,391 @@
               <a:t> </a:t>
             </a:r>
             <a:r>
-              <a:rPr kumimoji="0" lang="ru-RU" altLang="ru-RU" sz="1100" b="0" i="0" u="none" strike="noStrike" cap="none" normalizeH="0" baseline="0" dirty="0" err="1" smtClean="0">
+              <a:rPr kumimoji="0" lang="ru-RU" altLang="ru-RU" sz="1100" b="0" i="0" u="none" strike="noStrike" cap="none" normalizeH="0" baseline="0" dirty="0" err="1">
+                <a:ln>
+                  <a:noFill/>
+                </a:ln>
+                <a:solidFill>
+                  <a:srgbClr val="B1B7BE"/>
+                </a:solidFill>
+                <a:effectLst/>
+                <a:latin typeface="Fira Code"/>
+              </a:rPr>
+              <a:t>el</a:t>
+            </a:r>
+            <a:r>
+              <a:rPr kumimoji="0" lang="ru-RU" altLang="ru-RU" sz="1100" b="0" i="0" u="none" strike="noStrike" cap="none" normalizeH="0" baseline="0" dirty="0">
+                <a:ln>
+                  <a:noFill/>
+                </a:ln>
+                <a:solidFill>
+                  <a:srgbClr val="B1B7BE"/>
+                </a:solidFill>
+                <a:effectLst/>
+                <a:latin typeface="Fira Code"/>
+              </a:rPr>
+              <a:t>;</a:t>
+            </a:r>
+            <a:br>
+              <a:rPr kumimoji="0" lang="ru-RU" altLang="ru-RU" sz="1100" b="0" i="0" u="none" strike="noStrike" cap="none" normalizeH="0" baseline="0" dirty="0">
+                <a:ln>
+                  <a:noFill/>
+                </a:ln>
+                <a:solidFill>
+                  <a:srgbClr val="B1B7BE"/>
+                </a:solidFill>
+                <a:effectLst/>
+                <a:latin typeface="Fira Code"/>
+              </a:rPr>
+            </a:br>
+            <a:r>
+              <a:rPr kumimoji="0" lang="ru-RU" altLang="ru-RU" sz="1100" b="0" i="0" u="none" strike="noStrike" cap="none" normalizeH="0" baseline="0" dirty="0">
+                <a:ln>
+                  <a:noFill/>
+                </a:ln>
+                <a:solidFill>
+                  <a:srgbClr val="B1B7BE"/>
+                </a:solidFill>
+                <a:effectLst/>
+                <a:latin typeface="Fira Code"/>
+              </a:rPr>
+              <a:t>            }).</a:t>
+            </a:r>
+            <a:r>
+              <a:rPr kumimoji="0" lang="ru-RU" altLang="ru-RU" sz="1100" b="0" i="0" u="none" strike="noStrike" cap="none" normalizeH="0" baseline="0" dirty="0" err="1">
+                <a:ln>
+                  <a:noFill/>
+                </a:ln>
+                <a:solidFill>
+                  <a:srgbClr val="20B1D2"/>
+                </a:solidFill>
+                <a:effectLst/>
+                <a:latin typeface="Fira Code"/>
+              </a:rPr>
+              <a:t>ToArray</a:t>
+            </a:r>
+            <a:r>
+              <a:rPr kumimoji="0" lang="ru-RU" altLang="ru-RU" sz="1100" b="0" i="0" u="none" strike="noStrike" cap="none" normalizeH="0" baseline="0" dirty="0">
+                <a:ln>
+                  <a:noFill/>
+                </a:ln>
+                <a:solidFill>
+                  <a:srgbClr val="B1B7BE"/>
+                </a:solidFill>
+                <a:effectLst/>
+                <a:latin typeface="Fira Code"/>
+              </a:rPr>
+              <a:t>();</a:t>
+            </a:r>
+            <a:br>
+              <a:rPr kumimoji="0" lang="ru-RU" altLang="ru-RU" sz="1100" b="0" i="0" u="none" strike="noStrike" cap="none" normalizeH="0" baseline="0" dirty="0">
+                <a:ln>
+                  <a:noFill/>
+                </a:ln>
+                <a:solidFill>
+                  <a:srgbClr val="B1B7BE"/>
+                </a:solidFill>
+                <a:effectLst/>
+                <a:latin typeface="Fira Code"/>
+              </a:rPr>
+            </a:br>
+            <a:r>
+              <a:rPr kumimoji="0" lang="ru-RU" altLang="ru-RU" sz="1100" b="0" i="0" u="none" strike="noStrike" cap="none" normalizeH="0" baseline="0" dirty="0">
+                <a:ln>
+                  <a:noFill/>
+                </a:ln>
+                <a:solidFill>
+                  <a:srgbClr val="B1B7BE"/>
+                </a:solidFill>
+                <a:effectLst/>
+                <a:latin typeface="Fira Code"/>
+              </a:rPr>
+              <a:t>            </a:t>
+            </a:r>
+            <a:r>
+              <a:rPr kumimoji="0" lang="ru-RU" altLang="ru-RU" sz="1100" b="0" i="0" u="none" strike="noStrike" cap="none" normalizeH="0" baseline="0" dirty="0" err="1">
+                <a:ln>
+                  <a:noFill/>
+                </a:ln>
+                <a:solidFill>
+                  <a:srgbClr val="B1B7BE"/>
+                </a:solidFill>
+                <a:effectLst/>
+                <a:latin typeface="Fira Code"/>
+              </a:rPr>
+              <a:t>list.</a:t>
+            </a:r>
+            <a:r>
+              <a:rPr kumimoji="0" lang="ru-RU" altLang="ru-RU" sz="1100" b="0" i="0" u="none" strike="noStrike" cap="none" normalizeH="0" baseline="0" dirty="0" err="1">
+                <a:ln>
+                  <a:noFill/>
+                </a:ln>
+                <a:solidFill>
+                  <a:srgbClr val="20B1D2"/>
+                </a:solidFill>
+                <a:effectLst/>
+                <a:latin typeface="Fira Code"/>
+              </a:rPr>
+              <a:t>Sort</a:t>
+            </a:r>
+            <a:r>
+              <a:rPr kumimoji="0" lang="ru-RU" altLang="ru-RU" sz="1100" b="0" i="0" u="none" strike="noStrike" cap="none" normalizeH="0" baseline="0" dirty="0">
+                <a:ln>
+                  <a:noFill/>
+                </a:ln>
+                <a:solidFill>
+                  <a:srgbClr val="B1B7BE"/>
+                </a:solidFill>
+                <a:effectLst/>
+                <a:latin typeface="Fira Code"/>
+              </a:rPr>
+              <a:t>();</a:t>
+            </a:r>
+            <a:br>
+              <a:rPr kumimoji="0" lang="ru-RU" altLang="ru-RU" sz="1100" b="0" i="0" u="none" strike="noStrike" cap="none" normalizeH="0" baseline="0" dirty="0">
+                <a:ln>
+                  <a:noFill/>
+                </a:ln>
+                <a:solidFill>
+                  <a:srgbClr val="B1B7BE"/>
+                </a:solidFill>
+                <a:effectLst/>
+                <a:latin typeface="Fira Code"/>
+              </a:rPr>
+            </a:br>
+            <a:r>
+              <a:rPr kumimoji="0" lang="ru-RU" altLang="ru-RU" sz="1100" b="0" i="0" u="none" strike="noStrike" cap="none" normalizeH="0" baseline="0" dirty="0">
+                <a:ln>
+                  <a:noFill/>
+                </a:ln>
+                <a:solidFill>
+                  <a:srgbClr val="B1B7BE"/>
+                </a:solidFill>
+                <a:effectLst/>
+                <a:latin typeface="Fira Code"/>
+              </a:rPr>
+              <a:t>            </a:t>
+            </a:r>
+            <a:r>
+              <a:rPr kumimoji="0" lang="ru-RU" altLang="ru-RU" sz="1100" b="0" i="0" u="none" strike="noStrike" cap="none" normalizeH="0" baseline="0" dirty="0" err="1">
+                <a:ln>
+                  <a:noFill/>
+                </a:ln>
+                <a:solidFill>
+                  <a:srgbClr val="B1B7BE"/>
+                </a:solidFill>
+                <a:effectLst/>
+                <a:latin typeface="Fira Code"/>
+              </a:rPr>
+              <a:t>list.</a:t>
+            </a:r>
+            <a:r>
+              <a:rPr kumimoji="0" lang="ru-RU" altLang="ru-RU" sz="1100" b="0" i="0" u="none" strike="noStrike" cap="none" normalizeH="0" baseline="0" dirty="0" err="1">
+                <a:ln>
+                  <a:noFill/>
+                </a:ln>
+                <a:solidFill>
+                  <a:srgbClr val="20B1D2"/>
+                </a:solidFill>
+                <a:effectLst/>
+                <a:latin typeface="Fira Code"/>
+              </a:rPr>
+              <a:t>Select</a:t>
+            </a:r>
+            <a:r>
+              <a:rPr kumimoji="0" lang="ru-RU" altLang="ru-RU" sz="1100" b="0" i="0" u="none" strike="noStrike" cap="none" normalizeH="0" baseline="0" dirty="0">
+                <a:ln>
+                  <a:noFill/>
+                </a:ln>
+                <a:solidFill>
+                  <a:srgbClr val="B1B7BE"/>
+                </a:solidFill>
+                <a:effectLst/>
+                <a:latin typeface="Fira Code"/>
+              </a:rPr>
+              <a:t>(</a:t>
+            </a:r>
+            <a:r>
+              <a:rPr kumimoji="0" lang="ru-RU" altLang="ru-RU" sz="1100" b="0" i="0" u="none" strike="noStrike" cap="none" normalizeH="0" baseline="0" dirty="0" err="1">
+                <a:ln>
+                  <a:noFill/>
+                </a:ln>
+                <a:solidFill>
+                  <a:srgbClr val="B1B7BE"/>
+                </a:solidFill>
+                <a:effectLst/>
+                <a:latin typeface="Fira Code"/>
+              </a:rPr>
+              <a:t>el</a:t>
+            </a:r>
+            <a:r>
+              <a:rPr kumimoji="0" lang="ru-RU" altLang="ru-RU" sz="1100" b="0" i="0" u="none" strike="noStrike" cap="none" normalizeH="0" baseline="0" dirty="0">
+                <a:ln>
+                  <a:noFill/>
+                </a:ln>
+                <a:solidFill>
+                  <a:srgbClr val="B1B7BE"/>
+                </a:solidFill>
+                <a:effectLst/>
+                <a:latin typeface="Fira Code"/>
+              </a:rPr>
+              <a:t> =&gt;</a:t>
+            </a:r>
+            <a:br>
+              <a:rPr kumimoji="0" lang="ru-RU" altLang="ru-RU" sz="1100" b="0" i="0" u="none" strike="noStrike" cap="none" normalizeH="0" baseline="0" dirty="0">
+                <a:ln>
+                  <a:noFill/>
+                </a:ln>
+                <a:solidFill>
+                  <a:srgbClr val="B1B7BE"/>
+                </a:solidFill>
+                <a:effectLst/>
+                <a:latin typeface="Fira Code"/>
+              </a:rPr>
+            </a:br>
+            <a:r>
+              <a:rPr kumimoji="0" lang="ru-RU" altLang="ru-RU" sz="1100" b="0" i="0" u="none" strike="noStrike" cap="none" normalizeH="0" baseline="0" dirty="0">
+                <a:ln>
+                  <a:noFill/>
+                </a:ln>
+                <a:solidFill>
+                  <a:srgbClr val="B1B7BE"/>
+                </a:solidFill>
+                <a:effectLst/>
+                <a:latin typeface="Fira Code"/>
+              </a:rPr>
+              <a:t>            {</a:t>
+            </a:r>
+            <a:br>
+              <a:rPr kumimoji="0" lang="ru-RU" altLang="ru-RU" sz="1100" b="0" i="0" u="none" strike="noStrike" cap="none" normalizeH="0" baseline="0" dirty="0">
+                <a:ln>
+                  <a:noFill/>
+                </a:ln>
+                <a:solidFill>
+                  <a:srgbClr val="B1B7BE"/>
+                </a:solidFill>
+                <a:effectLst/>
+                <a:latin typeface="Fira Code"/>
+              </a:rPr>
+            </a:br>
+            <a:r>
+              <a:rPr kumimoji="0" lang="ru-RU" altLang="ru-RU" sz="1100" b="0" i="0" u="none" strike="noStrike" cap="none" normalizeH="0" baseline="0" dirty="0">
+                <a:ln>
+                  <a:noFill/>
+                </a:ln>
+                <a:solidFill>
+                  <a:srgbClr val="B1B7BE"/>
+                </a:solidFill>
+                <a:effectLst/>
+                <a:latin typeface="Fira Code"/>
+              </a:rPr>
+              <a:t>                </a:t>
+            </a:r>
+            <a:r>
+              <a:rPr kumimoji="0" lang="ru-RU" altLang="ru-RU" sz="1100" b="0" i="0" u="none" strike="noStrike" cap="none" normalizeH="0" baseline="0" dirty="0" err="1">
+                <a:ln>
+                  <a:noFill/>
+                </a:ln>
+                <a:solidFill>
+                  <a:srgbClr val="20B1D2"/>
+                </a:solidFill>
+                <a:effectLst/>
+                <a:latin typeface="Fira Code"/>
+              </a:rPr>
+              <a:t>Console</a:t>
+            </a:r>
+            <a:r>
+              <a:rPr kumimoji="0" lang="ru-RU" altLang="ru-RU" sz="1100" b="0" i="0" u="none" strike="noStrike" cap="none" normalizeH="0" baseline="0" dirty="0" err="1">
+                <a:ln>
+                  <a:noFill/>
+                </a:ln>
+                <a:solidFill>
+                  <a:srgbClr val="B1B7BE"/>
+                </a:solidFill>
+                <a:effectLst/>
+                <a:latin typeface="Fira Code"/>
+              </a:rPr>
+              <a:t>.</a:t>
+            </a:r>
+            <a:r>
+              <a:rPr kumimoji="0" lang="ru-RU" altLang="ru-RU" sz="1100" b="0" i="0" u="none" strike="noStrike" cap="none" normalizeH="0" baseline="0" dirty="0" err="1">
+                <a:ln>
+                  <a:noFill/>
+                </a:ln>
+                <a:solidFill>
+                  <a:srgbClr val="20B1D2"/>
+                </a:solidFill>
+                <a:effectLst/>
+                <a:latin typeface="Fira Code"/>
+              </a:rPr>
+              <a:t>WriteLine</a:t>
+            </a:r>
+            <a:r>
+              <a:rPr kumimoji="0" lang="ru-RU" altLang="ru-RU" sz="1100" b="0" i="0" u="none" strike="noStrike" cap="none" normalizeH="0" baseline="0" dirty="0">
+                <a:ln>
+                  <a:noFill/>
+                </a:ln>
+                <a:solidFill>
+                  <a:srgbClr val="B1B7BE"/>
+                </a:solidFill>
+                <a:effectLst/>
+                <a:latin typeface="Fira Code"/>
+              </a:rPr>
+              <a:t>(</a:t>
+            </a:r>
+            <a:r>
+              <a:rPr kumimoji="0" lang="ru-RU" altLang="ru-RU" sz="1100" b="0" i="0" u="none" strike="noStrike" cap="none" normalizeH="0" baseline="0" dirty="0" err="1">
+                <a:ln>
+                  <a:noFill/>
+                </a:ln>
+                <a:solidFill>
+                  <a:srgbClr val="B1B7BE"/>
+                </a:solidFill>
+                <a:effectLst/>
+                <a:latin typeface="Fira Code"/>
+              </a:rPr>
+              <a:t>el</a:t>
+            </a:r>
+            <a:r>
+              <a:rPr kumimoji="0" lang="ru-RU" altLang="ru-RU" sz="1100" b="0" i="0" u="none" strike="noStrike" cap="none" normalizeH="0" baseline="0" dirty="0">
+                <a:ln>
+                  <a:noFill/>
+                </a:ln>
+                <a:solidFill>
+                  <a:srgbClr val="B1B7BE"/>
+                </a:solidFill>
+                <a:effectLst/>
+                <a:latin typeface="Fira Code"/>
+              </a:rPr>
+              <a:t>);</a:t>
+            </a:r>
+            <a:br>
+              <a:rPr kumimoji="0" lang="ru-RU" altLang="ru-RU" sz="1100" b="0" i="0" u="none" strike="noStrike" cap="none" normalizeH="0" baseline="0" dirty="0">
+                <a:ln>
+                  <a:noFill/>
+                </a:ln>
+                <a:solidFill>
+                  <a:srgbClr val="B1B7BE"/>
+                </a:solidFill>
+                <a:effectLst/>
+                <a:latin typeface="Fira Code"/>
+              </a:rPr>
+            </a:br>
+            <a:r>
+              <a:rPr kumimoji="0" lang="ru-RU" altLang="ru-RU" sz="1100" b="0" i="0" u="none" strike="noStrike" cap="none" normalizeH="0" baseline="0" dirty="0">
+                <a:ln>
+                  <a:noFill/>
+                </a:ln>
+                <a:solidFill>
+                  <a:srgbClr val="B1B7BE"/>
+                </a:solidFill>
+                <a:effectLst/>
+                <a:latin typeface="Fira Code"/>
+              </a:rPr>
+              <a:t>                </a:t>
+            </a:r>
+            <a:r>
+              <a:rPr kumimoji="0" lang="ru-RU" altLang="ru-RU" sz="1100" b="0" i="0" u="none" strike="noStrike" cap="none" normalizeH="0" baseline="0" dirty="0" err="1">
                 <a:ln>
                   <a:noFill/>
                 </a:ln>
@@ -5820,10 +6861,10 @@
                 <a:effectLst/>
                 <a:latin typeface="Fira Code"/>
               </a:rPr>
-              <a:t>void</a:t>
-            </a:r>
-            <a:r>
-              <a:rPr kumimoji="0" lang="ru-RU" altLang="ru-RU" sz="1100" b="0" i="0" u="none" strike="noStrike" cap="none" normalizeH="0" baseline="0" dirty="0" smtClean="0">
+              <a:t>return</a:t>
+            </a:r>
+            <a:r>
+              <a:rPr kumimoji="0" lang="ru-RU" altLang="ru-RU" sz="1100" b="0" i="0" u="none" strike="noStrike" cap="none" normalizeH="0" baseline="0" dirty="0">
                 <a:ln>
                   <a:noFill/>
                 </a:ln>
@@ -5836,7 +6877,58 @@
               <a:t> </a:t>
             </a:r>
             <a:r>
-              <a:rPr kumimoji="0" lang="ru-RU" altLang="ru-RU" sz="1100" b="0" i="0" u="none" strike="noStrike" cap="none" normalizeH="0" baseline="0" dirty="0" err="1" smtClean="0">
+              <a:rPr kumimoji="0" lang="ru-RU" altLang="ru-RU" sz="1100" b="0" i="0" u="none" strike="noStrike" cap="none" normalizeH="0" baseline="0" dirty="0" err="1">
+                <a:ln>
+                  <a:noFill/>
+                </a:ln>
+                <a:solidFill>
+                  <a:srgbClr val="B1B7BE"/>
+                </a:solidFill>
+                <a:effectLst/>
+                <a:latin typeface="Fira Code"/>
+              </a:rPr>
+              <a:t>el</a:t>
+            </a:r>
+            <a:r>
+              <a:rPr kumimoji="0" lang="ru-RU" altLang="ru-RU" sz="1100" b="0" i="0" u="none" strike="noStrike" cap="none" normalizeH="0" baseline="0" dirty="0">
+                <a:ln>
+                  <a:noFill/>
+                </a:ln>
+                <a:solidFill>
+                  <a:srgbClr val="B1B7BE"/>
+                </a:solidFill>
+                <a:effectLst/>
+                <a:latin typeface="Fira Code"/>
+              </a:rPr>
+              <a:t>;</a:t>
+            </a:r>
+            <a:br>
+              <a:rPr kumimoji="0" lang="ru-RU" altLang="ru-RU" sz="1100" b="0" i="0" u="none" strike="noStrike" cap="none" normalizeH="0" baseline="0" dirty="0">
+                <a:ln>
+                  <a:noFill/>
+                </a:ln>
+                <a:solidFill>
+                  <a:srgbClr val="B1B7BE"/>
+                </a:solidFill>
+                <a:effectLst/>
+                <a:latin typeface="Fira Code"/>
+              </a:rPr>
+            </a:br>
+            <a:r>
+              <a:rPr kumimoji="0" lang="ru-RU" altLang="ru-RU" sz="1100" b="0" i="0" u="none" strike="noStrike" cap="none" normalizeH="0" baseline="0" dirty="0">
+                <a:ln>
+                  <a:noFill/>
+                </a:ln>
+                <a:solidFill>
+                  <a:srgbClr val="B1B7BE"/>
+                </a:solidFill>
+                <a:effectLst/>
+                <a:latin typeface="Fira Code"/>
+              </a:rPr>
+              <a:t>            }).</a:t>
+            </a:r>
+            <a:r>
+              <a:rPr kumimoji="0" lang="ru-RU" altLang="ru-RU" sz="1100" b="0" i="0" u="none" strike="noStrike" cap="none" normalizeH="0" baseline="0" dirty="0" err="1">
                 <a:ln>
                   <a:noFill/>
                 </a:ln>
@@ -5846,10 +6938,87 @@
                 <a:effectLst/>
                 <a:latin typeface="Fira Code"/>
               </a:rPr>
-              <a:t>Main</a:t>
-            </a:r>
-            <a:r>
-              <a:rPr kumimoji="0" lang="ru-RU" altLang="ru-RU" sz="1100" b="0" i="0" u="none" strike="noStrike" cap="none" normalizeH="0" baseline="0" dirty="0" smtClean="0">
+              <a:t>ToArray</a:t>
+            </a:r>
+            <a:r>
+              <a:rPr kumimoji="0" lang="ru-RU" altLang="ru-RU" sz="1100" b="0" i="0" u="none" strike="noStrike" cap="none" normalizeH="0" baseline="0" dirty="0">
+                <a:ln>
+                  <a:noFill/>
+                </a:ln>
+                <a:solidFill>
+                  <a:srgbClr val="B1B7BE"/>
+                </a:solidFill>
+                <a:effectLst/>
+                <a:latin typeface="Fira Code"/>
+              </a:rPr>
+              <a:t>();</a:t>
+            </a:r>
+            <a:br>
+              <a:rPr kumimoji="0" lang="ru-RU" altLang="ru-RU" sz="1100" b="0" i="0" u="none" strike="noStrike" cap="none" normalizeH="0" baseline="0" dirty="0">
+                <a:ln>
+                  <a:noFill/>
+                </a:ln>
+                <a:solidFill>
+                  <a:srgbClr val="B1B7BE"/>
+                </a:solidFill>
+                <a:effectLst/>
+                <a:latin typeface="Fira Code"/>
+              </a:rPr>
+            </a:br>
+            <a:r>
+              <a:rPr kumimoji="0" lang="ru-RU" altLang="ru-RU" sz="1100" b="0" i="0" u="none" strike="noStrike" cap="none" normalizeH="0" baseline="0" dirty="0">
+                <a:ln>
+                  <a:noFill/>
+                </a:ln>
+                <a:solidFill>
+                  <a:srgbClr val="B1B7BE"/>
+                </a:solidFill>
+                <a:effectLst/>
+                <a:latin typeface="Fira Code"/>
+              </a:rPr>
+              <a:t>            </a:t>
+            </a:r>
+            <a:r>
+              <a:rPr kumimoji="0" lang="ru-RU" altLang="ru-RU" sz="1100" b="0" i="0" u="none" strike="noStrike" cap="none" normalizeH="0" baseline="0" dirty="0" err="1">
+                <a:ln>
+                  <a:noFill/>
+                </a:ln>
+                <a:solidFill>
+                  <a:srgbClr val="20B1D2"/>
+                </a:solidFill>
+                <a:effectLst/>
+                <a:latin typeface="Fira Code"/>
+              </a:rPr>
+              <a:t>Console</a:t>
+            </a:r>
+            <a:r>
+              <a:rPr kumimoji="0" lang="ru-RU" altLang="ru-RU" sz="1100" b="0" i="0" u="none" strike="noStrike" cap="none" normalizeH="0" baseline="0" dirty="0" err="1">
+                <a:ln>
+                  <a:noFill/>
+                </a:ln>
+                <a:solidFill>
+                  <a:srgbClr val="B1B7BE"/>
+                </a:solidFill>
+                <a:effectLst/>
+                <a:latin typeface="Fira Code"/>
+              </a:rPr>
+              <a:t>.</a:t>
+            </a:r>
+            <a:r>
+              <a:rPr kumimoji="0" lang="ru-RU" altLang="ru-RU" sz="1100" b="0" i="0" u="none" strike="noStrike" cap="none" normalizeH="0" baseline="0" dirty="0" err="1">
+                <a:ln>
+                  <a:noFill/>
+                </a:ln>
+                <a:solidFill>
+                  <a:srgbClr val="20B1D2"/>
+                </a:solidFill>
+                <a:effectLst/>
+                <a:latin typeface="Fira Code"/>
+              </a:rPr>
+              <a:t>WriteLine</a:t>
+            </a:r>
+            <a:r>
+              <a:rPr kumimoji="0" lang="ru-RU" altLang="ru-RU" sz="1100" b="0" i="0" u="none" strike="noStrike" cap="none" normalizeH="0" baseline="0" dirty="0">
                 <a:ln>
                   <a:noFill/>
                 </a:ln>
@@ -5862,59 +7031,72 @@
               <a:t>(</a:t>
             </a:r>
             <a:r>
-              <a:rPr kumimoji="0" lang="ru-RU" altLang="ru-RU" sz="1100" b="0" i="0" u="none" strike="noStrike" cap="none" normalizeH="0" baseline="0" dirty="0" err="1" smtClean="0">
-                <a:ln>
-                  <a:noFill/>
-                </a:ln>
-                <a:solidFill>
-                  <a:srgbClr val="9586CF"/>
-                </a:solidFill>
-                <a:effectLst/>
-                <a:latin typeface="Fira Code"/>
-              </a:rPr>
-              <a:t>string</a:t>
-            </a:r>
-            <a:r>
-              <a:rPr kumimoji="0" lang="ru-RU" altLang="ru-RU" sz="1100" b="0" i="0" u="none" strike="noStrike" cap="none" normalizeH="0" baseline="0" dirty="0" smtClean="0">
-                <a:ln>
-                  <a:noFill/>
-                </a:ln>
-                <a:solidFill>
-                  <a:srgbClr val="B1B7BE"/>
-                </a:solidFill>
-                <a:effectLst/>
-                <a:latin typeface="Fira Code"/>
-              </a:rPr>
-              <a:t>[] </a:t>
-            </a:r>
-            <a:r>
-              <a:rPr kumimoji="0" lang="ru-RU" altLang="ru-RU" sz="1100" b="0" i="0" u="none" strike="noStrike" cap="none" normalizeH="0" baseline="0" dirty="0" err="1" smtClean="0">
-                <a:ln>
-                  <a:noFill/>
-                </a:ln>
-                <a:solidFill>
-                  <a:srgbClr val="6A7175"/>
-                </a:solidFill>
-                <a:effectLst/>
-                <a:latin typeface="Fira Code"/>
-              </a:rPr>
-              <a:t>args</a:t>
-            </a:r>
-            <a:r>
-              <a:rPr kumimoji="0" lang="ru-RU" altLang="ru-RU" sz="1100" b="0" i="0" u="none" strike="noStrike" cap="none" normalizeH="0" baseline="0" dirty="0" smtClean="0">
-                <a:ln>
-                  <a:noFill/>
-                </a:ln>
-                <a:solidFill>
-                  <a:srgbClr val="B1B7BE"/>
-                </a:solidFill>
-                <a:effectLst/>
-                <a:latin typeface="Fira Code"/>
-              </a:rPr>
-              <a:t>)</a:t>
+              <a:rPr kumimoji="0" lang="ru-RU" altLang="ru-RU" sz="1100" b="0" i="0" u="none" strike="noStrike" cap="none" normalizeH="0" baseline="0" dirty="0" err="1">
+                <a:ln>
+                  <a:noFill/>
+                </a:ln>
+                <a:solidFill>
+                  <a:srgbClr val="B1B7BE"/>
+                </a:solidFill>
+                <a:effectLst/>
+                <a:latin typeface="Fira Code"/>
+              </a:rPr>
+              <a:t>list.</a:t>
+            </a:r>
+            <a:r>
+              <a:rPr kumimoji="0" lang="ru-RU" altLang="ru-RU" sz="1100" b="0" i="0" u="none" strike="noStrike" cap="none" normalizeH="0" baseline="0" dirty="0" err="1">
+                <a:ln>
+                  <a:noFill/>
+                </a:ln>
+                <a:solidFill>
+                  <a:srgbClr val="20B1D2"/>
+                </a:solidFill>
+                <a:effectLst/>
+                <a:latin typeface="Fira Code"/>
+              </a:rPr>
+              <a:t>IndexOf</a:t>
+            </a:r>
+            <a:r>
+              <a:rPr kumimoji="0" lang="ru-RU" altLang="ru-RU" sz="1100" b="0" i="0" u="none" strike="noStrike" cap="none" normalizeH="0" baseline="0" dirty="0">
+                <a:ln>
+                  <a:noFill/>
+                </a:ln>
+                <a:solidFill>
+                  <a:srgbClr val="B1B7BE"/>
+                </a:solidFill>
+                <a:effectLst/>
+                <a:latin typeface="Fira Code"/>
+              </a:rPr>
+              <a:t>(</a:t>
+            </a:r>
+            <a:r>
+              <a:rPr kumimoji="0" lang="ru-RU" altLang="ru-RU" sz="1100" b="0" i="0" u="none" strike="noStrike" cap="none" normalizeH="0" baseline="0" dirty="0">
+                <a:ln>
+                  <a:noFill/>
+                </a:ln>
+                <a:solidFill>
+                  <a:srgbClr val="DEA6B6"/>
+                </a:solidFill>
+                <a:effectLst/>
+                <a:latin typeface="Fira Code"/>
+              </a:rPr>
+              <a:t>1</a:t>
+            </a:r>
+            <a:r>
+              <a:rPr kumimoji="0" lang="ru-RU" altLang="ru-RU" sz="1100" b="0" i="0" u="none" strike="noStrike" cap="none" normalizeH="0" baseline="0" dirty="0">
+                <a:ln>
+                  <a:noFill/>
+                </a:ln>
+                <a:solidFill>
+                  <a:srgbClr val="B1B7BE"/>
+                </a:solidFill>
+                <a:effectLst/>
+                <a:latin typeface="Fira Code"/>
+              </a:rPr>
+              <a:t>));</a:t>
             </a:r>
             <a:br>
-              <a:rPr kumimoji="0" lang="ru-RU" altLang="ru-RU" sz="1100" b="0" i="0" u="none" strike="noStrike" cap="none" normalizeH="0" baseline="0" dirty="0" smtClean="0">
+              <a:rPr kumimoji="0" lang="ru-RU" altLang="ru-RU" sz="1100" b="0" i="0" u="none" strike="noStrike" cap="none" normalizeH="0" baseline="0" dirty="0">
                 <a:ln>
                   <a:noFill/>
                 </a:ln>
@@ -5926,20 +7108,20 @@
               </a:rPr>
             </a:br>
             <a:r>
-              <a:rPr kumimoji="0" lang="ru-RU" altLang="ru-RU" sz="1100" b="0" i="0" u="none" strike="noStrike" cap="none" normalizeH="0" baseline="0" dirty="0" smtClean="0">
-                <a:ln>
-                  <a:noFill/>
-                </a:ln>
-                <a:solidFill>
-                  <a:srgbClr val="B1B7BE"/>
-                </a:solidFill>
-                <a:effectLst/>
-                <a:latin typeface="Fira Code"/>
-              </a:rPr>
-              <a:t>        {</a:t>
+              <a:rPr kumimoji="0" lang="ru-RU" altLang="ru-RU" sz="1100" b="0" i="0" u="none" strike="noStrike" cap="none" normalizeH="0" baseline="0" dirty="0">
+                <a:ln>
+                  <a:noFill/>
+                </a:ln>
+                <a:solidFill>
+                  <a:srgbClr val="B1B7BE"/>
+                </a:solidFill>
+                <a:effectLst/>
+                <a:latin typeface="Fira Code"/>
+              </a:rPr>
+              <a:t>        }</a:t>
             </a:r>
             <a:br>
-              <a:rPr kumimoji="0" lang="ru-RU" altLang="ru-RU" sz="1100" b="0" i="0" u="none" strike="noStrike" cap="none" normalizeH="0" baseline="0" dirty="0" smtClean="0">
+              <a:rPr kumimoji="0" lang="ru-RU" altLang="ru-RU" sz="1100" b="0" i="0" u="none" strike="noStrike" cap="none" normalizeH="0" baseline="0" dirty="0">
                 <a:ln>
                   <a:noFill/>
                 </a:ln>
@@ -5951,176 +7133,20 @@
               </a:rPr>
             </a:br>
             <a:r>
-              <a:rPr kumimoji="0" lang="ru-RU" altLang="ru-RU" sz="1100" b="0" i="0" u="none" strike="noStrike" cap="none" normalizeH="0" baseline="0" dirty="0" smtClean="0">
-                <a:ln>
-                  <a:noFill/>
-                </a:ln>
-                <a:solidFill>
-                  <a:srgbClr val="B1B7BE"/>
-                </a:solidFill>
-                <a:effectLst/>
-                <a:latin typeface="Fira Code"/>
-              </a:rPr>
-              <a:t>            </a:t>
-            </a:r>
-            <a:r>
-              <a:rPr kumimoji="0" lang="ru-RU" altLang="ru-RU" sz="1100" b="0" i="0" u="none" strike="noStrike" cap="none" normalizeH="0" baseline="0" dirty="0" err="1" smtClean="0">
-                <a:ln>
-                  <a:noFill/>
-                </a:ln>
-                <a:solidFill>
-                  <a:srgbClr val="20B1D2"/>
-                </a:solidFill>
-                <a:effectLst/>
-                <a:latin typeface="Fira Code"/>
-              </a:rPr>
-              <a:t>List</a:t>
-            </a:r>
-            <a:r>
-              <a:rPr kumimoji="0" lang="ru-RU" altLang="ru-RU" sz="1100" b="0" i="0" u="none" strike="noStrike" cap="none" normalizeH="0" baseline="0" dirty="0" smtClean="0">
-                <a:ln>
-                  <a:noFill/>
-                </a:ln>
-                <a:solidFill>
-                  <a:srgbClr val="B1B7BE"/>
-                </a:solidFill>
-                <a:effectLst/>
-                <a:latin typeface="Fira Code"/>
-              </a:rPr>
-              <a:t>&lt;</a:t>
-            </a:r>
-            <a:r>
-              <a:rPr kumimoji="0" lang="ru-RU" altLang="ru-RU" sz="1100" b="0" i="0" u="none" strike="noStrike" cap="none" normalizeH="0" baseline="0" dirty="0" err="1" smtClean="0">
-                <a:ln>
-                  <a:noFill/>
-                </a:ln>
-                <a:solidFill>
-                  <a:srgbClr val="9586CF"/>
-                </a:solidFill>
-                <a:effectLst/>
-                <a:latin typeface="Fira Code"/>
-              </a:rPr>
-              <a:t>int</a:t>
-            </a:r>
-            <a:r>
-              <a:rPr kumimoji="0" lang="ru-RU" altLang="ru-RU" sz="1100" b="0" i="0" u="none" strike="noStrike" cap="none" normalizeH="0" baseline="0" dirty="0" smtClean="0">
-                <a:ln>
-                  <a:noFill/>
-                </a:ln>
-                <a:solidFill>
-                  <a:srgbClr val="B1B7BE"/>
-                </a:solidFill>
-                <a:effectLst/>
-                <a:latin typeface="Fira Code"/>
-              </a:rPr>
-              <a:t>&gt; </a:t>
-            </a:r>
-            <a:r>
-              <a:rPr kumimoji="0" lang="ru-RU" altLang="ru-RU" sz="1100" b="0" i="0" u="none" strike="noStrike" cap="none" normalizeH="0" baseline="0" dirty="0" err="1" smtClean="0">
-                <a:ln>
-                  <a:noFill/>
-                </a:ln>
-                <a:solidFill>
-                  <a:srgbClr val="B1B7BE"/>
-                </a:solidFill>
-                <a:effectLst/>
-                <a:latin typeface="Fira Code"/>
-              </a:rPr>
-              <a:t>list</a:t>
-            </a:r>
-            <a:r>
-              <a:rPr kumimoji="0" lang="ru-RU" altLang="ru-RU" sz="1100" b="0" i="0" u="none" strike="noStrike" cap="none" normalizeH="0" baseline="0" dirty="0" smtClean="0">
-                <a:ln>
-                  <a:noFill/>
-                </a:ln>
-                <a:solidFill>
-                  <a:srgbClr val="B1B7BE"/>
-                </a:solidFill>
-                <a:effectLst/>
-                <a:latin typeface="Fira Code"/>
-              </a:rPr>
-              <a:t> = </a:t>
-            </a:r>
-            <a:r>
-              <a:rPr kumimoji="0" lang="ru-RU" altLang="ru-RU" sz="1100" b="0" i="0" u="none" strike="noStrike" cap="none" normalizeH="0" baseline="0" dirty="0" err="1" smtClean="0">
-                <a:ln>
-                  <a:noFill/>
-                </a:ln>
-                <a:solidFill>
-                  <a:srgbClr val="9586CF"/>
-                </a:solidFill>
-                <a:effectLst/>
-                <a:latin typeface="Fira Code"/>
-              </a:rPr>
-              <a:t>new</a:t>
-            </a:r>
-            <a:r>
-              <a:rPr kumimoji="0" lang="ru-RU" altLang="ru-RU" sz="1100" b="0" i="0" u="none" strike="noStrike" cap="none" normalizeH="0" baseline="0" dirty="0" smtClean="0">
-                <a:ln>
-                  <a:noFill/>
-                </a:ln>
-                <a:solidFill>
-                  <a:srgbClr val="9586CF"/>
-                </a:solidFill>
-                <a:effectLst/>
-                <a:latin typeface="Fira Code"/>
-              </a:rPr>
-              <a:t> </a:t>
-            </a:r>
-            <a:r>
-              <a:rPr kumimoji="0" lang="ru-RU" altLang="ru-RU" sz="1100" b="0" i="0" u="none" strike="noStrike" cap="none" normalizeH="0" baseline="0" dirty="0" err="1" smtClean="0">
-                <a:ln>
-                  <a:noFill/>
-                </a:ln>
-                <a:solidFill>
-                  <a:srgbClr val="20B1D2"/>
-                </a:solidFill>
-                <a:effectLst/>
-                <a:latin typeface="Fira Code"/>
-              </a:rPr>
-              <a:t>List</a:t>
-            </a:r>
-            <a:r>
-              <a:rPr kumimoji="0" lang="ru-RU" altLang="ru-RU" sz="1100" b="0" i="0" u="none" strike="noStrike" cap="none" normalizeH="0" baseline="0" dirty="0" smtClean="0">
-                <a:ln>
-                  <a:noFill/>
-                </a:ln>
-                <a:solidFill>
-                  <a:srgbClr val="B1B7BE"/>
-                </a:solidFill>
-                <a:effectLst/>
-                <a:latin typeface="Fira Code"/>
-              </a:rPr>
-              <a:t>&lt;</a:t>
-            </a:r>
-            <a:r>
-              <a:rPr kumimoji="0" lang="ru-RU" altLang="ru-RU" sz="1100" b="0" i="0" u="none" strike="noStrike" cap="none" normalizeH="0" baseline="0" dirty="0" err="1" smtClean="0">
-                <a:ln>
-                  <a:noFill/>
-                </a:ln>
-                <a:solidFill>
-                  <a:srgbClr val="9586CF"/>
-                </a:solidFill>
-                <a:effectLst/>
-                <a:latin typeface="Fira Code"/>
-              </a:rPr>
-              <a:t>int</a:t>
-            </a:r>
-            <a:r>
-              <a:rPr kumimoji="0" lang="ru-RU" altLang="ru-RU" sz="1100" b="0" i="0" u="none" strike="noStrike" cap="none" normalizeH="0" baseline="0" dirty="0" smtClean="0">
-                <a:ln>
-                  <a:noFill/>
-                </a:ln>
-                <a:solidFill>
-                  <a:srgbClr val="B1B7BE"/>
-                </a:solidFill>
-                <a:effectLst/>
-                <a:latin typeface="Fira Code"/>
-              </a:rPr>
-              <a:t>&gt;();</a:t>
+              <a:rPr kumimoji="0" lang="ru-RU" altLang="ru-RU" sz="1100" b="0" i="0" u="none" strike="noStrike" cap="none" normalizeH="0" baseline="0" dirty="0">
+                <a:ln>
+                  <a:noFill/>
+                </a:ln>
+                <a:solidFill>
+                  <a:srgbClr val="B1B7BE"/>
+                </a:solidFill>
+                <a:effectLst/>
+                <a:latin typeface="Fira Code"/>
+              </a:rPr>
+              <a:t>    }</a:t>
             </a:r>
             <a:br>
-              <a:rPr kumimoji="0" lang="ru-RU" altLang="ru-RU" sz="1100" b="0" i="0" u="none" strike="noStrike" cap="none" normalizeH="0" baseline="0" dirty="0" smtClean="0">
+              <a:rPr kumimoji="0" lang="ru-RU" altLang="ru-RU" sz="1100" b="0" i="0" u="none" strike="noStrike" cap="none" normalizeH="0" baseline="0" dirty="0">
                 <a:ln>
                   <a:noFill/>
                 </a:ln>
@@ -6132,1135 +7158,7 @@
               </a:rPr>
             </a:br>
             <a:r>
-              <a:rPr kumimoji="0" lang="ru-RU" altLang="ru-RU" sz="1100" b="0" i="0" u="none" strike="noStrike" cap="none" normalizeH="0" baseline="0" dirty="0" smtClean="0">
-                <a:ln>
-                  <a:noFill/>
-                </a:ln>
-                <a:solidFill>
-                  <a:srgbClr val="B1B7BE"/>
-                </a:solidFill>
-                <a:effectLst/>
-                <a:latin typeface="Fira Code"/>
-              </a:rPr>
-              <a:t>            </a:t>
-            </a:r>
-            <a:r>
-              <a:rPr kumimoji="0" lang="ru-RU" altLang="ru-RU" sz="1100" b="0" i="0" u="none" strike="noStrike" cap="none" normalizeH="0" baseline="0" dirty="0" err="1" smtClean="0">
-                <a:ln>
-                  <a:noFill/>
-                </a:ln>
-                <a:solidFill>
-                  <a:srgbClr val="B1B7BE"/>
-                </a:solidFill>
-                <a:effectLst/>
-                <a:latin typeface="Fira Code"/>
-              </a:rPr>
-              <a:t>list.</a:t>
-            </a:r>
-            <a:r>
-              <a:rPr kumimoji="0" lang="ru-RU" altLang="ru-RU" sz="1100" b="0" i="0" u="none" strike="noStrike" cap="none" normalizeH="0" baseline="0" dirty="0" err="1" smtClean="0">
-                <a:ln>
-                  <a:noFill/>
-                </a:ln>
-                <a:solidFill>
-                  <a:srgbClr val="20B1D2"/>
-                </a:solidFill>
-                <a:effectLst/>
-                <a:latin typeface="Fira Code"/>
-              </a:rPr>
-              <a:t>Add</a:t>
-            </a:r>
-            <a:r>
-              <a:rPr kumimoji="0" lang="ru-RU" altLang="ru-RU" sz="1100" b="0" i="0" u="none" strike="noStrike" cap="none" normalizeH="0" baseline="0" dirty="0" smtClean="0">
-                <a:ln>
-                  <a:noFill/>
-                </a:ln>
-                <a:solidFill>
-                  <a:srgbClr val="B1B7BE"/>
-                </a:solidFill>
-                <a:effectLst/>
-                <a:latin typeface="Fira Code"/>
-              </a:rPr>
-              <a:t>(</a:t>
-            </a:r>
-            <a:r>
-              <a:rPr kumimoji="0" lang="ru-RU" altLang="ru-RU" sz="1100" b="0" i="0" u="none" strike="noStrike" cap="none" normalizeH="0" baseline="0" dirty="0" smtClean="0">
-                <a:ln>
-                  <a:noFill/>
-                </a:ln>
-                <a:solidFill>
-                  <a:srgbClr val="DEA6B6"/>
-                </a:solidFill>
-                <a:effectLst/>
-                <a:latin typeface="Fira Code"/>
-              </a:rPr>
-              <a:t>2</a:t>
-            </a:r>
-            <a:r>
-              <a:rPr kumimoji="0" lang="ru-RU" altLang="ru-RU" sz="1100" b="0" i="0" u="none" strike="noStrike" cap="none" normalizeH="0" baseline="0" dirty="0" smtClean="0">
-                <a:ln>
-                  <a:noFill/>
-                </a:ln>
-                <a:solidFill>
-                  <a:srgbClr val="B1B7BE"/>
-                </a:solidFill>
-                <a:effectLst/>
-                <a:latin typeface="Fira Code"/>
-              </a:rPr>
-              <a:t>);</a:t>
-            </a:r>
-            <a:br>
-              <a:rPr kumimoji="0" lang="ru-RU" altLang="ru-RU" sz="1100" b="0" i="0" u="none" strike="noStrike" cap="none" normalizeH="0" baseline="0" dirty="0" smtClean="0">
-                <a:ln>
-                  <a:noFill/>
-                </a:ln>
-                <a:solidFill>
-                  <a:srgbClr val="B1B7BE"/>
-                </a:solidFill>
-                <a:effectLst/>
-                <a:latin typeface="Fira Code"/>
-              </a:rPr>
-            </a:br>
-            <a:r>
-              <a:rPr kumimoji="0" lang="ru-RU" altLang="ru-RU" sz="1100" b="0" i="0" u="none" strike="noStrike" cap="none" normalizeH="0" baseline="0" dirty="0" smtClean="0">
-                <a:ln>
-                  <a:noFill/>
-                </a:ln>
-                <a:solidFill>
-                  <a:srgbClr val="B1B7BE"/>
-                </a:solidFill>
-                <a:effectLst/>
-                <a:latin typeface="Fira Code"/>
-              </a:rPr>
-              <a:t>            </a:t>
-            </a:r>
-            <a:r>
-              <a:rPr kumimoji="0" lang="ru-RU" altLang="ru-RU" sz="1100" b="0" i="0" u="none" strike="noStrike" cap="none" normalizeH="0" baseline="0" dirty="0" err="1" smtClean="0">
-                <a:ln>
-                  <a:noFill/>
-                </a:ln>
-                <a:solidFill>
-                  <a:srgbClr val="B1B7BE"/>
-                </a:solidFill>
-                <a:effectLst/>
-                <a:latin typeface="Fira Code"/>
-              </a:rPr>
-              <a:t>list.</a:t>
-            </a:r>
-            <a:r>
-              <a:rPr kumimoji="0" lang="ru-RU" altLang="ru-RU" sz="1100" b="0" i="0" u="none" strike="noStrike" cap="none" normalizeH="0" baseline="0" dirty="0" err="1" smtClean="0">
-                <a:ln>
-                  <a:noFill/>
-                </a:ln>
-                <a:solidFill>
-                  <a:srgbClr val="20B1D2"/>
-                </a:solidFill>
-                <a:effectLst/>
-                <a:latin typeface="Fira Code"/>
-              </a:rPr>
-              <a:t>Add</a:t>
-            </a:r>
-            <a:r>
-              <a:rPr kumimoji="0" lang="ru-RU" altLang="ru-RU" sz="1100" b="0" i="0" u="none" strike="noStrike" cap="none" normalizeH="0" baseline="0" dirty="0" smtClean="0">
-                <a:ln>
-                  <a:noFill/>
-                </a:ln>
-                <a:solidFill>
-                  <a:srgbClr val="B1B7BE"/>
-                </a:solidFill>
-                <a:effectLst/>
-                <a:latin typeface="Fira Code"/>
-              </a:rPr>
-              <a:t>(</a:t>
-            </a:r>
-            <a:r>
-              <a:rPr kumimoji="0" lang="ru-RU" altLang="ru-RU" sz="1100" b="0" i="0" u="none" strike="noStrike" cap="none" normalizeH="0" baseline="0" dirty="0" smtClean="0">
-                <a:ln>
-                  <a:noFill/>
-                </a:ln>
-                <a:solidFill>
-                  <a:srgbClr val="DEA6B6"/>
-                </a:solidFill>
-                <a:effectLst/>
-                <a:latin typeface="Fira Code"/>
-              </a:rPr>
-              <a:t>1</a:t>
-            </a:r>
-            <a:r>
-              <a:rPr kumimoji="0" lang="ru-RU" altLang="ru-RU" sz="1100" b="0" i="0" u="none" strike="noStrike" cap="none" normalizeH="0" baseline="0" dirty="0" smtClean="0">
-                <a:ln>
-                  <a:noFill/>
-                </a:ln>
-                <a:solidFill>
-                  <a:srgbClr val="B1B7BE"/>
-                </a:solidFill>
-                <a:effectLst/>
-                <a:latin typeface="Fira Code"/>
-              </a:rPr>
-              <a:t>);</a:t>
-            </a:r>
-            <a:br>
-              <a:rPr kumimoji="0" lang="ru-RU" altLang="ru-RU" sz="1100" b="0" i="0" u="none" strike="noStrike" cap="none" normalizeH="0" baseline="0" dirty="0" smtClean="0">
-                <a:ln>
-                  <a:noFill/>
-                </a:ln>
-                <a:solidFill>
-                  <a:srgbClr val="B1B7BE"/>
-                </a:solidFill>
-                <a:effectLst/>
-                <a:latin typeface="Fira Code"/>
-              </a:rPr>
-            </a:br>
-            <a:r>
-              <a:rPr kumimoji="0" lang="ru-RU" altLang="ru-RU" sz="1100" b="0" i="0" u="none" strike="noStrike" cap="none" normalizeH="0" baseline="0" dirty="0" smtClean="0">
-                <a:ln>
-                  <a:noFill/>
-                </a:ln>
-                <a:solidFill>
-                  <a:srgbClr val="B1B7BE"/>
-                </a:solidFill>
-                <a:effectLst/>
-                <a:latin typeface="Fira Code"/>
-              </a:rPr>
-              <a:t>            </a:t>
-            </a:r>
-            <a:r>
-              <a:rPr kumimoji="0" lang="ru-RU" altLang="ru-RU" sz="1100" b="0" i="0" u="none" strike="noStrike" cap="none" normalizeH="0" baseline="0" dirty="0" err="1" smtClean="0">
-                <a:ln>
-                  <a:noFill/>
-                </a:ln>
-                <a:solidFill>
-                  <a:srgbClr val="B1B7BE"/>
-                </a:solidFill>
-                <a:effectLst/>
-                <a:latin typeface="Fira Code"/>
-              </a:rPr>
-              <a:t>list.</a:t>
-            </a:r>
-            <a:r>
-              <a:rPr kumimoji="0" lang="ru-RU" altLang="ru-RU" sz="1100" b="0" i="0" u="none" strike="noStrike" cap="none" normalizeH="0" baseline="0" dirty="0" err="1" smtClean="0">
-                <a:ln>
-                  <a:noFill/>
-                </a:ln>
-                <a:solidFill>
-                  <a:srgbClr val="20B1D2"/>
-                </a:solidFill>
-                <a:effectLst/>
-                <a:latin typeface="Fira Code"/>
-              </a:rPr>
-              <a:t>Select</a:t>
-            </a:r>
-            <a:r>
-              <a:rPr kumimoji="0" lang="ru-RU" altLang="ru-RU" sz="1100" b="0" i="0" u="none" strike="noStrike" cap="none" normalizeH="0" baseline="0" dirty="0" smtClean="0">
-                <a:ln>
-                  <a:noFill/>
-                </a:ln>
-                <a:solidFill>
-                  <a:srgbClr val="B1B7BE"/>
-                </a:solidFill>
-                <a:effectLst/>
-                <a:latin typeface="Fira Code"/>
-              </a:rPr>
-              <a:t>(</a:t>
-            </a:r>
-            <a:r>
-              <a:rPr kumimoji="0" lang="ru-RU" altLang="ru-RU" sz="1100" b="0" i="0" u="none" strike="noStrike" cap="none" normalizeH="0" baseline="0" dirty="0" err="1" smtClean="0">
-                <a:ln>
-                  <a:noFill/>
-                </a:ln>
-                <a:solidFill>
-                  <a:srgbClr val="B1B7BE"/>
-                </a:solidFill>
-                <a:effectLst/>
-                <a:latin typeface="Fira Code"/>
-              </a:rPr>
-              <a:t>el</a:t>
-            </a:r>
-            <a:r>
-              <a:rPr kumimoji="0" lang="ru-RU" altLang="ru-RU" sz="1100" b="0" i="0" u="none" strike="noStrike" cap="none" normalizeH="0" baseline="0" dirty="0" smtClean="0">
-                <a:ln>
-                  <a:noFill/>
-                </a:ln>
-                <a:solidFill>
-                  <a:srgbClr val="B1B7BE"/>
-                </a:solidFill>
-                <a:effectLst/>
-                <a:latin typeface="Fira Code"/>
-              </a:rPr>
-              <a:t> =&gt;</a:t>
-            </a:r>
-            <a:br>
-              <a:rPr kumimoji="0" lang="ru-RU" altLang="ru-RU" sz="1100" b="0" i="0" u="none" strike="noStrike" cap="none" normalizeH="0" baseline="0" dirty="0" smtClean="0">
-                <a:ln>
-                  <a:noFill/>
-                </a:ln>
-                <a:solidFill>
-                  <a:srgbClr val="B1B7BE"/>
-                </a:solidFill>
-                <a:effectLst/>
-                <a:latin typeface="Fira Code"/>
-              </a:rPr>
-            </a:br>
-            <a:r>
-              <a:rPr kumimoji="0" lang="ru-RU" altLang="ru-RU" sz="1100" b="0" i="0" u="none" strike="noStrike" cap="none" normalizeH="0" baseline="0" dirty="0" smtClean="0">
-                <a:ln>
-                  <a:noFill/>
-                </a:ln>
-                <a:solidFill>
-                  <a:srgbClr val="B1B7BE"/>
-                </a:solidFill>
-                <a:effectLst/>
-                <a:latin typeface="Fira Code"/>
-              </a:rPr>
-              <a:t>            {</a:t>
-            </a:r>
-            <a:br>
-              <a:rPr kumimoji="0" lang="ru-RU" altLang="ru-RU" sz="1100" b="0" i="0" u="none" strike="noStrike" cap="none" normalizeH="0" baseline="0" dirty="0" smtClean="0">
-                <a:ln>
-                  <a:noFill/>
-                </a:ln>
-                <a:solidFill>
-                  <a:srgbClr val="B1B7BE"/>
-                </a:solidFill>
-                <a:effectLst/>
-                <a:latin typeface="Fira Code"/>
-              </a:rPr>
-            </a:br>
-            <a:r>
-              <a:rPr kumimoji="0" lang="ru-RU" altLang="ru-RU" sz="1100" b="0" i="0" u="none" strike="noStrike" cap="none" normalizeH="0" baseline="0" dirty="0" smtClean="0">
-                <a:ln>
-                  <a:noFill/>
-                </a:ln>
-                <a:solidFill>
-                  <a:srgbClr val="B1B7BE"/>
-                </a:solidFill>
-                <a:effectLst/>
-                <a:latin typeface="Fira Code"/>
-              </a:rPr>
-              <a:t>                </a:t>
-            </a:r>
-            <a:r>
-              <a:rPr kumimoji="0" lang="ru-RU" altLang="ru-RU" sz="1100" b="0" i="0" u="none" strike="noStrike" cap="none" normalizeH="0" baseline="0" dirty="0" err="1" smtClean="0">
-                <a:ln>
-                  <a:noFill/>
-                </a:ln>
-                <a:solidFill>
-                  <a:srgbClr val="20B1D2"/>
-                </a:solidFill>
-                <a:effectLst/>
-                <a:latin typeface="Fira Code"/>
-              </a:rPr>
-              <a:t>Console</a:t>
-            </a:r>
-            <a:r>
-              <a:rPr kumimoji="0" lang="ru-RU" altLang="ru-RU" sz="1100" b="0" i="0" u="none" strike="noStrike" cap="none" normalizeH="0" baseline="0" dirty="0" err="1" smtClean="0">
-                <a:ln>
-                  <a:noFill/>
-                </a:ln>
-                <a:solidFill>
-                  <a:srgbClr val="B1B7BE"/>
-                </a:solidFill>
-                <a:effectLst/>
-                <a:latin typeface="Fira Code"/>
-              </a:rPr>
-              <a:t>.</a:t>
-            </a:r>
-            <a:r>
-              <a:rPr kumimoji="0" lang="ru-RU" altLang="ru-RU" sz="1100" b="0" i="0" u="none" strike="noStrike" cap="none" normalizeH="0" baseline="0" dirty="0" err="1" smtClean="0">
-                <a:ln>
-                  <a:noFill/>
-                </a:ln>
-                <a:solidFill>
-                  <a:srgbClr val="20B1D2"/>
-                </a:solidFill>
-                <a:effectLst/>
-                <a:latin typeface="Fira Code"/>
-              </a:rPr>
-              <a:t>WriteLine</a:t>
-            </a:r>
-            <a:r>
-              <a:rPr kumimoji="0" lang="ru-RU" altLang="ru-RU" sz="1100" b="0" i="0" u="none" strike="noStrike" cap="none" normalizeH="0" baseline="0" dirty="0" smtClean="0">
-                <a:ln>
-                  <a:noFill/>
-                </a:ln>
-                <a:solidFill>
-                  <a:srgbClr val="B1B7BE"/>
-                </a:solidFill>
-                <a:effectLst/>
-                <a:latin typeface="Fira Code"/>
-              </a:rPr>
-              <a:t>(</a:t>
-            </a:r>
-            <a:r>
-              <a:rPr kumimoji="0" lang="ru-RU" altLang="ru-RU" sz="1100" b="0" i="0" u="none" strike="noStrike" cap="none" normalizeH="0" baseline="0" dirty="0" err="1" smtClean="0">
-                <a:ln>
-                  <a:noFill/>
-                </a:ln>
-                <a:solidFill>
-                  <a:srgbClr val="B1B7BE"/>
-                </a:solidFill>
-                <a:effectLst/>
-                <a:latin typeface="Fira Code"/>
-              </a:rPr>
-              <a:t>el</a:t>
-            </a:r>
-            <a:r>
-              <a:rPr kumimoji="0" lang="ru-RU" altLang="ru-RU" sz="1100" b="0" i="0" u="none" strike="noStrike" cap="none" normalizeH="0" baseline="0" dirty="0" smtClean="0">
-                <a:ln>
-                  <a:noFill/>
-                </a:ln>
-                <a:solidFill>
-                  <a:srgbClr val="B1B7BE"/>
-                </a:solidFill>
-                <a:effectLst/>
-                <a:latin typeface="Fira Code"/>
-              </a:rPr>
-              <a:t>);</a:t>
-            </a:r>
-            <a:br>
-              <a:rPr kumimoji="0" lang="ru-RU" altLang="ru-RU" sz="1100" b="0" i="0" u="none" strike="noStrike" cap="none" normalizeH="0" baseline="0" dirty="0" smtClean="0">
-                <a:ln>
-                  <a:noFill/>
-                </a:ln>
-                <a:solidFill>
-                  <a:srgbClr val="B1B7BE"/>
-                </a:solidFill>
-                <a:effectLst/>
-                <a:latin typeface="Fira Code"/>
-              </a:rPr>
-            </a:br>
-            <a:r>
-              <a:rPr kumimoji="0" lang="ru-RU" altLang="ru-RU" sz="1100" b="0" i="0" u="none" strike="noStrike" cap="none" normalizeH="0" baseline="0" dirty="0" smtClean="0">
-                <a:ln>
-                  <a:noFill/>
-                </a:ln>
-                <a:solidFill>
-                  <a:srgbClr val="B1B7BE"/>
-                </a:solidFill>
-                <a:effectLst/>
-                <a:latin typeface="Fira Code"/>
-              </a:rPr>
-              <a:t>                </a:t>
-            </a:r>
-            <a:r>
-              <a:rPr kumimoji="0" lang="ru-RU" altLang="ru-RU" sz="1100" b="0" i="0" u="none" strike="noStrike" cap="none" normalizeH="0" baseline="0" dirty="0" err="1" smtClean="0">
-                <a:ln>
-                  <a:noFill/>
-                </a:ln>
-                <a:solidFill>
-                  <a:srgbClr val="9586CF"/>
-                </a:solidFill>
-                <a:effectLst/>
-                <a:latin typeface="Fira Code"/>
-              </a:rPr>
-              <a:t>return</a:t>
-            </a:r>
-            <a:r>
-              <a:rPr kumimoji="0" lang="ru-RU" altLang="ru-RU" sz="1100" b="0" i="0" u="none" strike="noStrike" cap="none" normalizeH="0" baseline="0" dirty="0" smtClean="0">
-                <a:ln>
-                  <a:noFill/>
-                </a:ln>
-                <a:solidFill>
-                  <a:srgbClr val="9586CF"/>
-                </a:solidFill>
-                <a:effectLst/>
-                <a:latin typeface="Fira Code"/>
-              </a:rPr>
-              <a:t> </a:t>
-            </a:r>
-            <a:r>
-              <a:rPr kumimoji="0" lang="ru-RU" altLang="ru-RU" sz="1100" b="0" i="0" u="none" strike="noStrike" cap="none" normalizeH="0" baseline="0" dirty="0" err="1" smtClean="0">
-                <a:ln>
-                  <a:noFill/>
-                </a:ln>
-                <a:solidFill>
-                  <a:srgbClr val="B1B7BE"/>
-                </a:solidFill>
-                <a:effectLst/>
-                <a:latin typeface="Fira Code"/>
-              </a:rPr>
-              <a:t>el</a:t>
-            </a:r>
-            <a:r>
-              <a:rPr kumimoji="0" lang="ru-RU" altLang="ru-RU" sz="1100" b="0" i="0" u="none" strike="noStrike" cap="none" normalizeH="0" baseline="0" dirty="0" smtClean="0">
-                <a:ln>
-                  <a:noFill/>
-                </a:ln>
-                <a:solidFill>
-                  <a:srgbClr val="B1B7BE"/>
-                </a:solidFill>
-                <a:effectLst/>
-                <a:latin typeface="Fira Code"/>
-              </a:rPr>
-              <a:t>;</a:t>
-            </a:r>
-            <a:br>
-              <a:rPr kumimoji="0" lang="ru-RU" altLang="ru-RU" sz="1100" b="0" i="0" u="none" strike="noStrike" cap="none" normalizeH="0" baseline="0" dirty="0" smtClean="0">
-                <a:ln>
-                  <a:noFill/>
-                </a:ln>
-                <a:solidFill>
-                  <a:srgbClr val="B1B7BE"/>
-                </a:solidFill>
-                <a:effectLst/>
-                <a:latin typeface="Fira Code"/>
-              </a:rPr>
-            </a:br>
-            <a:r>
-              <a:rPr kumimoji="0" lang="ru-RU" altLang="ru-RU" sz="1100" b="0" i="0" u="none" strike="noStrike" cap="none" normalizeH="0" baseline="0" dirty="0" smtClean="0">
-                <a:ln>
-                  <a:noFill/>
-                </a:ln>
-                <a:solidFill>
-                  <a:srgbClr val="B1B7BE"/>
-                </a:solidFill>
-                <a:effectLst/>
-                <a:latin typeface="Fira Code"/>
-              </a:rPr>
-              <a:t>            }).</a:t>
-            </a:r>
-            <a:r>
-              <a:rPr kumimoji="0" lang="ru-RU" altLang="ru-RU" sz="1100" b="0" i="0" u="none" strike="noStrike" cap="none" normalizeH="0" baseline="0" dirty="0" err="1" smtClean="0">
-                <a:ln>
-                  <a:noFill/>
-                </a:ln>
-                <a:solidFill>
-                  <a:srgbClr val="20B1D2"/>
-                </a:solidFill>
-                <a:effectLst/>
-                <a:latin typeface="Fira Code"/>
-              </a:rPr>
-              <a:t>ToArray</a:t>
-            </a:r>
-            <a:r>
-              <a:rPr kumimoji="0" lang="ru-RU" altLang="ru-RU" sz="1100" b="0" i="0" u="none" strike="noStrike" cap="none" normalizeH="0" baseline="0" dirty="0" smtClean="0">
-                <a:ln>
-                  <a:noFill/>
-                </a:ln>
-                <a:solidFill>
-                  <a:srgbClr val="B1B7BE"/>
-                </a:solidFill>
-                <a:effectLst/>
-                <a:latin typeface="Fira Code"/>
-              </a:rPr>
-              <a:t>();</a:t>
-            </a:r>
-            <a:br>
-              <a:rPr kumimoji="0" lang="ru-RU" altLang="ru-RU" sz="1100" b="0" i="0" u="none" strike="noStrike" cap="none" normalizeH="0" baseline="0" dirty="0" smtClean="0">
-                <a:ln>
-                  <a:noFill/>
-                </a:ln>
-                <a:solidFill>
-                  <a:srgbClr val="B1B7BE"/>
-                </a:solidFill>
-                <a:effectLst/>
-                <a:latin typeface="Fira Code"/>
-              </a:rPr>
-            </a:br>
-            <a:r>
-              <a:rPr kumimoji="0" lang="ru-RU" altLang="ru-RU" sz="1100" b="0" i="0" u="none" strike="noStrike" cap="none" normalizeH="0" baseline="0" dirty="0" smtClean="0">
-                <a:ln>
-                  <a:noFill/>
-                </a:ln>
-                <a:solidFill>
-                  <a:srgbClr val="B1B7BE"/>
-                </a:solidFill>
-                <a:effectLst/>
-                <a:latin typeface="Fira Code"/>
-              </a:rPr>
-              <a:t>            </a:t>
-            </a:r>
-            <a:r>
-              <a:rPr kumimoji="0" lang="ru-RU" altLang="ru-RU" sz="1100" b="0" i="0" u="none" strike="noStrike" cap="none" normalizeH="0" baseline="0" dirty="0" err="1" smtClean="0">
-                <a:ln>
-                  <a:noFill/>
-                </a:ln>
-                <a:solidFill>
-                  <a:srgbClr val="B1B7BE"/>
-                </a:solidFill>
-                <a:effectLst/>
-                <a:latin typeface="Fira Code"/>
-              </a:rPr>
-              <a:t>list.</a:t>
-            </a:r>
-            <a:r>
-              <a:rPr kumimoji="0" lang="ru-RU" altLang="ru-RU" sz="1100" b="0" i="0" u="none" strike="noStrike" cap="none" normalizeH="0" baseline="0" dirty="0" err="1" smtClean="0">
-                <a:ln>
-                  <a:noFill/>
-                </a:ln>
-                <a:solidFill>
-                  <a:srgbClr val="20B1D2"/>
-                </a:solidFill>
-                <a:effectLst/>
-                <a:latin typeface="Fira Code"/>
-              </a:rPr>
-              <a:t>Sort</a:t>
-            </a:r>
-            <a:r>
-              <a:rPr kumimoji="0" lang="ru-RU" altLang="ru-RU" sz="1100" b="0" i="0" u="none" strike="noStrike" cap="none" normalizeH="0" baseline="0" dirty="0" smtClean="0">
-                <a:ln>
-                  <a:noFill/>
-                </a:ln>
-                <a:solidFill>
-                  <a:srgbClr val="B1B7BE"/>
-                </a:solidFill>
-                <a:effectLst/>
-                <a:latin typeface="Fira Code"/>
-              </a:rPr>
-              <a:t>();</a:t>
-            </a:r>
-            <a:br>
-              <a:rPr kumimoji="0" lang="ru-RU" altLang="ru-RU" sz="1100" b="0" i="0" u="none" strike="noStrike" cap="none" normalizeH="0" baseline="0" dirty="0" smtClean="0">
-                <a:ln>
-                  <a:noFill/>
-                </a:ln>
-                <a:solidFill>
-                  <a:srgbClr val="B1B7BE"/>
-                </a:solidFill>
-                <a:effectLst/>
-                <a:latin typeface="Fira Code"/>
-              </a:rPr>
-            </a:br>
-            <a:r>
-              <a:rPr kumimoji="0" lang="ru-RU" altLang="ru-RU" sz="1100" b="0" i="0" u="none" strike="noStrike" cap="none" normalizeH="0" baseline="0" dirty="0" smtClean="0">
-                <a:ln>
-                  <a:noFill/>
-                </a:ln>
-                <a:solidFill>
-                  <a:srgbClr val="B1B7BE"/>
-                </a:solidFill>
-                <a:effectLst/>
-                <a:latin typeface="Fira Code"/>
-              </a:rPr>
-              <a:t>            </a:t>
-            </a:r>
-            <a:r>
-              <a:rPr kumimoji="0" lang="ru-RU" altLang="ru-RU" sz="1100" b="0" i="0" u="none" strike="noStrike" cap="none" normalizeH="0" baseline="0" dirty="0" err="1" smtClean="0">
-                <a:ln>
-                  <a:noFill/>
-                </a:ln>
-                <a:solidFill>
-                  <a:srgbClr val="B1B7BE"/>
-                </a:solidFill>
-                <a:effectLst/>
-                <a:latin typeface="Fira Code"/>
-              </a:rPr>
-              <a:t>list.</a:t>
-            </a:r>
-            <a:r>
-              <a:rPr kumimoji="0" lang="ru-RU" altLang="ru-RU" sz="1100" b="0" i="0" u="none" strike="noStrike" cap="none" normalizeH="0" baseline="0" dirty="0" err="1" smtClean="0">
-                <a:ln>
-                  <a:noFill/>
-                </a:ln>
-                <a:solidFill>
-                  <a:srgbClr val="20B1D2"/>
-                </a:solidFill>
-                <a:effectLst/>
-                <a:latin typeface="Fira Code"/>
-              </a:rPr>
-              <a:t>Select</a:t>
-            </a:r>
-            <a:r>
-              <a:rPr kumimoji="0" lang="ru-RU" altLang="ru-RU" sz="1100" b="0" i="0" u="none" strike="noStrike" cap="none" normalizeH="0" baseline="0" dirty="0" smtClean="0">
-                <a:ln>
-                  <a:noFill/>
-                </a:ln>
-                <a:solidFill>
-                  <a:srgbClr val="B1B7BE"/>
-                </a:solidFill>
-                <a:effectLst/>
-                <a:latin typeface="Fira Code"/>
-              </a:rPr>
-              <a:t>(</a:t>
-            </a:r>
-            <a:r>
-              <a:rPr kumimoji="0" lang="ru-RU" altLang="ru-RU" sz="1100" b="0" i="0" u="none" strike="noStrike" cap="none" normalizeH="0" baseline="0" dirty="0" err="1" smtClean="0">
-                <a:ln>
-                  <a:noFill/>
-                </a:ln>
-                <a:solidFill>
-                  <a:srgbClr val="B1B7BE"/>
-                </a:solidFill>
-                <a:effectLst/>
-                <a:latin typeface="Fira Code"/>
-              </a:rPr>
-              <a:t>el</a:t>
-            </a:r>
-            <a:r>
-              <a:rPr kumimoji="0" lang="ru-RU" altLang="ru-RU" sz="1100" b="0" i="0" u="none" strike="noStrike" cap="none" normalizeH="0" baseline="0" dirty="0" smtClean="0">
-                <a:ln>
-                  <a:noFill/>
-                </a:ln>
-                <a:solidFill>
-                  <a:srgbClr val="B1B7BE"/>
-                </a:solidFill>
-                <a:effectLst/>
-                <a:latin typeface="Fira Code"/>
-              </a:rPr>
-              <a:t> =&gt;</a:t>
-            </a:r>
-            <a:br>
-              <a:rPr kumimoji="0" lang="ru-RU" altLang="ru-RU" sz="1100" b="0" i="0" u="none" strike="noStrike" cap="none" normalizeH="0" baseline="0" dirty="0" smtClean="0">
-                <a:ln>
-                  <a:noFill/>
-                </a:ln>
-                <a:solidFill>
-                  <a:srgbClr val="B1B7BE"/>
-                </a:solidFill>
-                <a:effectLst/>
-                <a:latin typeface="Fira Code"/>
-              </a:rPr>
-            </a:br>
-            <a:r>
-              <a:rPr kumimoji="0" lang="ru-RU" altLang="ru-RU" sz="1100" b="0" i="0" u="none" strike="noStrike" cap="none" normalizeH="0" baseline="0" dirty="0" smtClean="0">
-                <a:ln>
-                  <a:noFill/>
-                </a:ln>
-                <a:solidFill>
-                  <a:srgbClr val="B1B7BE"/>
-                </a:solidFill>
-                <a:effectLst/>
-                <a:latin typeface="Fira Code"/>
-              </a:rPr>
-              <a:t>            {</a:t>
-            </a:r>
-            <a:br>
-              <a:rPr kumimoji="0" lang="ru-RU" altLang="ru-RU" sz="1100" b="0" i="0" u="none" strike="noStrike" cap="none" normalizeH="0" baseline="0" dirty="0" smtClean="0">
-                <a:ln>
-                  <a:noFill/>
-                </a:ln>
-                <a:solidFill>
-                  <a:srgbClr val="B1B7BE"/>
-                </a:solidFill>
-                <a:effectLst/>
-                <a:latin typeface="Fira Code"/>
-              </a:rPr>
-            </a:br>
-            <a:r>
-              <a:rPr kumimoji="0" lang="ru-RU" altLang="ru-RU" sz="1100" b="0" i="0" u="none" strike="noStrike" cap="none" normalizeH="0" baseline="0" dirty="0" smtClean="0">
-                <a:ln>
-                  <a:noFill/>
-                </a:ln>
-                <a:solidFill>
-                  <a:srgbClr val="B1B7BE"/>
-                </a:solidFill>
-                <a:effectLst/>
-                <a:latin typeface="Fira Code"/>
-              </a:rPr>
-              <a:t>                </a:t>
-            </a:r>
-            <a:r>
-              <a:rPr kumimoji="0" lang="ru-RU" altLang="ru-RU" sz="1100" b="0" i="0" u="none" strike="noStrike" cap="none" normalizeH="0" baseline="0" dirty="0" err="1" smtClean="0">
-                <a:ln>
-                  <a:noFill/>
-                </a:ln>
-                <a:solidFill>
-                  <a:srgbClr val="20B1D2"/>
-                </a:solidFill>
-                <a:effectLst/>
-                <a:latin typeface="Fira Code"/>
-              </a:rPr>
-              <a:t>Console</a:t>
-            </a:r>
-            <a:r>
-              <a:rPr kumimoji="0" lang="ru-RU" altLang="ru-RU" sz="1100" b="0" i="0" u="none" strike="noStrike" cap="none" normalizeH="0" baseline="0" dirty="0" err="1" smtClean="0">
-                <a:ln>
-                  <a:noFill/>
-                </a:ln>
-                <a:solidFill>
-                  <a:srgbClr val="B1B7BE"/>
-                </a:solidFill>
-                <a:effectLst/>
-                <a:latin typeface="Fira Code"/>
-              </a:rPr>
-              <a:t>.</a:t>
-            </a:r>
-            <a:r>
-              <a:rPr kumimoji="0" lang="ru-RU" altLang="ru-RU" sz="1100" b="0" i="0" u="none" strike="noStrike" cap="none" normalizeH="0" baseline="0" dirty="0" err="1" smtClean="0">
-                <a:ln>
-                  <a:noFill/>
-                </a:ln>
-                <a:solidFill>
-                  <a:srgbClr val="20B1D2"/>
-                </a:solidFill>
-                <a:effectLst/>
-                <a:latin typeface="Fira Code"/>
-              </a:rPr>
-              <a:t>WriteLine</a:t>
-            </a:r>
-            <a:r>
-              <a:rPr kumimoji="0" lang="ru-RU" altLang="ru-RU" sz="1100" b="0" i="0" u="none" strike="noStrike" cap="none" normalizeH="0" baseline="0" dirty="0" smtClean="0">
-                <a:ln>
-                  <a:noFill/>
-                </a:ln>
-                <a:solidFill>
-                  <a:srgbClr val="B1B7BE"/>
-                </a:solidFill>
-                <a:effectLst/>
-                <a:latin typeface="Fira Code"/>
-              </a:rPr>
-              <a:t>(</a:t>
-            </a:r>
-            <a:r>
-              <a:rPr kumimoji="0" lang="ru-RU" altLang="ru-RU" sz="1100" b="0" i="0" u="none" strike="noStrike" cap="none" normalizeH="0" baseline="0" dirty="0" err="1" smtClean="0">
-                <a:ln>
-                  <a:noFill/>
-                </a:ln>
-                <a:solidFill>
-                  <a:srgbClr val="B1B7BE"/>
-                </a:solidFill>
-                <a:effectLst/>
-                <a:latin typeface="Fira Code"/>
-              </a:rPr>
-              <a:t>el</a:t>
-            </a:r>
-            <a:r>
-              <a:rPr kumimoji="0" lang="ru-RU" altLang="ru-RU" sz="1100" b="0" i="0" u="none" strike="noStrike" cap="none" normalizeH="0" baseline="0" dirty="0" smtClean="0">
-                <a:ln>
-                  <a:noFill/>
-                </a:ln>
-                <a:solidFill>
-                  <a:srgbClr val="B1B7BE"/>
-                </a:solidFill>
-                <a:effectLst/>
-                <a:latin typeface="Fira Code"/>
-              </a:rPr>
-              <a:t>);</a:t>
-            </a:r>
-            <a:br>
-              <a:rPr kumimoji="0" lang="ru-RU" altLang="ru-RU" sz="1100" b="0" i="0" u="none" strike="noStrike" cap="none" normalizeH="0" baseline="0" dirty="0" smtClean="0">
-                <a:ln>
-                  <a:noFill/>
-                </a:ln>
-                <a:solidFill>
-                  <a:srgbClr val="B1B7BE"/>
-                </a:solidFill>
-                <a:effectLst/>
-                <a:latin typeface="Fira Code"/>
-              </a:rPr>
-            </a:br>
-            <a:r>
-              <a:rPr kumimoji="0" lang="ru-RU" altLang="ru-RU" sz="1100" b="0" i="0" u="none" strike="noStrike" cap="none" normalizeH="0" baseline="0" dirty="0" smtClean="0">
-                <a:ln>
-                  <a:noFill/>
-                </a:ln>
-                <a:solidFill>
-                  <a:srgbClr val="B1B7BE"/>
-                </a:solidFill>
-                <a:effectLst/>
-                <a:latin typeface="Fira Code"/>
-              </a:rPr>
-              <a:t>                </a:t>
-            </a:r>
-            <a:r>
-              <a:rPr kumimoji="0" lang="ru-RU" altLang="ru-RU" sz="1100" b="0" i="0" u="none" strike="noStrike" cap="none" normalizeH="0" baseline="0" dirty="0" err="1" smtClean="0">
-                <a:ln>
-                  <a:noFill/>
-                </a:ln>
-                <a:solidFill>
-                  <a:srgbClr val="9586CF"/>
-                </a:solidFill>
-                <a:effectLst/>
-                <a:latin typeface="Fira Code"/>
-              </a:rPr>
-              <a:t>return</a:t>
-            </a:r>
-            <a:r>
-              <a:rPr kumimoji="0" lang="ru-RU" altLang="ru-RU" sz="1100" b="0" i="0" u="none" strike="noStrike" cap="none" normalizeH="0" baseline="0" dirty="0" smtClean="0">
-                <a:ln>
-                  <a:noFill/>
-                </a:ln>
-                <a:solidFill>
-                  <a:srgbClr val="9586CF"/>
-                </a:solidFill>
-                <a:effectLst/>
-                <a:latin typeface="Fira Code"/>
-              </a:rPr>
-              <a:t> </a:t>
-            </a:r>
-            <a:r>
-              <a:rPr kumimoji="0" lang="ru-RU" altLang="ru-RU" sz="1100" b="0" i="0" u="none" strike="noStrike" cap="none" normalizeH="0" baseline="0" dirty="0" err="1" smtClean="0">
-                <a:ln>
-                  <a:noFill/>
-                </a:ln>
-                <a:solidFill>
-                  <a:srgbClr val="B1B7BE"/>
-                </a:solidFill>
-                <a:effectLst/>
-                <a:latin typeface="Fira Code"/>
-              </a:rPr>
-              <a:t>el</a:t>
-            </a:r>
-            <a:r>
-              <a:rPr kumimoji="0" lang="ru-RU" altLang="ru-RU" sz="1100" b="0" i="0" u="none" strike="noStrike" cap="none" normalizeH="0" baseline="0" dirty="0" smtClean="0">
-                <a:ln>
-                  <a:noFill/>
-                </a:ln>
-                <a:solidFill>
-                  <a:srgbClr val="B1B7BE"/>
-                </a:solidFill>
-                <a:effectLst/>
-                <a:latin typeface="Fira Code"/>
-              </a:rPr>
-              <a:t>;</a:t>
-            </a:r>
-            <a:br>
-              <a:rPr kumimoji="0" lang="ru-RU" altLang="ru-RU" sz="1100" b="0" i="0" u="none" strike="noStrike" cap="none" normalizeH="0" baseline="0" dirty="0" smtClean="0">
-                <a:ln>
-                  <a:noFill/>
-                </a:ln>
-                <a:solidFill>
-                  <a:srgbClr val="B1B7BE"/>
-                </a:solidFill>
-                <a:effectLst/>
-                <a:latin typeface="Fira Code"/>
-              </a:rPr>
-            </a:br>
-            <a:r>
-              <a:rPr kumimoji="0" lang="ru-RU" altLang="ru-RU" sz="1100" b="0" i="0" u="none" strike="noStrike" cap="none" normalizeH="0" baseline="0" dirty="0" smtClean="0">
-                <a:ln>
-                  <a:noFill/>
-                </a:ln>
-                <a:solidFill>
-                  <a:srgbClr val="B1B7BE"/>
-                </a:solidFill>
-                <a:effectLst/>
-                <a:latin typeface="Fira Code"/>
-              </a:rPr>
-              <a:t>            }).</a:t>
-            </a:r>
-            <a:r>
-              <a:rPr kumimoji="0" lang="ru-RU" altLang="ru-RU" sz="1100" b="0" i="0" u="none" strike="noStrike" cap="none" normalizeH="0" baseline="0" dirty="0" err="1" smtClean="0">
-                <a:ln>
-                  <a:noFill/>
-                </a:ln>
-                <a:solidFill>
-                  <a:srgbClr val="20B1D2"/>
-                </a:solidFill>
-                <a:effectLst/>
-                <a:latin typeface="Fira Code"/>
-              </a:rPr>
-              <a:t>ToArray</a:t>
-            </a:r>
-            <a:r>
-              <a:rPr kumimoji="0" lang="ru-RU" altLang="ru-RU" sz="1100" b="0" i="0" u="none" strike="noStrike" cap="none" normalizeH="0" baseline="0" dirty="0" smtClean="0">
-                <a:ln>
-                  <a:noFill/>
-                </a:ln>
-                <a:solidFill>
-                  <a:srgbClr val="B1B7BE"/>
-                </a:solidFill>
-                <a:effectLst/>
-                <a:latin typeface="Fira Code"/>
-              </a:rPr>
-              <a:t>();</a:t>
-            </a:r>
-            <a:br>
-              <a:rPr kumimoji="0" lang="ru-RU" altLang="ru-RU" sz="1100" b="0" i="0" u="none" strike="noStrike" cap="none" normalizeH="0" baseline="0" dirty="0" smtClean="0">
-                <a:ln>
-                  <a:noFill/>
-                </a:ln>
-                <a:solidFill>
-                  <a:srgbClr val="B1B7BE"/>
-                </a:solidFill>
-                <a:effectLst/>
-                <a:latin typeface="Fira Code"/>
-              </a:rPr>
-            </a:br>
-            <a:r>
-              <a:rPr kumimoji="0" lang="ru-RU" altLang="ru-RU" sz="1100" b="0" i="0" u="none" strike="noStrike" cap="none" normalizeH="0" baseline="0" dirty="0" smtClean="0">
-                <a:ln>
-                  <a:noFill/>
-                </a:ln>
-                <a:solidFill>
-                  <a:srgbClr val="B1B7BE"/>
-                </a:solidFill>
-                <a:effectLst/>
-                <a:latin typeface="Fira Code"/>
-              </a:rPr>
-              <a:t>            </a:t>
-            </a:r>
-            <a:r>
-              <a:rPr kumimoji="0" lang="ru-RU" altLang="ru-RU" sz="1100" b="0" i="0" u="none" strike="noStrike" cap="none" normalizeH="0" baseline="0" dirty="0" err="1" smtClean="0">
-                <a:ln>
-                  <a:noFill/>
-                </a:ln>
-                <a:solidFill>
-                  <a:srgbClr val="20B1D2"/>
-                </a:solidFill>
-                <a:effectLst/>
-                <a:latin typeface="Fira Code"/>
-              </a:rPr>
-              <a:t>Console</a:t>
-            </a:r>
-            <a:r>
-              <a:rPr kumimoji="0" lang="ru-RU" altLang="ru-RU" sz="1100" b="0" i="0" u="none" strike="noStrike" cap="none" normalizeH="0" baseline="0" dirty="0" err="1" smtClean="0">
-                <a:ln>
-                  <a:noFill/>
-                </a:ln>
-                <a:solidFill>
-                  <a:srgbClr val="B1B7BE"/>
-                </a:solidFill>
-                <a:effectLst/>
-                <a:latin typeface="Fira Code"/>
-              </a:rPr>
-              <a:t>.</a:t>
-            </a:r>
-            <a:r>
-              <a:rPr kumimoji="0" lang="ru-RU" altLang="ru-RU" sz="1100" b="0" i="0" u="none" strike="noStrike" cap="none" normalizeH="0" baseline="0" dirty="0" err="1" smtClean="0">
-                <a:ln>
-                  <a:noFill/>
-                </a:ln>
-                <a:solidFill>
-                  <a:srgbClr val="20B1D2"/>
-                </a:solidFill>
-                <a:effectLst/>
-                <a:latin typeface="Fira Code"/>
-              </a:rPr>
-              <a:t>WriteLine</a:t>
-            </a:r>
-            <a:r>
-              <a:rPr kumimoji="0" lang="ru-RU" altLang="ru-RU" sz="1100" b="0" i="0" u="none" strike="noStrike" cap="none" normalizeH="0" baseline="0" dirty="0" smtClean="0">
-                <a:ln>
-                  <a:noFill/>
-                </a:ln>
-                <a:solidFill>
-                  <a:srgbClr val="B1B7BE"/>
-                </a:solidFill>
-                <a:effectLst/>
-                <a:latin typeface="Fira Code"/>
-              </a:rPr>
-              <a:t>(</a:t>
-            </a:r>
-            <a:r>
-              <a:rPr kumimoji="0" lang="ru-RU" altLang="ru-RU" sz="1100" b="0" i="0" u="none" strike="noStrike" cap="none" normalizeH="0" baseline="0" dirty="0" err="1" smtClean="0">
-                <a:ln>
-                  <a:noFill/>
-                </a:ln>
-                <a:solidFill>
-                  <a:srgbClr val="B1B7BE"/>
-                </a:solidFill>
-                <a:effectLst/>
-                <a:latin typeface="Fira Code"/>
-              </a:rPr>
-              <a:t>list.</a:t>
-            </a:r>
-            <a:r>
-              <a:rPr kumimoji="0" lang="ru-RU" altLang="ru-RU" sz="1100" b="0" i="0" u="none" strike="noStrike" cap="none" normalizeH="0" baseline="0" dirty="0" err="1" smtClean="0">
-                <a:ln>
-                  <a:noFill/>
-                </a:ln>
-                <a:solidFill>
-                  <a:srgbClr val="20B1D2"/>
-                </a:solidFill>
-                <a:effectLst/>
-                <a:latin typeface="Fira Code"/>
-              </a:rPr>
-              <a:t>IndexOf</a:t>
-            </a:r>
-            <a:r>
-              <a:rPr kumimoji="0" lang="ru-RU" altLang="ru-RU" sz="1100" b="0" i="0" u="none" strike="noStrike" cap="none" normalizeH="0" baseline="0" dirty="0" smtClean="0">
-                <a:ln>
-                  <a:noFill/>
-                </a:ln>
-                <a:solidFill>
-                  <a:srgbClr val="B1B7BE"/>
-                </a:solidFill>
-                <a:effectLst/>
-                <a:latin typeface="Fira Code"/>
-              </a:rPr>
-              <a:t>(</a:t>
-            </a:r>
-            <a:r>
-              <a:rPr kumimoji="0" lang="ru-RU" altLang="ru-RU" sz="1100" b="0" i="0" u="none" strike="noStrike" cap="none" normalizeH="0" baseline="0" dirty="0" smtClean="0">
-                <a:ln>
-                  <a:noFill/>
-                </a:ln>
-                <a:solidFill>
-                  <a:srgbClr val="DEA6B6"/>
-                </a:solidFill>
-                <a:effectLst/>
-                <a:latin typeface="Fira Code"/>
-              </a:rPr>
-              <a:t>1</a:t>
-            </a:r>
-            <a:r>
-              <a:rPr kumimoji="0" lang="ru-RU" altLang="ru-RU" sz="1100" b="0" i="0" u="none" strike="noStrike" cap="none" normalizeH="0" baseline="0" dirty="0" smtClean="0">
-                <a:ln>
-                  <a:noFill/>
-                </a:ln>
-                <a:solidFill>
-                  <a:srgbClr val="B1B7BE"/>
-                </a:solidFill>
-                <a:effectLst/>
-                <a:latin typeface="Fira Code"/>
-              </a:rPr>
-              <a:t>));</a:t>
-            </a:r>
-            <a:br>
-              <a:rPr kumimoji="0" lang="ru-RU" altLang="ru-RU" sz="1100" b="0" i="0" u="none" strike="noStrike" cap="none" normalizeH="0" baseline="0" dirty="0" smtClean="0">
-                <a:ln>
-                  <a:noFill/>
-                </a:ln>
-                <a:solidFill>
-                  <a:srgbClr val="B1B7BE"/>
-                </a:solidFill>
-                <a:effectLst/>
-                <a:latin typeface="Fira Code"/>
-              </a:rPr>
-            </a:br>
-            <a:r>
-              <a:rPr kumimoji="0" lang="ru-RU" altLang="ru-RU" sz="1100" b="0" i="0" u="none" strike="noStrike" cap="none" normalizeH="0" baseline="0" dirty="0" smtClean="0">
-                <a:ln>
-                  <a:noFill/>
-                </a:ln>
-                <a:solidFill>
-                  <a:srgbClr val="B1B7BE"/>
-                </a:solidFill>
-                <a:effectLst/>
-                <a:latin typeface="Fira Code"/>
-              </a:rPr>
-              <a:t>        }</a:t>
-            </a:r>
-            <a:br>
-              <a:rPr kumimoji="0" lang="ru-RU" altLang="ru-RU" sz="1100" b="0" i="0" u="none" strike="noStrike" cap="none" normalizeH="0" baseline="0" dirty="0" smtClean="0">
-                <a:ln>
-                  <a:noFill/>
-                </a:ln>
-                <a:solidFill>
-                  <a:srgbClr val="B1B7BE"/>
-                </a:solidFill>
-                <a:effectLst/>
-                <a:latin typeface="Fira Code"/>
-              </a:rPr>
-            </a:br>
-            <a:r>
-              <a:rPr kumimoji="0" lang="ru-RU" altLang="ru-RU" sz="1100" b="0" i="0" u="none" strike="noStrike" cap="none" normalizeH="0" baseline="0" dirty="0" smtClean="0">
-                <a:ln>
-                  <a:noFill/>
-                </a:ln>
-                <a:solidFill>
-                  <a:srgbClr val="B1B7BE"/>
-                </a:solidFill>
-                <a:effectLst/>
-                <a:latin typeface="Fira Code"/>
-              </a:rPr>
-              <a:t>    }</a:t>
-            </a:r>
-            <a:br>
-              <a:rPr kumimoji="0" lang="ru-RU" altLang="ru-RU" sz="1100" b="0" i="0" u="none" strike="noStrike" cap="none" normalizeH="0" baseline="0" dirty="0" smtClean="0">
-                <a:ln>
-                  <a:noFill/>
-                </a:ln>
-                <a:solidFill>
-                  <a:srgbClr val="B1B7BE"/>
-                </a:solidFill>
-                <a:effectLst/>
-                <a:latin typeface="Fira Code"/>
-              </a:rPr>
-            </a:br>
-            <a:r>
-              <a:rPr kumimoji="0" lang="ru-RU" altLang="ru-RU" sz="1100" b="0" i="0" u="none" strike="noStrike" cap="none" normalizeH="0" baseline="0" dirty="0" smtClean="0">
+              <a:rPr kumimoji="0" lang="ru-RU" altLang="ru-RU" sz="1100" b="0" i="0" u="none" strike="noStrike" cap="none" normalizeH="0" baseline="0" dirty="0">
                 <a:ln>
                   <a:noFill/>
                 </a:ln>
@@ -7272,7 +7170,7 @@
               </a:rPr>
               <a:t>}</a:t>
             </a:r>
-            <a:endParaRPr kumimoji="0" lang="ru-RU" altLang="ru-RU" sz="1100" b="0" i="0" u="none" strike="noStrike" cap="none" normalizeH="0" baseline="0" dirty="0" smtClean="0">
+            <a:endParaRPr kumimoji="0" lang="ru-RU" altLang="ru-RU" sz="1100" b="0" i="0" u="none" strike="noStrike" cap="none" normalizeH="0" baseline="0" dirty="0">
               <a:ln>
                 <a:noFill/>
               </a:ln>
@@ -7309,14 +7207,11 @@
           <a:p>
             <a:pPr algn="ctr"/>
             <a:r>
-              <a:rPr lang="ru-RU" dirty="0" smtClean="0">
+              <a:rPr lang="ru-RU" dirty="0">
                 <a:latin typeface="Montserrat" panose="00000500000000000000" pitchFamily="2" charset="-52"/>
               </a:rPr>
               <a:t>Демонстрация работы с массивами</a:t>
             </a:r>
-            <a:endParaRPr lang="ru-RU" dirty="0">
-              <a:latin typeface="Montserrat" panose="00000500000000000000" pitchFamily="2" charset="-52"/>
-            </a:endParaRPr>
           </a:p>
         </p:txBody>
       </p:sp>
@@ -7330,13 +7225,6 @@
   <p:clrMapOvr>
     <a:masterClrMapping/>
   </p:clrMapOvr>
-  <p:timing>
-    <p:tnLst>
-      <p:par>
-        <p:cTn id="1" dur="indefinite" restart="never" nodeType="tmRoot"/>
-      </p:par>
-    </p:tnLst>
-  </p:timing>
 </p:sld>
 </file>
 
@@ -7373,14 +7261,11 @@
           <a:lstStyle/>
           <a:p>
             <a:r>
-              <a:rPr lang="ru-RU" dirty="0" smtClean="0">
+              <a:rPr lang="ru-RU" dirty="0">
                 <a:latin typeface="Montserrat" panose="00000500000000000000" pitchFamily="2" charset="-52"/>
               </a:rPr>
               <a:t>Пояснение по примерам</a:t>
             </a:r>
-            <a:endParaRPr lang="ru-RU" dirty="0">
-              <a:latin typeface="Montserrat" panose="00000500000000000000" pitchFamily="2" charset="-52"/>
-            </a:endParaRPr>
           </a:p>
         </p:txBody>
       </p:sp>
@@ -7408,34 +7293,33 @@
               <a:buNone/>
             </a:pPr>
             <a:r>
-              <a:rPr lang="ru-RU" dirty="0" smtClean="0"/>
+              <a:rPr lang="ru-RU" dirty="0"/>
               <a:t>Как вы можете заметить в последнем примере мы использовали, какие-то  </a:t>
             </a:r>
             <a:r>
-              <a:rPr lang="en-US" dirty="0" smtClean="0"/>
+              <a:rPr lang="en-US" dirty="0"/>
               <a:t>.Select() </a:t>
             </a:r>
             <a:r>
-              <a:rPr lang="ru-RU" dirty="0" smtClean="0"/>
+              <a:rPr lang="ru-RU" dirty="0"/>
               <a:t>для работы со списками. Этот </a:t>
             </a:r>
             <a:r>
-              <a:rPr lang="en-US" dirty="0" smtClean="0"/>
+              <a:rPr lang="en-US" dirty="0"/>
               <a:t>Select </a:t>
             </a:r>
             <a:r>
-              <a:rPr lang="ru-RU" dirty="0" smtClean="0"/>
+              <a:rPr lang="ru-RU" dirty="0"/>
               <a:t>из стандартной библиотеки </a:t>
             </a:r>
             <a:r>
-              <a:rPr lang="en-US" dirty="0" smtClean="0"/>
+              <a:rPr lang="en-US" dirty="0"/>
               <a:t>LINQ, </a:t>
             </a:r>
             <a:r>
-              <a:rPr lang="ru-RU" dirty="0" smtClean="0"/>
+              <a:rPr lang="ru-RU" dirty="0"/>
               <a:t>которая даёт на работать с любыми коллекциями как с базами данных.</a:t>
             </a:r>
-            <a:endParaRPr lang="ru-RU" dirty="0"/>
           </a:p>
         </p:txBody>
       </p:sp>
@@ -7490,13 +7374,6 @@
   <p:clrMapOvr>
     <a:masterClrMapping/>
   </p:clrMapOvr>
-  <p:timing>
-    <p:tnLst>
-      <p:par>
-        <p:cTn id="1" dur="indefinite" restart="never" nodeType="tmRoot"/>
-      </p:par>
-    </p:tnLst>
-  </p:timing>
 </p:sld>
 </file>
 
@@ -7533,14 +7410,11 @@
           <a:lstStyle/>
           <a:p>
             <a:r>
-              <a:rPr lang="ru-RU" dirty="0" smtClean="0">
+              <a:rPr lang="ru-RU" dirty="0">
                 <a:latin typeface="Montserrat" panose="00000500000000000000" pitchFamily="2" charset="-52"/>
               </a:rPr>
               <a:t>Тест</a:t>
             </a:r>
-            <a:endParaRPr lang="ru-RU" dirty="0">
-              <a:latin typeface="Montserrat" panose="00000500000000000000" pitchFamily="2" charset="-52"/>
-            </a:endParaRPr>
           </a:p>
         </p:txBody>
       </p:sp>
@@ -7564,7 +7438,92 @@
           <a:bodyPr/>
           <a:lstStyle/>
           <a:p>
-            <a:endParaRPr lang="ru-RU" dirty="0"/>
+            <a:r>
+              <a:rPr lang="ru-RU" dirty="0"/>
+              <a:t>Перед тестом, рекомендую подготовиться и повторить материал, как будете готовы, нажмите кнопку «Начать» (да, это она снизу).</a:t>
+            </a:r>
+          </a:p>
+        </p:txBody>
+      </p:sp>
+      <p:sp>
+        <p:nvSpPr>
+          <p:cNvPr id="5" name="Прямоугольник: скругленные углы 4">
+            <a:hlinkClick r:id="" action="ppaction://hlinkshowjump?jump=nextslide"/>
+            <a:extLst>
+              <a:ext uri="{FF2B5EF4-FFF2-40B4-BE49-F238E27FC236}">
+                <a16:creationId xmlns:a16="http://schemas.microsoft.com/office/drawing/2014/main" id="{D518CE0D-43AB-4270-B337-83C95D5549DC}"/>
+              </a:ext>
+            </a:extLst>
+          </p:cNvPr>
+          <p:cNvSpPr/>
+          <p:nvPr/>
+        </p:nvSpPr>
+        <p:spPr>
+          <a:xfrm>
+            <a:off x="3437467" y="3758670"/>
+            <a:ext cx="5520266" cy="1422400"/>
+          </a:xfrm>
+          <a:prstGeom prst="roundRect">
+            <a:avLst/>
+          </a:prstGeom>
+          <a:gradFill flip="none" rotWithShape="1">
+            <a:gsLst>
+              <a:gs pos="14000">
+                <a:schemeClr val="accent1">
+                  <a:lumMod val="5000"/>
+                  <a:lumOff val="95000"/>
+                </a:schemeClr>
+              </a:gs>
+              <a:gs pos="76000">
+                <a:schemeClr val="accent4">
+                  <a:lumMod val="20000"/>
+                  <a:lumOff val="80000"/>
+                </a:schemeClr>
+              </a:gs>
+              <a:gs pos="93000">
+                <a:schemeClr val="accent2">
+                  <a:lumMod val="40000"/>
+                  <a:lumOff val="60000"/>
+                </a:schemeClr>
+              </a:gs>
+            </a:gsLst>
+            <a:lin ang="2700000" scaled="1"/>
+            <a:tileRect/>
+          </a:gradFill>
+          <a:ln>
+            <a:noFill/>
+          </a:ln>
+        </p:spPr>
+        <p:style>
+          <a:lnRef idx="2">
+            <a:schemeClr val="accent1">
+              <a:shade val="50000"/>
+            </a:schemeClr>
+          </a:lnRef>
+          <a:fillRef idx="1">
+            <a:schemeClr val="accent1"/>
+          </a:fillRef>
+          <a:effectRef idx="0">
+            <a:schemeClr val="accent1"/>
+          </a:effectRef>
+          <a:fontRef idx="minor">
+            <a:schemeClr val="lt1"/>
+          </a:fontRef>
+        </p:style>
+        <p:txBody>
+          <a:bodyPr rtlCol="0" anchor="ctr"/>
+          <a:lstStyle/>
+          <a:p>
+            <a:pPr algn="ctr"/>
+            <a:r>
+              <a:rPr lang="ru-RU" sz="3600" dirty="0">
+                <a:solidFill>
+                  <a:schemeClr val="tx1"/>
+                </a:solidFill>
+                <a:latin typeface="Montserrat" panose="00000500000000000000" pitchFamily="2" charset="-52"/>
+              </a:rPr>
+              <a:t>Начать</a:t>
+            </a:r>
           </a:p>
         </p:txBody>
       </p:sp>
@@ -7578,13 +7537,14 @@
   <p:clrMapOvr>
     <a:masterClrMapping/>
   </p:clrMapOvr>
-  <p:timing>
-    <p:tnLst>
-      <p:par>
-        <p:cTn id="1" dur="indefinite" restart="never" nodeType="tmRoot"/>
-      </p:par>
-    </p:tnLst>
-  </p:timing>
+  <mc:AlternateContent xmlns:mc="http://schemas.openxmlformats.org/markup-compatibility/2006">
+    <mc:Choice xmlns:p14="http://schemas.microsoft.com/office/powerpoint/2010/main" Requires="p14">
+      <p:transition spd="slow" p14:dur="2000" advClick="0"/>
+    </mc:Choice>
+    <mc:Fallback>
+      <p:transition spd="slow" advClick="0"/>
+    </mc:Fallback>
+  </mc:AlternateContent>
 </p:sld>
 </file>
 
@@ -7653,13 +7613,6 @@
   <p:clrMapOvr>
     <a:masterClrMapping/>
   </p:clrMapOvr>
-  <p:timing>
-    <p:tnLst>
-      <p:par>
-        <p:cTn id="1" dur="indefinite" restart="never" nodeType="tmRoot"/>
-      </p:par>
-    </p:tnLst>
-  </p:timing>
 </p:sld>
 </file>
 

--- a/IT/Лабораторные работы/Тест.pptx
+++ b/IT/Лабораторные работы/Тест.pptx
@@ -3488,13 +3488,7 @@
               <a:rPr lang="ru-RU" dirty="0" smtClean="0">
                 <a:latin typeface="Montserrat" panose="00000500000000000000" pitchFamily="2" charset="-52"/>
               </a:rPr>
-              <a:t>Автор: </a:t>
-            </a:r>
-            <a:r>
-              <a:rPr lang="ru-RU" dirty="0" smtClean="0">
-                <a:latin typeface="Montserrat" panose="00000500000000000000" pitchFamily="2" charset="-52"/>
-              </a:rPr>
-              <a:t>Панков Вася 021</a:t>
+              <a:t>Автор: Панков Вася 021</a:t>
             </a:r>
             <a:endParaRPr lang="ru-RU" dirty="0">
               <a:latin typeface="Montserrat" panose="00000500000000000000" pitchFamily="2" charset="-52"/>
@@ -3512,13 +3506,13 @@
   <p:clrMapOvr>
     <a:masterClrMapping/>
   </p:clrMapOvr>
-  <mc:AlternateContent xmlns:mc="http://schemas.openxmlformats.org/markup-compatibility/2006">
-    <mc:Choice xmlns:p14="http://schemas.microsoft.com/office/powerpoint/2010/main" Requires="p14">
+  <mc:AlternateContent xmlns:mc="http://schemas.openxmlformats.org/markup-compatibility/2006" xmlns:p14="http://schemas.microsoft.com/office/powerpoint/2010/main">
+    <mc:Choice Requires="p14">
       <p:transition spd="med" p14:dur="700">
         <p:fade/>
       </p:transition>
     </mc:Choice>
-    <mc:Fallback>
+    <mc:Fallback xmlns="">
       <p:transition spd="med">
         <p:fade/>
       </p:transition>
@@ -3557,7 +3551,7 @@
             <a:hlinkClick r:id="" action="ppaction://hlinkshowjump?jump=nextslide" highlightClick="1"/>
             <a:extLst>
               <a:ext uri="{FF2B5EF4-FFF2-40B4-BE49-F238E27FC236}">
-                <a16:creationId xmlns:a16="http://schemas.microsoft.com/office/drawing/2014/main" xmlns="" id="{62746C7E-8CB6-47AC-99AA-CD5BA72CC363}"/>
+                <a16:creationId xmlns="" xmlns:a16="http://schemas.microsoft.com/office/drawing/2014/main" id="{62746C7E-8CB6-47AC-99AA-CD5BA72CC363}"/>
               </a:ext>
             </a:extLst>
           </p:cNvPr>
@@ -3613,7 +3607,7 @@
             <a:hlinkClick r:id="rId2" action="ppaction://hlinksldjump" highlightClick="1"/>
             <a:extLst>
               <a:ext uri="{FF2B5EF4-FFF2-40B4-BE49-F238E27FC236}">
-                <a16:creationId xmlns:a16="http://schemas.microsoft.com/office/drawing/2014/main" xmlns="" id="{EB8A7B5E-05F3-4E35-A723-E389B95FB2D2}"/>
+                <a16:creationId xmlns="" xmlns:a16="http://schemas.microsoft.com/office/drawing/2014/main" id="{EB8A7B5E-05F3-4E35-A723-E389B95FB2D2}"/>
               </a:ext>
             </a:extLst>
           </p:cNvPr>
@@ -3743,7 +3737,7 @@
             <a:hlinkClick r:id="" action="ppaction://noaction" highlightClick="1"/>
             <a:extLst>
               <a:ext uri="{FF2B5EF4-FFF2-40B4-BE49-F238E27FC236}">
-                <a16:creationId xmlns:a16="http://schemas.microsoft.com/office/drawing/2014/main" xmlns="" id="{24609130-3050-4A4F-A0A1-4849A17248ED}"/>
+                <a16:creationId xmlns="" xmlns:a16="http://schemas.microsoft.com/office/drawing/2014/main" id="{24609130-3050-4A4F-A0A1-4849A17248ED}"/>
               </a:ext>
             </a:extLst>
           </p:cNvPr>
@@ -3820,7 +3814,7 @@
             <a:hlinkClick r:id="rId2" action="ppaction://hlinksldjump" highlightClick="1"/>
             <a:extLst>
               <a:ext uri="{FF2B5EF4-FFF2-40B4-BE49-F238E27FC236}">
-                <a16:creationId xmlns:a16="http://schemas.microsoft.com/office/drawing/2014/main" xmlns="" id="{241E9B79-144E-4B55-933B-4384E1BFC6DB}"/>
+                <a16:creationId xmlns="" xmlns:a16="http://schemas.microsoft.com/office/drawing/2014/main" id="{241E9B79-144E-4B55-933B-4384E1BFC6DB}"/>
               </a:ext>
             </a:extLst>
           </p:cNvPr>
@@ -3897,7 +3891,7 @@
             <a:hlinkClick r:id="rId2" action="ppaction://hlinksldjump" highlightClick="1"/>
             <a:extLst>
               <a:ext uri="{FF2B5EF4-FFF2-40B4-BE49-F238E27FC236}">
-                <a16:creationId xmlns:a16="http://schemas.microsoft.com/office/drawing/2014/main" xmlns="" id="{CCD4017C-0BD5-42E5-8CEA-A21D5A130256}"/>
+                <a16:creationId xmlns="" xmlns:a16="http://schemas.microsoft.com/office/drawing/2014/main" id="{CCD4017C-0BD5-42E5-8CEA-A21D5A130256}"/>
               </a:ext>
             </a:extLst>
           </p:cNvPr>
@@ -3989,13 +3983,13 @@
   <p:clrMapOvr>
     <a:masterClrMapping/>
   </p:clrMapOvr>
-  <mc:AlternateContent xmlns:mc="http://schemas.openxmlformats.org/markup-compatibility/2006">
-    <mc:Choice xmlns:p14="http://schemas.microsoft.com/office/powerpoint/2010/main" Requires="p14">
+  <mc:AlternateContent xmlns:mc="http://schemas.openxmlformats.org/markup-compatibility/2006" xmlns:p14="http://schemas.microsoft.com/office/powerpoint/2010/main">
+    <mc:Choice Requires="p14">
       <p:transition spd="med" p14:dur="700" advClick="0">
         <p:fade/>
       </p:transition>
     </mc:Choice>
-    <mc:Fallback>
+    <mc:Fallback xmlns="">
       <p:transition spd="med" advClick="0">
         <p:fade/>
       </p:transition>
@@ -4573,7 +4567,7 @@
             <a:hlinkClick r:id="" action="ppaction://hlinkshowjump?jump=nextslide" highlightClick="1"/>
             <a:extLst>
               <a:ext uri="{FF2B5EF4-FFF2-40B4-BE49-F238E27FC236}">
-                <a16:creationId xmlns:a16="http://schemas.microsoft.com/office/drawing/2014/main" xmlns="" id="{62746C7E-8CB6-47AC-99AA-CD5BA72CC363}"/>
+                <a16:creationId xmlns="" xmlns:a16="http://schemas.microsoft.com/office/drawing/2014/main" id="{62746C7E-8CB6-47AC-99AA-CD5BA72CC363}"/>
               </a:ext>
             </a:extLst>
           </p:cNvPr>
@@ -4629,7 +4623,7 @@
             <a:hlinkClick r:id="rId2" action="ppaction://hlinksldjump" highlightClick="1"/>
             <a:extLst>
               <a:ext uri="{FF2B5EF4-FFF2-40B4-BE49-F238E27FC236}">
-                <a16:creationId xmlns:a16="http://schemas.microsoft.com/office/drawing/2014/main" xmlns="" id="{EB8A7B5E-05F3-4E35-A723-E389B95FB2D2}"/>
+                <a16:creationId xmlns="" xmlns:a16="http://schemas.microsoft.com/office/drawing/2014/main" id="{EB8A7B5E-05F3-4E35-A723-E389B95FB2D2}"/>
               </a:ext>
             </a:extLst>
           </p:cNvPr>
@@ -4689,14 +4683,6 @@
               </a:rPr>
               <a:t>Нет, так как не указан тип</a:t>
             </a:r>
-            <a:endParaRPr lang="ru-RU" dirty="0">
-              <a:solidFill>
-                <a:schemeClr val="accent2">
-                  <a:lumMod val="75000"/>
-                </a:schemeClr>
-              </a:solidFill>
-              <a:latin typeface="Montserrat" panose="00000500000000000000" pitchFamily="2" charset="-52"/>
-            </a:endParaRPr>
           </a:p>
         </p:txBody>
       </p:sp>
@@ -4783,9 +4769,6 @@
               </a:rPr>
               <a:t> = (0, 1); Этот код выполнится, если да, то как? </a:t>
             </a:r>
-            <a:endParaRPr lang="ru-RU" dirty="0">
-              <a:latin typeface="Montserrat" panose="00000500000000000000" pitchFamily="2" charset="-52"/>
-            </a:endParaRPr>
           </a:p>
         </p:txBody>
       </p:sp>
@@ -4795,7 +4778,7 @@
             <a:hlinkClick r:id="rId2" action="ppaction://hlinksldjump" highlightClick="1"/>
             <a:extLst>
               <a:ext uri="{FF2B5EF4-FFF2-40B4-BE49-F238E27FC236}">
-                <a16:creationId xmlns:a16="http://schemas.microsoft.com/office/drawing/2014/main" xmlns="" id="{24609130-3050-4A4F-A0A1-4849A17248ED}"/>
+                <a16:creationId xmlns="" xmlns:a16="http://schemas.microsoft.com/office/drawing/2014/main" id="{24609130-3050-4A4F-A0A1-4849A17248ED}"/>
               </a:ext>
             </a:extLst>
           </p:cNvPr>
@@ -4855,14 +4838,6 @@
               </a:rPr>
               <a:t>Да, переменным присвоится значение</a:t>
             </a:r>
-            <a:endParaRPr lang="ru-RU" dirty="0">
-              <a:solidFill>
-                <a:schemeClr val="accent2">
-                  <a:lumMod val="75000"/>
-                </a:schemeClr>
-              </a:solidFill>
-              <a:latin typeface="Montserrat" panose="00000500000000000000" pitchFamily="2" charset="-52"/>
-            </a:endParaRPr>
           </a:p>
         </p:txBody>
       </p:sp>
@@ -4872,7 +4847,7 @@
             <a:hlinkClick r:id="" action="ppaction://noaction" highlightClick="1"/>
             <a:extLst>
               <a:ext uri="{FF2B5EF4-FFF2-40B4-BE49-F238E27FC236}">
-                <a16:creationId xmlns:a16="http://schemas.microsoft.com/office/drawing/2014/main" xmlns="" id="{241E9B79-144E-4B55-933B-4384E1BFC6DB}"/>
+                <a16:creationId xmlns="" xmlns:a16="http://schemas.microsoft.com/office/drawing/2014/main" id="{241E9B79-144E-4B55-933B-4384E1BFC6DB}"/>
               </a:ext>
             </a:extLst>
           </p:cNvPr>
@@ -5026,7 +5001,7 @@
             <a:hlinkClick r:id="rId2" action="ppaction://hlinksldjump" highlightClick="1"/>
             <a:extLst>
               <a:ext uri="{FF2B5EF4-FFF2-40B4-BE49-F238E27FC236}">
-                <a16:creationId xmlns:a16="http://schemas.microsoft.com/office/drawing/2014/main" xmlns="" id="{CCD4017C-0BD5-42E5-8CEA-A21D5A130256}"/>
+                <a16:creationId xmlns="" xmlns:a16="http://schemas.microsoft.com/office/drawing/2014/main" id="{CCD4017C-0BD5-42E5-8CEA-A21D5A130256}"/>
               </a:ext>
             </a:extLst>
           </p:cNvPr>
@@ -5086,14 +5061,6 @@
               </a:rPr>
               <a:t>Нет, так нельзя делать в С#</a:t>
             </a:r>
-            <a:endParaRPr lang="ru-RU" dirty="0">
-              <a:solidFill>
-                <a:schemeClr val="accent2">
-                  <a:lumMod val="75000"/>
-                </a:schemeClr>
-              </a:solidFill>
-              <a:latin typeface="Montserrat" panose="00000500000000000000" pitchFamily="2" charset="-52"/>
-            </a:endParaRPr>
           </a:p>
         </p:txBody>
       </p:sp>
@@ -5107,13 +5074,13 @@
   <p:clrMapOvr>
     <a:masterClrMapping/>
   </p:clrMapOvr>
-  <mc:AlternateContent xmlns:mc="http://schemas.openxmlformats.org/markup-compatibility/2006">
-    <mc:Choice xmlns:p14="http://schemas.microsoft.com/office/powerpoint/2010/main" Requires="p14">
+  <mc:AlternateContent xmlns:mc="http://schemas.openxmlformats.org/markup-compatibility/2006" xmlns:p14="http://schemas.microsoft.com/office/powerpoint/2010/main">
+    <mc:Choice Requires="p14">
       <p:transition spd="med" p14:dur="700" advClick="0">
         <p:fade/>
       </p:transition>
     </mc:Choice>
-    <mc:Fallback>
+    <mc:Fallback xmlns="">
       <p:transition spd="med" advClick="0">
         <p:fade/>
       </p:transition>
@@ -5691,7 +5658,7 @@
             <a:hlinkClick r:id="" action="ppaction://hlinkshowjump?jump=nextslide" highlightClick="1"/>
             <a:extLst>
               <a:ext uri="{FF2B5EF4-FFF2-40B4-BE49-F238E27FC236}">
-                <a16:creationId xmlns:a16="http://schemas.microsoft.com/office/drawing/2014/main" xmlns="" id="{62746C7E-8CB6-47AC-99AA-CD5BA72CC363}"/>
+                <a16:creationId xmlns="" xmlns:a16="http://schemas.microsoft.com/office/drawing/2014/main" id="{62746C7E-8CB6-47AC-99AA-CD5BA72CC363}"/>
               </a:ext>
             </a:extLst>
           </p:cNvPr>
@@ -5747,7 +5714,7 @@
             <a:hlinkClick r:id="rId2" action="ppaction://hlinksldjump" highlightClick="1"/>
             <a:extLst>
               <a:ext uri="{FF2B5EF4-FFF2-40B4-BE49-F238E27FC236}">
-                <a16:creationId xmlns:a16="http://schemas.microsoft.com/office/drawing/2014/main" xmlns="" id="{EB8A7B5E-05F3-4E35-A723-E389B95FB2D2}"/>
+                <a16:creationId xmlns="" xmlns:a16="http://schemas.microsoft.com/office/drawing/2014/main" id="{EB8A7B5E-05F3-4E35-A723-E389B95FB2D2}"/>
               </a:ext>
             </a:extLst>
           </p:cNvPr>
@@ -5864,9 +5831,6 @@
               </a:rPr>
               <a:t>)?</a:t>
             </a:r>
-            <a:endParaRPr lang="ru-RU" dirty="0">
-              <a:latin typeface="Montserrat" panose="00000500000000000000" pitchFamily="2" charset="-52"/>
-            </a:endParaRPr>
           </a:p>
         </p:txBody>
       </p:sp>
@@ -5876,7 +5840,7 @@
             <a:hlinkClick r:id="rId2" action="ppaction://hlinksldjump" highlightClick="1"/>
             <a:extLst>
               <a:ext uri="{FF2B5EF4-FFF2-40B4-BE49-F238E27FC236}">
-                <a16:creationId xmlns:a16="http://schemas.microsoft.com/office/drawing/2014/main" xmlns="" id="{24609130-3050-4A4F-A0A1-4849A17248ED}"/>
+                <a16:creationId xmlns="" xmlns:a16="http://schemas.microsoft.com/office/drawing/2014/main" id="{24609130-3050-4A4F-A0A1-4849A17248ED}"/>
               </a:ext>
             </a:extLst>
           </p:cNvPr>
@@ -5964,7 +5928,7 @@
             <a:hlinkClick r:id="" action="ppaction://noaction" highlightClick="1"/>
             <a:extLst>
               <a:ext uri="{FF2B5EF4-FFF2-40B4-BE49-F238E27FC236}">
-                <a16:creationId xmlns:a16="http://schemas.microsoft.com/office/drawing/2014/main" xmlns="" id="{241E9B79-144E-4B55-933B-4384E1BFC6DB}"/>
+                <a16:creationId xmlns="" xmlns:a16="http://schemas.microsoft.com/office/drawing/2014/main" id="{241E9B79-144E-4B55-933B-4384E1BFC6DB}"/>
               </a:ext>
             </a:extLst>
           </p:cNvPr>
@@ -6052,7 +6016,7 @@
             <a:hlinkClick r:id="rId2" action="ppaction://hlinksldjump" highlightClick="1"/>
             <a:extLst>
               <a:ext uri="{FF2B5EF4-FFF2-40B4-BE49-F238E27FC236}">
-                <a16:creationId xmlns:a16="http://schemas.microsoft.com/office/drawing/2014/main" xmlns="" id="{CCD4017C-0BD5-42E5-8CEA-A21D5A130256}"/>
+                <a16:creationId xmlns="" xmlns:a16="http://schemas.microsoft.com/office/drawing/2014/main" id="{CCD4017C-0BD5-42E5-8CEA-A21D5A130256}"/>
               </a:ext>
             </a:extLst>
           </p:cNvPr>
@@ -6110,18 +6074,7 @@
                 </a:solidFill>
                 <a:latin typeface="Montserrat" panose="00000500000000000000" pitchFamily="2" charset="-52"/>
               </a:rPr>
-              <a:t> </a:t>
-            </a:r>
-            <a:r>
-              <a:rPr lang="en-US" sz="2400" dirty="0">
-                <a:solidFill>
-                  <a:schemeClr val="accent2">
-                    <a:lumMod val="75000"/>
-                  </a:schemeClr>
-                </a:solidFill>
-                <a:latin typeface="Montserrat" panose="00000500000000000000" pitchFamily="2" charset="-52"/>
-              </a:rPr>
-              <a:t>.</a:t>
+              <a:t> .</a:t>
             </a:r>
             <a:r>
               <a:rPr lang="en-US" sz="2400" dirty="0" err="1">
@@ -6155,13 +6108,13 @@
   <p:clrMapOvr>
     <a:masterClrMapping/>
   </p:clrMapOvr>
-  <mc:AlternateContent xmlns:mc="http://schemas.openxmlformats.org/markup-compatibility/2006">
-    <mc:Choice xmlns:p14="http://schemas.microsoft.com/office/powerpoint/2010/main" Requires="p14">
+  <mc:AlternateContent xmlns:mc="http://schemas.openxmlformats.org/markup-compatibility/2006" xmlns:p14="http://schemas.microsoft.com/office/powerpoint/2010/main">
+    <mc:Choice Requires="p14">
       <p:transition spd="med" p14:dur="700" advClick="0">
         <p:fade/>
       </p:transition>
     </mc:Choice>
-    <mc:Fallback>
+    <mc:Fallback xmlns="">
       <p:transition spd="med" advClick="0">
         <p:fade/>
       </p:transition>
@@ -6739,7 +6692,7 @@
             <a:hlinkClick r:id="" action="ppaction://hlinkshowjump?jump=nextslide" highlightClick="1"/>
             <a:extLst>
               <a:ext uri="{FF2B5EF4-FFF2-40B4-BE49-F238E27FC236}">
-                <a16:creationId xmlns:a16="http://schemas.microsoft.com/office/drawing/2014/main" xmlns="" id="{62746C7E-8CB6-47AC-99AA-CD5BA72CC363}"/>
+                <a16:creationId xmlns="" xmlns:a16="http://schemas.microsoft.com/office/drawing/2014/main" id="{62746C7E-8CB6-47AC-99AA-CD5BA72CC363}"/>
               </a:ext>
             </a:extLst>
           </p:cNvPr>
@@ -6795,7 +6748,7 @@
             <a:hlinkClick r:id="rId2" action="ppaction://hlinksldjump" highlightClick="1"/>
             <a:extLst>
               <a:ext uri="{FF2B5EF4-FFF2-40B4-BE49-F238E27FC236}">
-                <a16:creationId xmlns:a16="http://schemas.microsoft.com/office/drawing/2014/main" xmlns="" id="{EB8A7B5E-05F3-4E35-A723-E389B95FB2D2}"/>
+                <a16:creationId xmlns="" xmlns:a16="http://schemas.microsoft.com/office/drawing/2014/main" id="{EB8A7B5E-05F3-4E35-A723-E389B95FB2D2}"/>
               </a:ext>
             </a:extLst>
           </p:cNvPr>
@@ -6889,9 +6842,6 @@
               </a:rPr>
               <a:t>Какой инструмент позволяет работать с массивами, как с данными из баз данных(SQL)?</a:t>
             </a:r>
-            <a:endParaRPr lang="ru-RU" dirty="0">
-              <a:latin typeface="Montserrat" panose="00000500000000000000" pitchFamily="2" charset="-52"/>
-            </a:endParaRPr>
           </a:p>
         </p:txBody>
       </p:sp>
@@ -6901,7 +6851,7 @@
             <a:hlinkClick r:id="" action="ppaction://noaction" highlightClick="1"/>
             <a:extLst>
               <a:ext uri="{FF2B5EF4-FFF2-40B4-BE49-F238E27FC236}">
-                <a16:creationId xmlns:a16="http://schemas.microsoft.com/office/drawing/2014/main" xmlns="" id="{24609130-3050-4A4F-A0A1-4849A17248ED}"/>
+                <a16:creationId xmlns="" xmlns:a16="http://schemas.microsoft.com/office/drawing/2014/main" id="{24609130-3050-4A4F-A0A1-4849A17248ED}"/>
               </a:ext>
             </a:extLst>
           </p:cNvPr>
@@ -6978,7 +6928,7 @@
             <a:hlinkClick r:id="rId2" action="ppaction://hlinksldjump" highlightClick="1"/>
             <a:extLst>
               <a:ext uri="{FF2B5EF4-FFF2-40B4-BE49-F238E27FC236}">
-                <a16:creationId xmlns:a16="http://schemas.microsoft.com/office/drawing/2014/main" xmlns="" id="{241E9B79-144E-4B55-933B-4384E1BFC6DB}"/>
+                <a16:creationId xmlns="" xmlns:a16="http://schemas.microsoft.com/office/drawing/2014/main" id="{241E9B79-144E-4B55-933B-4384E1BFC6DB}"/>
               </a:ext>
             </a:extLst>
           </p:cNvPr>
@@ -7055,7 +7005,7 @@
             <a:hlinkClick r:id="rId2" action="ppaction://hlinksldjump" highlightClick="1"/>
             <a:extLst>
               <a:ext uri="{FF2B5EF4-FFF2-40B4-BE49-F238E27FC236}">
-                <a16:creationId xmlns:a16="http://schemas.microsoft.com/office/drawing/2014/main" xmlns="" id="{CCD4017C-0BD5-42E5-8CEA-A21D5A130256}"/>
+                <a16:creationId xmlns="" xmlns:a16="http://schemas.microsoft.com/office/drawing/2014/main" id="{CCD4017C-0BD5-42E5-8CEA-A21D5A130256}"/>
               </a:ext>
             </a:extLst>
           </p:cNvPr>
@@ -7136,13 +7086,13 @@
   <p:clrMapOvr>
     <a:masterClrMapping/>
   </p:clrMapOvr>
-  <mc:AlternateContent xmlns:mc="http://schemas.openxmlformats.org/markup-compatibility/2006">
-    <mc:Choice xmlns:p14="http://schemas.microsoft.com/office/powerpoint/2010/main" Requires="p14">
+  <mc:AlternateContent xmlns:mc="http://schemas.openxmlformats.org/markup-compatibility/2006" xmlns:p14="http://schemas.microsoft.com/office/powerpoint/2010/main">
+    <mc:Choice Requires="p14">
       <p:transition spd="med" p14:dur="700" advClick="0">
         <p:fade/>
       </p:transition>
     </mc:Choice>
-    <mc:Fallback>
+    <mc:Fallback xmlns="">
       <p:transition spd="med" advClick="0">
         <p:fade/>
       </p:transition>
@@ -7719,7 +7669,7 @@
           <p:cNvPr id="2" name="Заголовок 1">
             <a:extLst>
               <a:ext uri="{FF2B5EF4-FFF2-40B4-BE49-F238E27FC236}">
-                <a16:creationId xmlns:a16="http://schemas.microsoft.com/office/drawing/2014/main" xmlns="" id="{BC3037F0-373B-41C0-BF80-AA04CA256136}"/>
+                <a16:creationId xmlns="" xmlns:a16="http://schemas.microsoft.com/office/drawing/2014/main" id="{BC3037F0-373B-41C0-BF80-AA04CA256136}"/>
               </a:ext>
             </a:extLst>
           </p:cNvPr>
@@ -7788,13 +7738,13 @@
   <p:clrMapOvr>
     <a:masterClrMapping/>
   </p:clrMapOvr>
-  <mc:AlternateContent xmlns:mc="http://schemas.openxmlformats.org/markup-compatibility/2006">
-    <mc:Choice xmlns:p14="http://schemas.microsoft.com/office/powerpoint/2010/main" Requires="p14">
+  <mc:AlternateContent xmlns:mc="http://schemas.openxmlformats.org/markup-compatibility/2006" xmlns:p14="http://schemas.microsoft.com/office/powerpoint/2010/main">
+    <mc:Choice Requires="p14">
       <p:transition spd="med" p14:dur="700">
         <p:fade/>
       </p:transition>
     </mc:Choice>
-    <mc:Fallback>
+    <mc:Fallback xmlns="">
       <p:transition spd="med">
         <p:fade/>
       </p:transition>
@@ -8260,13 +8210,13 @@
   <p:clrMapOvr>
     <a:masterClrMapping/>
   </p:clrMapOvr>
-  <mc:AlternateContent xmlns:mc="http://schemas.openxmlformats.org/markup-compatibility/2006">
-    <mc:Choice xmlns:p14="http://schemas.microsoft.com/office/powerpoint/2010/main" Requires="p14">
+  <mc:AlternateContent xmlns:mc="http://schemas.openxmlformats.org/markup-compatibility/2006" xmlns:p14="http://schemas.microsoft.com/office/powerpoint/2010/main">
+    <mc:Choice Requires="p14">
       <p:transition spd="med" p14:dur="700">
         <p:fade/>
       </p:transition>
     </mc:Choice>
-    <mc:Fallback>
+    <mc:Fallback xmlns="">
       <p:transition spd="med">
         <p:fade/>
       </p:transition>
@@ -8567,13 +8517,13 @@
   <p:clrMapOvr>
     <a:masterClrMapping/>
   </p:clrMapOvr>
-  <mc:AlternateContent xmlns:mc="http://schemas.openxmlformats.org/markup-compatibility/2006">
-    <mc:Choice xmlns:p14="http://schemas.microsoft.com/office/powerpoint/2010/main" Requires="p14">
+  <mc:AlternateContent xmlns:mc="http://schemas.openxmlformats.org/markup-compatibility/2006" xmlns:p14="http://schemas.microsoft.com/office/powerpoint/2010/main">
+    <mc:Choice Requires="p14">
       <p:transition spd="med" p14:dur="700">
         <p:fade/>
       </p:transition>
     </mc:Choice>
-    <mc:Fallback>
+    <mc:Fallback xmlns="">
       <p:transition spd="med">
         <p:fade/>
       </p:transition>
@@ -12360,13 +12310,13 @@
   <p:clrMapOvr>
     <a:masterClrMapping/>
   </p:clrMapOvr>
-  <mc:AlternateContent xmlns:mc="http://schemas.openxmlformats.org/markup-compatibility/2006">
-    <mc:Choice xmlns:p14="http://schemas.microsoft.com/office/powerpoint/2010/main" Requires="p14">
+  <mc:AlternateContent xmlns:mc="http://schemas.openxmlformats.org/markup-compatibility/2006" xmlns:p14="http://schemas.microsoft.com/office/powerpoint/2010/main">
+    <mc:Choice Requires="p14">
       <p:transition spd="med" p14:dur="700">
         <p:fade/>
       </p:transition>
     </mc:Choice>
-    <mc:Fallback>
+    <mc:Fallback xmlns="">
       <p:transition spd="med">
         <p:fade/>
       </p:transition>
@@ -12544,13 +12494,13 @@
   <p:clrMapOvr>
     <a:masterClrMapping/>
   </p:clrMapOvr>
-  <mc:AlternateContent xmlns:mc="http://schemas.openxmlformats.org/markup-compatibility/2006">
-    <mc:Choice xmlns:p14="http://schemas.microsoft.com/office/powerpoint/2010/main" Requires="p14">
+  <mc:AlternateContent xmlns:mc="http://schemas.openxmlformats.org/markup-compatibility/2006" xmlns:p14="http://schemas.microsoft.com/office/powerpoint/2010/main">
+    <mc:Choice Requires="p14">
       <p:transition spd="med" p14:dur="700">
         <p:fade/>
       </p:transition>
     </mc:Choice>
-    <mc:Fallback>
+    <mc:Fallback xmlns="">
       <p:transition spd="med">
         <p:fade/>
       </p:transition>
@@ -14945,13 +14895,13 @@
   <p:clrMapOvr>
     <a:masterClrMapping/>
   </p:clrMapOvr>
-  <mc:AlternateContent xmlns:mc="http://schemas.openxmlformats.org/markup-compatibility/2006">
-    <mc:Choice xmlns:p14="http://schemas.microsoft.com/office/powerpoint/2010/main" Requires="p14">
+  <mc:AlternateContent xmlns:mc="http://schemas.openxmlformats.org/markup-compatibility/2006" xmlns:p14="http://schemas.microsoft.com/office/powerpoint/2010/main">
+    <mc:Choice Requires="p14">
       <p:transition spd="med" p14:dur="700">
         <p:fade/>
       </p:transition>
     </mc:Choice>
-    <mc:Fallback>
+    <mc:Fallback xmlns="">
       <p:transition spd="med">
         <p:fade/>
       </p:transition>
@@ -15041,10 +14991,10 @@
       <p:sp>
         <p:nvSpPr>
           <p:cNvPr id="6" name="Прямоугольник: скругленные углы 5">
-            <a:hlinkClick r:id="" action="ppaction://macro?name=StartTest" highlightClick="1"/>
+            <a:hlinkClick r:id="" action="ppaction://hlinkshowjump?jump=nextslide" highlightClick="1"/>
             <a:extLst>
               <a:ext uri="{FF2B5EF4-FFF2-40B4-BE49-F238E27FC236}">
-                <a16:creationId xmlns:a16="http://schemas.microsoft.com/office/drawing/2014/main" xmlns="" id="{4954C03B-5E69-4A76-AC9B-319C1791BC1A}"/>
+                <a16:creationId xmlns="" xmlns:a16="http://schemas.microsoft.com/office/drawing/2014/main" id="{4954C03B-5E69-4A76-AC9B-319C1791BC1A}"/>
               </a:ext>
             </a:extLst>
           </p:cNvPr>
@@ -15130,13 +15080,13 @@
   <p:clrMapOvr>
     <a:masterClrMapping/>
   </p:clrMapOvr>
-  <mc:AlternateContent xmlns:mc="http://schemas.openxmlformats.org/markup-compatibility/2006">
-    <mc:Choice xmlns:p14="http://schemas.microsoft.com/office/powerpoint/2010/main" Requires="p14">
+  <mc:AlternateContent xmlns:mc="http://schemas.openxmlformats.org/markup-compatibility/2006" xmlns:p14="http://schemas.microsoft.com/office/powerpoint/2010/main">
+    <mc:Choice Requires="p14">
       <p:transition spd="med" p14:dur="700" advClick="0">
         <p:fade/>
       </p:transition>
     </mc:Choice>
-    <mc:Fallback>
+    <mc:Fallback xmlns="">
       <p:transition spd="med" advClick="0">
         <p:fade/>
       </p:transition>
@@ -15175,7 +15125,7 @@
             <a:hlinkClick r:id="" action="ppaction://hlinkshowjump?jump=nextslide" highlightClick="1"/>
             <a:extLst>
               <a:ext uri="{FF2B5EF4-FFF2-40B4-BE49-F238E27FC236}">
-                <a16:creationId xmlns:a16="http://schemas.microsoft.com/office/drawing/2014/main" xmlns="" id="{62746C7E-8CB6-47AC-99AA-CD5BA72CC363}"/>
+                <a16:creationId xmlns="" xmlns:a16="http://schemas.microsoft.com/office/drawing/2014/main" id="{62746C7E-8CB6-47AC-99AA-CD5BA72CC363}"/>
               </a:ext>
             </a:extLst>
           </p:cNvPr>
@@ -15230,7 +15180,7 @@
           <p:cNvPr id="6" name="Группа 5">
             <a:extLst>
               <a:ext uri="{FF2B5EF4-FFF2-40B4-BE49-F238E27FC236}">
-                <a16:creationId xmlns:a16="http://schemas.microsoft.com/office/drawing/2014/main" xmlns="" id="{A2A9D141-3004-4B93-90FB-D7A7690405A7}"/>
+                <a16:creationId xmlns="" xmlns:a16="http://schemas.microsoft.com/office/drawing/2014/main" id="{A2A9D141-3004-4B93-90FB-D7A7690405A7}"/>
               </a:ext>
             </a:extLst>
           </p:cNvPr>
@@ -15251,7 +15201,7 @@
               <a:hlinkClick r:id="" action="ppaction://noaction" highlightClick="1"/>
               <a:extLst>
                 <a:ext uri="{FF2B5EF4-FFF2-40B4-BE49-F238E27FC236}">
-                  <a16:creationId xmlns:a16="http://schemas.microsoft.com/office/drawing/2014/main" xmlns="" id="{EB8A7B5E-05F3-4E35-A723-E389B95FB2D2}"/>
+                  <a16:creationId xmlns="" xmlns:a16="http://schemas.microsoft.com/office/drawing/2014/main" id="{EB8A7B5E-05F3-4E35-A723-E389B95FB2D2}"/>
                 </a:ext>
               </a:extLst>
             </p:cNvPr>
@@ -15327,7 +15277,7 @@
             <p:cNvPr id="10" name="Picture 4" descr="Изображение логотипа">
               <a:extLst>
                 <a:ext uri="{FF2B5EF4-FFF2-40B4-BE49-F238E27FC236}">
-                  <a16:creationId xmlns:a16="http://schemas.microsoft.com/office/drawing/2014/main" xmlns="" id="{3EE67600-B4C4-4DB0-BBE1-F7B7353F0A9A}"/>
+                  <a16:creationId xmlns="" xmlns:a16="http://schemas.microsoft.com/office/drawing/2014/main" id="{3EE67600-B4C4-4DB0-BBE1-F7B7353F0A9A}"/>
                 </a:ext>
               </a:extLst>
             </p:cNvPr>
@@ -15397,7 +15347,7 @@
           <p:cNvPr id="5" name="Группа 4">
             <a:extLst>
               <a:ext uri="{FF2B5EF4-FFF2-40B4-BE49-F238E27FC236}">
-                <a16:creationId xmlns:a16="http://schemas.microsoft.com/office/drawing/2014/main" xmlns="" id="{13DAA03B-1BA1-4904-9DF8-28FCD173F995}"/>
+                <a16:creationId xmlns="" xmlns:a16="http://schemas.microsoft.com/office/drawing/2014/main" id="{13DAA03B-1BA1-4904-9DF8-28FCD173F995}"/>
               </a:ext>
             </a:extLst>
           </p:cNvPr>
@@ -15418,7 +15368,7 @@
               <a:hlinkClick r:id="rId3" action="ppaction://hlinksldjump" highlightClick="1"/>
               <a:extLst>
                 <a:ext uri="{FF2B5EF4-FFF2-40B4-BE49-F238E27FC236}">
-                  <a16:creationId xmlns:a16="http://schemas.microsoft.com/office/drawing/2014/main" xmlns="" id="{24609130-3050-4A4F-A0A1-4849A17248ED}"/>
+                  <a16:creationId xmlns="" xmlns:a16="http://schemas.microsoft.com/office/drawing/2014/main" id="{24609130-3050-4A4F-A0A1-4849A17248ED}"/>
                 </a:ext>
               </a:extLst>
             </p:cNvPr>
@@ -15494,7 +15444,7 @@
             <p:cNvPr id="1026" name="Picture 2">
               <a:extLst>
                 <a:ext uri="{FF2B5EF4-FFF2-40B4-BE49-F238E27FC236}">
-                  <a16:creationId xmlns:a16="http://schemas.microsoft.com/office/drawing/2014/main" xmlns="" id="{50961C8E-0448-492C-9231-BB6F01874E8D}"/>
+                  <a16:creationId xmlns="" xmlns:a16="http://schemas.microsoft.com/office/drawing/2014/main" id="{50961C8E-0448-492C-9231-BB6F01874E8D}"/>
                 </a:ext>
               </a:extLst>
             </p:cNvPr>
@@ -15542,7 +15492,7 @@
           <p:cNvPr id="11" name="Группа 10">
             <a:extLst>
               <a:ext uri="{FF2B5EF4-FFF2-40B4-BE49-F238E27FC236}">
-                <a16:creationId xmlns:a16="http://schemas.microsoft.com/office/drawing/2014/main" xmlns="" id="{69CD2157-7BB1-480F-B09B-5CD822697D35}"/>
+                <a16:creationId xmlns="" xmlns:a16="http://schemas.microsoft.com/office/drawing/2014/main" id="{69CD2157-7BB1-480F-B09B-5CD822697D35}"/>
               </a:ext>
             </a:extLst>
           </p:cNvPr>
@@ -15563,7 +15513,7 @@
               <a:hlinkClick r:id="rId3" action="ppaction://hlinksldjump" highlightClick="1"/>
               <a:extLst>
                 <a:ext uri="{FF2B5EF4-FFF2-40B4-BE49-F238E27FC236}">
-                  <a16:creationId xmlns:a16="http://schemas.microsoft.com/office/drawing/2014/main" xmlns="" id="{241E9B79-144E-4B55-933B-4384E1BFC6DB}"/>
+                  <a16:creationId xmlns="" xmlns:a16="http://schemas.microsoft.com/office/drawing/2014/main" id="{241E9B79-144E-4B55-933B-4384E1BFC6DB}"/>
                 </a:ext>
               </a:extLst>
             </p:cNvPr>
@@ -15639,7 +15589,7 @@
             <p:cNvPr id="1028" name="Picture 4">
               <a:extLst>
                 <a:ext uri="{FF2B5EF4-FFF2-40B4-BE49-F238E27FC236}">
-                  <a16:creationId xmlns:a16="http://schemas.microsoft.com/office/drawing/2014/main" xmlns="" id="{3B0A7A84-A662-41CA-8203-B6F19489F64F}"/>
+                  <a16:creationId xmlns="" xmlns:a16="http://schemas.microsoft.com/office/drawing/2014/main" id="{3B0A7A84-A662-41CA-8203-B6F19489F64F}"/>
                 </a:ext>
               </a:extLst>
             </p:cNvPr>
@@ -15687,7 +15637,7 @@
           <p:cNvPr id="15" name="Группа 14">
             <a:extLst>
               <a:ext uri="{FF2B5EF4-FFF2-40B4-BE49-F238E27FC236}">
-                <a16:creationId xmlns:a16="http://schemas.microsoft.com/office/drawing/2014/main" xmlns="" id="{318912EC-7902-4CB8-ABBE-1F6D27808110}"/>
+                <a16:creationId xmlns="" xmlns:a16="http://schemas.microsoft.com/office/drawing/2014/main" id="{318912EC-7902-4CB8-ABBE-1F6D27808110}"/>
               </a:ext>
             </a:extLst>
           </p:cNvPr>
@@ -15708,7 +15658,7 @@
               <a:hlinkClick r:id="rId3" action="ppaction://hlinksldjump" highlightClick="1"/>
               <a:extLst>
                 <a:ext uri="{FF2B5EF4-FFF2-40B4-BE49-F238E27FC236}">
-                  <a16:creationId xmlns:a16="http://schemas.microsoft.com/office/drawing/2014/main" xmlns="" id="{CCD4017C-0BD5-42E5-8CEA-A21D5A130256}"/>
+                  <a16:creationId xmlns="" xmlns:a16="http://schemas.microsoft.com/office/drawing/2014/main" id="{CCD4017C-0BD5-42E5-8CEA-A21D5A130256}"/>
                 </a:ext>
               </a:extLst>
             </p:cNvPr>
@@ -15817,7 +15767,7 @@
             <p:cNvPr id="1030" name="Picture 6">
               <a:extLst>
                 <a:ext uri="{FF2B5EF4-FFF2-40B4-BE49-F238E27FC236}">
-                  <a16:creationId xmlns:a16="http://schemas.microsoft.com/office/drawing/2014/main" xmlns="" id="{23AB0213-9D8F-4A36-A587-66109AEFFF2C}"/>
+                  <a16:creationId xmlns="" xmlns:a16="http://schemas.microsoft.com/office/drawing/2014/main" id="{23AB0213-9D8F-4A36-A587-66109AEFFF2C}"/>
                 </a:ext>
               </a:extLst>
             </p:cNvPr>
@@ -15870,13 +15820,13 @@
   <p:clrMapOvr>
     <a:masterClrMapping/>
   </p:clrMapOvr>
-  <mc:AlternateContent xmlns:mc="http://schemas.openxmlformats.org/markup-compatibility/2006">
-    <mc:Choice xmlns:p14="http://schemas.microsoft.com/office/powerpoint/2010/main" Requires="p14">
+  <mc:AlternateContent xmlns:mc="http://schemas.openxmlformats.org/markup-compatibility/2006" xmlns:p14="http://schemas.microsoft.com/office/powerpoint/2010/main">
+    <mc:Choice Requires="p14">
       <p:transition spd="med" p14:dur="700" advClick="0">
         <p:fade/>
       </p:transition>
     </mc:Choice>
-    <mc:Fallback>
+    <mc:Fallback xmlns="">
       <p:transition spd="med" advClick="0">
         <p:fade/>
       </p:transition>
